--- a/HI_hamana.pptx
+++ b/HI_hamana.pptx
@@ -1,11 +1,11 @@
 
 <file path=ppt/presentation.xml><?xml version="1.0" encoding="utf-8"?>
-<p:presentation xmlns:a="http://schemas.openxmlformats.org/drawingml/2006/main" xmlns:r="http://schemas.openxmlformats.org/officeDocument/2006/relationships" xmlns:p="http://schemas.openxmlformats.org/presentationml/2006/main" saveSubsetFonts="1">
+<p:presentation xmlns:a="http://schemas.openxmlformats.org/drawingml/2006/main" xmlns:r="http://schemas.openxmlformats.org/officeDocument/2006/relationships" xmlns:p="http://schemas.openxmlformats.org/presentationml/2006/main" showSpecialPlsOnTitleSld="0" saveSubsetFonts="1">
   <p:sldMasterIdLst>
     <p:sldMasterId id="2147483672" r:id="rId1"/>
   </p:sldMasterIdLst>
   <p:notesMasterIdLst>
-    <p:notesMasterId r:id="rId12"/>
+    <p:notesMasterId r:id="rId14"/>
   </p:notesMasterIdLst>
   <p:sldIdLst>
     <p:sldId id="256" r:id="rId2"/>
@@ -16,8 +16,10 @@
     <p:sldId id="261" r:id="rId7"/>
     <p:sldId id="262" r:id="rId8"/>
     <p:sldId id="263" r:id="rId9"/>
-    <p:sldId id="264" r:id="rId10"/>
-    <p:sldId id="265" r:id="rId11"/>
+    <p:sldId id="265" r:id="rId10"/>
+    <p:sldId id="266" r:id="rId11"/>
+    <p:sldId id="268" r:id="rId12"/>
+    <p:sldId id="269" r:id="rId13"/>
   </p:sldIdLst>
   <p:sldSz cx="9144000" cy="6858000" type="screen4x3"/>
   <p:notesSz cx="6858000" cy="9144000"/>
@@ -206,7 +208,7 @@
           <a:p>
             <a:fld id="{DBDDF0A9-CFE2-41FB-808F-FBBECAA7E74C}" type="datetimeFigureOut">
               <a:rPr kumimoji="1" lang="ja-JP" altLang="en-US" smtClean="0"/>
-              <a:t>2018/5/7</a:t>
+              <a:t>2018/5/8</a:t>
             </a:fld>
             <a:endParaRPr kumimoji="1" lang="ja-JP" altLang="en-US"/>
           </a:p>
@@ -594,6 +596,354 @@
 </p:notes>
 </file>
 
+<file path=ppt/notesSlides/notesSlide10.xml><?xml version="1.0" encoding="utf-8"?>
+<p:notes xmlns:a="http://schemas.openxmlformats.org/drawingml/2006/main" xmlns:r="http://schemas.openxmlformats.org/officeDocument/2006/relationships" xmlns:p="http://schemas.openxmlformats.org/presentationml/2006/main">
+  <p:cSld>
+    <p:spTree>
+      <p:nvGrpSpPr>
+        <p:cNvPr id="1" name=""/>
+        <p:cNvGrpSpPr/>
+        <p:nvPr/>
+      </p:nvGrpSpPr>
+      <p:grpSpPr>
+        <a:xfrm>
+          <a:off x="0" y="0"/>
+          <a:ext cx="0" cy="0"/>
+          <a:chOff x="0" y="0"/>
+          <a:chExt cx="0" cy="0"/>
+        </a:xfrm>
+      </p:grpSpPr>
+      <p:sp>
+        <p:nvSpPr>
+          <p:cNvPr id="2" name="スライド イメージ プレースホルダー 1"/>
+          <p:cNvSpPr>
+            <a:spLocks noGrp="1" noRot="1" noChangeAspect="1"/>
+          </p:cNvSpPr>
+          <p:nvPr>
+            <p:ph type="sldImg"/>
+          </p:nvPr>
+        </p:nvSpPr>
+        <p:spPr/>
+      </p:sp>
+      <p:sp>
+        <p:nvSpPr>
+          <p:cNvPr id="3" name="ノート プレースホルダー 2"/>
+          <p:cNvSpPr>
+            <a:spLocks noGrp="1"/>
+          </p:cNvSpPr>
+          <p:nvPr>
+            <p:ph type="body" idx="1"/>
+          </p:nvPr>
+        </p:nvSpPr>
+        <p:spPr/>
+        <p:txBody>
+          <a:bodyPr/>
+          <a:lstStyle/>
+          <a:p>
+            <a:r>
+              <a:rPr kumimoji="1" lang="ja-JP" altLang="en-US" dirty="0" smtClean="0"/>
+              <a:t>動画であった光学センサ付スクリーンの実物</a:t>
+            </a:r>
+            <a:endParaRPr kumimoji="1" lang="en-US" altLang="ja-JP" dirty="0" smtClean="0"/>
+          </a:p>
+          <a:p>
+            <a:r>
+              <a:rPr kumimoji="1" lang="ja-JP" altLang="en-US" dirty="0" smtClean="0"/>
+              <a:t>表だけ見るとあまり分からないが、実は裏側から光ファイバーが埋め込まれており</a:t>
+            </a:r>
+            <a:endParaRPr kumimoji="1" lang="en-US" altLang="ja-JP" dirty="0" smtClean="0"/>
+          </a:p>
+          <a:p>
+            <a:r>
+              <a:rPr kumimoji="1" lang="ja-JP" altLang="en-US" dirty="0" smtClean="0"/>
+              <a:t>表面の</a:t>
+            </a:r>
+            <a:r>
+              <a:rPr kumimoji="1" lang="en-US" altLang="ja-JP" dirty="0" smtClean="0"/>
+              <a:t>4</a:t>
+            </a:r>
+            <a:r>
+              <a:rPr kumimoji="1" lang="ja-JP" altLang="en-US" dirty="0" smtClean="0"/>
+              <a:t>隅に光ファイバーの先端がある。</a:t>
+            </a:r>
+            <a:endParaRPr kumimoji="1" lang="en-US" altLang="ja-JP" dirty="0" smtClean="0"/>
+          </a:p>
+          <a:p>
+            <a:r>
+              <a:rPr kumimoji="1" lang="ja-JP" altLang="en-US" dirty="0" smtClean="0"/>
+              <a:t>光ファイバーは裏側の光センサとつながっている。</a:t>
+            </a:r>
+            <a:endParaRPr kumimoji="1" lang="en-US" altLang="ja-JP" dirty="0" smtClean="0"/>
+          </a:p>
+        </p:txBody>
+      </p:sp>
+      <p:sp>
+        <p:nvSpPr>
+          <p:cNvPr id="4" name="スライド番号プレースホルダー 3"/>
+          <p:cNvSpPr>
+            <a:spLocks noGrp="1"/>
+          </p:cNvSpPr>
+          <p:nvPr>
+            <p:ph type="sldNum" sz="quarter" idx="10"/>
+          </p:nvPr>
+        </p:nvSpPr>
+        <p:spPr/>
+        <p:txBody>
+          <a:bodyPr/>
+          <a:lstStyle/>
+          <a:p>
+            <a:fld id="{B8CD965A-9A59-42B6-ADA1-B01B27F6A563}" type="slidenum">
+              <a:rPr kumimoji="1" lang="ja-JP" altLang="en-US" smtClean="0"/>
+              <a:t>10</a:t>
+            </a:fld>
+            <a:endParaRPr kumimoji="1" lang="ja-JP" altLang="en-US"/>
+          </a:p>
+        </p:txBody>
+      </p:sp>
+    </p:spTree>
+    <p:extLst>
+      <p:ext uri="{BB962C8B-B14F-4D97-AF65-F5344CB8AC3E}">
+        <p14:creationId xmlns:p14="http://schemas.microsoft.com/office/powerpoint/2010/main" val="3704441826"/>
+      </p:ext>
+    </p:extLst>
+  </p:cSld>
+  <p:clrMapOvr>
+    <a:masterClrMapping/>
+  </p:clrMapOvr>
+</p:notes>
+</file>
+
+<file path=ppt/notesSlides/notesSlide11.xml><?xml version="1.0" encoding="utf-8"?>
+<p:notes xmlns:a="http://schemas.openxmlformats.org/drawingml/2006/main" xmlns:r="http://schemas.openxmlformats.org/officeDocument/2006/relationships" xmlns:p="http://schemas.openxmlformats.org/presentationml/2006/main">
+  <p:cSld>
+    <p:spTree>
+      <p:nvGrpSpPr>
+        <p:cNvPr id="1" name=""/>
+        <p:cNvGrpSpPr/>
+        <p:nvPr/>
+      </p:nvGrpSpPr>
+      <p:grpSpPr>
+        <a:xfrm>
+          <a:off x="0" y="0"/>
+          <a:ext cx="0" cy="0"/>
+          <a:chOff x="0" y="0"/>
+          <a:chExt cx="0" cy="0"/>
+        </a:xfrm>
+      </p:grpSpPr>
+      <p:sp>
+        <p:nvSpPr>
+          <p:cNvPr id="2" name="スライド イメージ プレースホルダー 1"/>
+          <p:cNvSpPr>
+            <a:spLocks noGrp="1" noRot="1" noChangeAspect="1"/>
+          </p:cNvSpPr>
+          <p:nvPr>
+            <p:ph type="sldImg"/>
+          </p:nvPr>
+        </p:nvSpPr>
+        <p:spPr/>
+      </p:sp>
+      <p:sp>
+        <p:nvSpPr>
+          <p:cNvPr id="3" name="ノート プレースホルダー 2"/>
+          <p:cNvSpPr>
+            <a:spLocks noGrp="1"/>
+          </p:cNvSpPr>
+          <p:nvPr>
+            <p:ph type="body" idx="1"/>
+          </p:nvPr>
+        </p:nvSpPr>
+        <p:spPr/>
+        <p:txBody>
+          <a:bodyPr/>
+          <a:lstStyle/>
+          <a:p>
+            <a:r>
+              <a:rPr kumimoji="1" lang="ja-JP" altLang="en-US" dirty="0" smtClean="0"/>
+              <a:t>表面で検知した光情報は光ファイバーを通じて裏のセンサに届くようになっている。</a:t>
+            </a:r>
+            <a:endParaRPr kumimoji="1" lang="en-US" altLang="ja-JP" dirty="0" smtClean="0"/>
+          </a:p>
+          <a:p>
+            <a:r>
+              <a:rPr kumimoji="1" lang="ja-JP" altLang="en-US" dirty="0" smtClean="0"/>
+              <a:t>このセンサは届いた光情報をホスト</a:t>
+            </a:r>
+            <a:r>
+              <a:rPr kumimoji="1" lang="en-US" altLang="ja-JP" dirty="0" smtClean="0"/>
+              <a:t>PC</a:t>
+            </a:r>
+            <a:r>
+              <a:rPr kumimoji="1" lang="ja-JP" altLang="en-US" dirty="0" smtClean="0"/>
+              <a:t>へ送るような仕組みになっている。</a:t>
+            </a:r>
+            <a:endParaRPr kumimoji="1" lang="en-US" altLang="ja-JP" dirty="0" smtClean="0"/>
+          </a:p>
+          <a:p>
+            <a:r>
+              <a:rPr kumimoji="1" lang="ja-JP" altLang="en-US" dirty="0" smtClean="0"/>
+              <a:t>光ファイバーを用いることにより</a:t>
+            </a:r>
+            <a:r>
+              <a:rPr kumimoji="1" lang="en-US" altLang="ja-JP" dirty="0" smtClean="0"/>
+              <a:t>,</a:t>
+            </a:r>
+            <a:r>
+              <a:rPr kumimoji="1" lang="ja-JP" altLang="en-US" baseline="0" dirty="0" smtClean="0"/>
+              <a:t>　プロジェクタと</a:t>
+            </a:r>
+            <a:r>
+              <a:rPr kumimoji="1" lang="ja-JP" altLang="en-US" dirty="0" smtClean="0"/>
+              <a:t>スクリーンの角度が浅くても光ファイバーに光が入るので光情報を取れる</a:t>
+            </a:r>
+            <a:endParaRPr kumimoji="1" lang="en-US" altLang="ja-JP" dirty="0" smtClean="0"/>
+          </a:p>
+          <a:p>
+            <a:endParaRPr kumimoji="1" lang="en-US" altLang="ja-JP" dirty="0" smtClean="0"/>
+          </a:p>
+          <a:p>
+            <a:r>
+              <a:rPr kumimoji="1" lang="ja-JP" altLang="en-US" dirty="0" smtClean="0"/>
+              <a:t>これによってとりあえず</a:t>
+            </a:r>
+            <a:r>
+              <a:rPr kumimoji="1" lang="en-US" altLang="ja-JP" dirty="0" smtClean="0"/>
+              <a:t>PC</a:t>
+            </a:r>
+            <a:r>
+              <a:rPr kumimoji="1" lang="ja-JP" altLang="en-US" dirty="0" smtClean="0"/>
+              <a:t>とスクリーン間でコミュニケーションが可能。</a:t>
+            </a:r>
+            <a:endParaRPr kumimoji="1" lang="en-US" altLang="ja-JP" dirty="0" smtClean="0"/>
+          </a:p>
+          <a:p>
+            <a:r>
+              <a:rPr kumimoji="1" lang="ja-JP" altLang="en-US" dirty="0" smtClean="0"/>
+              <a:t>スクリーンの位置情報と大きさの取得はこの時点ではまだ不明なので次のスライドで。</a:t>
+            </a:r>
+            <a:endParaRPr kumimoji="1" lang="en-US" altLang="ja-JP" dirty="0" smtClean="0"/>
+          </a:p>
+        </p:txBody>
+      </p:sp>
+      <p:sp>
+        <p:nvSpPr>
+          <p:cNvPr id="4" name="スライド番号プレースホルダー 3"/>
+          <p:cNvSpPr>
+            <a:spLocks noGrp="1"/>
+          </p:cNvSpPr>
+          <p:nvPr>
+            <p:ph type="sldNum" sz="quarter" idx="10"/>
+          </p:nvPr>
+        </p:nvSpPr>
+        <p:spPr/>
+        <p:txBody>
+          <a:bodyPr/>
+          <a:lstStyle/>
+          <a:p>
+            <a:fld id="{B8CD965A-9A59-42B6-ADA1-B01B27F6A563}" type="slidenum">
+              <a:rPr kumimoji="1" lang="ja-JP" altLang="en-US" smtClean="0"/>
+              <a:t>11</a:t>
+            </a:fld>
+            <a:endParaRPr kumimoji="1" lang="ja-JP" altLang="en-US"/>
+          </a:p>
+        </p:txBody>
+      </p:sp>
+    </p:spTree>
+    <p:extLst>
+      <p:ext uri="{BB962C8B-B14F-4D97-AF65-F5344CB8AC3E}">
+        <p14:creationId xmlns:p14="http://schemas.microsoft.com/office/powerpoint/2010/main" val="1187790578"/>
+      </p:ext>
+    </p:extLst>
+  </p:cSld>
+  <p:clrMapOvr>
+    <a:masterClrMapping/>
+  </p:clrMapOvr>
+</p:notes>
+</file>
+
+<file path=ppt/notesSlides/notesSlide12.xml><?xml version="1.0" encoding="utf-8"?>
+<p:notes xmlns:a="http://schemas.openxmlformats.org/drawingml/2006/main" xmlns:r="http://schemas.openxmlformats.org/officeDocument/2006/relationships" xmlns:p="http://schemas.openxmlformats.org/presentationml/2006/main">
+  <p:cSld>
+    <p:spTree>
+      <p:nvGrpSpPr>
+        <p:cNvPr id="1" name=""/>
+        <p:cNvGrpSpPr/>
+        <p:nvPr/>
+      </p:nvGrpSpPr>
+      <p:grpSpPr>
+        <a:xfrm>
+          <a:off x="0" y="0"/>
+          <a:ext cx="0" cy="0"/>
+          <a:chOff x="0" y="0"/>
+          <a:chExt cx="0" cy="0"/>
+        </a:xfrm>
+      </p:grpSpPr>
+      <p:sp>
+        <p:nvSpPr>
+          <p:cNvPr id="2" name="スライド イメージ プレースホルダー 1"/>
+          <p:cNvSpPr>
+            <a:spLocks noGrp="1" noRot="1" noChangeAspect="1"/>
+          </p:cNvSpPr>
+          <p:nvPr>
+            <p:ph type="sldImg"/>
+          </p:nvPr>
+        </p:nvSpPr>
+        <p:spPr/>
+      </p:sp>
+      <p:sp>
+        <p:nvSpPr>
+          <p:cNvPr id="3" name="ノート プレースホルダー 2"/>
+          <p:cNvSpPr>
+            <a:spLocks noGrp="1"/>
+          </p:cNvSpPr>
+          <p:nvPr>
+            <p:ph type="body" idx="1"/>
+          </p:nvPr>
+        </p:nvSpPr>
+        <p:spPr/>
+        <p:txBody>
+          <a:bodyPr/>
+          <a:lstStyle/>
+          <a:p>
+            <a:endParaRPr kumimoji="1" lang="ja-JP" altLang="en-US" dirty="0"/>
+          </a:p>
+        </p:txBody>
+      </p:sp>
+      <p:sp>
+        <p:nvSpPr>
+          <p:cNvPr id="4" name="スライド番号プレースホルダー 3"/>
+          <p:cNvSpPr>
+            <a:spLocks noGrp="1"/>
+          </p:cNvSpPr>
+          <p:nvPr>
+            <p:ph type="sldNum" sz="quarter" idx="10"/>
+          </p:nvPr>
+        </p:nvSpPr>
+        <p:spPr/>
+        <p:txBody>
+          <a:bodyPr/>
+          <a:lstStyle/>
+          <a:p>
+            <a:fld id="{B8CD965A-9A59-42B6-ADA1-B01B27F6A563}" type="slidenum">
+              <a:rPr kumimoji="1" lang="ja-JP" altLang="en-US" smtClean="0"/>
+              <a:t>12</a:t>
+            </a:fld>
+            <a:endParaRPr kumimoji="1" lang="ja-JP" altLang="en-US"/>
+          </a:p>
+        </p:txBody>
+      </p:sp>
+    </p:spTree>
+    <p:extLst>
+      <p:ext uri="{BB962C8B-B14F-4D97-AF65-F5344CB8AC3E}">
+        <p14:creationId xmlns:p14="http://schemas.microsoft.com/office/powerpoint/2010/main" val="1329975957"/>
+      </p:ext>
+    </p:extLst>
+  </p:cSld>
+  <p:clrMapOvr>
+    <a:masterClrMapping/>
+  </p:clrMapOvr>
+</p:notes>
+</file>
+
 <file path=ppt/notesSlides/notesSlide2.xml><?xml version="1.0" encoding="utf-8"?>
 <p:notes xmlns:a="http://schemas.openxmlformats.org/drawingml/2006/main" xmlns:r="http://schemas.openxmlformats.org/officeDocument/2006/relationships" xmlns:p="http://schemas.openxmlformats.org/presentationml/2006/main">
   <p:cSld>
@@ -638,6 +988,10 @@
           <a:bodyPr/>
           <a:lstStyle/>
           <a:p>
+            <a:fld id="{EFEA4B8C-2E68-4CD3-8466-A5D8CE657E4E}" type="slidenum">
+              <a:rPr kumimoji="1" lang="ja-JP" altLang="en-US" smtClean="0"/>
+              <a:t>2</a:t>
+            </a:fld>
             <a:r>
               <a:rPr kumimoji="1" lang="ja-JP" altLang="en-US" dirty="0" smtClean="0"/>
               <a:t>先に断っておくと、この論文は</a:t>
@@ -1234,7 +1588,11 @@
           <a:p>
             <a:r>
               <a:rPr kumimoji="1" lang="ja-JP" altLang="en-US" dirty="0" smtClean="0"/>
-              <a:t>光センサとバイナリパターンの照射によって、カメラベースのキャリブレーションよりも簡単に、かつ正確にキャリブレーションすることができる。</a:t>
+              <a:t>光学センサ</a:t>
+            </a:r>
+            <a:r>
+              <a:rPr kumimoji="1" lang="ja-JP" altLang="en-US" dirty="0" smtClean="0"/>
+              <a:t>とバイナリパターンの照射によって、カメラベースのキャリブレーションよりも簡単に、かつ正確にキャリブレーションすることができる。</a:t>
             </a:r>
             <a:endParaRPr kumimoji="1" lang="en-US" altLang="ja-JP" dirty="0" smtClean="0"/>
           </a:p>
@@ -1332,7 +1690,7 @@
           <a:p>
             <a:r>
               <a:rPr kumimoji="1" lang="ja-JP" altLang="en-US" dirty="0" smtClean="0"/>
-              <a:t>システムの概要を説明する前に実際にキャリブレーションを行っている動画を</a:t>
+              <a:t>システムの概要が良く分かる動画を</a:t>
             </a:r>
             <a:r>
               <a:rPr kumimoji="1" lang="en-US" altLang="ja-JP" dirty="0" smtClean="0"/>
@@ -1431,7 +1789,15 @@
           <a:p>
             <a:r>
               <a:rPr kumimoji="1" lang="ja-JP" altLang="en-US" dirty="0" smtClean="0"/>
-              <a:t>・円卓・・・光センサつきスクリーンを置くための台。この台とスクリーンとを判別してキャリブレーションする。　</a:t>
+              <a:t>・円卓・・・</a:t>
+            </a:r>
+            <a:r>
+              <a:rPr kumimoji="1" lang="ja-JP" altLang="en-US" dirty="0" smtClean="0"/>
+              <a:t>光学センサつき</a:t>
+            </a:r>
+            <a:r>
+              <a:rPr kumimoji="1" lang="ja-JP" altLang="en-US" dirty="0" smtClean="0"/>
+              <a:t>スクリーンを置くための台。この台とスクリーンとを判別してキャリブレーションする。</a:t>
             </a:r>
             <a:endParaRPr kumimoji="1" lang="en-US" altLang="ja-JP" dirty="0" smtClean="0"/>
           </a:p>
@@ -1446,7 +1812,7 @@
             </a:r>
             <a:r>
               <a:rPr kumimoji="1" lang="ja-JP" altLang="en-US" dirty="0" smtClean="0"/>
-              <a:t>・・・プロジェクタへイメージを流す</a:t>
+              <a:t>・・・プロジェクタへイメージを流す。</a:t>
             </a:r>
             <a:endParaRPr kumimoji="1" lang="en-US" altLang="ja-JP" dirty="0" smtClean="0"/>
           </a:p>
@@ -1468,7 +1834,7 @@
             </a:r>
             <a:r>
               <a:rPr kumimoji="1" lang="ja-JP" altLang="en-US" dirty="0" smtClean="0"/>
-              <a:t>隅に光センサがついている</a:t>
+              <a:t>隅に光センサがついている。</a:t>
             </a:r>
             <a:endParaRPr kumimoji="1" lang="en-US" altLang="ja-JP" dirty="0" smtClean="0"/>
           </a:p>
@@ -1587,58 +1953,97 @@
           <a:lstStyle/>
           <a:p>
             <a:r>
+              <a:rPr kumimoji="1" lang="en-US" altLang="ja-JP" dirty="0" smtClean="0"/>
+              <a:t>1.</a:t>
+            </a:r>
+            <a:r>
               <a:rPr kumimoji="1" lang="ja-JP" altLang="en-US" dirty="0" smtClean="0"/>
-              <a:t>実物はこんな感じ。</a:t>
-            </a:r>
-            <a:endParaRPr kumimoji="1" lang="en-US" altLang="ja-JP" dirty="0" smtClean="0"/>
-          </a:p>
-          <a:p>
+              <a:t>　</a:t>
+            </a:r>
             <a:r>
               <a:rPr kumimoji="1" lang="ja-JP" altLang="en-US" dirty="0" smtClean="0"/>
-              <a:t>裏側。</a:t>
-            </a:r>
-            <a:endParaRPr kumimoji="1" lang="en-US" altLang="ja-JP" dirty="0" smtClean="0"/>
-          </a:p>
-          <a:p>
+              <a:t>光学センサ</a:t>
+            </a:r>
+            <a:r>
+              <a:rPr kumimoji="1" lang="ja-JP" altLang="en-US" dirty="0" smtClean="0"/>
+              <a:t>を</a:t>
+            </a:r>
             <a:r>
               <a:rPr kumimoji="1" lang="en-US" altLang="ja-JP" dirty="0" smtClean="0"/>
               <a:t>4</a:t>
             </a:r>
             <a:r>
               <a:rPr kumimoji="1" lang="ja-JP" altLang="en-US" dirty="0" smtClean="0"/>
-              <a:t>隅に光センサを裏から通している。</a:t>
+              <a:t>隅に埋めたターゲットスクリーンを用意する</a:t>
             </a:r>
             <a:endParaRPr kumimoji="1" lang="en-US" altLang="ja-JP" dirty="0" smtClean="0"/>
           </a:p>
           <a:p>
             <a:r>
+              <a:rPr kumimoji="1" lang="en-US" altLang="ja-JP" dirty="0" smtClean="0"/>
+              <a:t>2.</a:t>
+            </a:r>
+            <a:r>
               <a:rPr kumimoji="1" lang="ja-JP" altLang="en-US" dirty="0" smtClean="0"/>
-              <a:t>光センサの何らかの値をここで集めて</a:t>
-            </a:r>
-            <a:r>
-              <a:rPr kumimoji="1" lang="en-US" altLang="ja-JP" dirty="0" smtClean="0"/>
-              <a:t>USB</a:t>
+              <a:t>　</a:t>
             </a:r>
             <a:r>
               <a:rPr kumimoji="1" lang="ja-JP" altLang="en-US" dirty="0" smtClean="0"/>
-              <a:t>ケーブルでで</a:t>
-            </a:r>
-            <a:r>
-              <a:rPr kumimoji="1" lang="en-US" altLang="ja-JP" dirty="0" smtClean="0"/>
-              <a:t>PC</a:t>
+              <a:t>光学センサ</a:t>
             </a:r>
             <a:r>
               <a:rPr kumimoji="1" lang="ja-JP" altLang="en-US" dirty="0" smtClean="0"/>
-              <a:t>に流している。</a:t>
+              <a:t>の位置情報を取得するためにバイナリパターンを照射する</a:t>
             </a:r>
             <a:endParaRPr kumimoji="1" lang="en-US" altLang="ja-JP" dirty="0" smtClean="0"/>
           </a:p>
           <a:p>
-            <a:r>
-              <a:rPr kumimoji="1" lang="ja-JP" altLang="en-US" dirty="0" smtClean="0"/>
-              <a:t>これを元にスクリーンの位置情報を取得する。</a:t>
-            </a:r>
-            <a:endParaRPr kumimoji="1" lang="en-US" altLang="ja-JP" dirty="0" smtClean="0"/>
+            <a:pPr marL="228600" indent="-228600">
+              <a:buAutoNum type="arabicPeriod" startAt="3"/>
+            </a:pPr>
+            <a:r>
+              <a:rPr kumimoji="1" lang="ja-JP" altLang="en-US" baseline="0" dirty="0" smtClean="0"/>
+              <a:t>光学センサ</a:t>
+            </a:r>
+            <a:r>
+              <a:rPr kumimoji="1" lang="ja-JP" altLang="en-US" baseline="0" dirty="0" smtClean="0"/>
+              <a:t>の位置からスクリーンの大きさ</a:t>
+            </a:r>
+            <a:r>
+              <a:rPr kumimoji="1" lang="en-US" altLang="ja-JP" baseline="0" dirty="0" smtClean="0"/>
+              <a:t>, </a:t>
+            </a:r>
+            <a:r>
+              <a:rPr kumimoji="1" lang="ja-JP" altLang="en-US" baseline="0" dirty="0" smtClean="0"/>
+              <a:t>位置を推定</a:t>
+            </a:r>
+            <a:endParaRPr kumimoji="1" lang="en-US" altLang="ja-JP" baseline="0" dirty="0" smtClean="0"/>
+          </a:p>
+          <a:p>
+            <a:pPr marL="228600" indent="-228600">
+              <a:buAutoNum type="arabicPeriod" startAt="3"/>
+            </a:pPr>
+            <a:r>
+              <a:rPr kumimoji="1" lang="ja-JP" altLang="en-US" baseline="0" dirty="0" smtClean="0"/>
+              <a:t>イメージをスクリーンに合わせて伸縮させ、　映写する</a:t>
+            </a:r>
+            <a:endParaRPr kumimoji="1" lang="en-US" altLang="ja-JP" baseline="0" dirty="0" smtClean="0"/>
+          </a:p>
+          <a:p>
+            <a:pPr marL="0" indent="0">
+              <a:buNone/>
+            </a:pPr>
+            <a:endParaRPr kumimoji="1" lang="en-US" altLang="ja-JP" baseline="0" dirty="0" smtClean="0"/>
+          </a:p>
+          <a:p>
+            <a:pPr marL="0" indent="0">
+              <a:buNone/>
+            </a:pPr>
+            <a:r>
+              <a:rPr kumimoji="1" lang="ja-JP" altLang="en-US" baseline="0" dirty="0" smtClean="0"/>
+              <a:t>この辺りの詳しい説明は次のスライドから。</a:t>
+            </a:r>
+            <a:endParaRPr kumimoji="1" lang="en-US" altLang="ja-JP" baseline="0" dirty="0" smtClean="0"/>
           </a:p>
         </p:txBody>
       </p:sp>
@@ -1668,7 +2073,7 @@
     </p:spTree>
     <p:extLst>
       <p:ext uri="{BB962C8B-B14F-4D97-AF65-F5344CB8AC3E}">
-        <p14:creationId xmlns:p14="http://schemas.microsoft.com/office/powerpoint/2010/main" val="874951001"/>
+        <p14:creationId xmlns:p14="http://schemas.microsoft.com/office/powerpoint/2010/main" val="216599164"/>
       </p:ext>
     </p:extLst>
   </p:cSld>
@@ -1939,9 +2344,9 @@
             </a:lvl1pPr>
           </a:lstStyle>
           <a:p>
-            <a:fld id="{85E5EE0D-5A45-41AE-B603-4F5FAEF146F0}" type="datetimeFigureOut">
+            <a:fld id="{DB47AD07-41BD-403D-AE9D-890C2684EFFB}" type="datetime1">
               <a:rPr kumimoji="1" lang="ja-JP" altLang="en-US" smtClean="0"/>
-              <a:t>2018/5/7</a:t>
+              <a:t>2018/5/8</a:t>
             </a:fld>
             <a:endParaRPr kumimoji="1" lang="ja-JP" altLang="en-US"/>
           </a:p>
@@ -2488,9 +2893,9 @@
             </a:lvl1pPr>
           </a:lstStyle>
           <a:p>
-            <a:fld id="{85E5EE0D-5A45-41AE-B603-4F5FAEF146F0}" type="datetimeFigureOut">
+            <a:fld id="{4648078C-090B-4454-9A6B-FFE99DF99B82}" type="datetime1">
               <a:rPr kumimoji="1" lang="ja-JP" altLang="en-US" smtClean="0"/>
-              <a:t>2018/5/7</a:t>
+              <a:t>2018/5/8</a:t>
             </a:fld>
             <a:endParaRPr kumimoji="1" lang="ja-JP" altLang="en-US"/>
           </a:p>
@@ -2712,9 +3117,9 @@
             </a:lvl1pPr>
           </a:lstStyle>
           <a:p>
-            <a:fld id="{85E5EE0D-5A45-41AE-B603-4F5FAEF146F0}" type="datetimeFigureOut">
+            <a:fld id="{013B6636-6AE9-4D80-A5AD-323D31097F78}" type="datetime1">
               <a:rPr kumimoji="1" lang="ja-JP" altLang="en-US" smtClean="0"/>
-              <a:t>2018/5/7</a:t>
+              <a:t>2018/5/8</a:t>
             </a:fld>
             <a:endParaRPr kumimoji="1" lang="ja-JP" altLang="en-US"/>
           </a:p>
@@ -2926,9 +3331,9 @@
             </a:lvl1pPr>
           </a:lstStyle>
           <a:p>
-            <a:fld id="{85E5EE0D-5A45-41AE-B603-4F5FAEF146F0}" type="datetimeFigureOut">
+            <a:fld id="{A3F7C7D0-D552-4CAE-A244-9198AE4B3114}" type="datetime1">
               <a:rPr kumimoji="1" lang="ja-JP" altLang="en-US" smtClean="0"/>
-              <a:t>2018/5/7</a:t>
+              <a:t>2018/5/8</a:t>
             </a:fld>
             <a:endParaRPr kumimoji="1" lang="ja-JP" altLang="en-US"/>
           </a:p>
@@ -3130,9 +3535,9 @@
             </a:lvl1pPr>
           </a:lstStyle>
           <a:p>
-            <a:fld id="{85E5EE0D-5A45-41AE-B603-4F5FAEF146F0}" type="datetimeFigureOut">
+            <a:fld id="{6F0F32FC-6B7E-4B5A-B4F0-EDDB8AF26B1B}" type="datetime1">
               <a:rPr kumimoji="1" lang="ja-JP" altLang="en-US" smtClean="0"/>
-              <a:t>2018/5/7</a:t>
+              <a:t>2018/5/8</a:t>
             </a:fld>
             <a:endParaRPr kumimoji="1" lang="ja-JP" altLang="en-US"/>
           </a:p>
@@ -3438,9 +3843,9 @@
             </a:lvl1pPr>
           </a:lstStyle>
           <a:p>
-            <a:fld id="{85E5EE0D-5A45-41AE-B603-4F5FAEF146F0}" type="datetimeFigureOut">
+            <a:fld id="{240A861A-AF64-4E6C-B6F9-599C9A4B699F}" type="datetime1">
               <a:rPr kumimoji="1" lang="ja-JP" altLang="en-US" smtClean="0"/>
-              <a:t>2018/5/7</a:t>
+              <a:t>2018/5/8</a:t>
             </a:fld>
             <a:endParaRPr kumimoji="1" lang="ja-JP" altLang="en-US"/>
           </a:p>
@@ -3881,9 +4286,9 @@
             </a:lvl1pPr>
           </a:lstStyle>
           <a:p>
-            <a:fld id="{85E5EE0D-5A45-41AE-B603-4F5FAEF146F0}" type="datetimeFigureOut">
+            <a:fld id="{AF65DEC2-11F8-416F-9A88-15AA81D58514}" type="datetime1">
               <a:rPr kumimoji="1" lang="ja-JP" altLang="en-US" smtClean="0"/>
-              <a:t>2018/5/7</a:t>
+              <a:t>2018/5/8</a:t>
             </a:fld>
             <a:endParaRPr kumimoji="1" lang="ja-JP" altLang="en-US"/>
           </a:p>
@@ -4011,9 +4416,9 @@
             </a:lvl1pPr>
           </a:lstStyle>
           <a:p>
-            <a:fld id="{85E5EE0D-5A45-41AE-B603-4F5FAEF146F0}" type="datetimeFigureOut">
+            <a:fld id="{E155C806-1454-467C-800F-F5A215697AC6}" type="datetime1">
               <a:rPr kumimoji="1" lang="ja-JP" altLang="en-US" smtClean="0"/>
-              <a:t>2018/5/7</a:t>
+              <a:t>2018/5/8</a:t>
             </a:fld>
             <a:endParaRPr kumimoji="1" lang="ja-JP" altLang="en-US"/>
           </a:p>
@@ -4118,9 +4523,9 @@
             </a:lvl1pPr>
           </a:lstStyle>
           <a:p>
-            <a:fld id="{85E5EE0D-5A45-41AE-B603-4F5FAEF146F0}" type="datetimeFigureOut">
+            <a:fld id="{18B235D1-5209-4B3C-AE70-D5CEADB519F7}" type="datetime1">
               <a:rPr kumimoji="1" lang="ja-JP" altLang="en-US" smtClean="0"/>
-              <a:t>2018/5/7</a:t>
+              <a:t>2018/5/8</a:t>
             </a:fld>
             <a:endParaRPr kumimoji="1" lang="ja-JP" altLang="en-US"/>
           </a:p>
@@ -4439,9 +4844,9 @@
             </a:lvl1pPr>
           </a:lstStyle>
           <a:p>
-            <a:fld id="{85E5EE0D-5A45-41AE-B603-4F5FAEF146F0}" type="datetimeFigureOut">
+            <a:fld id="{1BA9CB85-9221-44DC-BCF4-A9D7E8B9C4BB}" type="datetime1">
               <a:rPr kumimoji="1" lang="ja-JP" altLang="en-US" smtClean="0"/>
-              <a:t>2018/5/7</a:t>
+              <a:t>2018/5/8</a:t>
             </a:fld>
             <a:endParaRPr kumimoji="1" lang="ja-JP" altLang="en-US"/>
           </a:p>
@@ -4708,9 +5113,9 @@
             </a:lvl1pPr>
           </a:lstStyle>
           <a:p>
-            <a:fld id="{85E5EE0D-5A45-41AE-B603-4F5FAEF146F0}" type="datetimeFigureOut">
+            <a:fld id="{ED3A3618-AB1D-44A5-9657-9D45D6189F48}" type="datetime1">
               <a:rPr kumimoji="1" lang="ja-JP" altLang="en-US" smtClean="0"/>
-              <a:t>2018/5/7</a:t>
+              <a:t>2018/5/8</a:t>
             </a:fld>
             <a:endParaRPr kumimoji="1" lang="ja-JP" altLang="en-US"/>
           </a:p>
@@ -5223,9 +5628,9 @@
             </a:lvl1pPr>
           </a:lstStyle>
           <a:p>
-            <a:fld id="{85E5EE0D-5A45-41AE-B603-4F5FAEF146F0}" type="datetimeFigureOut">
+            <a:fld id="{0DFF7F49-72A7-4FE4-A9FA-4C82A6496A69}" type="datetime1">
               <a:rPr kumimoji="1" lang="ja-JP" altLang="en-US" smtClean="0"/>
-              <a:t>2018/5/7</a:t>
+              <a:t>2018/5/8</a:t>
             </a:fld>
             <a:endParaRPr kumimoji="1" lang="ja-JP" altLang="en-US"/>
           </a:p>
@@ -5727,6 +6132,7 @@
     <p:sldLayoutId id="2147483682" r:id="rId10"/>
     <p:sldLayoutId id="2147483683" r:id="rId11"/>
   </p:sldLayoutIdLst>
+  <p:hf hdr="0" ftr="0" dt="0"/>
   <p:txStyles>
     <p:titleStyle>
       <a:lvl1pPr algn="ctr" rtl="0" eaLnBrk="1" fontAlgn="base" hangingPunct="1">
@@ -6310,7 +6716,65 @@
               </a:rPr>
               <a:t>, Scott E. Hudson</a:t>
             </a:r>
-            <a:endParaRPr kumimoji="1" lang="ja-JP" altLang="en-US" sz="2800" i="1" dirty="0">
+          </a:p>
+          <a:p>
+            <a:r>
+              <a:rPr lang="en-US" altLang="ja-JP" sz="1800" i="1" dirty="0" smtClean="0">
+                <a:latin typeface="メイリオ" panose="020B0604030504040204" pitchFamily="50" charset="-128"/>
+                <a:ea typeface="メイリオ" panose="020B0604030504040204" pitchFamily="50" charset="-128"/>
+                <a:cs typeface="メイリオ" panose="020B0604030504040204" pitchFamily="50" charset="-128"/>
+              </a:rPr>
+              <a:t>UIST</a:t>
+            </a:r>
+            <a:r>
+              <a:rPr lang="ja-JP" altLang="en-US" sz="1800" i="1" dirty="0">
+                <a:latin typeface="メイリオ" panose="020B0604030504040204" pitchFamily="50" charset="-128"/>
+                <a:ea typeface="メイリオ" panose="020B0604030504040204" pitchFamily="50" charset="-128"/>
+                <a:cs typeface="メイリオ" panose="020B0604030504040204" pitchFamily="50" charset="-128"/>
+              </a:rPr>
+              <a:t> </a:t>
+            </a:r>
+            <a:r>
+              <a:rPr lang="en-US" altLang="ja-JP" sz="1800" i="1" dirty="0" smtClean="0">
+                <a:latin typeface="メイリオ" panose="020B0604030504040204" pitchFamily="50" charset="-128"/>
+                <a:ea typeface="メイリオ" panose="020B0604030504040204" pitchFamily="50" charset="-128"/>
+                <a:cs typeface="メイリオ" panose="020B0604030504040204" pitchFamily="50" charset="-128"/>
+              </a:rPr>
+              <a:t>’04</a:t>
+            </a:r>
+            <a:r>
+              <a:rPr lang="ja-JP" altLang="en-US" sz="1800" i="1" dirty="0" smtClean="0">
+                <a:latin typeface="メイリオ" panose="020B0604030504040204" pitchFamily="50" charset="-128"/>
+                <a:ea typeface="メイリオ" panose="020B0604030504040204" pitchFamily="50" charset="-128"/>
+                <a:cs typeface="メイリオ" panose="020B0604030504040204" pitchFamily="50" charset="-128"/>
+              </a:rPr>
+              <a:t>　</a:t>
+            </a:r>
+            <a:r>
+              <a:rPr lang="en-US" altLang="ja-JP" sz="1800" i="1" dirty="0" smtClean="0">
+                <a:latin typeface="メイリオ" panose="020B0604030504040204" pitchFamily="50" charset="-128"/>
+                <a:ea typeface="メイリオ" panose="020B0604030504040204" pitchFamily="50" charset="-128"/>
+                <a:cs typeface="メイリオ" panose="020B0604030504040204" pitchFamily="50" charset="-128"/>
+              </a:rPr>
+              <a:t>Proceedings of the 17</a:t>
+            </a:r>
+            <a:r>
+              <a:rPr lang="en-US" altLang="ja-JP" sz="1800" i="1" baseline="30000" dirty="0" smtClean="0">
+                <a:latin typeface="メイリオ" panose="020B0604030504040204" pitchFamily="50" charset="-128"/>
+                <a:ea typeface="メイリオ" panose="020B0604030504040204" pitchFamily="50" charset="-128"/>
+                <a:cs typeface="メイリオ" panose="020B0604030504040204" pitchFamily="50" charset="-128"/>
+              </a:rPr>
+              <a:t>th</a:t>
+            </a:r>
+            <a:r>
+              <a:rPr lang="en-US" altLang="ja-JP" sz="1800" i="1" dirty="0" smtClean="0">
+                <a:latin typeface="メイリオ" panose="020B0604030504040204" pitchFamily="50" charset="-128"/>
+                <a:ea typeface="メイリオ" panose="020B0604030504040204" pitchFamily="50" charset="-128"/>
+                <a:cs typeface="メイリオ" panose="020B0604030504040204" pitchFamily="50" charset="-128"/>
+              </a:rPr>
+              <a:t> annual ACM symposium on User interface software and technology</a:t>
+            </a:r>
+            <a:endParaRPr kumimoji="1" lang="ja-JP" altLang="en-US" sz="1800" i="1" dirty="0">
               <a:latin typeface="メイリオ" panose="020B0604030504040204" pitchFamily="50" charset="-128"/>
               <a:ea typeface="メイリオ" panose="020B0604030504040204" pitchFamily="50" charset="-128"/>
               <a:cs typeface="メイリオ" panose="020B0604030504040204" pitchFamily="50" charset="-128"/>
@@ -6326,8 +6790,8 @@
         </p:nvSpPr>
         <p:spPr>
           <a:xfrm>
-            <a:off x="6516643" y="5802085"/>
-            <a:ext cx="2028119" cy="369332"/>
+            <a:off x="4572000" y="6305550"/>
+            <a:ext cx="3643946" cy="369332"/>
           </a:xfrm>
           <a:prstGeom prst="rect">
             <a:avLst/>
@@ -6354,7 +6818,23 @@
                 <a:ea typeface="メイリオ" panose="020B0604030504040204" pitchFamily="50" charset="-128"/>
                 <a:cs typeface="メイリオ" panose="020B0604030504040204" pitchFamily="50" charset="-128"/>
               </a:rPr>
-              <a:t> 浜名 将輝</a:t>
+              <a:t> </a:t>
+            </a:r>
+            <a:r>
+              <a:rPr lang="ja-JP" altLang="en-US" dirty="0" smtClean="0">
+                <a:latin typeface="メイリオ" panose="020B0604030504040204" pitchFamily="50" charset="-128"/>
+                <a:ea typeface="メイリオ" panose="020B0604030504040204" pitchFamily="50" charset="-128"/>
+                <a:cs typeface="メイリオ" panose="020B0604030504040204" pitchFamily="50" charset="-128"/>
+              </a:rPr>
+              <a:t>情報科学専攻　</a:t>
+            </a:r>
+            <a:r>
+              <a:rPr kumimoji="1" lang="ja-JP" altLang="en-US" dirty="0" smtClean="0">
+                <a:latin typeface="メイリオ" panose="020B0604030504040204" pitchFamily="50" charset="-128"/>
+                <a:ea typeface="メイリオ" panose="020B0604030504040204" pitchFamily="50" charset="-128"/>
+                <a:cs typeface="メイリオ" panose="020B0604030504040204" pitchFamily="50" charset="-128"/>
+              </a:rPr>
+              <a:t>浜名 将輝</a:t>
             </a:r>
             <a:endParaRPr kumimoji="1" lang="ja-JP" altLang="en-US" dirty="0">
               <a:latin typeface="メイリオ" panose="020B0604030504040204" pitchFamily="50" charset="-128"/>
@@ -6418,12 +6898,12 @@
           <a:p>
             <a:pPr algn="l"/>
             <a:r>
-              <a:rPr lang="en-US" altLang="ja-JP" dirty="0">
+              <a:rPr kumimoji="1" lang="en-US" altLang="ja-JP" dirty="0" smtClean="0">
                 <a:latin typeface="メイリオ" panose="020B0604030504040204" pitchFamily="50" charset="-128"/>
                 <a:ea typeface="メイリオ" panose="020B0604030504040204" pitchFamily="50" charset="-128"/>
                 <a:cs typeface="メイリオ" panose="020B0604030504040204" pitchFamily="50" charset="-128"/>
               </a:rPr>
-              <a:t>System </a:t>
+              <a:t>Embeddin</a:t>
             </a:r>
             <a:r>
               <a:rPr lang="en-US" altLang="ja-JP" dirty="0" smtClean="0">
@@ -6431,20 +6911,24 @@
                 <a:ea typeface="メイリオ" panose="020B0604030504040204" pitchFamily="50" charset="-128"/>
                 <a:cs typeface="メイリオ" panose="020B0604030504040204" pitchFamily="50" charset="-128"/>
               </a:rPr>
-              <a:t>Overview(2)</a:t>
-            </a:r>
-            <a:endParaRPr kumimoji="1" lang="ja-JP" altLang="en-US" dirty="0"/>
-          </a:p>
-        </p:txBody>
-      </p:sp>
-      <p:sp>
-        <p:nvSpPr>
-          <p:cNvPr id="3" name="コンテンツ プレースホルダー 2"/>
+              <a:t>g the Sensors(1)</a:t>
+            </a:r>
+            <a:endParaRPr kumimoji="1" lang="ja-JP" altLang="en-US" dirty="0">
+              <a:latin typeface="メイリオ" panose="020B0604030504040204" pitchFamily="50" charset="-128"/>
+              <a:ea typeface="メイリオ" panose="020B0604030504040204" pitchFamily="50" charset="-128"/>
+              <a:cs typeface="メイリオ" panose="020B0604030504040204" pitchFamily="50" charset="-128"/>
+            </a:endParaRPr>
+          </a:p>
+        </p:txBody>
+      </p:sp>
+      <p:sp>
+        <p:nvSpPr>
+          <p:cNvPr id="4" name="スライド番号プレースホルダー 3"/>
           <p:cNvSpPr>
             <a:spLocks noGrp="1"/>
           </p:cNvSpPr>
           <p:nvPr>
-            <p:ph idx="1"/>
+            <p:ph type="sldNum" sz="quarter" idx="12"/>
           </p:nvPr>
         </p:nvSpPr>
         <p:spPr/>
@@ -6452,114 +6936,246 @@
           <a:bodyPr/>
           <a:lstStyle/>
           <a:p>
-            <a:r>
-              <a:rPr lang="ja-JP" altLang="en-US" dirty="0" smtClean="0"/>
-              <a:t>システムの流れ</a:t>
-            </a:r>
-            <a:endParaRPr lang="en-US" altLang="ja-JP" dirty="0" smtClean="0"/>
-          </a:p>
-          <a:p>
-            <a:pPr marL="971550" lvl="1" indent="-514350">
-              <a:buFont typeface="+mj-lt"/>
-              <a:buAutoNum type="arabicPeriod"/>
-            </a:pPr>
-            <a:r>
-              <a:rPr lang="ja-JP" altLang="en-US" dirty="0" smtClean="0"/>
-              <a:t>光センサをターゲットスクリーンに埋める</a:t>
-            </a:r>
-            <a:endParaRPr lang="en-US" altLang="ja-JP" dirty="0" smtClean="0"/>
-          </a:p>
-          <a:p>
-            <a:pPr marL="971550" lvl="1" indent="-514350">
-              <a:buFont typeface="+mj-lt"/>
-              <a:buAutoNum type="arabicPeriod"/>
-            </a:pPr>
-            <a:r>
-              <a:rPr lang="ja-JP" altLang="en-US" dirty="0" smtClean="0"/>
-              <a:t>光センサの位置情報を取得するためバイナリパターンを照射</a:t>
-            </a:r>
-            <a:endParaRPr lang="en-US" altLang="ja-JP" dirty="0" smtClean="0"/>
-          </a:p>
-          <a:p>
-            <a:pPr marL="971550" lvl="1" indent="-514350">
-              <a:buFont typeface="+mj-lt"/>
-              <a:buAutoNum type="arabicPeriod"/>
-            </a:pPr>
-            <a:endParaRPr lang="en-US" altLang="ja-JP" dirty="0"/>
-          </a:p>
-          <a:p>
-            <a:pPr marL="971550" lvl="1" indent="-514350">
-              <a:buFont typeface="+mj-lt"/>
-              <a:buAutoNum type="arabicPeriod"/>
-            </a:pPr>
-            <a:endParaRPr lang="en-US" altLang="ja-JP" dirty="0" smtClean="0"/>
-          </a:p>
-          <a:p>
-            <a:pPr marL="971550" lvl="1" indent="-514350">
-              <a:buFont typeface="+mj-lt"/>
-              <a:buAutoNum type="arabicPeriod"/>
-            </a:pPr>
-            <a:endParaRPr lang="en-US" altLang="ja-JP" dirty="0" smtClean="0"/>
-          </a:p>
-          <a:p>
-            <a:pPr marL="971550" lvl="1" indent="-514350">
-              <a:buFont typeface="+mj-lt"/>
-              <a:buAutoNum type="arabicPeriod"/>
-            </a:pPr>
-            <a:r>
-              <a:rPr lang="ja-JP" altLang="en-US" dirty="0" smtClean="0"/>
-              <a:t>光センサの位置からスクリーンの大きさ</a:t>
-            </a:r>
-            <a:r>
-              <a:rPr lang="en-US" altLang="ja-JP" dirty="0" smtClean="0"/>
-              <a:t>,</a:t>
-            </a:r>
-            <a:r>
-              <a:rPr lang="ja-JP" altLang="en-US" dirty="0" smtClean="0"/>
-              <a:t>　位置を推定</a:t>
-            </a:r>
-            <a:endParaRPr lang="en-US" altLang="ja-JP" dirty="0" smtClean="0"/>
-          </a:p>
-          <a:p>
-            <a:pPr marL="971550" lvl="1" indent="-514350">
-              <a:buFont typeface="+mj-lt"/>
-              <a:buAutoNum type="arabicPeriod"/>
-            </a:pPr>
-            <a:r>
-              <a:rPr lang="ja-JP" altLang="en-US" dirty="0" smtClean="0"/>
-              <a:t>イメージをスクリーンに合わせて映写</a:t>
-            </a:r>
-            <a:endParaRPr lang="en-US" altLang="ja-JP" dirty="0" smtClean="0"/>
+            <a:fld id="{D64230CA-0B4E-4B5F-AAC4-223E39B2A9CE}" type="slidenum">
+              <a:rPr kumimoji="1" lang="ja-JP" altLang="en-US" smtClean="0"/>
+              <a:t>10</a:t>
+            </a:fld>
+            <a:endParaRPr kumimoji="1" lang="ja-JP" altLang="en-US"/>
           </a:p>
         </p:txBody>
       </p:sp>
       <p:pic>
         <p:nvPicPr>
-          <p:cNvPr id="4" name="図 3"/>
+          <p:cNvPr id="5" name="Picture 2"/>
+          <p:cNvPicPr>
+            <a:picLocks noGrp="1" noChangeAspect="1" noChangeArrowheads="1"/>
+          </p:cNvPicPr>
+          <p:nvPr>
+            <p:ph idx="1"/>
+          </p:nvPr>
+        </p:nvPicPr>
+        <p:blipFill>
+          <a:blip r:embed="rId3" cstate="print"/>
+          <a:srcRect/>
+          <a:stretch>
+            <a:fillRect/>
+          </a:stretch>
+        </p:blipFill>
+        <p:spPr bwMode="auto">
+          <a:xfrm>
+            <a:off x="4572000" y="3232772"/>
+            <a:ext cx="4225318" cy="2816879"/>
+          </a:xfrm>
+          <a:prstGeom prst="rect">
+            <a:avLst/>
+          </a:prstGeom>
+          <a:noFill/>
+          <a:ln w="9525">
+            <a:noFill/>
+            <a:miter lim="800000"/>
+            <a:headEnd/>
+            <a:tailEnd/>
+          </a:ln>
+        </p:spPr>
+      </p:pic>
+      <p:pic>
+        <p:nvPicPr>
+          <p:cNvPr id="6" name="図 5"/>
           <p:cNvPicPr>
             <a:picLocks noChangeAspect="1"/>
           </p:cNvPicPr>
           <p:nvPr/>
         </p:nvPicPr>
-        <p:blipFill>
-          <a:blip r:embed="rId2"/>
-          <a:stretch>
-            <a:fillRect/>
-          </a:stretch>
+        <p:blipFill rotWithShape="1">
+          <a:blip r:embed="rId4"/>
+          <a:srcRect l="13297" t="20450" r="24832" b="39169"/>
+          <a:stretch/>
         </p:blipFill>
         <p:spPr>
           <a:xfrm>
-            <a:off x="6580786" y="566888"/>
-            <a:ext cx="2427748" cy="1701499"/>
+            <a:off x="681317" y="1803898"/>
+            <a:ext cx="4231342" cy="2857749"/>
           </a:xfrm>
           <a:prstGeom prst="rect">
             <a:avLst/>
           </a:prstGeom>
         </p:spPr>
       </p:pic>
+    </p:spTree>
+    <p:extLst>
+      <p:ext uri="{BB962C8B-B14F-4D97-AF65-F5344CB8AC3E}">
+        <p14:creationId xmlns:p14="http://schemas.microsoft.com/office/powerpoint/2010/main" val="1317335476"/>
+      </p:ext>
+    </p:extLst>
+  </p:cSld>
+  <p:clrMapOvr>
+    <a:masterClrMapping/>
+  </p:clrMapOvr>
+  <p:timing>
+    <p:tnLst>
+      <p:par>
+        <p:cTn id="1" dur="indefinite" restart="never" nodeType="tmRoot"/>
+      </p:par>
+    </p:tnLst>
+  </p:timing>
+</p:sld>
+</file>
+
+<file path=ppt/slides/slide11.xml><?xml version="1.0" encoding="utf-8"?>
+<p:sld xmlns:a="http://schemas.openxmlformats.org/drawingml/2006/main" xmlns:r="http://schemas.openxmlformats.org/officeDocument/2006/relationships" xmlns:p="http://schemas.openxmlformats.org/presentationml/2006/main">
+  <p:cSld>
+    <p:spTree>
+      <p:nvGrpSpPr>
+        <p:cNvPr id="1" name=""/>
+        <p:cNvGrpSpPr/>
+        <p:nvPr/>
+      </p:nvGrpSpPr>
+      <p:grpSpPr>
+        <a:xfrm>
+          <a:off x="0" y="0"/>
+          <a:ext cx="0" cy="0"/>
+          <a:chOff x="0" y="0"/>
+          <a:chExt cx="0" cy="0"/>
+        </a:xfrm>
+      </p:grpSpPr>
+      <p:sp>
+        <p:nvSpPr>
+          <p:cNvPr id="2" name="タイトル 1"/>
+          <p:cNvSpPr>
+            <a:spLocks noGrp="1"/>
+          </p:cNvSpPr>
+          <p:nvPr>
+            <p:ph type="title"/>
+          </p:nvPr>
+        </p:nvSpPr>
+        <p:spPr/>
+        <p:txBody>
+          <a:bodyPr/>
+          <a:lstStyle/>
+          <a:p>
+            <a:pPr algn="l"/>
+            <a:r>
+              <a:rPr lang="en-US" altLang="ja-JP" dirty="0">
+                <a:latin typeface="メイリオ" panose="020B0604030504040204" pitchFamily="50" charset="-128"/>
+                <a:ea typeface="メイリオ" panose="020B0604030504040204" pitchFamily="50" charset="-128"/>
+                <a:cs typeface="メイリオ" panose="020B0604030504040204" pitchFamily="50" charset="-128"/>
+              </a:rPr>
+              <a:t>Embedding the </a:t>
+            </a:r>
+            <a:r>
+              <a:rPr lang="en-US" altLang="ja-JP" dirty="0" smtClean="0">
+                <a:latin typeface="メイリオ" panose="020B0604030504040204" pitchFamily="50" charset="-128"/>
+                <a:ea typeface="メイリオ" panose="020B0604030504040204" pitchFamily="50" charset="-128"/>
+                <a:cs typeface="メイリオ" panose="020B0604030504040204" pitchFamily="50" charset="-128"/>
+              </a:rPr>
+              <a:t>Sensors(2)</a:t>
+            </a:r>
+            <a:endParaRPr kumimoji="1" lang="ja-JP" altLang="en-US" dirty="0">
+              <a:latin typeface="メイリオ" panose="020B0604030504040204" pitchFamily="50" charset="-128"/>
+              <a:ea typeface="メイリオ" panose="020B0604030504040204" pitchFamily="50" charset="-128"/>
+              <a:cs typeface="メイリオ" panose="020B0604030504040204" pitchFamily="50" charset="-128"/>
+            </a:endParaRPr>
+          </a:p>
+        </p:txBody>
+      </p:sp>
+      <p:sp>
+        <p:nvSpPr>
+          <p:cNvPr id="3" name="コンテンツ プレースホルダー 2"/>
+          <p:cNvSpPr>
+            <a:spLocks noGrp="1"/>
+          </p:cNvSpPr>
+          <p:nvPr>
+            <p:ph idx="1"/>
+          </p:nvPr>
+        </p:nvSpPr>
+        <p:spPr/>
+        <p:txBody>
+          <a:bodyPr/>
+          <a:lstStyle/>
+          <a:p>
+            <a:pPr marL="514350" indent="-514350">
+              <a:buFont typeface="+mj-lt"/>
+              <a:buAutoNum type="arabicPeriod"/>
+            </a:pPr>
+            <a:r>
+              <a:rPr lang="ja-JP" altLang="en-US" dirty="0" smtClean="0"/>
+              <a:t>表面に光が当たる</a:t>
+            </a:r>
+            <a:endParaRPr lang="en-US" altLang="ja-JP" dirty="0" smtClean="0"/>
+          </a:p>
+          <a:p>
+            <a:pPr marL="514350" indent="-514350">
+              <a:buFont typeface="+mj-lt"/>
+              <a:buAutoNum type="arabicPeriod"/>
+            </a:pPr>
+            <a:r>
+              <a:rPr lang="ja-JP" altLang="en-US" dirty="0" smtClean="0"/>
+              <a:t>裏面のセンサに光ファイバーを　　　　　　　通じて光が届く</a:t>
+            </a:r>
+            <a:endParaRPr lang="en-US" altLang="ja-JP" dirty="0" smtClean="0"/>
+          </a:p>
+          <a:p>
+            <a:pPr marL="514350" indent="-514350">
+              <a:buFont typeface="+mj-lt"/>
+              <a:buAutoNum type="arabicPeriod"/>
+            </a:pPr>
+            <a:r>
+              <a:rPr lang="ja-JP" altLang="en-US" dirty="0" smtClean="0"/>
+              <a:t>光センサは光の情報をホスト</a:t>
+            </a:r>
+            <a:r>
+              <a:rPr lang="en-US" altLang="ja-JP" dirty="0" smtClean="0"/>
+              <a:t>PC</a:t>
+            </a:r>
+            <a:r>
+              <a:rPr lang="ja-JP" altLang="en-US" dirty="0" smtClean="0"/>
+              <a:t>へ送る</a:t>
+            </a:r>
+            <a:endParaRPr lang="en-US" altLang="ja-JP" dirty="0" smtClean="0"/>
+          </a:p>
+          <a:p>
+            <a:pPr marL="0" indent="0">
+              <a:buNone/>
+            </a:pPr>
+            <a:endParaRPr lang="en-US" altLang="ja-JP" dirty="0"/>
+          </a:p>
+          <a:p>
+            <a:endParaRPr lang="en-US" altLang="ja-JP" dirty="0" smtClean="0"/>
+          </a:p>
+          <a:p>
+            <a:pPr marL="0" indent="0">
+              <a:buNone/>
+            </a:pPr>
+            <a:endParaRPr lang="en-US" altLang="ja-JP" dirty="0" smtClean="0"/>
+          </a:p>
+        </p:txBody>
+      </p:sp>
+      <p:sp>
+        <p:nvSpPr>
+          <p:cNvPr id="4" name="スライド番号プレースホルダー 3"/>
+          <p:cNvSpPr>
+            <a:spLocks noGrp="1"/>
+          </p:cNvSpPr>
+          <p:nvPr>
+            <p:ph type="sldNum" sz="quarter" idx="12"/>
+          </p:nvPr>
+        </p:nvSpPr>
+        <p:spPr/>
+        <p:txBody>
+          <a:bodyPr/>
+          <a:lstStyle/>
+          <a:p>
+            <a:fld id="{D64230CA-0B4E-4B5F-AAC4-223E39B2A9CE}" type="slidenum">
+              <a:rPr kumimoji="1" lang="ja-JP" altLang="en-US" smtClean="0"/>
+              <a:t>11</a:t>
+            </a:fld>
+            <a:endParaRPr kumimoji="1" lang="ja-JP" altLang="en-US"/>
+          </a:p>
+        </p:txBody>
+      </p:sp>
       <p:pic>
         <p:nvPicPr>
-          <p:cNvPr id="5" name="Picture 4"/>
+          <p:cNvPr id="6" name="Picture 2"/>
           <p:cNvPicPr>
             <a:picLocks noChangeAspect="1" noChangeArrowheads="1"/>
           </p:cNvPicPr>
@@ -6574,8 +7190,597 @@
         </p:blipFill>
         <p:spPr bwMode="auto">
           <a:xfrm>
-            <a:off x="2178827" y="3647560"/>
-            <a:ext cx="4786346" cy="1428736"/>
+            <a:off x="6690274" y="1614146"/>
+            <a:ext cx="2127428" cy="1418285"/>
+          </a:xfrm>
+          <a:prstGeom prst="rect">
+            <a:avLst/>
+          </a:prstGeom>
+          <a:noFill/>
+          <a:ln w="9525">
+            <a:noFill/>
+            <a:miter lim="800000"/>
+            <a:headEnd/>
+            <a:tailEnd/>
+          </a:ln>
+          <a:effectLst/>
+          <a:extLst>
+            <a:ext uri="{909E8E84-426E-40DD-AFC4-6F175D3DCCD1}">
+              <a14:hiddenFill xmlns:a14="http://schemas.microsoft.com/office/drawing/2010/main">
+                <a:solidFill>
+                  <a:schemeClr val="accent1"/>
+                </a:solidFill>
+              </a14:hiddenFill>
+            </a:ext>
+            <a:ext uri="{91240B29-F687-4F45-9708-019B960494DF}">
+              <a14:hiddenLine xmlns:a14="http://schemas.microsoft.com/office/drawing/2010/main" w="9525">
+                <a:solidFill>
+                  <a:schemeClr val="tx1"/>
+                </a:solidFill>
+                <a:miter lim="800000"/>
+                <a:headEnd/>
+                <a:tailEnd/>
+              </a14:hiddenLine>
+            </a:ext>
+            <a:ext uri="{AF507438-7753-43E0-B8FC-AC1667EBCBE1}">
+              <a14:hiddenEffects xmlns:a14="http://schemas.microsoft.com/office/drawing/2010/main">
+                <a:effectLst>
+                  <a:outerShdw dist="35921" dir="2700000" algn="ctr" rotWithShape="0">
+                    <a:schemeClr val="bg2"/>
+                  </a:outerShdw>
+                </a:effectLst>
+              </a14:hiddenEffects>
+            </a:ext>
+          </a:extLst>
+        </p:spPr>
+      </p:pic>
+      <p:sp>
+        <p:nvSpPr>
+          <p:cNvPr id="7" name="テキスト ボックス 6"/>
+          <p:cNvSpPr txBox="1"/>
+          <p:nvPr/>
+        </p:nvSpPr>
+        <p:spPr>
+          <a:xfrm>
+            <a:off x="890606" y="3918405"/>
+            <a:ext cx="3877985" cy="1077218"/>
+          </a:xfrm>
+          <a:prstGeom prst="rect">
+            <a:avLst/>
+          </a:prstGeom>
+          <a:noFill/>
+        </p:spPr>
+        <p:txBody>
+          <a:bodyPr wrap="none" rtlCol="0">
+            <a:spAutoFit/>
+          </a:bodyPr>
+          <a:lstStyle/>
+          <a:p>
+            <a:r>
+              <a:rPr lang="en-US" altLang="ja-JP" sz="3200" dirty="0" smtClean="0">
+                <a:solidFill>
+                  <a:srgbClr val="FF0000"/>
+                </a:solidFill>
+                <a:latin typeface="メイリオ" panose="020B0604030504040204" pitchFamily="50" charset="-128"/>
+                <a:ea typeface="メイリオ" panose="020B0604030504040204" pitchFamily="50" charset="-128"/>
+                <a:cs typeface="メイリオ" panose="020B0604030504040204" pitchFamily="50" charset="-128"/>
+              </a:rPr>
+              <a:t>PC-</a:t>
+            </a:r>
+            <a:r>
+              <a:rPr lang="ja-JP" altLang="en-US" sz="3200" dirty="0" smtClean="0">
+                <a:solidFill>
+                  <a:srgbClr val="FF0000"/>
+                </a:solidFill>
+                <a:latin typeface="メイリオ" panose="020B0604030504040204" pitchFamily="50" charset="-128"/>
+                <a:ea typeface="メイリオ" panose="020B0604030504040204" pitchFamily="50" charset="-128"/>
+                <a:cs typeface="メイリオ" panose="020B0604030504040204" pitchFamily="50" charset="-128"/>
+              </a:rPr>
+              <a:t>スクリーン間の</a:t>
+            </a:r>
+            <a:endParaRPr lang="en-US" altLang="ja-JP" sz="3200" dirty="0" smtClean="0">
+              <a:solidFill>
+                <a:srgbClr val="FF0000"/>
+              </a:solidFill>
+              <a:latin typeface="メイリオ" panose="020B0604030504040204" pitchFamily="50" charset="-128"/>
+              <a:ea typeface="メイリオ" panose="020B0604030504040204" pitchFamily="50" charset="-128"/>
+              <a:cs typeface="メイリオ" panose="020B0604030504040204" pitchFamily="50" charset="-128"/>
+            </a:endParaRPr>
+          </a:p>
+          <a:p>
+            <a:r>
+              <a:rPr lang="ja-JP" altLang="en-US" sz="3200" dirty="0" smtClean="0">
+                <a:solidFill>
+                  <a:srgbClr val="FF0000"/>
+                </a:solidFill>
+                <a:latin typeface="メイリオ" panose="020B0604030504040204" pitchFamily="50" charset="-128"/>
+                <a:ea typeface="メイリオ" panose="020B0604030504040204" pitchFamily="50" charset="-128"/>
+                <a:cs typeface="メイリオ" panose="020B0604030504040204" pitchFamily="50" charset="-128"/>
+              </a:rPr>
+              <a:t>情報伝達が可能に</a:t>
+            </a:r>
+            <a:endParaRPr kumimoji="1" lang="ja-JP" altLang="en-US" sz="3200" dirty="0">
+              <a:solidFill>
+                <a:srgbClr val="FF0000"/>
+              </a:solidFill>
+              <a:latin typeface="メイリオ" panose="020B0604030504040204" pitchFamily="50" charset="-128"/>
+              <a:ea typeface="メイリオ" panose="020B0604030504040204" pitchFamily="50" charset="-128"/>
+              <a:cs typeface="メイリオ" panose="020B0604030504040204" pitchFamily="50" charset="-128"/>
+            </a:endParaRPr>
+          </a:p>
+        </p:txBody>
+      </p:sp>
+      <p:sp>
+        <p:nvSpPr>
+          <p:cNvPr id="8" name="右矢印 7"/>
+          <p:cNvSpPr/>
+          <p:nvPr/>
+        </p:nvSpPr>
+        <p:spPr>
+          <a:xfrm rot="16200000">
+            <a:off x="6123141" y="5806281"/>
+            <a:ext cx="450585" cy="639763"/>
+          </a:xfrm>
+          <a:prstGeom prst="rightArrow">
+            <a:avLst/>
+          </a:prstGeom>
+          <a:solidFill>
+            <a:srgbClr val="FFFF00"/>
+          </a:solidFill>
+        </p:spPr>
+        <p:style>
+          <a:lnRef idx="2">
+            <a:schemeClr val="accent1">
+              <a:shade val="50000"/>
+            </a:schemeClr>
+          </a:lnRef>
+          <a:fillRef idx="1">
+            <a:schemeClr val="accent1"/>
+          </a:fillRef>
+          <a:effectRef idx="0">
+            <a:schemeClr val="accent1"/>
+          </a:effectRef>
+          <a:fontRef idx="minor">
+            <a:schemeClr val="lt1"/>
+          </a:fontRef>
+        </p:style>
+        <p:txBody>
+          <a:bodyPr rtlCol="0" anchor="ctr"/>
+          <a:lstStyle/>
+          <a:p>
+            <a:pPr algn="ctr"/>
+            <a:endParaRPr kumimoji="1" lang="ja-JP" altLang="en-US"/>
+          </a:p>
+        </p:txBody>
+      </p:sp>
+      <p:sp>
+        <p:nvSpPr>
+          <p:cNvPr id="11" name="平行四辺形 10"/>
+          <p:cNvSpPr/>
+          <p:nvPr/>
+        </p:nvSpPr>
+        <p:spPr>
+          <a:xfrm rot="5643197">
+            <a:off x="5750292" y="4547416"/>
+            <a:ext cx="1307935" cy="572560"/>
+          </a:xfrm>
+          <a:prstGeom prst="parallelogram">
+            <a:avLst>
+              <a:gd name="adj" fmla="val 112944"/>
+            </a:avLst>
+          </a:prstGeom>
+          <a:solidFill>
+            <a:srgbClr val="FFC000"/>
+          </a:solidFill>
+        </p:spPr>
+        <p:style>
+          <a:lnRef idx="2">
+            <a:schemeClr val="accent1">
+              <a:shade val="50000"/>
+            </a:schemeClr>
+          </a:lnRef>
+          <a:fillRef idx="1">
+            <a:schemeClr val="accent1"/>
+          </a:fillRef>
+          <a:effectRef idx="0">
+            <a:schemeClr val="accent1"/>
+          </a:effectRef>
+          <a:fontRef idx="minor">
+            <a:schemeClr val="lt1"/>
+          </a:fontRef>
+        </p:style>
+        <p:txBody>
+          <a:bodyPr rtlCol="0" anchor="ctr"/>
+          <a:lstStyle/>
+          <a:p>
+            <a:pPr algn="ctr"/>
+            <a:endParaRPr kumimoji="1" lang="ja-JP" altLang="en-US"/>
+          </a:p>
+        </p:txBody>
+      </p:sp>
+      <p:sp>
+        <p:nvSpPr>
+          <p:cNvPr id="12" name="フローチャート: 処理 11"/>
+          <p:cNvSpPr/>
+          <p:nvPr/>
+        </p:nvSpPr>
+        <p:spPr>
+          <a:xfrm>
+            <a:off x="5439059" y="6351455"/>
+            <a:ext cx="1930400" cy="394605"/>
+          </a:xfrm>
+          <a:prstGeom prst="flowChartProcess">
+            <a:avLst/>
+          </a:prstGeom>
+          <a:solidFill>
+            <a:srgbClr val="CCFF99"/>
+          </a:solidFill>
+        </p:spPr>
+        <p:style>
+          <a:lnRef idx="2">
+            <a:schemeClr val="accent1">
+              <a:shade val="50000"/>
+            </a:schemeClr>
+          </a:lnRef>
+          <a:fillRef idx="1">
+            <a:schemeClr val="accent1"/>
+          </a:fillRef>
+          <a:effectRef idx="0">
+            <a:schemeClr val="accent1"/>
+          </a:effectRef>
+          <a:fontRef idx="minor">
+            <a:schemeClr val="lt1"/>
+          </a:fontRef>
+        </p:style>
+        <p:txBody>
+          <a:bodyPr rtlCol="0" anchor="ctr"/>
+          <a:lstStyle/>
+          <a:p>
+            <a:pPr algn="ctr"/>
+            <a:r>
+              <a:rPr kumimoji="1" lang="ja-JP" altLang="en-US" sz="2000" dirty="0" smtClean="0">
+                <a:solidFill>
+                  <a:schemeClr val="tx1"/>
+                </a:solidFill>
+                <a:latin typeface="メイリオ" panose="020B0604030504040204" pitchFamily="50" charset="-128"/>
+                <a:ea typeface="メイリオ" panose="020B0604030504040204" pitchFamily="50" charset="-128"/>
+                <a:cs typeface="メイリオ" panose="020B0604030504040204" pitchFamily="50" charset="-128"/>
+              </a:rPr>
+              <a:t>プロジェクタ</a:t>
+            </a:r>
+            <a:endParaRPr kumimoji="1" lang="ja-JP" altLang="en-US" sz="2000" dirty="0">
+              <a:solidFill>
+                <a:schemeClr val="tx1"/>
+              </a:solidFill>
+              <a:latin typeface="メイリオ" panose="020B0604030504040204" pitchFamily="50" charset="-128"/>
+              <a:ea typeface="メイリオ" panose="020B0604030504040204" pitchFamily="50" charset="-128"/>
+              <a:cs typeface="メイリオ" panose="020B0604030504040204" pitchFamily="50" charset="-128"/>
+            </a:endParaRPr>
+          </a:p>
+        </p:txBody>
+      </p:sp>
+      <p:sp>
+        <p:nvSpPr>
+          <p:cNvPr id="13" name="テキスト ボックス 12"/>
+          <p:cNvSpPr txBox="1"/>
+          <p:nvPr/>
+        </p:nvSpPr>
+        <p:spPr>
+          <a:xfrm>
+            <a:off x="6712860" y="4056904"/>
+            <a:ext cx="1654902" cy="400110"/>
+          </a:xfrm>
+          <a:prstGeom prst="rect">
+            <a:avLst/>
+          </a:prstGeom>
+          <a:noFill/>
+          <a:ln>
+            <a:noFill/>
+          </a:ln>
+        </p:spPr>
+        <p:txBody>
+          <a:bodyPr wrap="square" rtlCol="0">
+            <a:spAutoFit/>
+          </a:bodyPr>
+          <a:lstStyle/>
+          <a:p>
+            <a:r>
+              <a:rPr kumimoji="1" lang="ja-JP" altLang="en-US" sz="2000" dirty="0" smtClean="0">
+                <a:latin typeface="メイリオ" panose="020B0604030504040204" pitchFamily="50" charset="-128"/>
+                <a:ea typeface="メイリオ" panose="020B0604030504040204" pitchFamily="50" charset="-128"/>
+                <a:cs typeface="メイリオ" panose="020B0604030504040204" pitchFamily="50" charset="-128"/>
+              </a:rPr>
+              <a:t>スクリーン</a:t>
+            </a:r>
+            <a:endParaRPr kumimoji="1" lang="ja-JP" altLang="en-US" sz="2000" dirty="0">
+              <a:latin typeface="メイリオ" panose="020B0604030504040204" pitchFamily="50" charset="-128"/>
+              <a:ea typeface="メイリオ" panose="020B0604030504040204" pitchFamily="50" charset="-128"/>
+              <a:cs typeface="メイリオ" panose="020B0604030504040204" pitchFamily="50" charset="-128"/>
+            </a:endParaRPr>
+          </a:p>
+        </p:txBody>
+      </p:sp>
+      <p:cxnSp>
+        <p:nvCxnSpPr>
+          <p:cNvPr id="17" name="直線コネクタ 16"/>
+          <p:cNvCxnSpPr>
+            <a:stCxn id="8" idx="3"/>
+          </p:cNvCxnSpPr>
+          <p:nvPr/>
+        </p:nvCxnSpPr>
+        <p:spPr>
+          <a:xfrm flipH="1" flipV="1">
+            <a:off x="6348433" y="5185351"/>
+            <a:ext cx="1" cy="715519"/>
+          </a:xfrm>
+          <a:prstGeom prst="line">
+            <a:avLst/>
+          </a:prstGeom>
+          <a:ln w="28575">
+            <a:solidFill>
+              <a:schemeClr val="tx1"/>
+            </a:solidFill>
+            <a:prstDash val="sysDash"/>
+          </a:ln>
+        </p:spPr>
+        <p:style>
+          <a:lnRef idx="1">
+            <a:schemeClr val="accent1"/>
+          </a:lnRef>
+          <a:fillRef idx="0">
+            <a:schemeClr val="accent1"/>
+          </a:fillRef>
+          <a:effectRef idx="0">
+            <a:schemeClr val="accent1"/>
+          </a:effectRef>
+          <a:fontRef idx="minor">
+            <a:schemeClr val="tx1"/>
+          </a:fontRef>
+        </p:style>
+      </p:cxnSp>
+      <p:cxnSp>
+        <p:nvCxnSpPr>
+          <p:cNvPr id="20" name="直線コネクタ 19"/>
+          <p:cNvCxnSpPr/>
+          <p:nvPr/>
+        </p:nvCxnSpPr>
+        <p:spPr>
+          <a:xfrm>
+            <a:off x="5637233" y="4256959"/>
+            <a:ext cx="1422400" cy="1790964"/>
+          </a:xfrm>
+          <a:prstGeom prst="line">
+            <a:avLst/>
+          </a:prstGeom>
+          <a:ln w="28575">
+            <a:solidFill>
+              <a:schemeClr val="tx1"/>
+            </a:solidFill>
+            <a:prstDash val="sysDash"/>
+          </a:ln>
+        </p:spPr>
+        <p:style>
+          <a:lnRef idx="1">
+            <a:schemeClr val="accent1"/>
+          </a:lnRef>
+          <a:fillRef idx="0">
+            <a:schemeClr val="accent1"/>
+          </a:fillRef>
+          <a:effectRef idx="0">
+            <a:schemeClr val="accent1"/>
+          </a:effectRef>
+          <a:fontRef idx="minor">
+            <a:schemeClr val="tx1"/>
+          </a:fontRef>
+        </p:style>
+      </p:cxnSp>
+      <p:sp>
+        <p:nvSpPr>
+          <p:cNvPr id="22" name="フリーフォーム 21"/>
+          <p:cNvSpPr/>
+          <p:nvPr/>
+        </p:nvSpPr>
+        <p:spPr>
+          <a:xfrm>
+            <a:off x="6350000" y="5469467"/>
+            <a:ext cx="239447" cy="122699"/>
+          </a:xfrm>
+          <a:custGeom>
+            <a:avLst/>
+            <a:gdLst>
+              <a:gd name="connsiteX0" fmla="*/ 0 w 239447"/>
+              <a:gd name="connsiteY0" fmla="*/ 67733 h 122699"/>
+              <a:gd name="connsiteX1" fmla="*/ 84667 w 239447"/>
+              <a:gd name="connsiteY1" fmla="*/ 118533 h 122699"/>
+              <a:gd name="connsiteX2" fmla="*/ 237067 w 239447"/>
+              <a:gd name="connsiteY2" fmla="*/ 50800 h 122699"/>
+              <a:gd name="connsiteX3" fmla="*/ 237067 w 239447"/>
+              <a:gd name="connsiteY3" fmla="*/ 0 h 122699"/>
+            </a:gdLst>
+            <a:ahLst/>
+            <a:cxnLst>
+              <a:cxn ang="0">
+                <a:pos x="connsiteX0" y="connsiteY0"/>
+              </a:cxn>
+              <a:cxn ang="0">
+                <a:pos x="connsiteX1" y="connsiteY1"/>
+              </a:cxn>
+              <a:cxn ang="0">
+                <a:pos x="connsiteX2" y="connsiteY2"/>
+              </a:cxn>
+              <a:cxn ang="0">
+                <a:pos x="connsiteX3" y="connsiteY3"/>
+              </a:cxn>
+            </a:cxnLst>
+            <a:rect l="l" t="t" r="r" b="b"/>
+            <a:pathLst>
+              <a:path w="239447" h="122699">
+                <a:moveTo>
+                  <a:pt x="0" y="67733"/>
+                </a:moveTo>
+                <a:cubicBezTo>
+                  <a:pt x="28222" y="84666"/>
+                  <a:pt x="52202" y="113122"/>
+                  <a:pt x="84667" y="118533"/>
+                </a:cubicBezTo>
+                <a:cubicBezTo>
+                  <a:pt x="157764" y="130716"/>
+                  <a:pt x="214502" y="118495"/>
+                  <a:pt x="237067" y="50800"/>
+                </a:cubicBezTo>
+                <a:cubicBezTo>
+                  <a:pt x="242422" y="34736"/>
+                  <a:pt x="237067" y="16933"/>
+                  <a:pt x="237067" y="0"/>
+                </a:cubicBezTo>
+              </a:path>
+            </a:pathLst>
+          </a:custGeom>
+          <a:noFill/>
+          <a:ln>
+            <a:solidFill>
+              <a:schemeClr val="tx1"/>
+            </a:solidFill>
+          </a:ln>
+        </p:spPr>
+        <p:style>
+          <a:lnRef idx="2">
+            <a:schemeClr val="accent1">
+              <a:shade val="50000"/>
+            </a:schemeClr>
+          </a:lnRef>
+          <a:fillRef idx="1">
+            <a:schemeClr val="accent1"/>
+          </a:fillRef>
+          <a:effectRef idx="0">
+            <a:schemeClr val="accent1"/>
+          </a:effectRef>
+          <a:fontRef idx="minor">
+            <a:schemeClr val="lt1"/>
+          </a:fontRef>
+        </p:style>
+        <p:txBody>
+          <a:bodyPr rtlCol="0" anchor="ctr"/>
+          <a:lstStyle/>
+          <a:p>
+            <a:pPr algn="ctr"/>
+            <a:endParaRPr kumimoji="1" lang="ja-JP" altLang="en-US"/>
+          </a:p>
+        </p:txBody>
+      </p:sp>
+    </p:spTree>
+    <p:extLst>
+      <p:ext uri="{BB962C8B-B14F-4D97-AF65-F5344CB8AC3E}">
+        <p14:creationId xmlns:p14="http://schemas.microsoft.com/office/powerpoint/2010/main" val="2744317110"/>
+      </p:ext>
+    </p:extLst>
+  </p:cSld>
+  <p:clrMapOvr>
+    <a:masterClrMapping/>
+  </p:clrMapOvr>
+  <p:timing>
+    <p:tnLst>
+      <p:par>
+        <p:cTn id="1" dur="indefinite" restart="never" nodeType="tmRoot"/>
+      </p:par>
+    </p:tnLst>
+  </p:timing>
+</p:sld>
+</file>
+
+<file path=ppt/slides/slide12.xml><?xml version="1.0" encoding="utf-8"?>
+<p:sld xmlns:a="http://schemas.openxmlformats.org/drawingml/2006/main" xmlns:r="http://schemas.openxmlformats.org/officeDocument/2006/relationships" xmlns:p="http://schemas.openxmlformats.org/presentationml/2006/main">
+  <p:cSld>
+    <p:spTree>
+      <p:nvGrpSpPr>
+        <p:cNvPr id="1" name=""/>
+        <p:cNvGrpSpPr/>
+        <p:nvPr/>
+      </p:nvGrpSpPr>
+      <p:grpSpPr>
+        <a:xfrm>
+          <a:off x="0" y="0"/>
+          <a:ext cx="0" cy="0"/>
+          <a:chOff x="0" y="0"/>
+          <a:chExt cx="0" cy="0"/>
+        </a:xfrm>
+      </p:grpSpPr>
+      <p:sp>
+        <p:nvSpPr>
+          <p:cNvPr id="2" name="タイトル 1"/>
+          <p:cNvSpPr>
+            <a:spLocks noGrp="1"/>
+          </p:cNvSpPr>
+          <p:nvPr>
+            <p:ph type="title"/>
+          </p:nvPr>
+        </p:nvSpPr>
+        <p:spPr/>
+        <p:txBody>
+          <a:bodyPr/>
+          <a:lstStyle/>
+          <a:p>
+            <a:pPr algn="l"/>
+            <a:r>
+              <a:rPr kumimoji="1" lang="en-US" altLang="ja-JP" dirty="0" smtClean="0">
+                <a:latin typeface="メイリオ" panose="020B0604030504040204" pitchFamily="50" charset="-128"/>
+                <a:ea typeface="メイリオ" panose="020B0604030504040204" pitchFamily="50" charset="-128"/>
+                <a:cs typeface="メイリオ" panose="020B0604030504040204" pitchFamily="50" charset="-128"/>
+              </a:rPr>
+              <a:t>Calibration Patterns</a:t>
+            </a:r>
+            <a:endParaRPr kumimoji="1" lang="ja-JP" altLang="en-US" dirty="0">
+              <a:latin typeface="メイリオ" panose="020B0604030504040204" pitchFamily="50" charset="-128"/>
+              <a:ea typeface="メイリオ" panose="020B0604030504040204" pitchFamily="50" charset="-128"/>
+              <a:cs typeface="メイリオ" panose="020B0604030504040204" pitchFamily="50" charset="-128"/>
+            </a:endParaRPr>
+          </a:p>
+        </p:txBody>
+      </p:sp>
+      <p:sp>
+        <p:nvSpPr>
+          <p:cNvPr id="4" name="スライド番号プレースホルダー 3"/>
+          <p:cNvSpPr>
+            <a:spLocks noGrp="1"/>
+          </p:cNvSpPr>
+          <p:nvPr>
+            <p:ph type="sldNum" sz="quarter" idx="12"/>
+          </p:nvPr>
+        </p:nvSpPr>
+        <p:spPr/>
+        <p:txBody>
+          <a:bodyPr/>
+          <a:lstStyle/>
+          <a:p>
+            <a:fld id="{D64230CA-0B4E-4B5F-AAC4-223E39B2A9CE}" type="slidenum">
+              <a:rPr kumimoji="1" lang="ja-JP" altLang="en-US" smtClean="0"/>
+              <a:t>12</a:t>
+            </a:fld>
+            <a:endParaRPr kumimoji="1" lang="ja-JP" altLang="en-US"/>
+          </a:p>
+        </p:txBody>
+      </p:sp>
+      <p:pic>
+        <p:nvPicPr>
+          <p:cNvPr id="5" name="Picture 4"/>
+          <p:cNvPicPr>
+            <a:picLocks noGrp="1" noChangeAspect="1" noChangeArrowheads="1"/>
+          </p:cNvPicPr>
+          <p:nvPr>
+            <p:ph idx="1"/>
+          </p:nvPr>
+        </p:nvPicPr>
+        <p:blipFill>
+          <a:blip r:embed="rId3" cstate="print"/>
+          <a:srcRect/>
+          <a:stretch>
+            <a:fillRect/>
+          </a:stretch>
+        </p:blipFill>
+        <p:spPr bwMode="auto">
+          <a:xfrm>
+            <a:off x="457200" y="1658888"/>
+            <a:ext cx="4876800" cy="1969659"/>
           </a:xfrm>
           <a:prstGeom prst="rect">
             <a:avLst/>
@@ -6589,10 +7794,33 @@
           </a:ln>
         </p:spPr>
       </p:pic>
+      <p:pic>
+        <p:nvPicPr>
+          <p:cNvPr id="8" name="図 7"/>
+          <p:cNvPicPr>
+            <a:picLocks noChangeAspect="1"/>
+          </p:cNvPicPr>
+          <p:nvPr/>
+        </p:nvPicPr>
+        <p:blipFill rotWithShape="1">
+          <a:blip r:embed="rId4"/>
+          <a:srcRect l="11199" t="20550" r="24832" b="38409"/>
+          <a:stretch/>
+        </p:blipFill>
+        <p:spPr>
+          <a:xfrm>
+            <a:off x="3639671" y="3628547"/>
+            <a:ext cx="4374777" cy="2904565"/>
+          </a:xfrm>
+          <a:prstGeom prst="rect">
+            <a:avLst/>
+          </a:prstGeom>
+        </p:spPr>
+      </p:pic>
     </p:spTree>
     <p:extLst>
       <p:ext uri="{BB962C8B-B14F-4D97-AF65-F5344CB8AC3E}">
-        <p14:creationId xmlns:p14="http://schemas.microsoft.com/office/powerpoint/2010/main" val="416670177"/>
+        <p14:creationId xmlns:p14="http://schemas.microsoft.com/office/powerpoint/2010/main" val="2471679757"/>
       </p:ext>
     </p:extLst>
   </p:cSld>
@@ -6795,7 +8023,23 @@
                 <a:ea typeface="メイリオ" panose="020B0604030504040204" pitchFamily="50" charset="-128"/>
                 <a:cs typeface="メイリオ" panose="020B0604030504040204" pitchFamily="50" charset="-128"/>
               </a:rPr>
-              <a:t>光センサ</a:t>
+              <a:t>光</a:t>
+            </a:r>
+            <a:r>
+              <a:rPr lang="ja-JP" altLang="en-US" dirty="0">
+                <a:latin typeface="メイリオ" panose="020B0604030504040204" pitchFamily="50" charset="-128"/>
+                <a:ea typeface="メイリオ" panose="020B0604030504040204" pitchFamily="50" charset="-128"/>
+                <a:cs typeface="メイリオ" panose="020B0604030504040204" pitchFamily="50" charset="-128"/>
+              </a:rPr>
+              <a:t>学</a:t>
+            </a:r>
+            <a:r>
+              <a:rPr lang="ja-JP" altLang="en-US" dirty="0" smtClean="0">
+                <a:latin typeface="メイリオ" panose="020B0604030504040204" pitchFamily="50" charset="-128"/>
+                <a:ea typeface="メイリオ" panose="020B0604030504040204" pitchFamily="50" charset="-128"/>
+                <a:cs typeface="メイリオ" panose="020B0604030504040204" pitchFamily="50" charset="-128"/>
+              </a:rPr>
+              <a:t>センサ</a:t>
             </a:r>
             <a:endParaRPr lang="en-US" altLang="ja-JP" dirty="0" smtClean="0">
               <a:latin typeface="メイリオ" panose="020B0604030504040204" pitchFamily="50" charset="-128"/>
@@ -6851,6 +8095,34 @@
           </a:ln>
         </p:spPr>
       </p:pic>
+      <p:sp>
+        <p:nvSpPr>
+          <p:cNvPr id="5" name="スライド番号プレースホルダー 4"/>
+          <p:cNvSpPr>
+            <a:spLocks noGrp="1"/>
+          </p:cNvSpPr>
+          <p:nvPr>
+            <p:ph type="sldNum" sz="quarter" idx="12"/>
+          </p:nvPr>
+        </p:nvSpPr>
+        <p:spPr>
+          <a:xfrm>
+            <a:off x="6553200" y="6126163"/>
+            <a:ext cx="2133600" cy="476250"/>
+          </a:xfrm>
+        </p:spPr>
+        <p:txBody>
+          <a:bodyPr/>
+          <a:lstStyle/>
+          <a:p>
+            <a:fld id="{D64230CA-0B4E-4B5F-AAC4-223E39B2A9CE}" type="slidenum">
+              <a:rPr kumimoji="1" lang="ja-JP" altLang="en-US" sz="2000" smtClean="0"/>
+              <a:t>2</a:t>
+            </a:fld>
+            <a:endParaRPr kumimoji="1" lang="ja-JP" altLang="en-US" sz="2000" dirty="0"/>
+          </a:p>
+        </p:txBody>
+      </p:sp>
     </p:spTree>
     <p:extLst>
       <p:ext uri="{BB962C8B-B14F-4D97-AF65-F5344CB8AC3E}">
@@ -7105,6 +8377,34 @@
           </a:prstGeom>
         </p:spPr>
       </p:pic>
+      <p:sp>
+        <p:nvSpPr>
+          <p:cNvPr id="5" name="スライド番号プレースホルダー 4"/>
+          <p:cNvSpPr>
+            <a:spLocks noGrp="1"/>
+          </p:cNvSpPr>
+          <p:nvPr>
+            <p:ph type="sldNum" sz="quarter" idx="12"/>
+          </p:nvPr>
+        </p:nvSpPr>
+        <p:spPr>
+          <a:xfrm>
+            <a:off x="6553200" y="6126163"/>
+            <a:ext cx="2133600" cy="476250"/>
+          </a:xfrm>
+        </p:spPr>
+        <p:txBody>
+          <a:bodyPr/>
+          <a:lstStyle/>
+          <a:p>
+            <a:fld id="{D64230CA-0B4E-4B5F-AAC4-223E39B2A9CE}" type="slidenum">
+              <a:rPr kumimoji="1" lang="ja-JP" altLang="en-US" sz="2000" smtClean="0"/>
+              <a:t>3</a:t>
+            </a:fld>
+            <a:endParaRPr kumimoji="1" lang="ja-JP" altLang="en-US" sz="2000"/>
+          </a:p>
+        </p:txBody>
+      </p:sp>
     </p:spTree>
     <p:extLst>
       <p:ext uri="{BB962C8B-B14F-4D97-AF65-F5344CB8AC3E}">
@@ -7566,6 +8866,34 @@
           </a:p>
         </p:txBody>
       </p:sp>
+      <p:sp>
+        <p:nvSpPr>
+          <p:cNvPr id="6" name="スライド番号プレースホルダー 5"/>
+          <p:cNvSpPr>
+            <a:spLocks noGrp="1"/>
+          </p:cNvSpPr>
+          <p:nvPr>
+            <p:ph type="sldNum" sz="quarter" idx="12"/>
+          </p:nvPr>
+        </p:nvSpPr>
+        <p:spPr>
+          <a:xfrm>
+            <a:off x="6553200" y="6126163"/>
+            <a:ext cx="2133600" cy="476250"/>
+          </a:xfrm>
+        </p:spPr>
+        <p:txBody>
+          <a:bodyPr/>
+          <a:lstStyle/>
+          <a:p>
+            <a:fld id="{D64230CA-0B4E-4B5F-AAC4-223E39B2A9CE}" type="slidenum">
+              <a:rPr kumimoji="1" lang="ja-JP" altLang="en-US" sz="2000" smtClean="0"/>
+              <a:t>4</a:t>
+            </a:fld>
+            <a:endParaRPr kumimoji="1" lang="ja-JP" altLang="en-US" sz="2000" dirty="0"/>
+          </a:p>
+        </p:txBody>
+      </p:sp>
     </p:spTree>
     <p:extLst>
       <p:ext uri="{BB962C8B-B14F-4D97-AF65-F5344CB8AC3E}">
@@ -7705,6 +9033,34 @@
               <a:t>https://en.wikipedia.org/wiki/Keystone_effect</a:t>
             </a:r>
             <a:endParaRPr lang="ja-JP" altLang="en-US" dirty="0"/>
+          </a:p>
+        </p:txBody>
+      </p:sp>
+      <p:sp>
+        <p:nvSpPr>
+          <p:cNvPr id="3" name="スライド番号プレースホルダー 2"/>
+          <p:cNvSpPr>
+            <a:spLocks noGrp="1"/>
+          </p:cNvSpPr>
+          <p:nvPr>
+            <p:ph type="sldNum" sz="quarter" idx="12"/>
+          </p:nvPr>
+        </p:nvSpPr>
+        <p:spPr>
+          <a:xfrm>
+            <a:off x="6553200" y="6130242"/>
+            <a:ext cx="2133600" cy="476250"/>
+          </a:xfrm>
+        </p:spPr>
+        <p:txBody>
+          <a:bodyPr/>
+          <a:lstStyle/>
+          <a:p>
+            <a:fld id="{D64230CA-0B4E-4B5F-AAC4-223E39B2A9CE}" type="slidenum">
+              <a:rPr kumimoji="1" lang="ja-JP" altLang="en-US" sz="2000" smtClean="0"/>
+              <a:t>5</a:t>
+            </a:fld>
+            <a:endParaRPr kumimoji="1" lang="ja-JP" altLang="en-US" sz="2000" dirty="0"/>
           </a:p>
         </p:txBody>
       </p:sp>
@@ -8045,6 +9401,34 @@
           </a:p>
         </p:txBody>
       </p:sp>
+      <p:sp>
+        <p:nvSpPr>
+          <p:cNvPr id="8" name="スライド番号プレースホルダー 7"/>
+          <p:cNvSpPr>
+            <a:spLocks noGrp="1"/>
+          </p:cNvSpPr>
+          <p:nvPr>
+            <p:ph type="sldNum" sz="quarter" idx="12"/>
+          </p:nvPr>
+        </p:nvSpPr>
+        <p:spPr>
+          <a:xfrm>
+            <a:off x="6553200" y="6135693"/>
+            <a:ext cx="2133600" cy="476250"/>
+          </a:xfrm>
+        </p:spPr>
+        <p:txBody>
+          <a:bodyPr/>
+          <a:lstStyle/>
+          <a:p>
+            <a:fld id="{D64230CA-0B4E-4B5F-AAC4-223E39B2A9CE}" type="slidenum">
+              <a:rPr kumimoji="1" lang="ja-JP" altLang="en-US" sz="2000" smtClean="0"/>
+              <a:t>6</a:t>
+            </a:fld>
+            <a:endParaRPr kumimoji="1" lang="ja-JP" altLang="en-US" sz="2000" dirty="0"/>
+          </a:p>
+        </p:txBody>
+      </p:sp>
     </p:spTree>
     <p:extLst>
       <p:ext uri="{BB962C8B-B14F-4D97-AF65-F5344CB8AC3E}">
@@ -8130,6 +9514,29 @@
           <a:lstStyle/>
           <a:p>
             <a:endParaRPr kumimoji="1" lang="ja-JP" altLang="en-US" dirty="0"/>
+          </a:p>
+        </p:txBody>
+      </p:sp>
+      <p:sp>
+        <p:nvSpPr>
+          <p:cNvPr id="4" name="スライド番号プレースホルダー 3"/>
+          <p:cNvSpPr>
+            <a:spLocks noGrp="1"/>
+          </p:cNvSpPr>
+          <p:nvPr>
+            <p:ph type="sldNum" sz="quarter" idx="12"/>
+          </p:nvPr>
+        </p:nvSpPr>
+        <p:spPr/>
+        <p:txBody>
+          <a:bodyPr/>
+          <a:lstStyle/>
+          <a:p>
+            <a:fld id="{D64230CA-0B4E-4B5F-AAC4-223E39B2A9CE}" type="slidenum">
+              <a:rPr kumimoji="1" lang="ja-JP" altLang="en-US" smtClean="0"/>
+              <a:t>7</a:t>
+            </a:fld>
+            <a:endParaRPr kumimoji="1" lang="ja-JP" altLang="en-US"/>
           </a:p>
         </p:txBody>
       </p:sp>
@@ -8886,6 +10293,29 @@
           </a:p>
         </p:txBody>
       </p:sp>
+      <p:sp>
+        <p:nvSpPr>
+          <p:cNvPr id="25" name="スライド番号プレースホルダー 24"/>
+          <p:cNvSpPr>
+            <a:spLocks noGrp="1"/>
+          </p:cNvSpPr>
+          <p:nvPr>
+            <p:ph type="sldNum" sz="quarter" idx="12"/>
+          </p:nvPr>
+        </p:nvSpPr>
+        <p:spPr/>
+        <p:txBody>
+          <a:bodyPr/>
+          <a:lstStyle/>
+          <a:p>
+            <a:fld id="{D64230CA-0B4E-4B5F-AAC4-223E39B2A9CE}" type="slidenum">
+              <a:rPr kumimoji="1" lang="ja-JP" altLang="en-US" smtClean="0"/>
+              <a:t>8</a:t>
+            </a:fld>
+            <a:endParaRPr kumimoji="1" lang="ja-JP" altLang="en-US"/>
+          </a:p>
+        </p:txBody>
+      </p:sp>
     </p:spTree>
     <p:extLst>
       <p:ext uri="{BB962C8B-B14F-4D97-AF65-F5344CB8AC3E}">
@@ -8940,30 +10370,140 @@
           <a:p>
             <a:pPr algn="l"/>
             <a:r>
-              <a:rPr kumimoji="1" lang="ja-JP" altLang="en-US" dirty="0" smtClean="0">
+              <a:rPr lang="en-US" altLang="ja-JP" dirty="0">
                 <a:latin typeface="メイリオ" panose="020B0604030504040204" pitchFamily="50" charset="-128"/>
                 <a:ea typeface="メイリオ" panose="020B0604030504040204" pitchFamily="50" charset="-128"/>
                 <a:cs typeface="メイリオ" panose="020B0604030504040204" pitchFamily="50" charset="-128"/>
               </a:rPr>
-              <a:t>光センサ付スクリーン</a:t>
-            </a:r>
-            <a:endParaRPr kumimoji="1" lang="ja-JP" altLang="en-US" dirty="0">
-              <a:latin typeface="メイリオ" panose="020B0604030504040204" pitchFamily="50" charset="-128"/>
-              <a:ea typeface="メイリオ" panose="020B0604030504040204" pitchFamily="50" charset="-128"/>
-              <a:cs typeface="メイリオ" panose="020B0604030504040204" pitchFamily="50" charset="-128"/>
-            </a:endParaRPr>
+              <a:t>System </a:t>
+            </a:r>
+            <a:r>
+              <a:rPr lang="en-US" altLang="ja-JP" dirty="0" smtClean="0">
+                <a:latin typeface="メイリオ" panose="020B0604030504040204" pitchFamily="50" charset="-128"/>
+                <a:ea typeface="メイリオ" panose="020B0604030504040204" pitchFamily="50" charset="-128"/>
+                <a:cs typeface="メイリオ" panose="020B0604030504040204" pitchFamily="50" charset="-128"/>
+              </a:rPr>
+              <a:t>Overview(2)</a:t>
+            </a:r>
+            <a:endParaRPr kumimoji="1" lang="ja-JP" altLang="en-US" dirty="0"/>
+          </a:p>
+        </p:txBody>
+      </p:sp>
+      <p:sp>
+        <p:nvSpPr>
+          <p:cNvPr id="3" name="コンテンツ プレースホルダー 2"/>
+          <p:cNvSpPr>
+            <a:spLocks noGrp="1"/>
+          </p:cNvSpPr>
+          <p:nvPr>
+            <p:ph idx="1"/>
+          </p:nvPr>
+        </p:nvSpPr>
+        <p:spPr/>
+        <p:txBody>
+          <a:bodyPr/>
+          <a:lstStyle/>
+          <a:p>
+            <a:r>
+              <a:rPr lang="ja-JP" altLang="en-US" dirty="0" smtClean="0"/>
+              <a:t>システムの流れ</a:t>
+            </a:r>
+            <a:endParaRPr lang="en-US" altLang="ja-JP" dirty="0" smtClean="0"/>
+          </a:p>
+          <a:p>
+            <a:pPr marL="971550" lvl="1" indent="-514350">
+              <a:buFont typeface="+mj-lt"/>
+              <a:buAutoNum type="arabicPeriod"/>
+            </a:pPr>
+            <a:r>
+              <a:rPr lang="ja-JP" altLang="en-US" dirty="0" smtClean="0"/>
+              <a:t>光学センサ</a:t>
+            </a:r>
+            <a:r>
+              <a:rPr lang="ja-JP" altLang="en-US" dirty="0" smtClean="0"/>
+              <a:t>をターゲットスクリーンに埋める</a:t>
+            </a:r>
+            <a:endParaRPr lang="en-US" altLang="ja-JP" dirty="0" smtClean="0"/>
+          </a:p>
+          <a:p>
+            <a:pPr marL="971550" lvl="1" indent="-514350">
+              <a:buFont typeface="+mj-lt"/>
+              <a:buAutoNum type="arabicPeriod"/>
+            </a:pPr>
+            <a:r>
+              <a:rPr lang="ja-JP" altLang="en-US" dirty="0" smtClean="0"/>
+              <a:t>光学センサ</a:t>
+            </a:r>
+            <a:r>
+              <a:rPr lang="ja-JP" altLang="en-US" dirty="0" smtClean="0"/>
+              <a:t>の位置情報を取得するためバイナリパターンを照射</a:t>
+            </a:r>
+            <a:endParaRPr lang="en-US" altLang="ja-JP" dirty="0" smtClean="0"/>
+          </a:p>
+          <a:p>
+            <a:pPr marL="971550" lvl="1" indent="-514350">
+              <a:buFont typeface="+mj-lt"/>
+              <a:buAutoNum type="arabicPeriod"/>
+            </a:pPr>
+            <a:endParaRPr lang="en-US" altLang="ja-JP" dirty="0"/>
+          </a:p>
+          <a:p>
+            <a:pPr marL="971550" lvl="1" indent="-514350">
+              <a:buFont typeface="+mj-lt"/>
+              <a:buAutoNum type="arabicPeriod"/>
+            </a:pPr>
+            <a:endParaRPr lang="en-US" altLang="ja-JP" dirty="0" smtClean="0"/>
+          </a:p>
+          <a:p>
+            <a:pPr marL="971550" lvl="1" indent="-514350">
+              <a:buFont typeface="+mj-lt"/>
+              <a:buAutoNum type="arabicPeriod"/>
+            </a:pPr>
+            <a:endParaRPr lang="en-US" altLang="ja-JP" dirty="0" smtClean="0"/>
+          </a:p>
+          <a:p>
+            <a:pPr marL="971550" lvl="1" indent="-514350">
+              <a:buFont typeface="+mj-lt"/>
+              <a:buAutoNum type="arabicPeriod"/>
+            </a:pPr>
+            <a:r>
+              <a:rPr lang="ja-JP" altLang="en-US" dirty="0" smtClean="0"/>
+              <a:t>光学センサ</a:t>
+            </a:r>
+            <a:r>
+              <a:rPr lang="ja-JP" altLang="en-US" dirty="0" smtClean="0"/>
+              <a:t>の位置からスクリーンの大きさ</a:t>
+            </a:r>
+            <a:r>
+              <a:rPr lang="en-US" altLang="ja-JP" dirty="0" smtClean="0"/>
+              <a:t>,</a:t>
+            </a:r>
+            <a:r>
+              <a:rPr lang="ja-JP" altLang="en-US" dirty="0" smtClean="0"/>
+              <a:t>　位置を推定</a:t>
+            </a:r>
+            <a:endParaRPr lang="en-US" altLang="ja-JP" dirty="0" smtClean="0"/>
+          </a:p>
+          <a:p>
+            <a:pPr marL="971550" lvl="1" indent="-514350">
+              <a:buFont typeface="+mj-lt"/>
+              <a:buAutoNum type="arabicPeriod"/>
+            </a:pPr>
+            <a:r>
+              <a:rPr lang="ja-JP" altLang="en-US" dirty="0" smtClean="0"/>
+              <a:t>イメージをスクリーンに合わせて映写</a:t>
+            </a:r>
+            <a:endParaRPr lang="en-US" altLang="ja-JP" dirty="0" smtClean="0"/>
           </a:p>
         </p:txBody>
       </p:sp>
       <p:pic>
         <p:nvPicPr>
-          <p:cNvPr id="4" name="Picture 2"/>
+          <p:cNvPr id="5" name="Picture 4"/>
           <p:cNvPicPr>
-            <a:picLocks noGrp="1" noChangeAspect="1" noChangeArrowheads="1"/>
+            <a:picLocks noChangeAspect="1" noChangeArrowheads="1"/>
           </p:cNvPicPr>
-          <p:nvPr>
-            <p:ph idx="1"/>
-          </p:nvPr>
+          <p:nvPr/>
         </p:nvPicPr>
         <p:blipFill>
           <a:blip r:embed="rId3" cstate="print"/>
@@ -8974,8 +10514,8 @@
         </p:blipFill>
         <p:spPr bwMode="auto">
           <a:xfrm>
-            <a:off x="457199" y="1417638"/>
-            <a:ext cx="7890933" cy="5026157"/>
+            <a:off x="2178827" y="3647560"/>
+            <a:ext cx="4786346" cy="1428736"/>
           </a:xfrm>
           <a:prstGeom prst="rect">
             <a:avLst/>
@@ -8989,10 +10529,33 @@
           </a:ln>
         </p:spPr>
       </p:pic>
+      <p:sp>
+        <p:nvSpPr>
+          <p:cNvPr id="6" name="スライド番号プレースホルダー 5"/>
+          <p:cNvSpPr>
+            <a:spLocks noGrp="1"/>
+          </p:cNvSpPr>
+          <p:nvPr>
+            <p:ph type="sldNum" sz="quarter" idx="12"/>
+          </p:nvPr>
+        </p:nvSpPr>
+        <p:spPr/>
+        <p:txBody>
+          <a:bodyPr/>
+          <a:lstStyle/>
+          <a:p>
+            <a:fld id="{D64230CA-0B4E-4B5F-AAC4-223E39B2A9CE}" type="slidenum">
+              <a:rPr kumimoji="1" lang="ja-JP" altLang="en-US" smtClean="0"/>
+              <a:t>9</a:t>
+            </a:fld>
+            <a:endParaRPr kumimoji="1" lang="ja-JP" altLang="en-US"/>
+          </a:p>
+        </p:txBody>
+      </p:sp>
     </p:spTree>
     <p:extLst>
       <p:ext uri="{BB962C8B-B14F-4D97-AF65-F5344CB8AC3E}">
-        <p14:creationId xmlns:p14="http://schemas.microsoft.com/office/powerpoint/2010/main" val="2470277560"/>
+        <p14:creationId xmlns:p14="http://schemas.microsoft.com/office/powerpoint/2010/main" val="416670177"/>
       </p:ext>
     </p:extLst>
   </p:cSld>

--- a/HI_hamana.pptx
+++ b/HI_hamana.pptx
@@ -5,7 +5,7 @@
     <p:sldMasterId id="2147483672" r:id="rId1"/>
   </p:sldMasterIdLst>
   <p:notesMasterIdLst>
-    <p:notesMasterId r:id="rId14"/>
+    <p:notesMasterId r:id="rId16"/>
   </p:notesMasterIdLst>
   <p:sldIdLst>
     <p:sldId id="256" r:id="rId2"/>
@@ -20,6 +20,8 @@
     <p:sldId id="266" r:id="rId11"/>
     <p:sldId id="268" r:id="rId12"/>
     <p:sldId id="269" r:id="rId13"/>
+    <p:sldId id="270" r:id="rId14"/>
+    <p:sldId id="271" r:id="rId15"/>
   </p:sldIdLst>
   <p:sldSz cx="9144000" cy="6858000" type="screen4x3"/>
   <p:notesSz cx="6858000" cy="9144000"/>
@@ -904,7 +906,28 @@
           <a:bodyPr/>
           <a:lstStyle/>
           <a:p>
-            <a:endParaRPr kumimoji="1" lang="ja-JP" altLang="en-US" dirty="0"/>
+            <a:r>
+              <a:rPr kumimoji="1" lang="ja-JP" altLang="en-US" dirty="0" smtClean="0"/>
+              <a:t>光学センサの位置の検出方法</a:t>
+            </a:r>
+            <a:endParaRPr kumimoji="1" lang="en-US" altLang="ja-JP" dirty="0" smtClean="0"/>
+          </a:p>
+          <a:p>
+            <a:endParaRPr kumimoji="1" lang="en-US" altLang="ja-JP" dirty="0" smtClean="0"/>
+          </a:p>
+          <a:p>
+            <a:r>
+              <a:rPr kumimoji="1" lang="ja-JP" altLang="en-US" dirty="0" smtClean="0"/>
+              <a:t>白黒のバイナリパターンを光学センサ付スクリーンに照射することにより光学センサ</a:t>
+            </a:r>
+            <a:endParaRPr kumimoji="1" lang="en-US" altLang="ja-JP" dirty="0" smtClean="0"/>
+          </a:p>
+          <a:p>
+            <a:r>
+              <a:rPr kumimoji="1" lang="ja-JP" altLang="en-US" dirty="0" smtClean="0"/>
+              <a:t>の位置検出を行う。</a:t>
+            </a:r>
+            <a:endParaRPr kumimoji="1" lang="en-US" altLang="ja-JP" dirty="0" smtClean="0"/>
           </a:p>
         </p:txBody>
       </p:sp>
@@ -935,6 +958,150 @@
     <p:extLst>
       <p:ext uri="{BB962C8B-B14F-4D97-AF65-F5344CB8AC3E}">
         <p14:creationId xmlns:p14="http://schemas.microsoft.com/office/powerpoint/2010/main" val="1329975957"/>
+      </p:ext>
+    </p:extLst>
+  </p:cSld>
+  <p:clrMapOvr>
+    <a:masterClrMapping/>
+  </p:clrMapOvr>
+</p:notes>
+</file>
+
+<file path=ppt/notesSlides/notesSlide13.xml><?xml version="1.0" encoding="utf-8"?>
+<p:notes xmlns:a="http://schemas.openxmlformats.org/drawingml/2006/main" xmlns:r="http://schemas.openxmlformats.org/officeDocument/2006/relationships" xmlns:p="http://schemas.openxmlformats.org/presentationml/2006/main">
+  <p:cSld>
+    <p:spTree>
+      <p:nvGrpSpPr>
+        <p:cNvPr id="1" name=""/>
+        <p:cNvGrpSpPr/>
+        <p:nvPr/>
+      </p:nvGrpSpPr>
+      <p:grpSpPr>
+        <a:xfrm>
+          <a:off x="0" y="0"/>
+          <a:ext cx="0" cy="0"/>
+          <a:chOff x="0" y="0"/>
+          <a:chExt cx="0" cy="0"/>
+        </a:xfrm>
+      </p:grpSpPr>
+      <p:sp>
+        <p:nvSpPr>
+          <p:cNvPr id="2" name="スライド イメージ プレースホルダー 1"/>
+          <p:cNvSpPr>
+            <a:spLocks noGrp="1" noRot="1" noChangeAspect="1"/>
+          </p:cNvSpPr>
+          <p:nvPr>
+            <p:ph type="sldImg"/>
+          </p:nvPr>
+        </p:nvSpPr>
+        <p:spPr/>
+      </p:sp>
+      <p:sp>
+        <p:nvSpPr>
+          <p:cNvPr id="3" name="ノート プレースホルダー 2"/>
+          <p:cNvSpPr>
+            <a:spLocks noGrp="1"/>
+          </p:cNvSpPr>
+          <p:nvPr>
+            <p:ph type="body" idx="1"/>
+          </p:nvPr>
+        </p:nvSpPr>
+        <p:spPr/>
+        <p:txBody>
+          <a:bodyPr/>
+          <a:lstStyle/>
+          <a:p>
+            <a:r>
+              <a:rPr kumimoji="1" lang="en-US" altLang="ja-JP" dirty="0" smtClean="0"/>
+              <a:t>1.</a:t>
+            </a:r>
+            <a:r>
+              <a:rPr kumimoji="1" lang="en-US" altLang="ja-JP" baseline="0" dirty="0" smtClean="0"/>
+              <a:t> </a:t>
+            </a:r>
+            <a:r>
+              <a:rPr kumimoji="1" lang="ja-JP" altLang="en-US" dirty="0" smtClean="0"/>
+              <a:t>バイナリパターンを照射する</a:t>
+            </a:r>
+            <a:endParaRPr kumimoji="1" lang="en-US" altLang="ja-JP" dirty="0" smtClean="0"/>
+          </a:p>
+          <a:p>
+            <a:r>
+              <a:rPr kumimoji="1" lang="en-US" altLang="ja-JP" baseline="0" dirty="0" smtClean="0"/>
+              <a:t>2. </a:t>
+            </a:r>
+            <a:r>
+              <a:rPr kumimoji="1" lang="ja-JP" altLang="en-US" dirty="0" smtClean="0"/>
+              <a:t>各光学センサが光の有無を検出する。</a:t>
+            </a:r>
+            <a:endParaRPr kumimoji="1" lang="en-US" altLang="ja-JP" dirty="0" smtClean="0"/>
+          </a:p>
+          <a:p>
+            <a:r>
+              <a:rPr kumimoji="1" lang="en-US" altLang="ja-JP" dirty="0" smtClean="0"/>
+              <a:t>3. </a:t>
+            </a:r>
+            <a:r>
+              <a:rPr kumimoji="1" lang="ja-JP" altLang="en-US" dirty="0" smtClean="0"/>
+              <a:t>検出結果をビット列としてホスト</a:t>
+            </a:r>
+            <a:r>
+              <a:rPr kumimoji="1" lang="en-US" altLang="ja-JP" dirty="0" smtClean="0"/>
+              <a:t>PC</a:t>
+            </a:r>
+            <a:r>
+              <a:rPr kumimoji="1" lang="ja-JP" altLang="en-US" dirty="0" smtClean="0"/>
+              <a:t>へ送信</a:t>
+            </a:r>
+            <a:endParaRPr kumimoji="1" lang="en-US" altLang="ja-JP" dirty="0" smtClean="0"/>
+          </a:p>
+          <a:p>
+            <a:endParaRPr kumimoji="1" lang="en-US" altLang="ja-JP" dirty="0" smtClean="0"/>
+          </a:p>
+          <a:p>
+            <a:r>
+              <a:rPr kumimoji="1" lang="ja-JP" altLang="en-US" dirty="0" smtClean="0"/>
+              <a:t>ホスト</a:t>
+            </a:r>
+            <a:r>
+              <a:rPr kumimoji="1" lang="en-US" altLang="ja-JP" dirty="0" smtClean="0"/>
+              <a:t>PC</a:t>
+            </a:r>
+            <a:r>
+              <a:rPr kumimoji="1" lang="ja-JP" altLang="en-US" dirty="0" smtClean="0"/>
+              <a:t>側でも照射しているバイナリパターンの各ピクセル値を時系列ですべて把握しているため、これと光学センサからのフィードバックを同じ時系列で比較することによって、光学センサの位置を推定する。</a:t>
+            </a:r>
+            <a:endParaRPr kumimoji="1" lang="ja-JP" altLang="en-US" dirty="0"/>
+          </a:p>
+        </p:txBody>
+      </p:sp>
+      <p:sp>
+        <p:nvSpPr>
+          <p:cNvPr id="4" name="スライド番号プレースホルダー 3"/>
+          <p:cNvSpPr>
+            <a:spLocks noGrp="1"/>
+          </p:cNvSpPr>
+          <p:nvPr>
+            <p:ph type="sldNum" sz="quarter" idx="10"/>
+          </p:nvPr>
+        </p:nvSpPr>
+        <p:spPr/>
+        <p:txBody>
+          <a:bodyPr/>
+          <a:lstStyle/>
+          <a:p>
+            <a:fld id="{B8CD965A-9A59-42B6-ADA1-B01B27F6A563}" type="slidenum">
+              <a:rPr kumimoji="1" lang="ja-JP" altLang="en-US" smtClean="0"/>
+              <a:t>13</a:t>
+            </a:fld>
+            <a:endParaRPr kumimoji="1" lang="ja-JP" altLang="en-US"/>
+          </a:p>
+        </p:txBody>
+      </p:sp>
+    </p:spTree>
+    <p:extLst>
+      <p:ext uri="{BB962C8B-B14F-4D97-AF65-F5344CB8AC3E}">
+        <p14:creationId xmlns:p14="http://schemas.microsoft.com/office/powerpoint/2010/main" val="83976725"/>
       </p:ext>
     </p:extLst>
   </p:cSld>
@@ -3399,6 +3566,13 @@
   <p:clrMapOvr>
     <a:masterClrMapping/>
   </p:clrMapOvr>
+  <p:timing>
+    <p:tnLst>
+      <p:par>
+        <p:cTn id="1" dur="indefinite" restart="never" nodeType="tmRoot"/>
+      </p:par>
+    </p:tnLst>
+  </p:timing>
 </p:sldLayout>
 </file>
 
@@ -4387,13 +4561,21 @@
         <p:spPr/>
         <p:txBody>
           <a:bodyPr/>
-          <a:lstStyle/>
-          <a:p>
-            <a:r>
-              <a:rPr lang="ja-JP" altLang="en-US" smtClean="0"/>
-              <a:t>マスター タイトルの書式設定</a:t>
-            </a:r>
-            <a:endParaRPr lang="ja-JP" altLang="en-US"/>
+          <a:lstStyle>
+            <a:lvl1pPr algn="l">
+              <a:defRPr/>
+            </a:lvl1pPr>
+          </a:lstStyle>
+          <a:p>
+            <a:r>
+              <a:rPr lang="ja-JP" altLang="en-US" dirty="0" smtClean="0"/>
+              <a:t>マスター </a:t>
+            </a:r>
+            <a:r>
+              <a:rPr lang="ja-JP" altLang="en-US" dirty="0" smtClean="0"/>
+              <a:t>タイトルの書式設定</a:t>
+            </a:r>
+            <a:endParaRPr lang="ja-JP" altLang="en-US" dirty="0"/>
           </a:p>
         </p:txBody>
       </p:sp>
@@ -4484,6 +4666,13 @@
   <p:clrMapOvr>
     <a:masterClrMapping/>
   </p:clrMapOvr>
+  <p:timing>
+    <p:tnLst>
+      <p:par>
+        <p:cTn id="1" dur="indefinite" restart="never" nodeType="tmRoot"/>
+      </p:par>
+    </p:tnLst>
+  </p:timing>
 </p:sldLayout>
 </file>
 
@@ -7727,7 +7916,7 @@
                 <a:ea typeface="メイリオ" panose="020B0604030504040204" pitchFamily="50" charset="-128"/>
                 <a:cs typeface="メイリオ" panose="020B0604030504040204" pitchFamily="50" charset="-128"/>
               </a:rPr>
-              <a:t>Calibration Patterns</a:t>
+              <a:t>Calibration Patterns(1)</a:t>
             </a:r>
             <a:endParaRPr kumimoji="1" lang="ja-JP" altLang="en-US" dirty="0">
               <a:latin typeface="メイリオ" panose="020B0604030504040204" pitchFamily="50" charset="-128"/>
@@ -7837,6 +8026,1481 @@
 </p:sld>
 </file>
 
+<file path=ppt/slides/slide13.xml><?xml version="1.0" encoding="utf-8"?>
+<p:sld xmlns:a="http://schemas.openxmlformats.org/drawingml/2006/main" xmlns:r="http://schemas.openxmlformats.org/officeDocument/2006/relationships" xmlns:p="http://schemas.openxmlformats.org/presentationml/2006/main">
+  <p:cSld>
+    <p:spTree>
+      <p:nvGrpSpPr>
+        <p:cNvPr id="1" name=""/>
+        <p:cNvGrpSpPr/>
+        <p:nvPr/>
+      </p:nvGrpSpPr>
+      <p:grpSpPr>
+        <a:xfrm>
+          <a:off x="0" y="0"/>
+          <a:ext cx="0" cy="0"/>
+          <a:chOff x="0" y="0"/>
+          <a:chExt cx="0" cy="0"/>
+        </a:xfrm>
+      </p:grpSpPr>
+      <p:sp>
+        <p:nvSpPr>
+          <p:cNvPr id="2" name="タイトル 1"/>
+          <p:cNvSpPr>
+            <a:spLocks noGrp="1"/>
+          </p:cNvSpPr>
+          <p:nvPr>
+            <p:ph type="title"/>
+          </p:nvPr>
+        </p:nvSpPr>
+        <p:spPr/>
+        <p:txBody>
+          <a:bodyPr/>
+          <a:lstStyle/>
+          <a:p>
+            <a:pPr algn="l"/>
+            <a:r>
+              <a:rPr kumimoji="1" lang="en-US" altLang="ja-JP" dirty="0" smtClean="0">
+                <a:latin typeface="メイリオ" panose="020B0604030504040204" pitchFamily="50" charset="-128"/>
+                <a:ea typeface="メイリオ" panose="020B0604030504040204" pitchFamily="50" charset="-128"/>
+                <a:cs typeface="メイリオ" panose="020B0604030504040204" pitchFamily="50" charset="-128"/>
+              </a:rPr>
+              <a:t>Calibration</a:t>
+            </a:r>
+            <a:r>
+              <a:rPr kumimoji="1" lang="ja-JP" altLang="en-US" dirty="0" smtClean="0">
+                <a:latin typeface="メイリオ" panose="020B0604030504040204" pitchFamily="50" charset="-128"/>
+                <a:ea typeface="メイリオ" panose="020B0604030504040204" pitchFamily="50" charset="-128"/>
+                <a:cs typeface="メイリオ" panose="020B0604030504040204" pitchFamily="50" charset="-128"/>
+              </a:rPr>
+              <a:t> </a:t>
+            </a:r>
+            <a:r>
+              <a:rPr kumimoji="1" lang="en-US" altLang="ja-JP" dirty="0" smtClean="0">
+                <a:latin typeface="メイリオ" panose="020B0604030504040204" pitchFamily="50" charset="-128"/>
+                <a:ea typeface="メイリオ" panose="020B0604030504040204" pitchFamily="50" charset="-128"/>
+                <a:cs typeface="メイリオ" panose="020B0604030504040204" pitchFamily="50" charset="-128"/>
+              </a:rPr>
+              <a:t>Patterns</a:t>
+            </a:r>
+            <a:r>
+              <a:rPr lang="en-US" altLang="ja-JP" dirty="0" smtClean="0">
+                <a:latin typeface="メイリオ" panose="020B0604030504040204" pitchFamily="50" charset="-128"/>
+                <a:ea typeface="メイリオ" panose="020B0604030504040204" pitchFamily="50" charset="-128"/>
+                <a:cs typeface="メイリオ" panose="020B0604030504040204" pitchFamily="50" charset="-128"/>
+              </a:rPr>
+              <a:t>(2)</a:t>
+            </a:r>
+            <a:endParaRPr kumimoji="1" lang="ja-JP" altLang="en-US" dirty="0">
+              <a:latin typeface="メイリオ" panose="020B0604030504040204" pitchFamily="50" charset="-128"/>
+              <a:ea typeface="メイリオ" panose="020B0604030504040204" pitchFamily="50" charset="-128"/>
+              <a:cs typeface="メイリオ" panose="020B0604030504040204" pitchFamily="50" charset="-128"/>
+            </a:endParaRPr>
+          </a:p>
+        </p:txBody>
+      </p:sp>
+      <p:sp>
+        <p:nvSpPr>
+          <p:cNvPr id="3" name="コンテンツ プレースホルダー 2"/>
+          <p:cNvSpPr>
+            <a:spLocks noGrp="1"/>
+          </p:cNvSpPr>
+          <p:nvPr>
+            <p:ph idx="1"/>
+          </p:nvPr>
+        </p:nvSpPr>
+        <p:spPr/>
+        <p:txBody>
+          <a:bodyPr/>
+          <a:lstStyle/>
+          <a:p>
+            <a:pPr marL="514350" indent="-514350">
+              <a:buFont typeface="+mj-lt"/>
+              <a:buAutoNum type="arabicPeriod"/>
+            </a:pPr>
+            <a:r>
+              <a:rPr lang="ja-JP" altLang="en-US" dirty="0" smtClean="0">
+                <a:latin typeface="メイリオ" panose="020B0604030504040204" pitchFamily="50" charset="-128"/>
+                <a:ea typeface="メイリオ" panose="020B0604030504040204" pitchFamily="50" charset="-128"/>
+                <a:cs typeface="メイリオ" panose="020B0604030504040204" pitchFamily="50" charset="-128"/>
+              </a:rPr>
+              <a:t>バイナリ</a:t>
+            </a:r>
+            <a:r>
+              <a:rPr lang="ja-JP" altLang="en-US" dirty="0">
+                <a:latin typeface="メイリオ" panose="020B0604030504040204" pitchFamily="50" charset="-128"/>
+                <a:ea typeface="メイリオ" panose="020B0604030504040204" pitchFamily="50" charset="-128"/>
+                <a:cs typeface="メイリオ" panose="020B0604030504040204" pitchFamily="50" charset="-128"/>
+              </a:rPr>
+              <a:t>パターン</a:t>
+            </a:r>
+            <a:r>
+              <a:rPr lang="ja-JP" altLang="en-US" dirty="0" smtClean="0">
+                <a:latin typeface="メイリオ" panose="020B0604030504040204" pitchFamily="50" charset="-128"/>
+                <a:ea typeface="メイリオ" panose="020B0604030504040204" pitchFamily="50" charset="-128"/>
+                <a:cs typeface="メイリオ" panose="020B0604030504040204" pitchFamily="50" charset="-128"/>
+              </a:rPr>
+              <a:t>を照射</a:t>
+            </a:r>
+            <a:endParaRPr lang="en-US" altLang="ja-JP" dirty="0" smtClean="0">
+              <a:latin typeface="メイリオ" panose="020B0604030504040204" pitchFamily="50" charset="-128"/>
+              <a:ea typeface="メイリオ" panose="020B0604030504040204" pitchFamily="50" charset="-128"/>
+              <a:cs typeface="メイリオ" panose="020B0604030504040204" pitchFamily="50" charset="-128"/>
+            </a:endParaRPr>
+          </a:p>
+          <a:p>
+            <a:pPr marL="514350" indent="-514350">
+              <a:buFont typeface="+mj-lt"/>
+              <a:buAutoNum type="arabicPeriod"/>
+            </a:pPr>
+            <a:r>
+              <a:rPr kumimoji="1" lang="ja-JP" altLang="en-US" dirty="0" smtClean="0">
+                <a:latin typeface="メイリオ" panose="020B0604030504040204" pitchFamily="50" charset="-128"/>
+                <a:ea typeface="メイリオ" panose="020B0604030504040204" pitchFamily="50" charset="-128"/>
+                <a:cs typeface="メイリオ" panose="020B0604030504040204" pitchFamily="50" charset="-128"/>
+              </a:rPr>
+              <a:t>各光学センサで光の有無を検出</a:t>
+            </a:r>
+            <a:endParaRPr kumimoji="1" lang="en-US" altLang="ja-JP" dirty="0" smtClean="0">
+              <a:latin typeface="メイリオ" panose="020B0604030504040204" pitchFamily="50" charset="-128"/>
+              <a:ea typeface="メイリオ" panose="020B0604030504040204" pitchFamily="50" charset="-128"/>
+              <a:cs typeface="メイリオ" panose="020B0604030504040204" pitchFamily="50" charset="-128"/>
+            </a:endParaRPr>
+          </a:p>
+          <a:p>
+            <a:pPr marL="514350" indent="-514350">
+              <a:buFont typeface="+mj-lt"/>
+              <a:buAutoNum type="arabicPeriod"/>
+            </a:pPr>
+            <a:r>
+              <a:rPr kumimoji="1" lang="ja-JP" altLang="en-US" dirty="0" smtClean="0">
+                <a:latin typeface="メイリオ" panose="020B0604030504040204" pitchFamily="50" charset="-128"/>
+                <a:ea typeface="メイリオ" panose="020B0604030504040204" pitchFamily="50" charset="-128"/>
+                <a:cs typeface="メイリオ" panose="020B0604030504040204" pitchFamily="50" charset="-128"/>
+              </a:rPr>
+              <a:t>検出結果</a:t>
+            </a:r>
+            <a:r>
+              <a:rPr lang="ja-JP" altLang="en-US" dirty="0" smtClean="0">
+                <a:latin typeface="メイリオ" panose="020B0604030504040204" pitchFamily="50" charset="-128"/>
+                <a:ea typeface="メイリオ" panose="020B0604030504040204" pitchFamily="50" charset="-128"/>
+                <a:cs typeface="メイリオ" panose="020B0604030504040204" pitchFamily="50" charset="-128"/>
+              </a:rPr>
+              <a:t>の</a:t>
+            </a:r>
+            <a:r>
+              <a:rPr kumimoji="1" lang="ja-JP" altLang="en-US" dirty="0" smtClean="0">
+                <a:latin typeface="メイリオ" panose="020B0604030504040204" pitchFamily="50" charset="-128"/>
+                <a:ea typeface="メイリオ" panose="020B0604030504040204" pitchFamily="50" charset="-128"/>
+                <a:cs typeface="メイリオ" panose="020B0604030504040204" pitchFamily="50" charset="-128"/>
+              </a:rPr>
+              <a:t>ビット列をホスト</a:t>
+            </a:r>
+            <a:r>
+              <a:rPr kumimoji="1" lang="en-US" altLang="ja-JP" dirty="0" smtClean="0">
+                <a:latin typeface="メイリオ" panose="020B0604030504040204" pitchFamily="50" charset="-128"/>
+                <a:ea typeface="メイリオ" panose="020B0604030504040204" pitchFamily="50" charset="-128"/>
+                <a:cs typeface="メイリオ" panose="020B0604030504040204" pitchFamily="50" charset="-128"/>
+              </a:rPr>
+              <a:t>PC</a:t>
+            </a:r>
+            <a:r>
+              <a:rPr kumimoji="1" lang="ja-JP" altLang="en-US" dirty="0" smtClean="0">
+                <a:latin typeface="メイリオ" panose="020B0604030504040204" pitchFamily="50" charset="-128"/>
+                <a:ea typeface="メイリオ" panose="020B0604030504040204" pitchFamily="50" charset="-128"/>
+                <a:cs typeface="メイリオ" panose="020B0604030504040204" pitchFamily="50" charset="-128"/>
+              </a:rPr>
+              <a:t>へ送信</a:t>
+            </a:r>
+            <a:endParaRPr lang="en-US" altLang="ja-JP" dirty="0" smtClean="0">
+              <a:latin typeface="メイリオ" panose="020B0604030504040204" pitchFamily="50" charset="-128"/>
+              <a:ea typeface="メイリオ" panose="020B0604030504040204" pitchFamily="50" charset="-128"/>
+              <a:cs typeface="メイリオ" panose="020B0604030504040204" pitchFamily="50" charset="-128"/>
+            </a:endParaRPr>
+          </a:p>
+          <a:p>
+            <a:pPr marL="0" indent="0">
+              <a:buNone/>
+            </a:pPr>
+            <a:endParaRPr lang="en-US" altLang="ja-JP" sz="2800" dirty="0" smtClean="0">
+              <a:latin typeface="メイリオ" panose="020B0604030504040204" pitchFamily="50" charset="-128"/>
+              <a:ea typeface="メイリオ" panose="020B0604030504040204" pitchFamily="50" charset="-128"/>
+              <a:cs typeface="メイリオ" panose="020B0604030504040204" pitchFamily="50" charset="-128"/>
+            </a:endParaRPr>
+          </a:p>
+          <a:p>
+            <a:pPr marL="0" indent="0">
+              <a:buNone/>
+            </a:pPr>
+            <a:r>
+              <a:rPr lang="ja-JP" altLang="en-US" sz="2800" dirty="0" smtClean="0">
+                <a:latin typeface="メイリオ" panose="020B0604030504040204" pitchFamily="50" charset="-128"/>
+                <a:ea typeface="メイリオ" panose="020B0604030504040204" pitchFamily="50" charset="-128"/>
+                <a:cs typeface="メイリオ" panose="020B0604030504040204" pitchFamily="50" charset="-128"/>
+              </a:rPr>
+              <a:t>例</a:t>
+            </a:r>
+            <a:r>
+              <a:rPr lang="en-US" altLang="ja-JP" sz="2800" dirty="0" smtClean="0">
+                <a:latin typeface="メイリオ" panose="020B0604030504040204" pitchFamily="50" charset="-128"/>
+                <a:ea typeface="メイリオ" panose="020B0604030504040204" pitchFamily="50" charset="-128"/>
+                <a:cs typeface="メイリオ" panose="020B0604030504040204" pitchFamily="50" charset="-128"/>
+              </a:rPr>
+              <a:t>) </a:t>
+            </a:r>
+            <a:r>
+              <a:rPr lang="ja-JP" altLang="en-US" sz="2800" dirty="0" smtClean="0">
+                <a:latin typeface="メイリオ" panose="020B0604030504040204" pitchFamily="50" charset="-128"/>
+                <a:ea typeface="メイリオ" panose="020B0604030504040204" pitchFamily="50" charset="-128"/>
+                <a:cs typeface="メイリオ" panose="020B0604030504040204" pitchFamily="50" charset="-128"/>
+              </a:rPr>
+              <a:t>光有り→１ 光無し→０</a:t>
+            </a:r>
+            <a:endParaRPr lang="en-US" altLang="ja-JP" sz="2800" dirty="0" smtClean="0">
+              <a:latin typeface="メイリオ" panose="020B0604030504040204" pitchFamily="50" charset="-128"/>
+              <a:ea typeface="メイリオ" panose="020B0604030504040204" pitchFamily="50" charset="-128"/>
+              <a:cs typeface="メイリオ" panose="020B0604030504040204" pitchFamily="50" charset="-128"/>
+            </a:endParaRPr>
+          </a:p>
+        </p:txBody>
+      </p:sp>
+      <p:sp>
+        <p:nvSpPr>
+          <p:cNvPr id="4" name="スライド番号プレースホルダー 3"/>
+          <p:cNvSpPr>
+            <a:spLocks noGrp="1"/>
+          </p:cNvSpPr>
+          <p:nvPr>
+            <p:ph type="sldNum" sz="quarter" idx="12"/>
+          </p:nvPr>
+        </p:nvSpPr>
+        <p:spPr/>
+        <p:txBody>
+          <a:bodyPr/>
+          <a:lstStyle/>
+          <a:p>
+            <a:fld id="{D64230CA-0B4E-4B5F-AAC4-223E39B2A9CE}" type="slidenum">
+              <a:rPr kumimoji="1" lang="ja-JP" altLang="en-US" smtClean="0"/>
+              <a:t>13</a:t>
+            </a:fld>
+            <a:endParaRPr kumimoji="1" lang="ja-JP" altLang="en-US"/>
+          </a:p>
+        </p:txBody>
+      </p:sp>
+      <p:sp>
+        <p:nvSpPr>
+          <p:cNvPr id="15" name="角丸四角形 14"/>
+          <p:cNvSpPr/>
+          <p:nvPr/>
+        </p:nvSpPr>
+        <p:spPr>
+          <a:xfrm rot="1371440">
+            <a:off x="6078851" y="4229527"/>
+            <a:ext cx="2114660" cy="2243391"/>
+          </a:xfrm>
+          <a:prstGeom prst="roundRect">
+            <a:avLst/>
+          </a:prstGeom>
+          <a:solidFill>
+            <a:schemeClr val="accent3">
+              <a:lumMod val="95000"/>
+            </a:schemeClr>
+          </a:solidFill>
+          <a:ln>
+            <a:solidFill>
+              <a:schemeClr val="tx1"/>
+            </a:solidFill>
+          </a:ln>
+        </p:spPr>
+        <p:style>
+          <a:lnRef idx="2">
+            <a:schemeClr val="accent1">
+              <a:shade val="50000"/>
+            </a:schemeClr>
+          </a:lnRef>
+          <a:fillRef idx="1">
+            <a:schemeClr val="accent1"/>
+          </a:fillRef>
+          <a:effectRef idx="0">
+            <a:schemeClr val="accent1"/>
+          </a:effectRef>
+          <a:fontRef idx="minor">
+            <a:schemeClr val="lt1"/>
+          </a:fontRef>
+        </p:style>
+        <p:txBody>
+          <a:bodyPr rtlCol="0" anchor="ctr"/>
+          <a:lstStyle/>
+          <a:p>
+            <a:pPr algn="ctr"/>
+            <a:endParaRPr kumimoji="1" lang="ja-JP" altLang="en-US"/>
+          </a:p>
+        </p:txBody>
+      </p:sp>
+      <p:sp>
+        <p:nvSpPr>
+          <p:cNvPr id="16" name="星 5 15"/>
+          <p:cNvSpPr/>
+          <p:nvPr/>
+        </p:nvSpPr>
+        <p:spPr>
+          <a:xfrm>
+            <a:off x="6506165" y="4081581"/>
+            <a:ext cx="389467" cy="346067"/>
+          </a:xfrm>
+          <a:prstGeom prst="star5">
+            <a:avLst/>
+          </a:prstGeom>
+          <a:solidFill>
+            <a:schemeClr val="accent2"/>
+          </a:solidFill>
+          <a:ln>
+            <a:solidFill>
+              <a:schemeClr val="accent2"/>
+            </a:solidFill>
+          </a:ln>
+        </p:spPr>
+        <p:style>
+          <a:lnRef idx="2">
+            <a:schemeClr val="accent1">
+              <a:shade val="50000"/>
+            </a:schemeClr>
+          </a:lnRef>
+          <a:fillRef idx="1">
+            <a:schemeClr val="accent1"/>
+          </a:fillRef>
+          <a:effectRef idx="0">
+            <a:schemeClr val="accent1"/>
+          </a:effectRef>
+          <a:fontRef idx="minor">
+            <a:schemeClr val="lt1"/>
+          </a:fontRef>
+        </p:style>
+        <p:txBody>
+          <a:bodyPr rtlCol="0" anchor="ctr"/>
+          <a:lstStyle/>
+          <a:p>
+            <a:pPr algn="ctr"/>
+            <a:endParaRPr kumimoji="1" lang="ja-JP" altLang="en-US" dirty="0"/>
+          </a:p>
+        </p:txBody>
+      </p:sp>
+      <p:sp>
+        <p:nvSpPr>
+          <p:cNvPr id="17" name="星 5 16"/>
+          <p:cNvSpPr/>
+          <p:nvPr/>
+        </p:nvSpPr>
+        <p:spPr>
+          <a:xfrm>
+            <a:off x="5902019" y="5717774"/>
+            <a:ext cx="389467" cy="346067"/>
+          </a:xfrm>
+          <a:prstGeom prst="star5">
+            <a:avLst/>
+          </a:prstGeom>
+          <a:solidFill>
+            <a:schemeClr val="accent2"/>
+          </a:solidFill>
+          <a:ln>
+            <a:solidFill>
+              <a:schemeClr val="accent2"/>
+            </a:solidFill>
+          </a:ln>
+        </p:spPr>
+        <p:style>
+          <a:lnRef idx="2">
+            <a:schemeClr val="accent1">
+              <a:shade val="50000"/>
+            </a:schemeClr>
+          </a:lnRef>
+          <a:fillRef idx="1">
+            <a:schemeClr val="accent1"/>
+          </a:fillRef>
+          <a:effectRef idx="0">
+            <a:schemeClr val="accent1"/>
+          </a:effectRef>
+          <a:fontRef idx="minor">
+            <a:schemeClr val="lt1"/>
+          </a:fontRef>
+        </p:style>
+        <p:txBody>
+          <a:bodyPr rtlCol="0" anchor="ctr"/>
+          <a:lstStyle/>
+          <a:p>
+            <a:pPr algn="ctr"/>
+            <a:endParaRPr kumimoji="1" lang="ja-JP" altLang="en-US"/>
+          </a:p>
+        </p:txBody>
+      </p:sp>
+      <p:sp>
+        <p:nvSpPr>
+          <p:cNvPr id="18" name="星 5 17"/>
+          <p:cNvSpPr/>
+          <p:nvPr/>
+        </p:nvSpPr>
+        <p:spPr>
+          <a:xfrm>
+            <a:off x="7382070" y="6273516"/>
+            <a:ext cx="389467" cy="346067"/>
+          </a:xfrm>
+          <a:prstGeom prst="star5">
+            <a:avLst/>
+          </a:prstGeom>
+          <a:solidFill>
+            <a:schemeClr val="accent2"/>
+          </a:solidFill>
+          <a:ln>
+            <a:solidFill>
+              <a:schemeClr val="accent2"/>
+            </a:solidFill>
+          </a:ln>
+        </p:spPr>
+        <p:style>
+          <a:lnRef idx="2">
+            <a:schemeClr val="accent1">
+              <a:shade val="50000"/>
+            </a:schemeClr>
+          </a:lnRef>
+          <a:fillRef idx="1">
+            <a:schemeClr val="accent1"/>
+          </a:fillRef>
+          <a:effectRef idx="0">
+            <a:schemeClr val="accent1"/>
+          </a:effectRef>
+          <a:fontRef idx="minor">
+            <a:schemeClr val="lt1"/>
+          </a:fontRef>
+        </p:style>
+        <p:txBody>
+          <a:bodyPr rtlCol="0" anchor="ctr"/>
+          <a:lstStyle/>
+          <a:p>
+            <a:pPr algn="ctr"/>
+            <a:endParaRPr kumimoji="1" lang="ja-JP" altLang="en-US"/>
+          </a:p>
+        </p:txBody>
+      </p:sp>
+      <p:sp>
+        <p:nvSpPr>
+          <p:cNvPr id="19" name="星 5 18"/>
+          <p:cNvSpPr/>
+          <p:nvPr/>
+        </p:nvSpPr>
+        <p:spPr>
+          <a:xfrm>
+            <a:off x="7990231" y="4700029"/>
+            <a:ext cx="389467" cy="346067"/>
+          </a:xfrm>
+          <a:prstGeom prst="star5">
+            <a:avLst/>
+          </a:prstGeom>
+          <a:solidFill>
+            <a:schemeClr val="accent2"/>
+          </a:solidFill>
+          <a:ln>
+            <a:solidFill>
+              <a:schemeClr val="accent2"/>
+            </a:solidFill>
+          </a:ln>
+        </p:spPr>
+        <p:style>
+          <a:lnRef idx="2">
+            <a:schemeClr val="accent1">
+              <a:shade val="50000"/>
+            </a:schemeClr>
+          </a:lnRef>
+          <a:fillRef idx="1">
+            <a:schemeClr val="accent1"/>
+          </a:fillRef>
+          <a:effectRef idx="0">
+            <a:schemeClr val="accent1"/>
+          </a:effectRef>
+          <a:fontRef idx="minor">
+            <a:schemeClr val="lt1"/>
+          </a:fontRef>
+        </p:style>
+        <p:txBody>
+          <a:bodyPr rtlCol="0" anchor="ctr"/>
+          <a:lstStyle/>
+          <a:p>
+            <a:pPr algn="ctr"/>
+            <a:endParaRPr kumimoji="1" lang="ja-JP" altLang="en-US"/>
+          </a:p>
+        </p:txBody>
+      </p:sp>
+      <p:grpSp>
+        <p:nvGrpSpPr>
+          <p:cNvPr id="26" name="グループ化 25"/>
+          <p:cNvGrpSpPr/>
+          <p:nvPr/>
+        </p:nvGrpSpPr>
+        <p:grpSpPr>
+          <a:xfrm>
+            <a:off x="5378002" y="3855538"/>
+            <a:ext cx="3667059" cy="3465663"/>
+            <a:chOff x="1929430" y="4104974"/>
+            <a:chExt cx="2871487" cy="2695977"/>
+          </a:xfrm>
+        </p:grpSpPr>
+        <p:sp>
+          <p:nvSpPr>
+            <p:cNvPr id="20" name="正方形/長方形 19"/>
+            <p:cNvSpPr/>
+            <p:nvPr/>
+          </p:nvSpPr>
+          <p:spPr>
+            <a:xfrm>
+              <a:off x="2560559" y="4104974"/>
+              <a:ext cx="278280" cy="2691916"/>
+            </a:xfrm>
+            <a:prstGeom prst="rect">
+              <a:avLst/>
+            </a:prstGeom>
+            <a:solidFill>
+              <a:srgbClr val="A6A6A6">
+                <a:alpha val="50196"/>
+              </a:srgbClr>
+            </a:solidFill>
+            <a:ln>
+              <a:noFill/>
+            </a:ln>
+          </p:spPr>
+          <p:style>
+            <a:lnRef idx="2">
+              <a:schemeClr val="accent1">
+                <a:shade val="50000"/>
+              </a:schemeClr>
+            </a:lnRef>
+            <a:fillRef idx="1">
+              <a:schemeClr val="accent1"/>
+            </a:fillRef>
+            <a:effectRef idx="0">
+              <a:schemeClr val="accent1"/>
+            </a:effectRef>
+            <a:fontRef idx="minor">
+              <a:schemeClr val="lt1"/>
+            </a:fontRef>
+          </p:style>
+          <p:txBody>
+            <a:bodyPr rtlCol="0" anchor="ctr"/>
+            <a:lstStyle/>
+            <a:p>
+              <a:pPr algn="ctr"/>
+              <a:endParaRPr kumimoji="1" lang="ja-JP" altLang="en-US"/>
+            </a:p>
+          </p:txBody>
+        </p:sp>
+        <p:sp>
+          <p:nvSpPr>
+            <p:cNvPr id="21" name="正方形/長方形 20"/>
+            <p:cNvSpPr/>
+            <p:nvPr/>
+          </p:nvSpPr>
+          <p:spPr>
+            <a:xfrm>
+              <a:off x="3196601" y="4104974"/>
+              <a:ext cx="278280" cy="2691916"/>
+            </a:xfrm>
+            <a:prstGeom prst="rect">
+              <a:avLst/>
+            </a:prstGeom>
+            <a:solidFill>
+              <a:srgbClr val="A6A6A6">
+                <a:alpha val="50196"/>
+              </a:srgbClr>
+            </a:solidFill>
+            <a:ln>
+              <a:noFill/>
+            </a:ln>
+          </p:spPr>
+          <p:style>
+            <a:lnRef idx="2">
+              <a:schemeClr val="accent1">
+                <a:shade val="50000"/>
+              </a:schemeClr>
+            </a:lnRef>
+            <a:fillRef idx="1">
+              <a:schemeClr val="accent1"/>
+            </a:fillRef>
+            <a:effectRef idx="0">
+              <a:schemeClr val="accent1"/>
+            </a:effectRef>
+            <a:fontRef idx="minor">
+              <a:schemeClr val="lt1"/>
+            </a:fontRef>
+          </p:style>
+          <p:txBody>
+            <a:bodyPr rtlCol="0" anchor="ctr"/>
+            <a:lstStyle/>
+            <a:p>
+              <a:pPr algn="ctr"/>
+              <a:endParaRPr kumimoji="1" lang="ja-JP" altLang="en-US"/>
+            </a:p>
+          </p:txBody>
+        </p:sp>
+        <p:sp>
+          <p:nvSpPr>
+            <p:cNvPr id="22" name="正方形/長方形 21"/>
+            <p:cNvSpPr/>
+            <p:nvPr/>
+          </p:nvSpPr>
+          <p:spPr>
+            <a:xfrm>
+              <a:off x="3887416" y="4104974"/>
+              <a:ext cx="278280" cy="2691916"/>
+            </a:xfrm>
+            <a:prstGeom prst="rect">
+              <a:avLst/>
+            </a:prstGeom>
+            <a:solidFill>
+              <a:srgbClr val="A6A6A6">
+                <a:alpha val="50196"/>
+              </a:srgbClr>
+            </a:solidFill>
+            <a:ln>
+              <a:noFill/>
+            </a:ln>
+          </p:spPr>
+          <p:style>
+            <a:lnRef idx="2">
+              <a:schemeClr val="accent1">
+                <a:shade val="50000"/>
+              </a:schemeClr>
+            </a:lnRef>
+            <a:fillRef idx="1">
+              <a:schemeClr val="accent1"/>
+            </a:fillRef>
+            <a:effectRef idx="0">
+              <a:schemeClr val="accent1"/>
+            </a:effectRef>
+            <a:fontRef idx="minor">
+              <a:schemeClr val="lt1"/>
+            </a:fontRef>
+          </p:style>
+          <p:txBody>
+            <a:bodyPr rtlCol="0" anchor="ctr"/>
+            <a:lstStyle/>
+            <a:p>
+              <a:pPr algn="ctr"/>
+              <a:endParaRPr kumimoji="1" lang="ja-JP" altLang="en-US"/>
+            </a:p>
+          </p:txBody>
+        </p:sp>
+        <p:sp>
+          <p:nvSpPr>
+            <p:cNvPr id="23" name="正方形/長方形 22"/>
+            <p:cNvSpPr/>
+            <p:nvPr/>
+          </p:nvSpPr>
+          <p:spPr>
+            <a:xfrm>
+              <a:off x="4522637" y="4109035"/>
+              <a:ext cx="278280" cy="2691916"/>
+            </a:xfrm>
+            <a:prstGeom prst="rect">
+              <a:avLst/>
+            </a:prstGeom>
+            <a:solidFill>
+              <a:srgbClr val="A6A6A6">
+                <a:alpha val="50196"/>
+              </a:srgbClr>
+            </a:solidFill>
+            <a:ln>
+              <a:noFill/>
+            </a:ln>
+          </p:spPr>
+          <p:style>
+            <a:lnRef idx="2">
+              <a:schemeClr val="accent1">
+                <a:shade val="50000"/>
+              </a:schemeClr>
+            </a:lnRef>
+            <a:fillRef idx="1">
+              <a:schemeClr val="accent1"/>
+            </a:fillRef>
+            <a:effectRef idx="0">
+              <a:schemeClr val="accent1"/>
+            </a:effectRef>
+            <a:fontRef idx="minor">
+              <a:schemeClr val="lt1"/>
+            </a:fontRef>
+          </p:style>
+          <p:txBody>
+            <a:bodyPr rtlCol="0" anchor="ctr"/>
+            <a:lstStyle/>
+            <a:p>
+              <a:pPr algn="ctr"/>
+              <a:endParaRPr kumimoji="1" lang="ja-JP" altLang="en-US"/>
+            </a:p>
+          </p:txBody>
+        </p:sp>
+        <p:sp>
+          <p:nvSpPr>
+            <p:cNvPr id="24" name="正方形/長方形 23"/>
+            <p:cNvSpPr/>
+            <p:nvPr/>
+          </p:nvSpPr>
+          <p:spPr>
+            <a:xfrm>
+              <a:off x="1929430" y="4104974"/>
+              <a:ext cx="278280" cy="2691916"/>
+            </a:xfrm>
+            <a:prstGeom prst="rect">
+              <a:avLst/>
+            </a:prstGeom>
+            <a:solidFill>
+              <a:srgbClr val="A6A6A6">
+                <a:alpha val="50196"/>
+              </a:srgbClr>
+            </a:solidFill>
+            <a:ln>
+              <a:noFill/>
+            </a:ln>
+          </p:spPr>
+          <p:style>
+            <a:lnRef idx="2">
+              <a:schemeClr val="accent1">
+                <a:shade val="50000"/>
+              </a:schemeClr>
+            </a:lnRef>
+            <a:fillRef idx="1">
+              <a:schemeClr val="accent1"/>
+            </a:fillRef>
+            <a:effectRef idx="0">
+              <a:schemeClr val="accent1"/>
+            </a:effectRef>
+            <a:fontRef idx="minor">
+              <a:schemeClr val="lt1"/>
+            </a:fontRef>
+          </p:style>
+          <p:txBody>
+            <a:bodyPr rtlCol="0" anchor="ctr"/>
+            <a:lstStyle/>
+            <a:p>
+              <a:pPr algn="ctr"/>
+              <a:endParaRPr kumimoji="1" lang="ja-JP" altLang="en-US"/>
+            </a:p>
+          </p:txBody>
+        </p:sp>
+      </p:grpSp>
+      <p:sp>
+        <p:nvSpPr>
+          <p:cNvPr id="27" name="テキスト ボックス 26"/>
+          <p:cNvSpPr txBox="1"/>
+          <p:nvPr/>
+        </p:nvSpPr>
+        <p:spPr>
+          <a:xfrm>
+            <a:off x="6600639" y="3638180"/>
+            <a:ext cx="340963" cy="369332"/>
+          </a:xfrm>
+          <a:prstGeom prst="rect">
+            <a:avLst/>
+          </a:prstGeom>
+          <a:noFill/>
+        </p:spPr>
+        <p:txBody>
+          <a:bodyPr wrap="square" rtlCol="0">
+            <a:spAutoFit/>
+          </a:bodyPr>
+          <a:lstStyle/>
+          <a:p>
+            <a:r>
+              <a:rPr lang="en-US" altLang="ja-JP" b="1" dirty="0">
+                <a:solidFill>
+                  <a:srgbClr val="FFC000"/>
+                </a:solidFill>
+                <a:latin typeface="メイリオ" panose="020B0604030504040204" pitchFamily="50" charset="-128"/>
+                <a:ea typeface="メイリオ" panose="020B0604030504040204" pitchFamily="50" charset="-128"/>
+                <a:cs typeface="メイリオ" panose="020B0604030504040204" pitchFamily="50" charset="-128"/>
+              </a:rPr>
+              <a:t>A</a:t>
+            </a:r>
+            <a:endParaRPr kumimoji="1" lang="ja-JP" altLang="en-US" b="1" dirty="0">
+              <a:solidFill>
+                <a:srgbClr val="FFC000"/>
+              </a:solidFill>
+              <a:latin typeface="メイリオ" panose="020B0604030504040204" pitchFamily="50" charset="-128"/>
+              <a:ea typeface="メイリオ" panose="020B0604030504040204" pitchFamily="50" charset="-128"/>
+              <a:cs typeface="メイリオ" panose="020B0604030504040204" pitchFamily="50" charset="-128"/>
+            </a:endParaRPr>
+          </a:p>
+        </p:txBody>
+      </p:sp>
+      <p:sp>
+        <p:nvSpPr>
+          <p:cNvPr id="28" name="テキスト ボックス 27"/>
+          <p:cNvSpPr txBox="1"/>
+          <p:nvPr/>
+        </p:nvSpPr>
+        <p:spPr>
+          <a:xfrm>
+            <a:off x="8287982" y="4378315"/>
+            <a:ext cx="340963" cy="369332"/>
+          </a:xfrm>
+          <a:prstGeom prst="rect">
+            <a:avLst/>
+          </a:prstGeom>
+          <a:noFill/>
+        </p:spPr>
+        <p:txBody>
+          <a:bodyPr wrap="square" rtlCol="0">
+            <a:spAutoFit/>
+          </a:bodyPr>
+          <a:lstStyle/>
+          <a:p>
+            <a:r>
+              <a:rPr lang="en-US" altLang="ja-JP" b="1" dirty="0" smtClean="0">
+                <a:solidFill>
+                  <a:srgbClr val="FFC000"/>
+                </a:solidFill>
+                <a:latin typeface="メイリオ" panose="020B0604030504040204" pitchFamily="50" charset="-128"/>
+                <a:ea typeface="メイリオ" panose="020B0604030504040204" pitchFamily="50" charset="-128"/>
+                <a:cs typeface="メイリオ" panose="020B0604030504040204" pitchFamily="50" charset="-128"/>
+              </a:rPr>
+              <a:t>D</a:t>
+            </a:r>
+            <a:endParaRPr kumimoji="1" lang="ja-JP" altLang="en-US" b="1" dirty="0">
+              <a:solidFill>
+                <a:srgbClr val="FFC000"/>
+              </a:solidFill>
+              <a:latin typeface="メイリオ" panose="020B0604030504040204" pitchFamily="50" charset="-128"/>
+              <a:ea typeface="メイリオ" panose="020B0604030504040204" pitchFamily="50" charset="-128"/>
+              <a:cs typeface="メイリオ" panose="020B0604030504040204" pitchFamily="50" charset="-128"/>
+            </a:endParaRPr>
+          </a:p>
+        </p:txBody>
+      </p:sp>
+      <p:sp>
+        <p:nvSpPr>
+          <p:cNvPr id="29" name="テキスト ボックス 28"/>
+          <p:cNvSpPr txBox="1"/>
+          <p:nvPr/>
+        </p:nvSpPr>
+        <p:spPr>
+          <a:xfrm>
+            <a:off x="5682750" y="6078545"/>
+            <a:ext cx="340963" cy="369332"/>
+          </a:xfrm>
+          <a:prstGeom prst="rect">
+            <a:avLst/>
+          </a:prstGeom>
+          <a:noFill/>
+        </p:spPr>
+        <p:txBody>
+          <a:bodyPr wrap="square" rtlCol="0">
+            <a:spAutoFit/>
+          </a:bodyPr>
+          <a:lstStyle/>
+          <a:p>
+            <a:r>
+              <a:rPr lang="en-US" altLang="ja-JP" b="1" dirty="0">
+                <a:solidFill>
+                  <a:srgbClr val="FFC000"/>
+                </a:solidFill>
+                <a:latin typeface="メイリオ" panose="020B0604030504040204" pitchFamily="50" charset="-128"/>
+                <a:ea typeface="メイリオ" panose="020B0604030504040204" pitchFamily="50" charset="-128"/>
+                <a:cs typeface="メイリオ" panose="020B0604030504040204" pitchFamily="50" charset="-128"/>
+              </a:rPr>
+              <a:t>B</a:t>
+            </a:r>
+            <a:endParaRPr kumimoji="1" lang="ja-JP" altLang="en-US" b="1" dirty="0">
+              <a:solidFill>
+                <a:srgbClr val="FFC000"/>
+              </a:solidFill>
+              <a:latin typeface="メイリオ" panose="020B0604030504040204" pitchFamily="50" charset="-128"/>
+              <a:ea typeface="メイリオ" panose="020B0604030504040204" pitchFamily="50" charset="-128"/>
+              <a:cs typeface="メイリオ" panose="020B0604030504040204" pitchFamily="50" charset="-128"/>
+            </a:endParaRPr>
+          </a:p>
+        </p:txBody>
+      </p:sp>
+      <p:sp>
+        <p:nvSpPr>
+          <p:cNvPr id="30" name="テキスト ボックス 29"/>
+          <p:cNvSpPr txBox="1"/>
+          <p:nvPr/>
+        </p:nvSpPr>
+        <p:spPr>
+          <a:xfrm>
+            <a:off x="7555709" y="6601257"/>
+            <a:ext cx="340963" cy="369332"/>
+          </a:xfrm>
+          <a:prstGeom prst="rect">
+            <a:avLst/>
+          </a:prstGeom>
+          <a:noFill/>
+        </p:spPr>
+        <p:txBody>
+          <a:bodyPr wrap="square" rtlCol="0">
+            <a:spAutoFit/>
+          </a:bodyPr>
+          <a:lstStyle/>
+          <a:p>
+            <a:r>
+              <a:rPr lang="en-US" altLang="ja-JP" b="1" dirty="0" smtClean="0">
+                <a:solidFill>
+                  <a:srgbClr val="FFC000"/>
+                </a:solidFill>
+                <a:latin typeface="メイリオ" panose="020B0604030504040204" pitchFamily="50" charset="-128"/>
+                <a:ea typeface="メイリオ" panose="020B0604030504040204" pitchFamily="50" charset="-128"/>
+                <a:cs typeface="メイリオ" panose="020B0604030504040204" pitchFamily="50" charset="-128"/>
+              </a:rPr>
+              <a:t>C</a:t>
+            </a:r>
+            <a:endParaRPr kumimoji="1" lang="ja-JP" altLang="en-US" b="1" dirty="0">
+              <a:solidFill>
+                <a:srgbClr val="FFC000"/>
+              </a:solidFill>
+              <a:latin typeface="メイリオ" panose="020B0604030504040204" pitchFamily="50" charset="-128"/>
+              <a:ea typeface="メイリオ" panose="020B0604030504040204" pitchFamily="50" charset="-128"/>
+              <a:cs typeface="メイリオ" panose="020B0604030504040204" pitchFamily="50" charset="-128"/>
+            </a:endParaRPr>
+          </a:p>
+        </p:txBody>
+      </p:sp>
+      <p:sp>
+        <p:nvSpPr>
+          <p:cNvPr id="32" name="テキスト ボックス 31"/>
+          <p:cNvSpPr txBox="1"/>
+          <p:nvPr/>
+        </p:nvSpPr>
+        <p:spPr>
+          <a:xfrm>
+            <a:off x="1557933" y="4794607"/>
+            <a:ext cx="3642102" cy="1815882"/>
+          </a:xfrm>
+          <a:prstGeom prst="rect">
+            <a:avLst/>
+          </a:prstGeom>
+          <a:noFill/>
+        </p:spPr>
+        <p:txBody>
+          <a:bodyPr wrap="square" rtlCol="0">
+            <a:spAutoFit/>
+          </a:bodyPr>
+          <a:lstStyle/>
+          <a:p>
+            <a:r>
+              <a:rPr lang="en-US" altLang="ja-JP" sz="2800" dirty="0" smtClean="0">
+                <a:latin typeface="メイリオ" panose="020B0604030504040204" pitchFamily="50" charset="-128"/>
+                <a:ea typeface="メイリオ" panose="020B0604030504040204" pitchFamily="50" charset="-128"/>
+                <a:cs typeface="メイリオ" panose="020B0604030504040204" pitchFamily="50" charset="-128"/>
+              </a:rPr>
+              <a:t>1111000011</a:t>
+            </a:r>
+            <a:endParaRPr kumimoji="1" lang="en-US" altLang="ja-JP" sz="2800" dirty="0" smtClean="0">
+              <a:latin typeface="メイリオ" panose="020B0604030504040204" pitchFamily="50" charset="-128"/>
+              <a:ea typeface="メイリオ" panose="020B0604030504040204" pitchFamily="50" charset="-128"/>
+              <a:cs typeface="メイリオ" panose="020B0604030504040204" pitchFamily="50" charset="-128"/>
+            </a:endParaRPr>
+          </a:p>
+          <a:p>
+            <a:r>
+              <a:rPr lang="en-US" altLang="ja-JP" sz="2800" dirty="0" smtClean="0">
+                <a:latin typeface="メイリオ" panose="020B0604030504040204" pitchFamily="50" charset="-128"/>
+                <a:ea typeface="メイリオ" panose="020B0604030504040204" pitchFamily="50" charset="-128"/>
+                <a:cs typeface="メイリオ" panose="020B0604030504040204" pitchFamily="50" charset="-128"/>
+              </a:rPr>
+              <a:t>1111111100</a:t>
+            </a:r>
+          </a:p>
+          <a:p>
+            <a:r>
+              <a:rPr lang="en-US" altLang="ja-JP" sz="2800" dirty="0" smtClean="0">
+                <a:latin typeface="メイリオ" panose="020B0604030504040204" pitchFamily="50" charset="-128"/>
+                <a:ea typeface="メイリオ" panose="020B0604030504040204" pitchFamily="50" charset="-128"/>
+                <a:cs typeface="メイリオ" panose="020B0604030504040204" pitchFamily="50" charset="-128"/>
+              </a:rPr>
+              <a:t>1111110001</a:t>
+            </a:r>
+            <a:endParaRPr kumimoji="1" lang="en-US" altLang="ja-JP" sz="2800" dirty="0" smtClean="0">
+              <a:latin typeface="メイリオ" panose="020B0604030504040204" pitchFamily="50" charset="-128"/>
+              <a:ea typeface="メイリオ" panose="020B0604030504040204" pitchFamily="50" charset="-128"/>
+              <a:cs typeface="メイリオ" panose="020B0604030504040204" pitchFamily="50" charset="-128"/>
+            </a:endParaRPr>
+          </a:p>
+          <a:p>
+            <a:r>
+              <a:rPr lang="en-US" altLang="ja-JP" sz="2800" dirty="0" smtClean="0">
+                <a:latin typeface="メイリオ" panose="020B0604030504040204" pitchFamily="50" charset="-128"/>
+                <a:ea typeface="メイリオ" panose="020B0604030504040204" pitchFamily="50" charset="-128"/>
+                <a:cs typeface="メイリオ" panose="020B0604030504040204" pitchFamily="50" charset="-128"/>
+              </a:rPr>
+              <a:t>0000111111</a:t>
+            </a:r>
+            <a:endParaRPr kumimoji="1" lang="ja-JP" altLang="en-US" sz="2800" dirty="0">
+              <a:latin typeface="メイリオ" panose="020B0604030504040204" pitchFamily="50" charset="-128"/>
+              <a:ea typeface="メイリオ" panose="020B0604030504040204" pitchFamily="50" charset="-128"/>
+              <a:cs typeface="メイリオ" panose="020B0604030504040204" pitchFamily="50" charset="-128"/>
+            </a:endParaRPr>
+          </a:p>
+        </p:txBody>
+      </p:sp>
+      <p:sp>
+        <p:nvSpPr>
+          <p:cNvPr id="34" name="テキスト ボックス 33"/>
+          <p:cNvSpPr txBox="1"/>
+          <p:nvPr/>
+        </p:nvSpPr>
+        <p:spPr>
+          <a:xfrm>
+            <a:off x="772107" y="4785375"/>
+            <a:ext cx="607859" cy="1815882"/>
+          </a:xfrm>
+          <a:prstGeom prst="rect">
+            <a:avLst/>
+          </a:prstGeom>
+          <a:noFill/>
+        </p:spPr>
+        <p:txBody>
+          <a:bodyPr wrap="none" rtlCol="0">
+            <a:spAutoFit/>
+          </a:bodyPr>
+          <a:lstStyle/>
+          <a:p>
+            <a:r>
+              <a:rPr kumimoji="1" lang="en-US" altLang="ja-JP" sz="2800" dirty="0" smtClean="0">
+                <a:latin typeface="メイリオ" panose="020B0604030504040204" pitchFamily="50" charset="-128"/>
+                <a:ea typeface="メイリオ" panose="020B0604030504040204" pitchFamily="50" charset="-128"/>
+                <a:cs typeface="メイリオ" panose="020B0604030504040204" pitchFamily="50" charset="-128"/>
+              </a:rPr>
+              <a:t>A:</a:t>
+            </a:r>
+          </a:p>
+          <a:p>
+            <a:r>
+              <a:rPr lang="en-US" altLang="ja-JP" sz="2800" dirty="0" smtClean="0">
+                <a:latin typeface="メイリオ" panose="020B0604030504040204" pitchFamily="50" charset="-128"/>
+                <a:ea typeface="メイリオ" panose="020B0604030504040204" pitchFamily="50" charset="-128"/>
+                <a:cs typeface="メイリオ" panose="020B0604030504040204" pitchFamily="50" charset="-128"/>
+              </a:rPr>
+              <a:t>B:</a:t>
+            </a:r>
+          </a:p>
+          <a:p>
+            <a:r>
+              <a:rPr kumimoji="1" lang="en-US" altLang="ja-JP" sz="2800" dirty="0" smtClean="0">
+                <a:latin typeface="メイリオ" panose="020B0604030504040204" pitchFamily="50" charset="-128"/>
+                <a:ea typeface="メイリオ" panose="020B0604030504040204" pitchFamily="50" charset="-128"/>
+                <a:cs typeface="メイリオ" panose="020B0604030504040204" pitchFamily="50" charset="-128"/>
+              </a:rPr>
+              <a:t>C:</a:t>
+            </a:r>
+          </a:p>
+          <a:p>
+            <a:r>
+              <a:rPr lang="en-US" altLang="ja-JP" sz="2800" dirty="0" smtClean="0">
+                <a:latin typeface="メイリオ" panose="020B0604030504040204" pitchFamily="50" charset="-128"/>
+                <a:ea typeface="メイリオ" panose="020B0604030504040204" pitchFamily="50" charset="-128"/>
+                <a:cs typeface="メイリオ" panose="020B0604030504040204" pitchFamily="50" charset="-128"/>
+              </a:rPr>
+              <a:t>D:</a:t>
+            </a:r>
+            <a:endParaRPr kumimoji="1" lang="ja-JP" altLang="en-US" sz="2800" dirty="0">
+              <a:latin typeface="メイリオ" panose="020B0604030504040204" pitchFamily="50" charset="-128"/>
+              <a:ea typeface="メイリオ" panose="020B0604030504040204" pitchFamily="50" charset="-128"/>
+              <a:cs typeface="メイリオ" panose="020B0604030504040204" pitchFamily="50" charset="-128"/>
+            </a:endParaRPr>
+          </a:p>
+        </p:txBody>
+      </p:sp>
+    </p:spTree>
+    <p:extLst>
+      <p:ext uri="{BB962C8B-B14F-4D97-AF65-F5344CB8AC3E}">
+        <p14:creationId xmlns:p14="http://schemas.microsoft.com/office/powerpoint/2010/main" val="2456687885"/>
+      </p:ext>
+    </p:extLst>
+  </p:cSld>
+  <p:clrMapOvr>
+    <a:masterClrMapping/>
+  </p:clrMapOvr>
+  <p:timing>
+    <p:tnLst>
+      <p:par>
+        <p:cTn id="1" dur="indefinite" restart="never" nodeType="tmRoot">
+          <p:childTnLst>
+            <p:seq concurrent="1" nextAc="seek">
+              <p:cTn id="2" dur="indefinite" nodeType="mainSeq">
+                <p:childTnLst>
+                  <p:par>
+                    <p:cTn id="3" fill="hold">
+                      <p:stCondLst>
+                        <p:cond delay="indefinite"/>
+                      </p:stCondLst>
+                      <p:childTnLst>
+                        <p:par>
+                          <p:cTn id="4" fill="hold">
+                            <p:stCondLst>
+                              <p:cond delay="0"/>
+                            </p:stCondLst>
+                            <p:childTnLst>
+                              <p:par>
+                                <p:cTn id="5" presetID="10" presetClass="entr" presetSubtype="0" fill="hold" nodeType="clickEffect">
+                                  <p:stCondLst>
+                                    <p:cond delay="0"/>
+                                  </p:stCondLst>
+                                  <p:childTnLst>
+                                    <p:set>
+                                      <p:cBhvr>
+                                        <p:cTn id="6" dur="1" fill="hold">
+                                          <p:stCondLst>
+                                            <p:cond delay="0"/>
+                                          </p:stCondLst>
+                                        </p:cTn>
+                                        <p:tgtEl>
+                                          <p:spTgt spid="26"/>
+                                        </p:tgtEl>
+                                        <p:attrNameLst>
+                                          <p:attrName>style.visibility</p:attrName>
+                                        </p:attrNameLst>
+                                      </p:cBhvr>
+                                      <p:to>
+                                        <p:strVal val="visible"/>
+                                      </p:to>
+                                    </p:set>
+                                    <p:animEffect transition="in" filter="fade">
+                                      <p:cBhvr>
+                                        <p:cTn id="7" dur="500"/>
+                                        <p:tgtEl>
+                                          <p:spTgt spid="26"/>
+                                        </p:tgtEl>
+                                      </p:cBhvr>
+                                    </p:animEffect>
+                                  </p:childTnLst>
+                                </p:cTn>
+                              </p:par>
+                            </p:childTnLst>
+                          </p:cTn>
+                        </p:par>
+                      </p:childTnLst>
+                    </p:cTn>
+                  </p:par>
+                  <p:par>
+                    <p:cTn id="8" fill="hold">
+                      <p:stCondLst>
+                        <p:cond delay="indefinite"/>
+                      </p:stCondLst>
+                      <p:childTnLst>
+                        <p:par>
+                          <p:cTn id="9" fill="hold">
+                            <p:stCondLst>
+                              <p:cond delay="0"/>
+                            </p:stCondLst>
+                            <p:childTnLst>
+                              <p:par>
+                                <p:cTn id="10" presetID="63" presetClass="path" presetSubtype="0" fill="hold" nodeType="clickEffect">
+                                  <p:stCondLst>
+                                    <p:cond delay="0"/>
+                                  </p:stCondLst>
+                                  <p:childTnLst>
+                                    <p:animMotion origin="layout" path="M 4.72222E-6 -4.81481E-6 L 0.06631 -0.00023 " pathEditMode="relative" rAng="0" ptsTypes="AA">
+                                      <p:cBhvr>
+                                        <p:cTn id="11" dur="5000" fill="hold"/>
+                                        <p:tgtEl>
+                                          <p:spTgt spid="26"/>
+                                        </p:tgtEl>
+                                        <p:attrNameLst>
+                                          <p:attrName>ppt_x</p:attrName>
+                                          <p:attrName>ppt_y</p:attrName>
+                                        </p:attrNameLst>
+                                      </p:cBhvr>
+                                      <p:rCtr x="3316" y="-23"/>
+                                    </p:animMotion>
+                                  </p:childTnLst>
+                                </p:cTn>
+                              </p:par>
+                              <p:par>
+                                <p:cTn id="12" presetID="1" presetClass="entr" presetSubtype="0" fill="hold" nodeType="withEffect">
+                                  <p:stCondLst>
+                                    <p:cond delay="0"/>
+                                  </p:stCondLst>
+                                  <p:iterate type="lt">
+                                    <p:tmAbs val="500"/>
+                                  </p:iterate>
+                                  <p:childTnLst>
+                                    <p:set>
+                                      <p:cBhvr>
+                                        <p:cTn id="13" dur="1" fill="hold">
+                                          <p:stCondLst>
+                                            <p:cond delay="9"/>
+                                          </p:stCondLst>
+                                        </p:cTn>
+                                        <p:tgtEl>
+                                          <p:spTgt spid="32">
+                                            <p:txEl>
+                                              <p:pRg st="0" end="0"/>
+                                            </p:txEl>
+                                          </p:spTgt>
+                                        </p:tgtEl>
+                                        <p:attrNameLst>
+                                          <p:attrName>style.visibility</p:attrName>
+                                        </p:attrNameLst>
+                                      </p:cBhvr>
+                                      <p:to>
+                                        <p:strVal val="visible"/>
+                                      </p:to>
+                                    </p:set>
+                                  </p:childTnLst>
+                                </p:cTn>
+                              </p:par>
+                              <p:par>
+                                <p:cTn id="14" presetID="1" presetClass="entr" presetSubtype="0" fill="hold" nodeType="withEffect">
+                                  <p:stCondLst>
+                                    <p:cond delay="0"/>
+                                  </p:stCondLst>
+                                  <p:iterate type="lt">
+                                    <p:tmAbs val="500"/>
+                                  </p:iterate>
+                                  <p:childTnLst>
+                                    <p:set>
+                                      <p:cBhvr>
+                                        <p:cTn id="15" dur="1" fill="hold">
+                                          <p:stCondLst>
+                                            <p:cond delay="9"/>
+                                          </p:stCondLst>
+                                        </p:cTn>
+                                        <p:tgtEl>
+                                          <p:spTgt spid="32">
+                                            <p:txEl>
+                                              <p:pRg st="1" end="1"/>
+                                            </p:txEl>
+                                          </p:spTgt>
+                                        </p:tgtEl>
+                                        <p:attrNameLst>
+                                          <p:attrName>style.visibility</p:attrName>
+                                        </p:attrNameLst>
+                                      </p:cBhvr>
+                                      <p:to>
+                                        <p:strVal val="visible"/>
+                                      </p:to>
+                                    </p:set>
+                                  </p:childTnLst>
+                                </p:cTn>
+                              </p:par>
+                              <p:par>
+                                <p:cTn id="16" presetID="1" presetClass="entr" presetSubtype="0" fill="hold" nodeType="withEffect">
+                                  <p:stCondLst>
+                                    <p:cond delay="0"/>
+                                  </p:stCondLst>
+                                  <p:iterate type="lt">
+                                    <p:tmAbs val="500"/>
+                                  </p:iterate>
+                                  <p:childTnLst>
+                                    <p:set>
+                                      <p:cBhvr>
+                                        <p:cTn id="17" dur="1" fill="hold">
+                                          <p:stCondLst>
+                                            <p:cond delay="9"/>
+                                          </p:stCondLst>
+                                        </p:cTn>
+                                        <p:tgtEl>
+                                          <p:spTgt spid="32">
+                                            <p:txEl>
+                                              <p:pRg st="2" end="2"/>
+                                            </p:txEl>
+                                          </p:spTgt>
+                                        </p:tgtEl>
+                                        <p:attrNameLst>
+                                          <p:attrName>style.visibility</p:attrName>
+                                        </p:attrNameLst>
+                                      </p:cBhvr>
+                                      <p:to>
+                                        <p:strVal val="visible"/>
+                                      </p:to>
+                                    </p:set>
+                                  </p:childTnLst>
+                                </p:cTn>
+                              </p:par>
+                              <p:par>
+                                <p:cTn id="18" presetID="1" presetClass="entr" presetSubtype="0" fill="hold" nodeType="withEffect">
+                                  <p:stCondLst>
+                                    <p:cond delay="0"/>
+                                  </p:stCondLst>
+                                  <p:iterate type="lt">
+                                    <p:tmAbs val="500"/>
+                                  </p:iterate>
+                                  <p:childTnLst>
+                                    <p:set>
+                                      <p:cBhvr>
+                                        <p:cTn id="19" dur="1" fill="hold">
+                                          <p:stCondLst>
+                                            <p:cond delay="9"/>
+                                          </p:stCondLst>
+                                        </p:cTn>
+                                        <p:tgtEl>
+                                          <p:spTgt spid="32">
+                                            <p:txEl>
+                                              <p:pRg st="3" end="3"/>
+                                            </p:txEl>
+                                          </p:spTgt>
+                                        </p:tgtEl>
+                                        <p:attrNameLst>
+                                          <p:attrName>style.visibility</p:attrName>
+                                        </p:attrNameLst>
+                                      </p:cBhvr>
+                                      <p:to>
+                                        <p:strVal val="visible"/>
+                                      </p:to>
+                                    </p:set>
+                                  </p:childTnLst>
+                                </p:cTn>
+                              </p:par>
+                            </p:childTnLst>
+                          </p:cTn>
+                        </p:par>
+                      </p:childTnLst>
+                    </p:cTn>
+                  </p:par>
+                </p:childTnLst>
+              </p:cTn>
+              <p:prevCondLst>
+                <p:cond evt="onPrev" delay="0">
+                  <p:tgtEl>
+                    <p:sldTgt/>
+                  </p:tgtEl>
+                </p:cond>
+              </p:prevCondLst>
+              <p:nextCondLst>
+                <p:cond evt="onNext" delay="0">
+                  <p:tgtEl>
+                    <p:sldTgt/>
+                  </p:tgtEl>
+                </p:cond>
+              </p:nextCondLst>
+            </p:seq>
+          </p:childTnLst>
+        </p:cTn>
+      </p:par>
+    </p:tnLst>
+  </p:timing>
+</p:sld>
+</file>
+
+<file path=ppt/slides/slide14.xml><?xml version="1.0" encoding="utf-8"?>
+<p:sld xmlns:a="http://schemas.openxmlformats.org/drawingml/2006/main" xmlns:r="http://schemas.openxmlformats.org/officeDocument/2006/relationships" xmlns:p="http://schemas.openxmlformats.org/presentationml/2006/main">
+  <p:cSld>
+    <p:spTree>
+      <p:nvGrpSpPr>
+        <p:cNvPr id="1" name=""/>
+        <p:cNvGrpSpPr/>
+        <p:nvPr/>
+      </p:nvGrpSpPr>
+      <p:grpSpPr>
+        <a:xfrm>
+          <a:off x="0" y="0"/>
+          <a:ext cx="0" cy="0"/>
+          <a:chOff x="0" y="0"/>
+          <a:chExt cx="0" cy="0"/>
+        </a:xfrm>
+      </p:grpSpPr>
+      <p:sp>
+        <p:nvSpPr>
+          <p:cNvPr id="2" name="タイトル 1"/>
+          <p:cNvSpPr>
+            <a:spLocks noGrp="1"/>
+          </p:cNvSpPr>
+          <p:nvPr>
+            <p:ph type="title"/>
+          </p:nvPr>
+        </p:nvSpPr>
+        <p:spPr/>
+        <p:txBody>
+          <a:bodyPr/>
+          <a:lstStyle/>
+          <a:p>
+            <a:pPr algn="l"/>
+            <a:r>
+              <a:rPr lang="en-US" altLang="ja-JP" dirty="0">
+                <a:latin typeface="メイリオ" panose="020B0604030504040204" pitchFamily="50" charset="-128"/>
+                <a:ea typeface="メイリオ" panose="020B0604030504040204" pitchFamily="50" charset="-128"/>
+                <a:cs typeface="メイリオ" panose="020B0604030504040204" pitchFamily="50" charset="-128"/>
+              </a:rPr>
+              <a:t>Calibration</a:t>
+            </a:r>
+            <a:r>
+              <a:rPr lang="ja-JP" altLang="en-US" dirty="0">
+                <a:latin typeface="メイリオ" panose="020B0604030504040204" pitchFamily="50" charset="-128"/>
+                <a:ea typeface="メイリオ" panose="020B0604030504040204" pitchFamily="50" charset="-128"/>
+                <a:cs typeface="メイリオ" panose="020B0604030504040204" pitchFamily="50" charset="-128"/>
+              </a:rPr>
+              <a:t> </a:t>
+            </a:r>
+            <a:r>
+              <a:rPr lang="en-US" altLang="ja-JP" smtClean="0">
+                <a:latin typeface="メイリオ" panose="020B0604030504040204" pitchFamily="50" charset="-128"/>
+                <a:ea typeface="メイリオ" panose="020B0604030504040204" pitchFamily="50" charset="-128"/>
+                <a:cs typeface="メイリオ" panose="020B0604030504040204" pitchFamily="50" charset="-128"/>
+              </a:rPr>
+              <a:t>Patterns(3)</a:t>
+            </a:r>
+            <a:endParaRPr kumimoji="1" lang="ja-JP" altLang="en-US" dirty="0"/>
+          </a:p>
+        </p:txBody>
+      </p:sp>
+      <p:sp>
+        <p:nvSpPr>
+          <p:cNvPr id="3" name="コンテンツ プレースホルダー 2"/>
+          <p:cNvSpPr>
+            <a:spLocks noGrp="1"/>
+          </p:cNvSpPr>
+          <p:nvPr>
+            <p:ph idx="1"/>
+          </p:nvPr>
+        </p:nvSpPr>
+        <p:spPr/>
+        <p:txBody>
+          <a:bodyPr/>
+          <a:lstStyle/>
+          <a:p>
+            <a:endParaRPr kumimoji="1" lang="ja-JP" altLang="en-US"/>
+          </a:p>
+        </p:txBody>
+      </p:sp>
+      <p:sp>
+        <p:nvSpPr>
+          <p:cNvPr id="4" name="スライド番号プレースホルダー 3"/>
+          <p:cNvSpPr>
+            <a:spLocks noGrp="1"/>
+          </p:cNvSpPr>
+          <p:nvPr>
+            <p:ph type="sldNum" sz="quarter" idx="12"/>
+          </p:nvPr>
+        </p:nvSpPr>
+        <p:spPr/>
+        <p:txBody>
+          <a:bodyPr/>
+          <a:lstStyle/>
+          <a:p>
+            <a:fld id="{D64230CA-0B4E-4B5F-AAC4-223E39B2A9CE}" type="slidenum">
+              <a:rPr kumimoji="1" lang="ja-JP" altLang="en-US" smtClean="0"/>
+              <a:t>14</a:t>
+            </a:fld>
+            <a:endParaRPr kumimoji="1" lang="ja-JP" altLang="en-US"/>
+          </a:p>
+        </p:txBody>
+      </p:sp>
+    </p:spTree>
+    <p:extLst>
+      <p:ext uri="{BB962C8B-B14F-4D97-AF65-F5344CB8AC3E}">
+        <p14:creationId xmlns:p14="http://schemas.microsoft.com/office/powerpoint/2010/main" val="1537010938"/>
+      </p:ext>
+    </p:extLst>
+  </p:cSld>
+  <p:clrMapOvr>
+    <a:masterClrMapping/>
+  </p:clrMapOvr>
+  <p:timing>
+    <p:tnLst>
+      <p:par>
+        <p:cTn id="1" dur="indefinite" restart="never" nodeType="tmRoot"/>
+      </p:par>
+    </p:tnLst>
+  </p:timing>
+</p:sld>
+</file>
+
 <file path=ppt/slides/slide2.xml><?xml version="1.0" encoding="utf-8"?>
 <p:sld xmlns:a="http://schemas.openxmlformats.org/drawingml/2006/main" xmlns:r="http://schemas.openxmlformats.org/officeDocument/2006/relationships" xmlns:p="http://schemas.openxmlformats.org/presentationml/2006/main">
   <p:cSld>
@@ -9926,7 +11590,7 @@
         </p:nvSpPr>
         <p:spPr>
           <a:xfrm rot="1371440">
-            <a:off x="4089760" y="4461342"/>
+            <a:off x="4107142" y="4461342"/>
             <a:ext cx="1486041" cy="1414499"/>
           </a:xfrm>
           <a:prstGeom prst="roundRect">

--- a/HI_hamana.pptx
+++ b/HI_hamana.pptx
@@ -5,7 +5,7 @@
     <p:sldMasterId id="2147483672" r:id="rId1"/>
   </p:sldMasterIdLst>
   <p:notesMasterIdLst>
-    <p:notesMasterId r:id="rId16"/>
+    <p:notesMasterId r:id="rId17"/>
   </p:notesMasterIdLst>
   <p:sldIdLst>
     <p:sldId id="256" r:id="rId2"/>
@@ -21,7 +21,8 @@
     <p:sldId id="268" r:id="rId12"/>
     <p:sldId id="269" r:id="rId13"/>
     <p:sldId id="270" r:id="rId14"/>
-    <p:sldId id="271" r:id="rId15"/>
+    <p:sldId id="272" r:id="rId15"/>
+    <p:sldId id="271" r:id="rId16"/>
   </p:sldIdLst>
   <p:sldSz cx="9144000" cy="6858000" type="screen4x3"/>
   <p:notesSz cx="6858000" cy="9144000"/>
@@ -800,6 +801,13 @@
             <a:endParaRPr kumimoji="1" lang="en-US" altLang="ja-JP" dirty="0" smtClean="0"/>
           </a:p>
           <a:p>
+            <a:r>
+              <a:rPr kumimoji="1" lang="ja-JP" altLang="en-US" dirty="0" smtClean="0"/>
+              <a:t>ことが大きな利点。</a:t>
+            </a:r>
+            <a:endParaRPr kumimoji="1" lang="en-US" altLang="ja-JP" dirty="0" smtClean="0"/>
+          </a:p>
+          <a:p>
             <a:endParaRPr kumimoji="1" lang="en-US" altLang="ja-JP" dirty="0" smtClean="0"/>
           </a:p>
           <a:p>
@@ -929,6 +937,16 @@
             </a:r>
             <a:endParaRPr kumimoji="1" lang="en-US" altLang="ja-JP" dirty="0" smtClean="0"/>
           </a:p>
+          <a:p>
+            <a:endParaRPr kumimoji="1" lang="en-US" altLang="ja-JP" dirty="0" smtClean="0"/>
+          </a:p>
+          <a:p>
+            <a:r>
+              <a:rPr kumimoji="1" lang="ja-JP" altLang="en-US" dirty="0" smtClean="0"/>
+              <a:t>バイナリパターンは動画では下の画像のような感じで照射されていた。</a:t>
+            </a:r>
+            <a:endParaRPr kumimoji="1" lang="en-US" altLang="ja-JP" dirty="0" smtClean="0"/>
+          </a:p>
         </p:txBody>
       </p:sp>
       <p:sp>
@@ -1069,9 +1087,31 @@
             </a:r>
             <a:r>
               <a:rPr kumimoji="1" lang="ja-JP" altLang="en-US" dirty="0" smtClean="0"/>
-              <a:t>側でも照射しているバイナリパターンの各ピクセル値を時系列ですべて把握しているため、これと光学センサからのフィードバックを同じ時系列で比較することによって、光学センサの位置を推定する。</a:t>
-            </a:r>
-            <a:endParaRPr kumimoji="1" lang="ja-JP" altLang="en-US" dirty="0"/>
+              <a:t>側でも照射しているバイナリパターンの各ピクセル値と、それを照射したときの</a:t>
+            </a:r>
+            <a:r>
+              <a:rPr kumimoji="1" lang="en-US" altLang="ja-JP" dirty="0" smtClean="0"/>
+              <a:t>1</a:t>
+            </a:r>
+            <a:r>
+              <a:rPr kumimoji="1" lang="ja-JP" altLang="en-US" dirty="0" smtClean="0"/>
+              <a:t>ピクセル辺りの大きさを</a:t>
+            </a:r>
+            <a:endParaRPr kumimoji="1" lang="en-US" altLang="ja-JP" dirty="0" smtClean="0"/>
+          </a:p>
+          <a:p>
+            <a:r>
+              <a:rPr kumimoji="1" lang="ja-JP" altLang="en-US" dirty="0" smtClean="0"/>
+              <a:t>時系列ですべて把握しているため、これと光学センサからのフィードバックを同じ時系列で比較することによって、光学センサの位置を推定する。</a:t>
+            </a:r>
+            <a:endParaRPr kumimoji="1" lang="en-US" altLang="ja-JP" dirty="0" smtClean="0"/>
+          </a:p>
+          <a:p>
+            <a:r>
+              <a:rPr kumimoji="1" lang="ja-JP" altLang="en-US" dirty="0" smtClean="0"/>
+              <a:t>各光センサの位置から光センサの距離も計算できる。</a:t>
+            </a:r>
+            <a:endParaRPr kumimoji="1" lang="en-US" altLang="ja-JP" dirty="0" smtClean="0"/>
           </a:p>
         </p:txBody>
       </p:sp>
@@ -1102,6 +1142,347 @@
     <p:extLst>
       <p:ext uri="{BB962C8B-B14F-4D97-AF65-F5344CB8AC3E}">
         <p14:creationId xmlns:p14="http://schemas.microsoft.com/office/powerpoint/2010/main" val="83976725"/>
+      </p:ext>
+    </p:extLst>
+  </p:cSld>
+  <p:clrMapOvr>
+    <a:masterClrMapping/>
+  </p:clrMapOvr>
+</p:notes>
+</file>
+
+<file path=ppt/notesSlides/notesSlide14.xml><?xml version="1.0" encoding="utf-8"?>
+<p:notes xmlns:a="http://schemas.openxmlformats.org/drawingml/2006/main" xmlns:r="http://schemas.openxmlformats.org/officeDocument/2006/relationships" xmlns:p="http://schemas.openxmlformats.org/presentationml/2006/main">
+  <p:cSld>
+    <p:spTree>
+      <p:nvGrpSpPr>
+        <p:cNvPr id="1" name=""/>
+        <p:cNvGrpSpPr/>
+        <p:nvPr/>
+      </p:nvGrpSpPr>
+      <p:grpSpPr>
+        <a:xfrm>
+          <a:off x="0" y="0"/>
+          <a:ext cx="0" cy="0"/>
+          <a:chOff x="0" y="0"/>
+          <a:chExt cx="0" cy="0"/>
+        </a:xfrm>
+      </p:grpSpPr>
+      <p:sp>
+        <p:nvSpPr>
+          <p:cNvPr id="2" name="スライド イメージ プレースホルダー 1"/>
+          <p:cNvSpPr>
+            <a:spLocks noGrp="1" noRot="1" noChangeAspect="1"/>
+          </p:cNvSpPr>
+          <p:nvPr>
+            <p:ph type="sldImg"/>
+          </p:nvPr>
+        </p:nvSpPr>
+        <p:spPr/>
+      </p:sp>
+      <p:sp>
+        <p:nvSpPr>
+          <p:cNvPr id="3" name="ノート プレースホルダー 2"/>
+          <p:cNvSpPr>
+            <a:spLocks noGrp="1"/>
+          </p:cNvSpPr>
+          <p:nvPr>
+            <p:ph type="body" idx="1"/>
+          </p:nvPr>
+        </p:nvSpPr>
+        <p:spPr/>
+        <p:txBody>
+          <a:bodyPr/>
+          <a:lstStyle/>
+          <a:p>
+            <a:r>
+              <a:rPr kumimoji="1" lang="en-US" altLang="ja-JP" dirty="0" smtClean="0"/>
+              <a:t>XGA</a:t>
+            </a:r>
+            <a:r>
+              <a:rPr kumimoji="1" lang="ja-JP" altLang="en-US" dirty="0" smtClean="0"/>
+              <a:t>というのは昔のパソコンで標準的に使われていた解像度のこと</a:t>
+            </a:r>
+            <a:endParaRPr kumimoji="1" lang="en-US" altLang="ja-JP" dirty="0" smtClean="0"/>
+          </a:p>
+          <a:p>
+            <a:r>
+              <a:rPr kumimoji="1" lang="en-US" altLang="ja-JP" dirty="0" smtClean="0"/>
+              <a:t>XGA</a:t>
+            </a:r>
+            <a:r>
+              <a:rPr kumimoji="1" lang="ja-JP" altLang="en-US" dirty="0" smtClean="0"/>
+              <a:t>の場合光センサの物理位置と距離を取得できたら、　その位置に図のような座標を割り当てて、</a:t>
+            </a:r>
+            <a:endParaRPr kumimoji="1" lang="en-US" altLang="ja-JP" dirty="0" smtClean="0"/>
+          </a:p>
+          <a:p>
+            <a:r>
+              <a:rPr kumimoji="1" lang="ja-JP" altLang="en-US" dirty="0" smtClean="0"/>
+              <a:t>縦方向の物理長</a:t>
+            </a:r>
+            <a:r>
+              <a:rPr kumimoji="1" lang="en-US" altLang="ja-JP" dirty="0" smtClean="0"/>
+              <a:t>768</a:t>
+            </a:r>
+            <a:r>
+              <a:rPr kumimoji="1" lang="ja-JP" altLang="en-US" dirty="0" smtClean="0"/>
+              <a:t>分割</a:t>
+            </a:r>
+            <a:endParaRPr kumimoji="1" lang="en-US" altLang="ja-JP" dirty="0" smtClean="0"/>
+          </a:p>
+          <a:p>
+            <a:r>
+              <a:rPr kumimoji="1" lang="ja-JP" altLang="en-US" dirty="0" smtClean="0"/>
+              <a:t>横方向の物理長</a:t>
+            </a:r>
+            <a:r>
+              <a:rPr kumimoji="1" lang="en-US" altLang="ja-JP" dirty="0" smtClean="0"/>
+              <a:t>1024</a:t>
+            </a:r>
+            <a:r>
+              <a:rPr kumimoji="1" lang="ja-JP" altLang="en-US" dirty="0" smtClean="0"/>
+              <a:t>分割</a:t>
+            </a:r>
+            <a:endParaRPr kumimoji="1" lang="en-US" altLang="ja-JP" dirty="0" smtClean="0"/>
+          </a:p>
+          <a:p>
+            <a:r>
+              <a:rPr kumimoji="1" lang="ja-JP" altLang="en-US" dirty="0" smtClean="0"/>
+              <a:t>したマス目にピクセルを配置していくことでキャリブレーションが完了する。</a:t>
+            </a:r>
+            <a:endParaRPr kumimoji="1" lang="en-US" altLang="ja-JP" dirty="0" smtClean="0"/>
+          </a:p>
+          <a:p>
+            <a:endParaRPr kumimoji="1" lang="ja-JP" altLang="en-US" dirty="0"/>
+          </a:p>
+        </p:txBody>
+      </p:sp>
+      <p:sp>
+        <p:nvSpPr>
+          <p:cNvPr id="4" name="スライド番号プレースホルダー 3"/>
+          <p:cNvSpPr>
+            <a:spLocks noGrp="1"/>
+          </p:cNvSpPr>
+          <p:nvPr>
+            <p:ph type="sldNum" sz="quarter" idx="10"/>
+          </p:nvPr>
+        </p:nvSpPr>
+        <p:spPr/>
+        <p:txBody>
+          <a:bodyPr/>
+          <a:lstStyle/>
+          <a:p>
+            <a:fld id="{B8CD965A-9A59-42B6-ADA1-B01B27F6A563}" type="slidenum">
+              <a:rPr kumimoji="1" lang="ja-JP" altLang="en-US" smtClean="0"/>
+              <a:t>14</a:t>
+            </a:fld>
+            <a:endParaRPr kumimoji="1" lang="ja-JP" altLang="en-US"/>
+          </a:p>
+        </p:txBody>
+      </p:sp>
+    </p:spTree>
+    <p:extLst>
+      <p:ext uri="{BB962C8B-B14F-4D97-AF65-F5344CB8AC3E}">
+        <p14:creationId xmlns:p14="http://schemas.microsoft.com/office/powerpoint/2010/main" val="231015"/>
+      </p:ext>
+    </p:extLst>
+  </p:cSld>
+  <p:clrMapOvr>
+    <a:masterClrMapping/>
+  </p:clrMapOvr>
+</p:notes>
+</file>
+
+<file path=ppt/notesSlides/notesSlide15.xml><?xml version="1.0" encoding="utf-8"?>
+<p:notes xmlns:a="http://schemas.openxmlformats.org/drawingml/2006/main" xmlns:r="http://schemas.openxmlformats.org/officeDocument/2006/relationships" xmlns:p="http://schemas.openxmlformats.org/presentationml/2006/main">
+  <p:cSld>
+    <p:spTree>
+      <p:nvGrpSpPr>
+        <p:cNvPr id="1" name=""/>
+        <p:cNvGrpSpPr/>
+        <p:nvPr/>
+      </p:nvGrpSpPr>
+      <p:grpSpPr>
+        <a:xfrm>
+          <a:off x="0" y="0"/>
+          <a:ext cx="0" cy="0"/>
+          <a:chOff x="0" y="0"/>
+          <a:chExt cx="0" cy="0"/>
+        </a:xfrm>
+      </p:grpSpPr>
+      <p:sp>
+        <p:nvSpPr>
+          <p:cNvPr id="2" name="スライド イメージ プレースホルダー 1"/>
+          <p:cNvSpPr>
+            <a:spLocks noGrp="1" noRot="1" noChangeAspect="1"/>
+          </p:cNvSpPr>
+          <p:nvPr>
+            <p:ph type="sldImg"/>
+          </p:nvPr>
+        </p:nvSpPr>
+        <p:spPr/>
+      </p:sp>
+      <p:sp>
+        <p:nvSpPr>
+          <p:cNvPr id="3" name="ノート プレースホルダー 2"/>
+          <p:cNvSpPr>
+            <a:spLocks noGrp="1"/>
+          </p:cNvSpPr>
+          <p:nvPr>
+            <p:ph type="body" idx="1"/>
+          </p:nvPr>
+        </p:nvSpPr>
+        <p:spPr/>
+        <p:txBody>
+          <a:bodyPr/>
+          <a:lstStyle/>
+          <a:p>
+            <a:r>
+              <a:rPr kumimoji="1" lang="ja-JP" altLang="en-US" dirty="0" smtClean="0"/>
+              <a:t>必要なバイナリパターンの数はピクセル数をｎとすると</a:t>
+            </a:r>
+            <a:endParaRPr kumimoji="1" lang="en-US" altLang="ja-JP" dirty="0" smtClean="0"/>
+          </a:p>
+          <a:p>
+            <a:r>
+              <a:rPr kumimoji="1" lang="en-US" altLang="ja-JP" dirty="0" smtClean="0"/>
+              <a:t>O(log2n)</a:t>
+            </a:r>
+            <a:r>
+              <a:rPr kumimoji="1" lang="ja-JP" altLang="en-US" dirty="0" smtClean="0"/>
+              <a:t>　のオーダー</a:t>
+            </a:r>
+            <a:endParaRPr kumimoji="1" lang="en-US" altLang="ja-JP" dirty="0" smtClean="0"/>
+          </a:p>
+          <a:p>
+            <a:endParaRPr kumimoji="1" lang="en-US" altLang="ja-JP" dirty="0" smtClean="0"/>
+          </a:p>
+          <a:p>
+            <a:r>
+              <a:rPr kumimoji="1" lang="en-US" altLang="ja-JP" dirty="0" smtClean="0"/>
+              <a:t>XGA</a:t>
+            </a:r>
+            <a:r>
+              <a:rPr kumimoji="1" lang="ja-JP" altLang="en-US" dirty="0" smtClean="0"/>
+              <a:t>という昔パソコンで標準的に使われていた解像度</a:t>
+            </a:r>
+            <a:r>
+              <a:rPr kumimoji="1" lang="en-US" altLang="ja-JP" dirty="0" smtClean="0"/>
+              <a:t>(1024x768)</a:t>
+            </a:r>
+            <a:r>
+              <a:rPr kumimoji="1" lang="ja-JP" altLang="en-US" dirty="0" smtClean="0"/>
+              <a:t>では</a:t>
+            </a:r>
+            <a:r>
+              <a:rPr kumimoji="1" lang="en-US" altLang="ja-JP" dirty="0" smtClean="0"/>
+              <a:t>20</a:t>
+            </a:r>
+            <a:r>
+              <a:rPr kumimoji="1" lang="ja-JP" altLang="en-US" dirty="0" smtClean="0"/>
+              <a:t>個のバイナリパターンを照射することでキャリブレーションが可能</a:t>
+            </a:r>
+            <a:endParaRPr kumimoji="1" lang="en-US" altLang="ja-JP" dirty="0" smtClean="0"/>
+          </a:p>
+          <a:p>
+            <a:r>
+              <a:rPr kumimoji="1" lang="ja-JP" altLang="en-US" dirty="0" smtClean="0"/>
+              <a:t>アメリカ大陸並みの大きさのスクリーンでも</a:t>
+            </a:r>
+            <a:r>
+              <a:rPr kumimoji="1" lang="en-US" altLang="ja-JP" dirty="0" smtClean="0"/>
+              <a:t>60</a:t>
+            </a:r>
+            <a:r>
+              <a:rPr kumimoji="1" lang="ja-JP" altLang="en-US" dirty="0" smtClean="0"/>
+              <a:t>個のバイナリパターンを照射することでミリ精度</a:t>
+            </a:r>
+            <a:endParaRPr kumimoji="1" lang="en-US" altLang="ja-JP" dirty="0" smtClean="0"/>
+          </a:p>
+          <a:p>
+            <a:r>
+              <a:rPr kumimoji="1" lang="ja-JP" altLang="en-US" dirty="0" smtClean="0"/>
+              <a:t>でキャリブレーションが可能。つまり</a:t>
+            </a:r>
+            <a:r>
+              <a:rPr kumimoji="1" lang="en-US" altLang="ja-JP" dirty="0" smtClean="0"/>
+              <a:t>1</a:t>
+            </a:r>
+            <a:r>
+              <a:rPr kumimoji="1" lang="ja-JP" altLang="en-US" dirty="0" smtClean="0"/>
+              <a:t>ピクセルが</a:t>
+            </a:r>
+            <a:r>
+              <a:rPr kumimoji="1" lang="en-US" altLang="ja-JP" dirty="0" smtClean="0"/>
+              <a:t>1</a:t>
+            </a:r>
+            <a:r>
+              <a:rPr kumimoji="1" lang="ja-JP" altLang="en-US" dirty="0" smtClean="0"/>
+              <a:t>ミリ</a:t>
+            </a:r>
+            <a:r>
+              <a:rPr kumimoji="1" lang="ja-JP" altLang="en-US" dirty="0" err="1" smtClean="0"/>
+              <a:t>ｘ</a:t>
+            </a:r>
+            <a:r>
+              <a:rPr kumimoji="1" lang="en-US" altLang="ja-JP" dirty="0" smtClean="0"/>
+              <a:t>1</a:t>
+            </a:r>
+            <a:r>
+              <a:rPr kumimoji="1" lang="ja-JP" altLang="en-US" dirty="0" smtClean="0"/>
+              <a:t>ミリで大きさがアメリカ大陸のスクリーンがあったとしたら</a:t>
+            </a:r>
+            <a:endParaRPr kumimoji="1" lang="en-US" altLang="ja-JP" dirty="0" smtClean="0"/>
+          </a:p>
+          <a:p>
+            <a:r>
+              <a:rPr kumimoji="1" lang="en-US" altLang="ja-JP" dirty="0" smtClean="0"/>
+              <a:t>60</a:t>
+            </a:r>
+            <a:r>
+              <a:rPr kumimoji="1" lang="ja-JP" altLang="en-US" dirty="0" smtClean="0"/>
+              <a:t>個のバイナリパターンで</a:t>
+            </a:r>
+            <a:r>
+              <a:rPr kumimoji="1" lang="en-US" altLang="ja-JP" dirty="0" smtClean="0"/>
+              <a:t>OK</a:t>
+            </a:r>
+            <a:r>
+              <a:rPr kumimoji="1" lang="ja-JP" altLang="en-US" dirty="0" smtClean="0"/>
+              <a:t>ということ。</a:t>
+            </a:r>
+            <a:endParaRPr kumimoji="1" lang="ja-JP" altLang="en-US" dirty="0"/>
+          </a:p>
+        </p:txBody>
+      </p:sp>
+      <p:sp>
+        <p:nvSpPr>
+          <p:cNvPr id="4" name="スライド番号プレースホルダー 3"/>
+          <p:cNvSpPr>
+            <a:spLocks noGrp="1"/>
+          </p:cNvSpPr>
+          <p:nvPr>
+            <p:ph type="sldNum" sz="quarter" idx="10"/>
+          </p:nvPr>
+        </p:nvSpPr>
+        <p:spPr/>
+        <p:txBody>
+          <a:bodyPr/>
+          <a:lstStyle/>
+          <a:p>
+            <a:fld id="{B8CD965A-9A59-42B6-ADA1-B01B27F6A563}" type="slidenum">
+              <a:rPr kumimoji="1" lang="ja-JP" altLang="en-US" smtClean="0"/>
+              <a:t>15</a:t>
+            </a:fld>
+            <a:endParaRPr kumimoji="1" lang="ja-JP" altLang="en-US"/>
+          </a:p>
+        </p:txBody>
+      </p:sp>
+    </p:spTree>
+    <p:extLst>
+      <p:ext uri="{BB962C8B-B14F-4D97-AF65-F5344CB8AC3E}">
+        <p14:creationId xmlns:p14="http://schemas.microsoft.com/office/powerpoint/2010/main" val="1986142312"/>
       </p:ext>
     </p:extLst>
   </p:cSld>
@@ -7431,7 +7812,7 @@
         </p:nvSpPr>
         <p:spPr>
           <a:xfrm>
-            <a:off x="890606" y="3918405"/>
+            <a:off x="845771" y="4646742"/>
             <a:ext cx="3877985" cy="1077218"/>
           </a:xfrm>
           <a:prstGeom prst="rect">
@@ -7870,9 +8251,356 @@
   <p:timing>
     <p:tnLst>
       <p:par>
-        <p:cTn id="1" dur="indefinite" restart="never" nodeType="tmRoot"/>
+        <p:cTn id="1" dur="indefinite" restart="never" nodeType="tmRoot">
+          <p:childTnLst>
+            <p:seq concurrent="1" nextAc="seek">
+              <p:cTn id="2" dur="indefinite" nodeType="mainSeq">
+                <p:childTnLst>
+                  <p:par>
+                    <p:cTn id="3" fill="hold">
+                      <p:stCondLst>
+                        <p:cond delay="indefinite"/>
+                      </p:stCondLst>
+                      <p:childTnLst>
+                        <p:par>
+                          <p:cTn id="4" fill="hold">
+                            <p:stCondLst>
+                              <p:cond delay="0"/>
+                            </p:stCondLst>
+                            <p:childTnLst>
+                              <p:par>
+                                <p:cTn id="5" presetID="10" presetClass="entr" presetSubtype="0" fill="hold" grpId="0" nodeType="clickEffect">
+                                  <p:stCondLst>
+                                    <p:cond delay="0"/>
+                                  </p:stCondLst>
+                                  <p:childTnLst>
+                                    <p:set>
+                                      <p:cBhvr>
+                                        <p:cTn id="6" dur="1" fill="hold">
+                                          <p:stCondLst>
+                                            <p:cond delay="0"/>
+                                          </p:stCondLst>
+                                        </p:cTn>
+                                        <p:tgtEl>
+                                          <p:spTgt spid="8"/>
+                                        </p:tgtEl>
+                                        <p:attrNameLst>
+                                          <p:attrName>style.visibility</p:attrName>
+                                        </p:attrNameLst>
+                                      </p:cBhvr>
+                                      <p:to>
+                                        <p:strVal val="visible"/>
+                                      </p:to>
+                                    </p:set>
+                                    <p:animEffect transition="in" filter="fade">
+                                      <p:cBhvr>
+                                        <p:cTn id="7" dur="500"/>
+                                        <p:tgtEl>
+                                          <p:spTgt spid="8"/>
+                                        </p:tgtEl>
+                                      </p:cBhvr>
+                                    </p:animEffect>
+                                  </p:childTnLst>
+                                </p:cTn>
+                              </p:par>
+                              <p:par>
+                                <p:cTn id="8" presetID="10" presetClass="entr" presetSubtype="0" fill="hold" grpId="0" nodeType="withEffect">
+                                  <p:stCondLst>
+                                    <p:cond delay="0"/>
+                                  </p:stCondLst>
+                                  <p:childTnLst>
+                                    <p:set>
+                                      <p:cBhvr>
+                                        <p:cTn id="9" dur="1" fill="hold">
+                                          <p:stCondLst>
+                                            <p:cond delay="0"/>
+                                          </p:stCondLst>
+                                        </p:cTn>
+                                        <p:tgtEl>
+                                          <p:spTgt spid="11"/>
+                                        </p:tgtEl>
+                                        <p:attrNameLst>
+                                          <p:attrName>style.visibility</p:attrName>
+                                        </p:attrNameLst>
+                                      </p:cBhvr>
+                                      <p:to>
+                                        <p:strVal val="visible"/>
+                                      </p:to>
+                                    </p:set>
+                                    <p:animEffect transition="in" filter="fade">
+                                      <p:cBhvr>
+                                        <p:cTn id="10" dur="500"/>
+                                        <p:tgtEl>
+                                          <p:spTgt spid="11"/>
+                                        </p:tgtEl>
+                                      </p:cBhvr>
+                                    </p:animEffect>
+                                  </p:childTnLst>
+                                </p:cTn>
+                              </p:par>
+                              <p:par>
+                                <p:cTn id="11" presetID="10" presetClass="entr" presetSubtype="0" fill="hold" grpId="0" nodeType="withEffect">
+                                  <p:stCondLst>
+                                    <p:cond delay="0"/>
+                                  </p:stCondLst>
+                                  <p:childTnLst>
+                                    <p:set>
+                                      <p:cBhvr>
+                                        <p:cTn id="12" dur="1" fill="hold">
+                                          <p:stCondLst>
+                                            <p:cond delay="0"/>
+                                          </p:stCondLst>
+                                        </p:cTn>
+                                        <p:tgtEl>
+                                          <p:spTgt spid="12"/>
+                                        </p:tgtEl>
+                                        <p:attrNameLst>
+                                          <p:attrName>style.visibility</p:attrName>
+                                        </p:attrNameLst>
+                                      </p:cBhvr>
+                                      <p:to>
+                                        <p:strVal val="visible"/>
+                                      </p:to>
+                                    </p:set>
+                                    <p:animEffect transition="in" filter="fade">
+                                      <p:cBhvr>
+                                        <p:cTn id="13" dur="500"/>
+                                        <p:tgtEl>
+                                          <p:spTgt spid="12"/>
+                                        </p:tgtEl>
+                                      </p:cBhvr>
+                                    </p:animEffect>
+                                  </p:childTnLst>
+                                </p:cTn>
+                              </p:par>
+                              <p:par>
+                                <p:cTn id="14" presetID="10" presetClass="entr" presetSubtype="0" fill="hold" grpId="0" nodeType="withEffect">
+                                  <p:stCondLst>
+                                    <p:cond delay="0"/>
+                                  </p:stCondLst>
+                                  <p:childTnLst>
+                                    <p:set>
+                                      <p:cBhvr>
+                                        <p:cTn id="15" dur="1" fill="hold">
+                                          <p:stCondLst>
+                                            <p:cond delay="0"/>
+                                          </p:stCondLst>
+                                        </p:cTn>
+                                        <p:tgtEl>
+                                          <p:spTgt spid="13"/>
+                                        </p:tgtEl>
+                                        <p:attrNameLst>
+                                          <p:attrName>style.visibility</p:attrName>
+                                        </p:attrNameLst>
+                                      </p:cBhvr>
+                                      <p:to>
+                                        <p:strVal val="visible"/>
+                                      </p:to>
+                                    </p:set>
+                                    <p:animEffect transition="in" filter="fade">
+                                      <p:cBhvr>
+                                        <p:cTn id="16" dur="500"/>
+                                        <p:tgtEl>
+                                          <p:spTgt spid="13"/>
+                                        </p:tgtEl>
+                                      </p:cBhvr>
+                                    </p:animEffect>
+                                  </p:childTnLst>
+                                </p:cTn>
+                              </p:par>
+                              <p:par>
+                                <p:cTn id="17" presetID="10" presetClass="entr" presetSubtype="0" fill="hold" nodeType="withEffect">
+                                  <p:stCondLst>
+                                    <p:cond delay="0"/>
+                                  </p:stCondLst>
+                                  <p:childTnLst>
+                                    <p:set>
+                                      <p:cBhvr>
+                                        <p:cTn id="18" dur="1" fill="hold">
+                                          <p:stCondLst>
+                                            <p:cond delay="0"/>
+                                          </p:stCondLst>
+                                        </p:cTn>
+                                        <p:tgtEl>
+                                          <p:spTgt spid="17"/>
+                                        </p:tgtEl>
+                                        <p:attrNameLst>
+                                          <p:attrName>style.visibility</p:attrName>
+                                        </p:attrNameLst>
+                                      </p:cBhvr>
+                                      <p:to>
+                                        <p:strVal val="visible"/>
+                                      </p:to>
+                                    </p:set>
+                                    <p:animEffect transition="in" filter="fade">
+                                      <p:cBhvr>
+                                        <p:cTn id="19" dur="500"/>
+                                        <p:tgtEl>
+                                          <p:spTgt spid="17"/>
+                                        </p:tgtEl>
+                                      </p:cBhvr>
+                                    </p:animEffect>
+                                  </p:childTnLst>
+                                </p:cTn>
+                              </p:par>
+                              <p:par>
+                                <p:cTn id="20" presetID="10" presetClass="entr" presetSubtype="0" fill="hold" nodeType="withEffect">
+                                  <p:stCondLst>
+                                    <p:cond delay="0"/>
+                                  </p:stCondLst>
+                                  <p:childTnLst>
+                                    <p:set>
+                                      <p:cBhvr>
+                                        <p:cTn id="21" dur="1" fill="hold">
+                                          <p:stCondLst>
+                                            <p:cond delay="0"/>
+                                          </p:stCondLst>
+                                        </p:cTn>
+                                        <p:tgtEl>
+                                          <p:spTgt spid="20"/>
+                                        </p:tgtEl>
+                                        <p:attrNameLst>
+                                          <p:attrName>style.visibility</p:attrName>
+                                        </p:attrNameLst>
+                                      </p:cBhvr>
+                                      <p:to>
+                                        <p:strVal val="visible"/>
+                                      </p:to>
+                                    </p:set>
+                                    <p:animEffect transition="in" filter="fade">
+                                      <p:cBhvr>
+                                        <p:cTn id="22" dur="500"/>
+                                        <p:tgtEl>
+                                          <p:spTgt spid="20"/>
+                                        </p:tgtEl>
+                                      </p:cBhvr>
+                                    </p:animEffect>
+                                  </p:childTnLst>
+                                </p:cTn>
+                              </p:par>
+                              <p:par>
+                                <p:cTn id="23" presetID="10" presetClass="entr" presetSubtype="0" fill="hold" grpId="0" nodeType="withEffect">
+                                  <p:stCondLst>
+                                    <p:cond delay="0"/>
+                                  </p:stCondLst>
+                                  <p:childTnLst>
+                                    <p:set>
+                                      <p:cBhvr>
+                                        <p:cTn id="24" dur="1" fill="hold">
+                                          <p:stCondLst>
+                                            <p:cond delay="0"/>
+                                          </p:stCondLst>
+                                        </p:cTn>
+                                        <p:tgtEl>
+                                          <p:spTgt spid="22"/>
+                                        </p:tgtEl>
+                                        <p:attrNameLst>
+                                          <p:attrName>style.visibility</p:attrName>
+                                        </p:attrNameLst>
+                                      </p:cBhvr>
+                                      <p:to>
+                                        <p:strVal val="visible"/>
+                                      </p:to>
+                                    </p:set>
+                                    <p:animEffect transition="in" filter="fade">
+                                      <p:cBhvr>
+                                        <p:cTn id="25" dur="500"/>
+                                        <p:tgtEl>
+                                          <p:spTgt spid="22"/>
+                                        </p:tgtEl>
+                                      </p:cBhvr>
+                                    </p:animEffect>
+                                  </p:childTnLst>
+                                </p:cTn>
+                              </p:par>
+                            </p:childTnLst>
+                          </p:cTn>
+                        </p:par>
+                      </p:childTnLst>
+                    </p:cTn>
+                  </p:par>
+                  <p:par>
+                    <p:cTn id="26" fill="hold">
+                      <p:stCondLst>
+                        <p:cond delay="indefinite"/>
+                      </p:stCondLst>
+                      <p:childTnLst>
+                        <p:par>
+                          <p:cTn id="27" fill="hold">
+                            <p:stCondLst>
+                              <p:cond delay="0"/>
+                            </p:stCondLst>
+                            <p:childTnLst>
+                              <p:par>
+                                <p:cTn id="28" presetID="10" presetClass="entr" presetSubtype="0" fill="hold" grpId="0" nodeType="clickEffect">
+                                  <p:stCondLst>
+                                    <p:cond delay="0"/>
+                                  </p:stCondLst>
+                                  <p:childTnLst>
+                                    <p:set>
+                                      <p:cBhvr>
+                                        <p:cTn id="29" dur="1" fill="hold">
+                                          <p:stCondLst>
+                                            <p:cond delay="0"/>
+                                          </p:stCondLst>
+                                        </p:cTn>
+                                        <p:tgtEl>
+                                          <p:spTgt spid="7"/>
+                                        </p:tgtEl>
+                                        <p:attrNameLst>
+                                          <p:attrName>style.visibility</p:attrName>
+                                        </p:attrNameLst>
+                                      </p:cBhvr>
+                                      <p:to>
+                                        <p:strVal val="visible"/>
+                                      </p:to>
+                                    </p:set>
+                                    <p:animEffect transition="in" filter="fade">
+                                      <p:cBhvr>
+                                        <p:cTn id="30" dur="500"/>
+                                        <p:tgtEl>
+                                          <p:spTgt spid="7"/>
+                                        </p:tgtEl>
+                                      </p:cBhvr>
+                                    </p:animEffect>
+                                  </p:childTnLst>
+                                </p:cTn>
+                              </p:par>
+                            </p:childTnLst>
+                          </p:cTn>
+                        </p:par>
+                      </p:childTnLst>
+                    </p:cTn>
+                  </p:par>
+                </p:childTnLst>
+              </p:cTn>
+              <p:prevCondLst>
+                <p:cond evt="onPrev" delay="0">
+                  <p:tgtEl>
+                    <p:sldTgt/>
+                  </p:tgtEl>
+                </p:cond>
+              </p:prevCondLst>
+              <p:nextCondLst>
+                <p:cond evt="onNext" delay="0">
+                  <p:tgtEl>
+                    <p:sldTgt/>
+                  </p:tgtEl>
+                </p:cond>
+              </p:nextCondLst>
+            </p:seq>
+          </p:childTnLst>
+        </p:cTn>
       </p:par>
     </p:tnLst>
+    <p:bldLst>
+      <p:bldP spid="7" grpId="0"/>
+      <p:bldP spid="8" grpId="0" animBg="1"/>
+      <p:bldP spid="11" grpId="0" animBg="1"/>
+      <p:bldP spid="12" grpId="0" animBg="1"/>
+      <p:bldP spid="13" grpId="0"/>
+      <p:bldP spid="22" grpId="0" animBg="1"/>
+    </p:bldLst>
   </p:timing>
 </p:sld>
 </file>
@@ -8529,23 +9257,818 @@
           </a:p>
         </p:txBody>
       </p:sp>
+      <p:sp>
+        <p:nvSpPr>
+          <p:cNvPr id="27" name="テキスト ボックス 26"/>
+          <p:cNvSpPr txBox="1"/>
+          <p:nvPr/>
+        </p:nvSpPr>
+        <p:spPr>
+          <a:xfrm>
+            <a:off x="6600639" y="3638180"/>
+            <a:ext cx="340963" cy="369332"/>
+          </a:xfrm>
+          <a:prstGeom prst="rect">
+            <a:avLst/>
+          </a:prstGeom>
+          <a:noFill/>
+        </p:spPr>
+        <p:txBody>
+          <a:bodyPr wrap="square" rtlCol="0">
+            <a:spAutoFit/>
+          </a:bodyPr>
+          <a:lstStyle/>
+          <a:p>
+            <a:r>
+              <a:rPr lang="en-US" altLang="ja-JP" b="1" dirty="0">
+                <a:solidFill>
+                  <a:srgbClr val="FF0000"/>
+                </a:solidFill>
+                <a:latin typeface="メイリオ" panose="020B0604030504040204" pitchFamily="50" charset="-128"/>
+                <a:ea typeface="メイリオ" panose="020B0604030504040204" pitchFamily="50" charset="-128"/>
+                <a:cs typeface="メイリオ" panose="020B0604030504040204" pitchFamily="50" charset="-128"/>
+              </a:rPr>
+              <a:t>A</a:t>
+            </a:r>
+            <a:endParaRPr kumimoji="1" lang="ja-JP" altLang="en-US" b="1" dirty="0">
+              <a:solidFill>
+                <a:srgbClr val="FF0000"/>
+              </a:solidFill>
+              <a:latin typeface="メイリオ" panose="020B0604030504040204" pitchFamily="50" charset="-128"/>
+              <a:ea typeface="メイリオ" panose="020B0604030504040204" pitchFamily="50" charset="-128"/>
+              <a:cs typeface="メイリオ" panose="020B0604030504040204" pitchFamily="50" charset="-128"/>
+            </a:endParaRPr>
+          </a:p>
+        </p:txBody>
+      </p:sp>
+      <p:sp>
+        <p:nvSpPr>
+          <p:cNvPr id="28" name="テキスト ボックス 27"/>
+          <p:cNvSpPr txBox="1"/>
+          <p:nvPr/>
+        </p:nvSpPr>
+        <p:spPr>
+          <a:xfrm>
+            <a:off x="8287982" y="4378315"/>
+            <a:ext cx="340963" cy="369332"/>
+          </a:xfrm>
+          <a:prstGeom prst="rect">
+            <a:avLst/>
+          </a:prstGeom>
+          <a:noFill/>
+        </p:spPr>
+        <p:txBody>
+          <a:bodyPr wrap="square" rtlCol="0">
+            <a:spAutoFit/>
+          </a:bodyPr>
+          <a:lstStyle/>
+          <a:p>
+            <a:r>
+              <a:rPr lang="en-US" altLang="ja-JP" b="1" dirty="0" smtClean="0">
+                <a:solidFill>
+                  <a:srgbClr val="FF0000"/>
+                </a:solidFill>
+                <a:latin typeface="メイリオ" panose="020B0604030504040204" pitchFamily="50" charset="-128"/>
+                <a:ea typeface="メイリオ" panose="020B0604030504040204" pitchFamily="50" charset="-128"/>
+                <a:cs typeface="メイリオ" panose="020B0604030504040204" pitchFamily="50" charset="-128"/>
+              </a:rPr>
+              <a:t>D</a:t>
+            </a:r>
+            <a:endParaRPr kumimoji="1" lang="ja-JP" altLang="en-US" b="1" dirty="0">
+              <a:solidFill>
+                <a:srgbClr val="FF0000"/>
+              </a:solidFill>
+              <a:latin typeface="メイリオ" panose="020B0604030504040204" pitchFamily="50" charset="-128"/>
+              <a:ea typeface="メイリオ" panose="020B0604030504040204" pitchFamily="50" charset="-128"/>
+              <a:cs typeface="メイリオ" panose="020B0604030504040204" pitchFamily="50" charset="-128"/>
+            </a:endParaRPr>
+          </a:p>
+        </p:txBody>
+      </p:sp>
+      <p:sp>
+        <p:nvSpPr>
+          <p:cNvPr id="29" name="テキスト ボックス 28"/>
+          <p:cNvSpPr txBox="1"/>
+          <p:nvPr/>
+        </p:nvSpPr>
+        <p:spPr>
+          <a:xfrm>
+            <a:off x="5682750" y="6078545"/>
+            <a:ext cx="340963" cy="369332"/>
+          </a:xfrm>
+          <a:prstGeom prst="rect">
+            <a:avLst/>
+          </a:prstGeom>
+          <a:noFill/>
+        </p:spPr>
+        <p:txBody>
+          <a:bodyPr wrap="square" rtlCol="0">
+            <a:spAutoFit/>
+          </a:bodyPr>
+          <a:lstStyle/>
+          <a:p>
+            <a:r>
+              <a:rPr lang="en-US" altLang="ja-JP" b="1" dirty="0">
+                <a:solidFill>
+                  <a:srgbClr val="FF0000"/>
+                </a:solidFill>
+                <a:latin typeface="メイリオ" panose="020B0604030504040204" pitchFamily="50" charset="-128"/>
+                <a:ea typeface="メイリオ" panose="020B0604030504040204" pitchFamily="50" charset="-128"/>
+                <a:cs typeface="メイリオ" panose="020B0604030504040204" pitchFamily="50" charset="-128"/>
+              </a:rPr>
+              <a:t>B</a:t>
+            </a:r>
+            <a:endParaRPr kumimoji="1" lang="ja-JP" altLang="en-US" b="1" dirty="0">
+              <a:solidFill>
+                <a:srgbClr val="FF0000"/>
+              </a:solidFill>
+              <a:latin typeface="メイリオ" panose="020B0604030504040204" pitchFamily="50" charset="-128"/>
+              <a:ea typeface="メイリオ" panose="020B0604030504040204" pitchFamily="50" charset="-128"/>
+              <a:cs typeface="メイリオ" panose="020B0604030504040204" pitchFamily="50" charset="-128"/>
+            </a:endParaRPr>
+          </a:p>
+        </p:txBody>
+      </p:sp>
+      <p:sp>
+        <p:nvSpPr>
+          <p:cNvPr id="30" name="テキスト ボックス 29"/>
+          <p:cNvSpPr txBox="1"/>
+          <p:nvPr/>
+        </p:nvSpPr>
+        <p:spPr>
+          <a:xfrm>
+            <a:off x="7555709" y="6601257"/>
+            <a:ext cx="340963" cy="369332"/>
+          </a:xfrm>
+          <a:prstGeom prst="rect">
+            <a:avLst/>
+          </a:prstGeom>
+          <a:noFill/>
+        </p:spPr>
+        <p:txBody>
+          <a:bodyPr wrap="square" rtlCol="0">
+            <a:spAutoFit/>
+          </a:bodyPr>
+          <a:lstStyle/>
+          <a:p>
+            <a:r>
+              <a:rPr lang="en-US" altLang="ja-JP" b="1" dirty="0" smtClean="0">
+                <a:solidFill>
+                  <a:srgbClr val="FF0000"/>
+                </a:solidFill>
+                <a:latin typeface="メイリオ" panose="020B0604030504040204" pitchFamily="50" charset="-128"/>
+                <a:ea typeface="メイリオ" panose="020B0604030504040204" pitchFamily="50" charset="-128"/>
+                <a:cs typeface="メイリオ" panose="020B0604030504040204" pitchFamily="50" charset="-128"/>
+              </a:rPr>
+              <a:t>C</a:t>
+            </a:r>
+            <a:endParaRPr kumimoji="1" lang="ja-JP" altLang="en-US" b="1" dirty="0">
+              <a:solidFill>
+                <a:srgbClr val="FF0000"/>
+              </a:solidFill>
+              <a:latin typeface="メイリオ" panose="020B0604030504040204" pitchFamily="50" charset="-128"/>
+              <a:ea typeface="メイリオ" panose="020B0604030504040204" pitchFamily="50" charset="-128"/>
+              <a:cs typeface="メイリオ" panose="020B0604030504040204" pitchFamily="50" charset="-128"/>
+            </a:endParaRPr>
+          </a:p>
+        </p:txBody>
+      </p:sp>
+      <p:sp>
+        <p:nvSpPr>
+          <p:cNvPr id="32" name="テキスト ボックス 31"/>
+          <p:cNvSpPr txBox="1"/>
+          <p:nvPr/>
+        </p:nvSpPr>
+        <p:spPr>
+          <a:xfrm>
+            <a:off x="1557933" y="4794607"/>
+            <a:ext cx="3642102" cy="1815882"/>
+          </a:xfrm>
+          <a:prstGeom prst="rect">
+            <a:avLst/>
+          </a:prstGeom>
+          <a:noFill/>
+        </p:spPr>
+        <p:txBody>
+          <a:bodyPr wrap="square" rtlCol="0">
+            <a:spAutoFit/>
+          </a:bodyPr>
+          <a:lstStyle/>
+          <a:p>
+            <a:r>
+              <a:rPr lang="en-US" altLang="ja-JP" sz="2800" dirty="0" smtClean="0">
+                <a:latin typeface="メイリオ" panose="020B0604030504040204" pitchFamily="50" charset="-128"/>
+                <a:ea typeface="メイリオ" panose="020B0604030504040204" pitchFamily="50" charset="-128"/>
+                <a:cs typeface="メイリオ" panose="020B0604030504040204" pitchFamily="50" charset="-128"/>
+              </a:rPr>
+              <a:t>1111000011</a:t>
+            </a:r>
+            <a:endParaRPr kumimoji="1" lang="en-US" altLang="ja-JP" sz="2800" dirty="0" smtClean="0">
+              <a:latin typeface="メイリオ" panose="020B0604030504040204" pitchFamily="50" charset="-128"/>
+              <a:ea typeface="メイリオ" panose="020B0604030504040204" pitchFamily="50" charset="-128"/>
+              <a:cs typeface="メイリオ" panose="020B0604030504040204" pitchFamily="50" charset="-128"/>
+            </a:endParaRPr>
+          </a:p>
+          <a:p>
+            <a:r>
+              <a:rPr lang="en-US" altLang="ja-JP" sz="2800" dirty="0" smtClean="0">
+                <a:latin typeface="メイリオ" panose="020B0604030504040204" pitchFamily="50" charset="-128"/>
+                <a:ea typeface="メイリオ" panose="020B0604030504040204" pitchFamily="50" charset="-128"/>
+                <a:cs typeface="メイリオ" panose="020B0604030504040204" pitchFamily="50" charset="-128"/>
+              </a:rPr>
+              <a:t>1111111100</a:t>
+            </a:r>
+          </a:p>
+          <a:p>
+            <a:r>
+              <a:rPr lang="en-US" altLang="ja-JP" sz="2800" dirty="0" smtClean="0">
+                <a:latin typeface="メイリオ" panose="020B0604030504040204" pitchFamily="50" charset="-128"/>
+                <a:ea typeface="メイリオ" panose="020B0604030504040204" pitchFamily="50" charset="-128"/>
+                <a:cs typeface="メイリオ" panose="020B0604030504040204" pitchFamily="50" charset="-128"/>
+              </a:rPr>
+              <a:t>1111110001</a:t>
+            </a:r>
+            <a:endParaRPr kumimoji="1" lang="en-US" altLang="ja-JP" sz="2800" dirty="0" smtClean="0">
+              <a:latin typeface="メイリオ" panose="020B0604030504040204" pitchFamily="50" charset="-128"/>
+              <a:ea typeface="メイリオ" panose="020B0604030504040204" pitchFamily="50" charset="-128"/>
+              <a:cs typeface="メイリオ" panose="020B0604030504040204" pitchFamily="50" charset="-128"/>
+            </a:endParaRPr>
+          </a:p>
+          <a:p>
+            <a:r>
+              <a:rPr lang="en-US" altLang="ja-JP" sz="2800" dirty="0" smtClean="0">
+                <a:latin typeface="メイリオ" panose="020B0604030504040204" pitchFamily="50" charset="-128"/>
+                <a:ea typeface="メイリオ" panose="020B0604030504040204" pitchFamily="50" charset="-128"/>
+                <a:cs typeface="メイリオ" panose="020B0604030504040204" pitchFamily="50" charset="-128"/>
+              </a:rPr>
+              <a:t>0000111111</a:t>
+            </a:r>
+            <a:endParaRPr kumimoji="1" lang="ja-JP" altLang="en-US" sz="2800" dirty="0">
+              <a:latin typeface="メイリオ" panose="020B0604030504040204" pitchFamily="50" charset="-128"/>
+              <a:ea typeface="メイリオ" panose="020B0604030504040204" pitchFamily="50" charset="-128"/>
+              <a:cs typeface="メイリオ" panose="020B0604030504040204" pitchFamily="50" charset="-128"/>
+            </a:endParaRPr>
+          </a:p>
+        </p:txBody>
+      </p:sp>
+      <p:sp>
+        <p:nvSpPr>
+          <p:cNvPr id="34" name="テキスト ボックス 33"/>
+          <p:cNvSpPr txBox="1"/>
+          <p:nvPr/>
+        </p:nvSpPr>
+        <p:spPr>
+          <a:xfrm>
+            <a:off x="772107" y="4785375"/>
+            <a:ext cx="607859" cy="1815882"/>
+          </a:xfrm>
+          <a:prstGeom prst="rect">
+            <a:avLst/>
+          </a:prstGeom>
+          <a:noFill/>
+        </p:spPr>
+        <p:txBody>
+          <a:bodyPr wrap="none" rtlCol="0">
+            <a:spAutoFit/>
+          </a:bodyPr>
+          <a:lstStyle/>
+          <a:p>
+            <a:r>
+              <a:rPr kumimoji="1" lang="en-US" altLang="ja-JP" sz="2800" dirty="0" smtClean="0">
+                <a:latin typeface="メイリオ" panose="020B0604030504040204" pitchFamily="50" charset="-128"/>
+                <a:ea typeface="メイリオ" panose="020B0604030504040204" pitchFamily="50" charset="-128"/>
+                <a:cs typeface="メイリオ" panose="020B0604030504040204" pitchFamily="50" charset="-128"/>
+              </a:rPr>
+              <a:t>A:</a:t>
+            </a:r>
+          </a:p>
+          <a:p>
+            <a:r>
+              <a:rPr lang="en-US" altLang="ja-JP" sz="2800" dirty="0" smtClean="0">
+                <a:latin typeface="メイリオ" panose="020B0604030504040204" pitchFamily="50" charset="-128"/>
+                <a:ea typeface="メイリオ" panose="020B0604030504040204" pitchFamily="50" charset="-128"/>
+                <a:cs typeface="メイリオ" panose="020B0604030504040204" pitchFamily="50" charset="-128"/>
+              </a:rPr>
+              <a:t>B:</a:t>
+            </a:r>
+          </a:p>
+          <a:p>
+            <a:r>
+              <a:rPr kumimoji="1" lang="en-US" altLang="ja-JP" sz="2800" dirty="0" smtClean="0">
+                <a:latin typeface="メイリオ" panose="020B0604030504040204" pitchFamily="50" charset="-128"/>
+                <a:ea typeface="メイリオ" panose="020B0604030504040204" pitchFamily="50" charset="-128"/>
+                <a:cs typeface="メイリオ" panose="020B0604030504040204" pitchFamily="50" charset="-128"/>
+              </a:rPr>
+              <a:t>C:</a:t>
+            </a:r>
+          </a:p>
+          <a:p>
+            <a:r>
+              <a:rPr lang="en-US" altLang="ja-JP" sz="2800" dirty="0" smtClean="0">
+                <a:latin typeface="メイリオ" panose="020B0604030504040204" pitchFamily="50" charset="-128"/>
+                <a:ea typeface="メイリオ" panose="020B0604030504040204" pitchFamily="50" charset="-128"/>
+                <a:cs typeface="メイリオ" panose="020B0604030504040204" pitchFamily="50" charset="-128"/>
+              </a:rPr>
+              <a:t>D:</a:t>
+            </a:r>
+            <a:endParaRPr kumimoji="1" lang="ja-JP" altLang="en-US" sz="2800" dirty="0">
+              <a:latin typeface="メイリオ" panose="020B0604030504040204" pitchFamily="50" charset="-128"/>
+              <a:ea typeface="メイリオ" panose="020B0604030504040204" pitchFamily="50" charset="-128"/>
+              <a:cs typeface="メイリオ" panose="020B0604030504040204" pitchFamily="50" charset="-128"/>
+            </a:endParaRPr>
+          </a:p>
+        </p:txBody>
+      </p:sp>
       <p:grpSp>
         <p:nvGrpSpPr>
-          <p:cNvPr id="26" name="グループ化 25"/>
+          <p:cNvPr id="35" name="グループ化 34"/>
           <p:cNvGrpSpPr/>
           <p:nvPr/>
         </p:nvGrpSpPr>
         <p:grpSpPr>
           <a:xfrm>
-            <a:off x="5378002" y="3855538"/>
-            <a:ext cx="3667059" cy="3465663"/>
+            <a:off x="5481473" y="3315448"/>
+            <a:ext cx="3669893" cy="3607838"/>
+            <a:chOff x="4531578" y="2496653"/>
+            <a:chExt cx="3669893" cy="3431124"/>
+          </a:xfrm>
+          <a:solidFill>
+            <a:srgbClr val="A6A6A6">
+              <a:alpha val="50196"/>
+            </a:srgbClr>
+          </a:solidFill>
+        </p:grpSpPr>
+        <p:sp>
+          <p:nvSpPr>
+            <p:cNvPr id="36" name="正方形/長方形 35"/>
+            <p:cNvSpPr/>
+            <p:nvPr/>
+          </p:nvSpPr>
+          <p:spPr>
+            <a:xfrm>
+              <a:off x="8005595" y="2496658"/>
+              <a:ext cx="195876" cy="3431119"/>
+            </a:xfrm>
+            <a:prstGeom prst="rect">
+              <a:avLst/>
+            </a:prstGeom>
+            <a:grpFill/>
+            <a:ln>
+              <a:noFill/>
+            </a:ln>
+          </p:spPr>
+          <p:style>
+            <a:lnRef idx="2">
+              <a:schemeClr val="accent1">
+                <a:shade val="50000"/>
+              </a:schemeClr>
+            </a:lnRef>
+            <a:fillRef idx="1">
+              <a:schemeClr val="accent1"/>
+            </a:fillRef>
+            <a:effectRef idx="0">
+              <a:schemeClr val="accent1"/>
+            </a:effectRef>
+            <a:fontRef idx="minor">
+              <a:schemeClr val="lt1"/>
+            </a:fontRef>
+          </p:style>
+          <p:txBody>
+            <a:bodyPr rtlCol="0" anchor="ctr"/>
+            <a:lstStyle/>
+            <a:p>
+              <a:pPr algn="ctr"/>
+              <a:r>
+                <a:rPr kumimoji="1" lang="en-US" altLang="ja-JP" dirty="0" smtClean="0"/>
+                <a:t>V</a:t>
+              </a:r>
+              <a:endParaRPr kumimoji="1" lang="ja-JP" altLang="en-US" dirty="0"/>
+            </a:p>
+          </p:txBody>
+        </p:sp>
+        <p:sp>
+          <p:nvSpPr>
+            <p:cNvPr id="37" name="正方形/長方形 36"/>
+            <p:cNvSpPr/>
+            <p:nvPr/>
+          </p:nvSpPr>
+          <p:spPr>
+            <a:xfrm>
+              <a:off x="7620000" y="2496657"/>
+              <a:ext cx="195876" cy="3431119"/>
+            </a:xfrm>
+            <a:prstGeom prst="rect">
+              <a:avLst/>
+            </a:prstGeom>
+            <a:grpFill/>
+            <a:ln>
+              <a:noFill/>
+            </a:ln>
+          </p:spPr>
+          <p:style>
+            <a:lnRef idx="2">
+              <a:schemeClr val="accent1">
+                <a:shade val="50000"/>
+              </a:schemeClr>
+            </a:lnRef>
+            <a:fillRef idx="1">
+              <a:schemeClr val="accent1"/>
+            </a:fillRef>
+            <a:effectRef idx="0">
+              <a:schemeClr val="accent1"/>
+            </a:effectRef>
+            <a:fontRef idx="minor">
+              <a:schemeClr val="lt1"/>
+            </a:fontRef>
+          </p:style>
+          <p:txBody>
+            <a:bodyPr rtlCol="0" anchor="ctr"/>
+            <a:lstStyle/>
+            <a:p>
+              <a:pPr algn="ctr"/>
+              <a:endParaRPr kumimoji="1" lang="ja-JP" altLang="en-US"/>
+            </a:p>
+          </p:txBody>
+        </p:sp>
+        <p:sp>
+          <p:nvSpPr>
+            <p:cNvPr id="38" name="正方形/長方形 37"/>
+            <p:cNvSpPr/>
+            <p:nvPr/>
+          </p:nvSpPr>
+          <p:spPr>
+            <a:xfrm>
+              <a:off x="7231327" y="2496656"/>
+              <a:ext cx="195876" cy="3431119"/>
+            </a:xfrm>
+            <a:prstGeom prst="rect">
+              <a:avLst/>
+            </a:prstGeom>
+            <a:grpFill/>
+            <a:ln>
+              <a:noFill/>
+            </a:ln>
+          </p:spPr>
+          <p:style>
+            <a:lnRef idx="2">
+              <a:schemeClr val="accent1">
+                <a:shade val="50000"/>
+              </a:schemeClr>
+            </a:lnRef>
+            <a:fillRef idx="1">
+              <a:schemeClr val="accent1"/>
+            </a:fillRef>
+            <a:effectRef idx="0">
+              <a:schemeClr val="accent1"/>
+            </a:effectRef>
+            <a:fontRef idx="minor">
+              <a:schemeClr val="lt1"/>
+            </a:fontRef>
+          </p:style>
+          <p:txBody>
+            <a:bodyPr rtlCol="0" anchor="ctr"/>
+            <a:lstStyle/>
+            <a:p>
+              <a:pPr algn="ctr"/>
+              <a:endParaRPr kumimoji="1" lang="ja-JP" altLang="en-US"/>
+            </a:p>
+          </p:txBody>
+        </p:sp>
+        <p:sp>
+          <p:nvSpPr>
+            <p:cNvPr id="39" name="正方形/長方形 38"/>
+            <p:cNvSpPr/>
+            <p:nvPr/>
+          </p:nvSpPr>
+          <p:spPr>
+            <a:xfrm>
+              <a:off x="6861933" y="2496655"/>
+              <a:ext cx="195876" cy="3431119"/>
+            </a:xfrm>
+            <a:prstGeom prst="rect">
+              <a:avLst/>
+            </a:prstGeom>
+            <a:grpFill/>
+            <a:ln>
+              <a:noFill/>
+            </a:ln>
+          </p:spPr>
+          <p:style>
+            <a:lnRef idx="2">
+              <a:schemeClr val="accent1">
+                <a:shade val="50000"/>
+              </a:schemeClr>
+            </a:lnRef>
+            <a:fillRef idx="1">
+              <a:schemeClr val="accent1"/>
+            </a:fillRef>
+            <a:effectRef idx="0">
+              <a:schemeClr val="accent1"/>
+            </a:effectRef>
+            <a:fontRef idx="minor">
+              <a:schemeClr val="lt1"/>
+            </a:fontRef>
+          </p:style>
+          <p:txBody>
+            <a:bodyPr rtlCol="0" anchor="ctr"/>
+            <a:lstStyle/>
+            <a:p>
+              <a:pPr algn="ctr"/>
+              <a:endParaRPr kumimoji="1" lang="ja-JP" altLang="en-US"/>
+            </a:p>
+          </p:txBody>
+        </p:sp>
+        <p:sp>
+          <p:nvSpPr>
+            <p:cNvPr id="40" name="正方形/長方形 39"/>
+            <p:cNvSpPr/>
+            <p:nvPr/>
+          </p:nvSpPr>
+          <p:spPr>
+            <a:xfrm>
+              <a:off x="6463620" y="2496654"/>
+              <a:ext cx="195876" cy="3431119"/>
+            </a:xfrm>
+            <a:prstGeom prst="rect">
+              <a:avLst/>
+            </a:prstGeom>
+            <a:grpFill/>
+            <a:ln>
+              <a:noFill/>
+            </a:ln>
+          </p:spPr>
+          <p:style>
+            <a:lnRef idx="2">
+              <a:schemeClr val="accent1">
+                <a:shade val="50000"/>
+              </a:schemeClr>
+            </a:lnRef>
+            <a:fillRef idx="1">
+              <a:schemeClr val="accent1"/>
+            </a:fillRef>
+            <a:effectRef idx="0">
+              <a:schemeClr val="accent1"/>
+            </a:effectRef>
+            <a:fontRef idx="minor">
+              <a:schemeClr val="lt1"/>
+            </a:fontRef>
+          </p:style>
+          <p:txBody>
+            <a:bodyPr rtlCol="0" anchor="ctr"/>
+            <a:lstStyle/>
+            <a:p>
+              <a:pPr algn="ctr"/>
+              <a:endParaRPr kumimoji="1" lang="ja-JP" altLang="en-US"/>
+            </a:p>
+          </p:txBody>
+        </p:sp>
+        <p:sp>
+          <p:nvSpPr>
+            <p:cNvPr id="41" name="正方形/長方形 40"/>
+            <p:cNvSpPr/>
+            <p:nvPr/>
+          </p:nvSpPr>
+          <p:spPr>
+            <a:xfrm>
+              <a:off x="6073553" y="2496657"/>
+              <a:ext cx="195876" cy="3431119"/>
+            </a:xfrm>
+            <a:prstGeom prst="rect">
+              <a:avLst/>
+            </a:prstGeom>
+            <a:grpFill/>
+            <a:ln>
+              <a:noFill/>
+            </a:ln>
+          </p:spPr>
+          <p:style>
+            <a:lnRef idx="2">
+              <a:schemeClr val="accent1">
+                <a:shade val="50000"/>
+              </a:schemeClr>
+            </a:lnRef>
+            <a:fillRef idx="1">
+              <a:schemeClr val="accent1"/>
+            </a:fillRef>
+            <a:effectRef idx="0">
+              <a:schemeClr val="accent1"/>
+            </a:effectRef>
+            <a:fontRef idx="minor">
+              <a:schemeClr val="lt1"/>
+            </a:fontRef>
+          </p:style>
+          <p:txBody>
+            <a:bodyPr rtlCol="0" anchor="ctr"/>
+            <a:lstStyle/>
+            <a:p>
+              <a:pPr algn="ctr"/>
+              <a:r>
+                <a:rPr kumimoji="1" lang="en-US" altLang="ja-JP" dirty="0" smtClean="0"/>
+                <a:t>V</a:t>
+              </a:r>
+              <a:endParaRPr kumimoji="1" lang="ja-JP" altLang="en-US" dirty="0"/>
+            </a:p>
+          </p:txBody>
+        </p:sp>
+        <p:sp>
+          <p:nvSpPr>
+            <p:cNvPr id="42" name="正方形/長方形 41"/>
+            <p:cNvSpPr/>
+            <p:nvPr/>
+          </p:nvSpPr>
+          <p:spPr>
+            <a:xfrm>
+              <a:off x="5687958" y="2496656"/>
+              <a:ext cx="195876" cy="3431119"/>
+            </a:xfrm>
+            <a:prstGeom prst="rect">
+              <a:avLst/>
+            </a:prstGeom>
+            <a:grpFill/>
+            <a:ln>
+              <a:noFill/>
+            </a:ln>
+          </p:spPr>
+          <p:style>
+            <a:lnRef idx="2">
+              <a:schemeClr val="accent1">
+                <a:shade val="50000"/>
+              </a:schemeClr>
+            </a:lnRef>
+            <a:fillRef idx="1">
+              <a:schemeClr val="accent1"/>
+            </a:fillRef>
+            <a:effectRef idx="0">
+              <a:schemeClr val="accent1"/>
+            </a:effectRef>
+            <a:fontRef idx="minor">
+              <a:schemeClr val="lt1"/>
+            </a:fontRef>
+          </p:style>
+          <p:txBody>
+            <a:bodyPr rtlCol="0" anchor="ctr"/>
+            <a:lstStyle/>
+            <a:p>
+              <a:pPr algn="ctr"/>
+              <a:endParaRPr kumimoji="1" lang="ja-JP" altLang="en-US"/>
+            </a:p>
+          </p:txBody>
+        </p:sp>
+        <p:sp>
+          <p:nvSpPr>
+            <p:cNvPr id="43" name="正方形/長方形 42"/>
+            <p:cNvSpPr/>
+            <p:nvPr/>
+          </p:nvSpPr>
+          <p:spPr>
+            <a:xfrm>
+              <a:off x="5299285" y="2496655"/>
+              <a:ext cx="195876" cy="3431119"/>
+            </a:xfrm>
+            <a:prstGeom prst="rect">
+              <a:avLst/>
+            </a:prstGeom>
+            <a:grpFill/>
+            <a:ln>
+              <a:noFill/>
+            </a:ln>
+          </p:spPr>
+          <p:style>
+            <a:lnRef idx="2">
+              <a:schemeClr val="accent1">
+                <a:shade val="50000"/>
+              </a:schemeClr>
+            </a:lnRef>
+            <a:fillRef idx="1">
+              <a:schemeClr val="accent1"/>
+            </a:fillRef>
+            <a:effectRef idx="0">
+              <a:schemeClr val="accent1"/>
+            </a:effectRef>
+            <a:fontRef idx="minor">
+              <a:schemeClr val="lt1"/>
+            </a:fontRef>
+          </p:style>
+          <p:txBody>
+            <a:bodyPr rtlCol="0" anchor="ctr"/>
+            <a:lstStyle/>
+            <a:p>
+              <a:pPr algn="ctr"/>
+              <a:endParaRPr kumimoji="1" lang="ja-JP" altLang="en-US"/>
+            </a:p>
+          </p:txBody>
+        </p:sp>
+        <p:sp>
+          <p:nvSpPr>
+            <p:cNvPr id="44" name="正方形/長方形 43"/>
+            <p:cNvSpPr/>
+            <p:nvPr/>
+          </p:nvSpPr>
+          <p:spPr>
+            <a:xfrm>
+              <a:off x="4929891" y="2496654"/>
+              <a:ext cx="195876" cy="3431119"/>
+            </a:xfrm>
+            <a:prstGeom prst="rect">
+              <a:avLst/>
+            </a:prstGeom>
+            <a:grpFill/>
+            <a:ln>
+              <a:noFill/>
+            </a:ln>
+          </p:spPr>
+          <p:style>
+            <a:lnRef idx="2">
+              <a:schemeClr val="accent1">
+                <a:shade val="50000"/>
+              </a:schemeClr>
+            </a:lnRef>
+            <a:fillRef idx="1">
+              <a:schemeClr val="accent1"/>
+            </a:fillRef>
+            <a:effectRef idx="0">
+              <a:schemeClr val="accent1"/>
+            </a:effectRef>
+            <a:fontRef idx="minor">
+              <a:schemeClr val="lt1"/>
+            </a:fontRef>
+          </p:style>
+          <p:txBody>
+            <a:bodyPr rtlCol="0" anchor="ctr"/>
+            <a:lstStyle/>
+            <a:p>
+              <a:pPr algn="ctr"/>
+              <a:endParaRPr kumimoji="1" lang="ja-JP" altLang="en-US"/>
+            </a:p>
+          </p:txBody>
+        </p:sp>
+        <p:sp>
+          <p:nvSpPr>
+            <p:cNvPr id="45" name="正方形/長方形 44"/>
+            <p:cNvSpPr/>
+            <p:nvPr/>
+          </p:nvSpPr>
+          <p:spPr>
+            <a:xfrm>
+              <a:off x="4531578" y="2496653"/>
+              <a:ext cx="195876" cy="3431119"/>
+            </a:xfrm>
+            <a:prstGeom prst="rect">
+              <a:avLst/>
+            </a:prstGeom>
+            <a:grpFill/>
+            <a:ln>
+              <a:noFill/>
+            </a:ln>
+          </p:spPr>
+          <p:style>
+            <a:lnRef idx="2">
+              <a:schemeClr val="accent1">
+                <a:shade val="50000"/>
+              </a:schemeClr>
+            </a:lnRef>
+            <a:fillRef idx="1">
+              <a:schemeClr val="accent1"/>
+            </a:fillRef>
+            <a:effectRef idx="0">
+              <a:schemeClr val="accent1"/>
+            </a:effectRef>
+            <a:fontRef idx="minor">
+              <a:schemeClr val="lt1"/>
+            </a:fontRef>
+          </p:style>
+          <p:txBody>
+            <a:bodyPr rtlCol="0" anchor="ctr"/>
+            <a:lstStyle/>
+            <a:p>
+              <a:pPr algn="ctr"/>
+              <a:endParaRPr kumimoji="1" lang="ja-JP" altLang="en-US"/>
+            </a:p>
+          </p:txBody>
+        </p:sp>
+      </p:grpSp>
+      <p:grpSp>
+        <p:nvGrpSpPr>
+          <p:cNvPr id="46" name="グループ化 45"/>
+          <p:cNvGrpSpPr/>
+          <p:nvPr/>
+        </p:nvGrpSpPr>
+        <p:grpSpPr>
+          <a:xfrm>
+            <a:off x="5473242" y="3286905"/>
+            <a:ext cx="3667059" cy="3644156"/>
             <a:chOff x="1929430" y="4104974"/>
             <a:chExt cx="2871487" cy="2695977"/>
           </a:xfrm>
+          <a:solidFill>
+            <a:srgbClr val="A6A6A6">
+              <a:alpha val="50196"/>
+            </a:srgbClr>
+          </a:solidFill>
         </p:grpSpPr>
         <p:sp>
           <p:nvSpPr>
-            <p:cNvPr id="20" name="正方形/長方形 19"/>
+            <p:cNvPr id="47" name="正方形/長方形 46"/>
             <p:cNvSpPr/>
             <p:nvPr/>
           </p:nvSpPr>
@@ -8553,6 +10076,412 @@
             <a:xfrm>
               <a:off x="2560559" y="4104974"/>
               <a:ext cx="278280" cy="2691916"/>
+            </a:xfrm>
+            <a:prstGeom prst="rect">
+              <a:avLst/>
+            </a:prstGeom>
+            <a:grpFill/>
+            <a:ln>
+              <a:noFill/>
+            </a:ln>
+          </p:spPr>
+          <p:style>
+            <a:lnRef idx="2">
+              <a:schemeClr val="accent1">
+                <a:shade val="50000"/>
+              </a:schemeClr>
+            </a:lnRef>
+            <a:fillRef idx="1">
+              <a:schemeClr val="accent1"/>
+            </a:fillRef>
+            <a:effectRef idx="0">
+              <a:schemeClr val="accent1"/>
+            </a:effectRef>
+            <a:fontRef idx="minor">
+              <a:schemeClr val="lt1"/>
+            </a:fontRef>
+          </p:style>
+          <p:txBody>
+            <a:bodyPr rtlCol="0" anchor="ctr"/>
+            <a:lstStyle/>
+            <a:p>
+              <a:pPr algn="ctr"/>
+              <a:endParaRPr kumimoji="1" lang="ja-JP" altLang="en-US"/>
+            </a:p>
+          </p:txBody>
+        </p:sp>
+        <p:sp>
+          <p:nvSpPr>
+            <p:cNvPr id="48" name="正方形/長方形 47"/>
+            <p:cNvSpPr/>
+            <p:nvPr/>
+          </p:nvSpPr>
+          <p:spPr>
+            <a:xfrm>
+              <a:off x="3196601" y="4104974"/>
+              <a:ext cx="278280" cy="2691916"/>
+            </a:xfrm>
+            <a:prstGeom prst="rect">
+              <a:avLst/>
+            </a:prstGeom>
+            <a:grpFill/>
+            <a:ln>
+              <a:noFill/>
+            </a:ln>
+          </p:spPr>
+          <p:style>
+            <a:lnRef idx="2">
+              <a:schemeClr val="accent1">
+                <a:shade val="50000"/>
+              </a:schemeClr>
+            </a:lnRef>
+            <a:fillRef idx="1">
+              <a:schemeClr val="accent1"/>
+            </a:fillRef>
+            <a:effectRef idx="0">
+              <a:schemeClr val="accent1"/>
+            </a:effectRef>
+            <a:fontRef idx="minor">
+              <a:schemeClr val="lt1"/>
+            </a:fontRef>
+          </p:style>
+          <p:txBody>
+            <a:bodyPr rtlCol="0" anchor="ctr"/>
+            <a:lstStyle/>
+            <a:p>
+              <a:pPr algn="ctr"/>
+              <a:endParaRPr kumimoji="1" lang="ja-JP" altLang="en-US"/>
+            </a:p>
+          </p:txBody>
+        </p:sp>
+        <p:sp>
+          <p:nvSpPr>
+            <p:cNvPr id="49" name="正方形/長方形 48"/>
+            <p:cNvSpPr/>
+            <p:nvPr/>
+          </p:nvSpPr>
+          <p:spPr>
+            <a:xfrm>
+              <a:off x="3887416" y="4104974"/>
+              <a:ext cx="278280" cy="2691916"/>
+            </a:xfrm>
+            <a:prstGeom prst="rect">
+              <a:avLst/>
+            </a:prstGeom>
+            <a:grpFill/>
+            <a:ln>
+              <a:noFill/>
+            </a:ln>
+          </p:spPr>
+          <p:style>
+            <a:lnRef idx="2">
+              <a:schemeClr val="accent1">
+                <a:shade val="50000"/>
+              </a:schemeClr>
+            </a:lnRef>
+            <a:fillRef idx="1">
+              <a:schemeClr val="accent1"/>
+            </a:fillRef>
+            <a:effectRef idx="0">
+              <a:schemeClr val="accent1"/>
+            </a:effectRef>
+            <a:fontRef idx="minor">
+              <a:schemeClr val="lt1"/>
+            </a:fontRef>
+          </p:style>
+          <p:txBody>
+            <a:bodyPr rtlCol="0" anchor="ctr"/>
+            <a:lstStyle/>
+            <a:p>
+              <a:pPr algn="ctr"/>
+              <a:endParaRPr kumimoji="1" lang="ja-JP" altLang="en-US"/>
+            </a:p>
+          </p:txBody>
+        </p:sp>
+        <p:sp>
+          <p:nvSpPr>
+            <p:cNvPr id="50" name="正方形/長方形 49"/>
+            <p:cNvSpPr/>
+            <p:nvPr/>
+          </p:nvSpPr>
+          <p:spPr>
+            <a:xfrm>
+              <a:off x="4522637" y="4109035"/>
+              <a:ext cx="278280" cy="2691916"/>
+            </a:xfrm>
+            <a:prstGeom prst="rect">
+              <a:avLst/>
+            </a:prstGeom>
+            <a:grpFill/>
+            <a:ln>
+              <a:noFill/>
+            </a:ln>
+          </p:spPr>
+          <p:style>
+            <a:lnRef idx="2">
+              <a:schemeClr val="accent1">
+                <a:shade val="50000"/>
+              </a:schemeClr>
+            </a:lnRef>
+            <a:fillRef idx="1">
+              <a:schemeClr val="accent1"/>
+            </a:fillRef>
+            <a:effectRef idx="0">
+              <a:schemeClr val="accent1"/>
+            </a:effectRef>
+            <a:fontRef idx="minor">
+              <a:schemeClr val="lt1"/>
+            </a:fontRef>
+          </p:style>
+          <p:txBody>
+            <a:bodyPr rtlCol="0" anchor="ctr"/>
+            <a:lstStyle/>
+            <a:p>
+              <a:pPr algn="ctr"/>
+              <a:endParaRPr kumimoji="1" lang="ja-JP" altLang="en-US"/>
+            </a:p>
+          </p:txBody>
+        </p:sp>
+        <p:sp>
+          <p:nvSpPr>
+            <p:cNvPr id="51" name="正方形/長方形 50"/>
+            <p:cNvSpPr/>
+            <p:nvPr/>
+          </p:nvSpPr>
+          <p:spPr>
+            <a:xfrm>
+              <a:off x="1929430" y="4104974"/>
+              <a:ext cx="278280" cy="2691916"/>
+            </a:xfrm>
+            <a:prstGeom prst="rect">
+              <a:avLst/>
+            </a:prstGeom>
+            <a:grpFill/>
+            <a:ln>
+              <a:noFill/>
+            </a:ln>
+          </p:spPr>
+          <p:style>
+            <a:lnRef idx="2">
+              <a:schemeClr val="accent1">
+                <a:shade val="50000"/>
+              </a:schemeClr>
+            </a:lnRef>
+            <a:fillRef idx="1">
+              <a:schemeClr val="accent1"/>
+            </a:fillRef>
+            <a:effectRef idx="0">
+              <a:schemeClr val="accent1"/>
+            </a:effectRef>
+            <a:fontRef idx="minor">
+              <a:schemeClr val="lt1"/>
+            </a:fontRef>
+          </p:style>
+          <p:txBody>
+            <a:bodyPr rtlCol="0" anchor="ctr"/>
+            <a:lstStyle/>
+            <a:p>
+              <a:pPr algn="ctr"/>
+              <a:endParaRPr kumimoji="1" lang="ja-JP" altLang="en-US"/>
+            </a:p>
+          </p:txBody>
+        </p:sp>
+      </p:grpSp>
+      <p:grpSp>
+        <p:nvGrpSpPr>
+          <p:cNvPr id="52" name="グループ化 51"/>
+          <p:cNvGrpSpPr/>
+          <p:nvPr/>
+        </p:nvGrpSpPr>
+        <p:grpSpPr>
+          <a:xfrm>
+            <a:off x="5502981" y="3237858"/>
+            <a:ext cx="3667059" cy="3638667"/>
+            <a:chOff x="4534412" y="2481994"/>
+            <a:chExt cx="3667059" cy="3460443"/>
+          </a:xfrm>
+        </p:grpSpPr>
+        <p:sp>
+          <p:nvSpPr>
+            <p:cNvPr id="53" name="正方形/長方形 52"/>
+            <p:cNvSpPr/>
+            <p:nvPr/>
+          </p:nvSpPr>
+          <p:spPr>
+            <a:xfrm>
+              <a:off x="4534412" y="2481994"/>
+              <a:ext cx="601792" cy="3460443"/>
+            </a:xfrm>
+            <a:prstGeom prst="rect">
+              <a:avLst/>
+            </a:prstGeom>
+            <a:solidFill>
+              <a:srgbClr val="A6A6A6">
+                <a:alpha val="50196"/>
+              </a:srgbClr>
+            </a:solidFill>
+            <a:ln>
+              <a:noFill/>
+            </a:ln>
+          </p:spPr>
+          <p:style>
+            <a:lnRef idx="2">
+              <a:schemeClr val="accent1">
+                <a:shade val="50000"/>
+              </a:schemeClr>
+            </a:lnRef>
+            <a:fillRef idx="1">
+              <a:schemeClr val="accent1"/>
+            </a:fillRef>
+            <a:effectRef idx="0">
+              <a:schemeClr val="accent1"/>
+            </a:effectRef>
+            <a:fontRef idx="minor">
+              <a:schemeClr val="lt1"/>
+            </a:fontRef>
+          </p:style>
+          <p:txBody>
+            <a:bodyPr rtlCol="0" anchor="ctr"/>
+            <a:lstStyle/>
+            <a:p>
+              <a:pPr algn="ctr"/>
+              <a:endParaRPr kumimoji="1" lang="ja-JP" altLang="en-US">
+                <a:solidFill>
+                  <a:schemeClr val="bg2"/>
+                </a:solidFill>
+              </a:endParaRPr>
+            </a:p>
+          </p:txBody>
+        </p:sp>
+        <p:sp>
+          <p:nvSpPr>
+            <p:cNvPr id="54" name="正方形/長方形 53"/>
+            <p:cNvSpPr/>
+            <p:nvPr/>
+          </p:nvSpPr>
+          <p:spPr>
+            <a:xfrm>
+              <a:off x="7675121" y="2481994"/>
+              <a:ext cx="526350" cy="3460443"/>
+            </a:xfrm>
+            <a:prstGeom prst="rect">
+              <a:avLst/>
+            </a:prstGeom>
+            <a:solidFill>
+              <a:srgbClr val="A6A6A6">
+                <a:alpha val="50196"/>
+              </a:srgbClr>
+            </a:solidFill>
+            <a:ln>
+              <a:noFill/>
+            </a:ln>
+          </p:spPr>
+          <p:style>
+            <a:lnRef idx="2">
+              <a:schemeClr val="accent1">
+                <a:shade val="50000"/>
+              </a:schemeClr>
+            </a:lnRef>
+            <a:fillRef idx="1">
+              <a:schemeClr val="accent1"/>
+            </a:fillRef>
+            <a:effectRef idx="0">
+              <a:schemeClr val="accent1"/>
+            </a:effectRef>
+            <a:fontRef idx="minor">
+              <a:schemeClr val="lt1"/>
+            </a:fontRef>
+          </p:style>
+          <p:txBody>
+            <a:bodyPr rtlCol="0" anchor="ctr"/>
+            <a:lstStyle/>
+            <a:p>
+              <a:pPr algn="ctr"/>
+              <a:endParaRPr kumimoji="1" lang="ja-JP" altLang="en-US">
+                <a:solidFill>
+                  <a:schemeClr val="bg2"/>
+                </a:solidFill>
+              </a:endParaRPr>
+            </a:p>
+          </p:txBody>
+        </p:sp>
+        <p:sp>
+          <p:nvSpPr>
+            <p:cNvPr id="55" name="正方形/長方形 54"/>
+            <p:cNvSpPr/>
+            <p:nvPr/>
+          </p:nvSpPr>
+          <p:spPr>
+            <a:xfrm>
+              <a:off x="5899824" y="2481994"/>
+              <a:ext cx="1011677" cy="3460443"/>
+            </a:xfrm>
+            <a:prstGeom prst="rect">
+              <a:avLst/>
+            </a:prstGeom>
+            <a:solidFill>
+              <a:srgbClr val="A6A6A6">
+                <a:alpha val="50196"/>
+              </a:srgbClr>
+            </a:solidFill>
+            <a:ln>
+              <a:noFill/>
+            </a:ln>
+          </p:spPr>
+          <p:style>
+            <a:lnRef idx="2">
+              <a:schemeClr val="accent1">
+                <a:shade val="50000"/>
+              </a:schemeClr>
+            </a:lnRef>
+            <a:fillRef idx="1">
+              <a:schemeClr val="accent1"/>
+            </a:fillRef>
+            <a:effectRef idx="0">
+              <a:schemeClr val="accent1"/>
+            </a:effectRef>
+            <a:fontRef idx="minor">
+              <a:schemeClr val="lt1"/>
+            </a:fontRef>
+          </p:style>
+          <p:txBody>
+            <a:bodyPr rtlCol="0" anchor="ctr"/>
+            <a:lstStyle/>
+            <a:p>
+              <a:pPr algn="ctr"/>
+              <a:endParaRPr kumimoji="1" lang="ja-JP" altLang="en-US">
+                <a:solidFill>
+                  <a:schemeClr val="bg2"/>
+                </a:solidFill>
+              </a:endParaRPr>
+            </a:p>
+          </p:txBody>
+        </p:sp>
+      </p:grpSp>
+      <p:grpSp>
+        <p:nvGrpSpPr>
+          <p:cNvPr id="56" name="グループ化 55"/>
+          <p:cNvGrpSpPr/>
+          <p:nvPr/>
+        </p:nvGrpSpPr>
+        <p:grpSpPr>
+          <a:xfrm>
+            <a:off x="5456657" y="3227122"/>
+            <a:ext cx="3667059" cy="3638667"/>
+            <a:chOff x="4534412" y="1814530"/>
+            <a:chExt cx="3667059" cy="3460443"/>
+          </a:xfrm>
+        </p:grpSpPr>
+        <p:sp>
+          <p:nvSpPr>
+            <p:cNvPr id="57" name="正方形/長方形 56"/>
+            <p:cNvSpPr/>
+            <p:nvPr/>
+          </p:nvSpPr>
+          <p:spPr>
+            <a:xfrm>
+              <a:off x="4534412" y="1814530"/>
+              <a:ext cx="951988" cy="3460443"/>
             </a:xfrm>
             <a:prstGeom prst="rect">
               <a:avLst/>
@@ -8593,7 +10522,635 @@
         </p:sp>
         <p:sp>
           <p:nvSpPr>
-            <p:cNvPr id="21" name="正方形/長方形 20"/>
+            <p:cNvPr id="58" name="正方形/長方形 57"/>
+            <p:cNvSpPr/>
+            <p:nvPr/>
+          </p:nvSpPr>
+          <p:spPr>
+            <a:xfrm>
+              <a:off x="7249483" y="1814530"/>
+              <a:ext cx="951988" cy="3460443"/>
+            </a:xfrm>
+            <a:prstGeom prst="rect">
+              <a:avLst/>
+            </a:prstGeom>
+            <a:solidFill>
+              <a:srgbClr val="A6A6A6">
+                <a:alpha val="50196"/>
+              </a:srgbClr>
+            </a:solidFill>
+            <a:ln>
+              <a:noFill/>
+            </a:ln>
+          </p:spPr>
+          <p:style>
+            <a:lnRef idx="2">
+              <a:schemeClr val="accent1">
+                <a:shade val="50000"/>
+              </a:schemeClr>
+            </a:lnRef>
+            <a:fillRef idx="1">
+              <a:schemeClr val="accent1"/>
+            </a:fillRef>
+            <a:effectRef idx="0">
+              <a:schemeClr val="accent1"/>
+            </a:effectRef>
+            <a:fontRef idx="minor">
+              <a:schemeClr val="lt1"/>
+            </a:fontRef>
+          </p:style>
+          <p:txBody>
+            <a:bodyPr rtlCol="0" anchor="ctr"/>
+            <a:lstStyle/>
+            <a:p>
+              <a:pPr algn="ctr"/>
+              <a:endParaRPr kumimoji="1" lang="ja-JP" altLang="en-US"/>
+            </a:p>
+          </p:txBody>
+        </p:sp>
+      </p:grpSp>
+      <p:sp>
+        <p:nvSpPr>
+          <p:cNvPr id="59" name="正方形/長方形 58"/>
+          <p:cNvSpPr/>
+          <p:nvPr/>
+        </p:nvSpPr>
+        <p:spPr>
+          <a:xfrm>
+            <a:off x="7333827" y="3335345"/>
+            <a:ext cx="1789889" cy="3638667"/>
+          </a:xfrm>
+          <a:prstGeom prst="rect">
+            <a:avLst/>
+          </a:prstGeom>
+          <a:solidFill>
+            <a:srgbClr val="A6A6A6">
+              <a:alpha val="50196"/>
+            </a:srgbClr>
+          </a:solidFill>
+          <a:ln>
+            <a:noFill/>
+          </a:ln>
+        </p:spPr>
+        <p:style>
+          <a:lnRef idx="2">
+            <a:schemeClr val="accent1">
+              <a:shade val="50000"/>
+            </a:schemeClr>
+          </a:lnRef>
+          <a:fillRef idx="1">
+            <a:schemeClr val="accent1"/>
+          </a:fillRef>
+          <a:effectRef idx="0">
+            <a:schemeClr val="accent1"/>
+          </a:effectRef>
+          <a:fontRef idx="minor">
+            <a:schemeClr val="lt1"/>
+          </a:fontRef>
+        </p:style>
+        <p:txBody>
+          <a:bodyPr rtlCol="0" anchor="ctr"/>
+          <a:lstStyle/>
+          <a:p>
+            <a:pPr algn="ctr"/>
+            <a:endParaRPr kumimoji="1" lang="ja-JP" altLang="en-US"/>
+          </a:p>
+        </p:txBody>
+      </p:sp>
+      <p:grpSp>
+        <p:nvGrpSpPr>
+          <p:cNvPr id="61" name="グループ化 60"/>
+          <p:cNvGrpSpPr/>
+          <p:nvPr/>
+        </p:nvGrpSpPr>
+        <p:grpSpPr>
+          <a:xfrm rot="16200000">
+            <a:off x="5514606" y="3219135"/>
+            <a:ext cx="3669893" cy="3607838"/>
+            <a:chOff x="4531578" y="2496653"/>
+            <a:chExt cx="3669893" cy="3431124"/>
+          </a:xfrm>
+          <a:solidFill>
+            <a:srgbClr val="A6A6A6">
+              <a:alpha val="50196"/>
+            </a:srgbClr>
+          </a:solidFill>
+        </p:grpSpPr>
+        <p:sp>
+          <p:nvSpPr>
+            <p:cNvPr id="62" name="正方形/長方形 61"/>
+            <p:cNvSpPr/>
+            <p:nvPr/>
+          </p:nvSpPr>
+          <p:spPr>
+            <a:xfrm>
+              <a:off x="8005595" y="2496658"/>
+              <a:ext cx="195876" cy="3431119"/>
+            </a:xfrm>
+            <a:prstGeom prst="rect">
+              <a:avLst/>
+            </a:prstGeom>
+            <a:grpFill/>
+            <a:ln>
+              <a:noFill/>
+            </a:ln>
+          </p:spPr>
+          <p:style>
+            <a:lnRef idx="2">
+              <a:schemeClr val="accent1">
+                <a:shade val="50000"/>
+              </a:schemeClr>
+            </a:lnRef>
+            <a:fillRef idx="1">
+              <a:schemeClr val="accent1"/>
+            </a:fillRef>
+            <a:effectRef idx="0">
+              <a:schemeClr val="accent1"/>
+            </a:effectRef>
+            <a:fontRef idx="minor">
+              <a:schemeClr val="lt1"/>
+            </a:fontRef>
+          </p:style>
+          <p:txBody>
+            <a:bodyPr rtlCol="0" anchor="ctr"/>
+            <a:lstStyle/>
+            <a:p>
+              <a:pPr algn="ctr"/>
+              <a:r>
+                <a:rPr kumimoji="1" lang="en-US" altLang="ja-JP" dirty="0" smtClean="0"/>
+                <a:t>V</a:t>
+              </a:r>
+              <a:endParaRPr kumimoji="1" lang="ja-JP" altLang="en-US" dirty="0"/>
+            </a:p>
+          </p:txBody>
+        </p:sp>
+        <p:sp>
+          <p:nvSpPr>
+            <p:cNvPr id="63" name="正方形/長方形 62"/>
+            <p:cNvSpPr/>
+            <p:nvPr/>
+          </p:nvSpPr>
+          <p:spPr>
+            <a:xfrm>
+              <a:off x="7620000" y="2496657"/>
+              <a:ext cx="195876" cy="3431119"/>
+            </a:xfrm>
+            <a:prstGeom prst="rect">
+              <a:avLst/>
+            </a:prstGeom>
+            <a:grpFill/>
+            <a:ln>
+              <a:noFill/>
+            </a:ln>
+          </p:spPr>
+          <p:style>
+            <a:lnRef idx="2">
+              <a:schemeClr val="accent1">
+                <a:shade val="50000"/>
+              </a:schemeClr>
+            </a:lnRef>
+            <a:fillRef idx="1">
+              <a:schemeClr val="accent1"/>
+            </a:fillRef>
+            <a:effectRef idx="0">
+              <a:schemeClr val="accent1"/>
+            </a:effectRef>
+            <a:fontRef idx="minor">
+              <a:schemeClr val="lt1"/>
+            </a:fontRef>
+          </p:style>
+          <p:txBody>
+            <a:bodyPr rtlCol="0" anchor="ctr"/>
+            <a:lstStyle/>
+            <a:p>
+              <a:pPr algn="ctr"/>
+              <a:endParaRPr kumimoji="1" lang="ja-JP" altLang="en-US"/>
+            </a:p>
+          </p:txBody>
+        </p:sp>
+        <p:sp>
+          <p:nvSpPr>
+            <p:cNvPr id="64" name="正方形/長方形 63"/>
+            <p:cNvSpPr/>
+            <p:nvPr/>
+          </p:nvSpPr>
+          <p:spPr>
+            <a:xfrm>
+              <a:off x="7231327" y="2496656"/>
+              <a:ext cx="195876" cy="3431119"/>
+            </a:xfrm>
+            <a:prstGeom prst="rect">
+              <a:avLst/>
+            </a:prstGeom>
+            <a:grpFill/>
+            <a:ln>
+              <a:noFill/>
+            </a:ln>
+          </p:spPr>
+          <p:style>
+            <a:lnRef idx="2">
+              <a:schemeClr val="accent1">
+                <a:shade val="50000"/>
+              </a:schemeClr>
+            </a:lnRef>
+            <a:fillRef idx="1">
+              <a:schemeClr val="accent1"/>
+            </a:fillRef>
+            <a:effectRef idx="0">
+              <a:schemeClr val="accent1"/>
+            </a:effectRef>
+            <a:fontRef idx="minor">
+              <a:schemeClr val="lt1"/>
+            </a:fontRef>
+          </p:style>
+          <p:txBody>
+            <a:bodyPr rtlCol="0" anchor="ctr"/>
+            <a:lstStyle/>
+            <a:p>
+              <a:pPr algn="ctr"/>
+              <a:endParaRPr kumimoji="1" lang="ja-JP" altLang="en-US"/>
+            </a:p>
+          </p:txBody>
+        </p:sp>
+        <p:sp>
+          <p:nvSpPr>
+            <p:cNvPr id="65" name="正方形/長方形 64"/>
+            <p:cNvSpPr/>
+            <p:nvPr/>
+          </p:nvSpPr>
+          <p:spPr>
+            <a:xfrm>
+              <a:off x="6861933" y="2496655"/>
+              <a:ext cx="195876" cy="3431119"/>
+            </a:xfrm>
+            <a:prstGeom prst="rect">
+              <a:avLst/>
+            </a:prstGeom>
+            <a:grpFill/>
+            <a:ln>
+              <a:noFill/>
+            </a:ln>
+          </p:spPr>
+          <p:style>
+            <a:lnRef idx="2">
+              <a:schemeClr val="accent1">
+                <a:shade val="50000"/>
+              </a:schemeClr>
+            </a:lnRef>
+            <a:fillRef idx="1">
+              <a:schemeClr val="accent1"/>
+            </a:fillRef>
+            <a:effectRef idx="0">
+              <a:schemeClr val="accent1"/>
+            </a:effectRef>
+            <a:fontRef idx="minor">
+              <a:schemeClr val="lt1"/>
+            </a:fontRef>
+          </p:style>
+          <p:txBody>
+            <a:bodyPr rtlCol="0" anchor="ctr"/>
+            <a:lstStyle/>
+            <a:p>
+              <a:pPr algn="ctr"/>
+              <a:endParaRPr kumimoji="1" lang="ja-JP" altLang="en-US"/>
+            </a:p>
+          </p:txBody>
+        </p:sp>
+        <p:sp>
+          <p:nvSpPr>
+            <p:cNvPr id="66" name="正方形/長方形 65"/>
+            <p:cNvSpPr/>
+            <p:nvPr/>
+          </p:nvSpPr>
+          <p:spPr>
+            <a:xfrm>
+              <a:off x="6463620" y="2496654"/>
+              <a:ext cx="195876" cy="3431119"/>
+            </a:xfrm>
+            <a:prstGeom prst="rect">
+              <a:avLst/>
+            </a:prstGeom>
+            <a:grpFill/>
+            <a:ln>
+              <a:noFill/>
+            </a:ln>
+          </p:spPr>
+          <p:style>
+            <a:lnRef idx="2">
+              <a:schemeClr val="accent1">
+                <a:shade val="50000"/>
+              </a:schemeClr>
+            </a:lnRef>
+            <a:fillRef idx="1">
+              <a:schemeClr val="accent1"/>
+            </a:fillRef>
+            <a:effectRef idx="0">
+              <a:schemeClr val="accent1"/>
+            </a:effectRef>
+            <a:fontRef idx="minor">
+              <a:schemeClr val="lt1"/>
+            </a:fontRef>
+          </p:style>
+          <p:txBody>
+            <a:bodyPr rtlCol="0" anchor="ctr"/>
+            <a:lstStyle/>
+            <a:p>
+              <a:pPr algn="ctr"/>
+              <a:endParaRPr kumimoji="1" lang="ja-JP" altLang="en-US"/>
+            </a:p>
+          </p:txBody>
+        </p:sp>
+        <p:sp>
+          <p:nvSpPr>
+            <p:cNvPr id="67" name="正方形/長方形 66"/>
+            <p:cNvSpPr/>
+            <p:nvPr/>
+          </p:nvSpPr>
+          <p:spPr>
+            <a:xfrm>
+              <a:off x="6073553" y="2496657"/>
+              <a:ext cx="195876" cy="3431119"/>
+            </a:xfrm>
+            <a:prstGeom prst="rect">
+              <a:avLst/>
+            </a:prstGeom>
+            <a:grpFill/>
+            <a:ln>
+              <a:noFill/>
+            </a:ln>
+          </p:spPr>
+          <p:style>
+            <a:lnRef idx="2">
+              <a:schemeClr val="accent1">
+                <a:shade val="50000"/>
+              </a:schemeClr>
+            </a:lnRef>
+            <a:fillRef idx="1">
+              <a:schemeClr val="accent1"/>
+            </a:fillRef>
+            <a:effectRef idx="0">
+              <a:schemeClr val="accent1"/>
+            </a:effectRef>
+            <a:fontRef idx="minor">
+              <a:schemeClr val="lt1"/>
+            </a:fontRef>
+          </p:style>
+          <p:txBody>
+            <a:bodyPr rtlCol="0" anchor="ctr"/>
+            <a:lstStyle/>
+            <a:p>
+              <a:pPr algn="ctr"/>
+              <a:r>
+                <a:rPr kumimoji="1" lang="en-US" altLang="ja-JP" dirty="0" smtClean="0"/>
+                <a:t>V</a:t>
+              </a:r>
+              <a:endParaRPr kumimoji="1" lang="ja-JP" altLang="en-US" dirty="0"/>
+            </a:p>
+          </p:txBody>
+        </p:sp>
+        <p:sp>
+          <p:nvSpPr>
+            <p:cNvPr id="68" name="正方形/長方形 67"/>
+            <p:cNvSpPr/>
+            <p:nvPr/>
+          </p:nvSpPr>
+          <p:spPr>
+            <a:xfrm>
+              <a:off x="5687958" y="2496656"/>
+              <a:ext cx="195876" cy="3431119"/>
+            </a:xfrm>
+            <a:prstGeom prst="rect">
+              <a:avLst/>
+            </a:prstGeom>
+            <a:grpFill/>
+            <a:ln>
+              <a:noFill/>
+            </a:ln>
+          </p:spPr>
+          <p:style>
+            <a:lnRef idx="2">
+              <a:schemeClr val="accent1">
+                <a:shade val="50000"/>
+              </a:schemeClr>
+            </a:lnRef>
+            <a:fillRef idx="1">
+              <a:schemeClr val="accent1"/>
+            </a:fillRef>
+            <a:effectRef idx="0">
+              <a:schemeClr val="accent1"/>
+            </a:effectRef>
+            <a:fontRef idx="minor">
+              <a:schemeClr val="lt1"/>
+            </a:fontRef>
+          </p:style>
+          <p:txBody>
+            <a:bodyPr rtlCol="0" anchor="ctr"/>
+            <a:lstStyle/>
+            <a:p>
+              <a:pPr algn="ctr"/>
+              <a:endParaRPr kumimoji="1" lang="ja-JP" altLang="en-US"/>
+            </a:p>
+          </p:txBody>
+        </p:sp>
+        <p:sp>
+          <p:nvSpPr>
+            <p:cNvPr id="69" name="正方形/長方形 68"/>
+            <p:cNvSpPr/>
+            <p:nvPr/>
+          </p:nvSpPr>
+          <p:spPr>
+            <a:xfrm>
+              <a:off x="5299285" y="2496655"/>
+              <a:ext cx="195876" cy="3431119"/>
+            </a:xfrm>
+            <a:prstGeom prst="rect">
+              <a:avLst/>
+            </a:prstGeom>
+            <a:grpFill/>
+            <a:ln>
+              <a:noFill/>
+            </a:ln>
+          </p:spPr>
+          <p:style>
+            <a:lnRef idx="2">
+              <a:schemeClr val="accent1">
+                <a:shade val="50000"/>
+              </a:schemeClr>
+            </a:lnRef>
+            <a:fillRef idx="1">
+              <a:schemeClr val="accent1"/>
+            </a:fillRef>
+            <a:effectRef idx="0">
+              <a:schemeClr val="accent1"/>
+            </a:effectRef>
+            <a:fontRef idx="minor">
+              <a:schemeClr val="lt1"/>
+            </a:fontRef>
+          </p:style>
+          <p:txBody>
+            <a:bodyPr rtlCol="0" anchor="ctr"/>
+            <a:lstStyle/>
+            <a:p>
+              <a:pPr algn="ctr"/>
+              <a:endParaRPr kumimoji="1" lang="ja-JP" altLang="en-US"/>
+            </a:p>
+          </p:txBody>
+        </p:sp>
+        <p:sp>
+          <p:nvSpPr>
+            <p:cNvPr id="70" name="正方形/長方形 69"/>
+            <p:cNvSpPr/>
+            <p:nvPr/>
+          </p:nvSpPr>
+          <p:spPr>
+            <a:xfrm>
+              <a:off x="4929891" y="2496654"/>
+              <a:ext cx="195876" cy="3431119"/>
+            </a:xfrm>
+            <a:prstGeom prst="rect">
+              <a:avLst/>
+            </a:prstGeom>
+            <a:grpFill/>
+            <a:ln>
+              <a:noFill/>
+            </a:ln>
+          </p:spPr>
+          <p:style>
+            <a:lnRef idx="2">
+              <a:schemeClr val="accent1">
+                <a:shade val="50000"/>
+              </a:schemeClr>
+            </a:lnRef>
+            <a:fillRef idx="1">
+              <a:schemeClr val="accent1"/>
+            </a:fillRef>
+            <a:effectRef idx="0">
+              <a:schemeClr val="accent1"/>
+            </a:effectRef>
+            <a:fontRef idx="minor">
+              <a:schemeClr val="lt1"/>
+            </a:fontRef>
+          </p:style>
+          <p:txBody>
+            <a:bodyPr rtlCol="0" anchor="ctr"/>
+            <a:lstStyle/>
+            <a:p>
+              <a:pPr algn="ctr"/>
+              <a:endParaRPr kumimoji="1" lang="ja-JP" altLang="en-US"/>
+            </a:p>
+          </p:txBody>
+        </p:sp>
+        <p:sp>
+          <p:nvSpPr>
+            <p:cNvPr id="71" name="正方形/長方形 70"/>
+            <p:cNvSpPr/>
+            <p:nvPr/>
+          </p:nvSpPr>
+          <p:spPr>
+            <a:xfrm>
+              <a:off x="4531578" y="2496653"/>
+              <a:ext cx="195876" cy="3431119"/>
+            </a:xfrm>
+            <a:prstGeom prst="rect">
+              <a:avLst/>
+            </a:prstGeom>
+            <a:grpFill/>
+            <a:ln>
+              <a:noFill/>
+            </a:ln>
+          </p:spPr>
+          <p:style>
+            <a:lnRef idx="2">
+              <a:schemeClr val="accent1">
+                <a:shade val="50000"/>
+              </a:schemeClr>
+            </a:lnRef>
+            <a:fillRef idx="1">
+              <a:schemeClr val="accent1"/>
+            </a:fillRef>
+            <a:effectRef idx="0">
+              <a:schemeClr val="accent1"/>
+            </a:effectRef>
+            <a:fontRef idx="minor">
+              <a:schemeClr val="lt1"/>
+            </a:fontRef>
+          </p:style>
+          <p:txBody>
+            <a:bodyPr rtlCol="0" anchor="ctr"/>
+            <a:lstStyle/>
+            <a:p>
+              <a:pPr algn="ctr"/>
+              <a:endParaRPr kumimoji="1" lang="ja-JP" altLang="en-US"/>
+            </a:p>
+          </p:txBody>
+        </p:sp>
+      </p:grpSp>
+      <p:grpSp>
+        <p:nvGrpSpPr>
+          <p:cNvPr id="72" name="グループ化 71"/>
+          <p:cNvGrpSpPr/>
+          <p:nvPr/>
+        </p:nvGrpSpPr>
+        <p:grpSpPr>
+          <a:xfrm rot="16200000">
+            <a:off x="5453638" y="3254269"/>
+            <a:ext cx="3667059" cy="3644156"/>
+            <a:chOff x="1929430" y="4104974"/>
+            <a:chExt cx="2871487" cy="2695977"/>
+          </a:xfrm>
+          <a:solidFill>
+            <a:srgbClr val="A6A6A6">
+              <a:alpha val="50196"/>
+            </a:srgbClr>
+          </a:solidFill>
+        </p:grpSpPr>
+        <p:sp>
+          <p:nvSpPr>
+            <p:cNvPr id="73" name="正方形/長方形 72"/>
+            <p:cNvSpPr/>
+            <p:nvPr/>
+          </p:nvSpPr>
+          <p:spPr>
+            <a:xfrm>
+              <a:off x="2560559" y="4104974"/>
+              <a:ext cx="278280" cy="2691916"/>
+            </a:xfrm>
+            <a:prstGeom prst="rect">
+              <a:avLst/>
+            </a:prstGeom>
+            <a:grpFill/>
+            <a:ln>
+              <a:noFill/>
+            </a:ln>
+          </p:spPr>
+          <p:style>
+            <a:lnRef idx="2">
+              <a:schemeClr val="accent1">
+                <a:shade val="50000"/>
+              </a:schemeClr>
+            </a:lnRef>
+            <a:fillRef idx="1">
+              <a:schemeClr val="accent1"/>
+            </a:fillRef>
+            <a:effectRef idx="0">
+              <a:schemeClr val="accent1"/>
+            </a:effectRef>
+            <a:fontRef idx="minor">
+              <a:schemeClr val="lt1"/>
+            </a:fontRef>
+          </p:style>
+          <p:txBody>
+            <a:bodyPr rtlCol="0" anchor="ctr"/>
+            <a:lstStyle/>
+            <a:p>
+              <a:pPr algn="ctr"/>
+              <a:endParaRPr kumimoji="1" lang="ja-JP" altLang="en-US"/>
+            </a:p>
+          </p:txBody>
+        </p:sp>
+        <p:sp>
+          <p:nvSpPr>
+            <p:cNvPr id="74" name="正方形/長方形 73"/>
             <p:cNvSpPr/>
             <p:nvPr/>
           </p:nvSpPr>
@@ -8601,6 +11158,368 @@
             <a:xfrm>
               <a:off x="3196601" y="4104974"/>
               <a:ext cx="278280" cy="2691916"/>
+            </a:xfrm>
+            <a:prstGeom prst="rect">
+              <a:avLst/>
+            </a:prstGeom>
+            <a:grpFill/>
+            <a:ln>
+              <a:noFill/>
+            </a:ln>
+          </p:spPr>
+          <p:style>
+            <a:lnRef idx="2">
+              <a:schemeClr val="accent1">
+                <a:shade val="50000"/>
+              </a:schemeClr>
+            </a:lnRef>
+            <a:fillRef idx="1">
+              <a:schemeClr val="accent1"/>
+            </a:fillRef>
+            <a:effectRef idx="0">
+              <a:schemeClr val="accent1"/>
+            </a:effectRef>
+            <a:fontRef idx="minor">
+              <a:schemeClr val="lt1"/>
+            </a:fontRef>
+          </p:style>
+          <p:txBody>
+            <a:bodyPr rtlCol="0" anchor="ctr"/>
+            <a:lstStyle/>
+            <a:p>
+              <a:pPr algn="ctr"/>
+              <a:endParaRPr kumimoji="1" lang="ja-JP" altLang="en-US"/>
+            </a:p>
+          </p:txBody>
+        </p:sp>
+        <p:sp>
+          <p:nvSpPr>
+            <p:cNvPr id="75" name="正方形/長方形 74"/>
+            <p:cNvSpPr/>
+            <p:nvPr/>
+          </p:nvSpPr>
+          <p:spPr>
+            <a:xfrm>
+              <a:off x="3887416" y="4104974"/>
+              <a:ext cx="278280" cy="2691916"/>
+            </a:xfrm>
+            <a:prstGeom prst="rect">
+              <a:avLst/>
+            </a:prstGeom>
+            <a:grpFill/>
+            <a:ln>
+              <a:noFill/>
+            </a:ln>
+          </p:spPr>
+          <p:style>
+            <a:lnRef idx="2">
+              <a:schemeClr val="accent1">
+                <a:shade val="50000"/>
+              </a:schemeClr>
+            </a:lnRef>
+            <a:fillRef idx="1">
+              <a:schemeClr val="accent1"/>
+            </a:fillRef>
+            <a:effectRef idx="0">
+              <a:schemeClr val="accent1"/>
+            </a:effectRef>
+            <a:fontRef idx="minor">
+              <a:schemeClr val="lt1"/>
+            </a:fontRef>
+          </p:style>
+          <p:txBody>
+            <a:bodyPr rtlCol="0" anchor="ctr"/>
+            <a:lstStyle/>
+            <a:p>
+              <a:pPr algn="ctr"/>
+              <a:endParaRPr kumimoji="1" lang="ja-JP" altLang="en-US"/>
+            </a:p>
+          </p:txBody>
+        </p:sp>
+        <p:sp>
+          <p:nvSpPr>
+            <p:cNvPr id="76" name="正方形/長方形 75"/>
+            <p:cNvSpPr/>
+            <p:nvPr/>
+          </p:nvSpPr>
+          <p:spPr>
+            <a:xfrm>
+              <a:off x="4522637" y="4109035"/>
+              <a:ext cx="278280" cy="2691916"/>
+            </a:xfrm>
+            <a:prstGeom prst="rect">
+              <a:avLst/>
+            </a:prstGeom>
+            <a:grpFill/>
+            <a:ln>
+              <a:noFill/>
+            </a:ln>
+          </p:spPr>
+          <p:style>
+            <a:lnRef idx="2">
+              <a:schemeClr val="accent1">
+                <a:shade val="50000"/>
+              </a:schemeClr>
+            </a:lnRef>
+            <a:fillRef idx="1">
+              <a:schemeClr val="accent1"/>
+            </a:fillRef>
+            <a:effectRef idx="0">
+              <a:schemeClr val="accent1"/>
+            </a:effectRef>
+            <a:fontRef idx="minor">
+              <a:schemeClr val="lt1"/>
+            </a:fontRef>
+          </p:style>
+          <p:txBody>
+            <a:bodyPr rtlCol="0" anchor="ctr"/>
+            <a:lstStyle/>
+            <a:p>
+              <a:pPr algn="ctr"/>
+              <a:endParaRPr kumimoji="1" lang="ja-JP" altLang="en-US"/>
+            </a:p>
+          </p:txBody>
+        </p:sp>
+        <p:sp>
+          <p:nvSpPr>
+            <p:cNvPr id="77" name="正方形/長方形 76"/>
+            <p:cNvSpPr/>
+            <p:nvPr/>
+          </p:nvSpPr>
+          <p:spPr>
+            <a:xfrm>
+              <a:off x="1929430" y="4104974"/>
+              <a:ext cx="278280" cy="2691916"/>
+            </a:xfrm>
+            <a:prstGeom prst="rect">
+              <a:avLst/>
+            </a:prstGeom>
+            <a:grpFill/>
+            <a:ln>
+              <a:noFill/>
+            </a:ln>
+          </p:spPr>
+          <p:style>
+            <a:lnRef idx="2">
+              <a:schemeClr val="accent1">
+                <a:shade val="50000"/>
+              </a:schemeClr>
+            </a:lnRef>
+            <a:fillRef idx="1">
+              <a:schemeClr val="accent1"/>
+            </a:fillRef>
+            <a:effectRef idx="0">
+              <a:schemeClr val="accent1"/>
+            </a:effectRef>
+            <a:fontRef idx="minor">
+              <a:schemeClr val="lt1"/>
+            </a:fontRef>
+          </p:style>
+          <p:txBody>
+            <a:bodyPr rtlCol="0" anchor="ctr"/>
+            <a:lstStyle/>
+            <a:p>
+              <a:pPr algn="ctr"/>
+              <a:endParaRPr kumimoji="1" lang="ja-JP" altLang="en-US"/>
+            </a:p>
+          </p:txBody>
+        </p:sp>
+      </p:grpSp>
+      <p:grpSp>
+        <p:nvGrpSpPr>
+          <p:cNvPr id="78" name="グループ化 77"/>
+          <p:cNvGrpSpPr/>
+          <p:nvPr/>
+        </p:nvGrpSpPr>
+        <p:grpSpPr>
+          <a:xfrm rot="16200000">
+            <a:off x="5475749" y="3275580"/>
+            <a:ext cx="3667059" cy="3638667"/>
+            <a:chOff x="4534412" y="2481994"/>
+            <a:chExt cx="3667059" cy="3460443"/>
+          </a:xfrm>
+        </p:grpSpPr>
+        <p:sp>
+          <p:nvSpPr>
+            <p:cNvPr id="79" name="正方形/長方形 78"/>
+            <p:cNvSpPr/>
+            <p:nvPr/>
+          </p:nvSpPr>
+          <p:spPr>
+            <a:xfrm>
+              <a:off x="4534412" y="2481994"/>
+              <a:ext cx="601792" cy="3460443"/>
+            </a:xfrm>
+            <a:prstGeom prst="rect">
+              <a:avLst/>
+            </a:prstGeom>
+            <a:solidFill>
+              <a:srgbClr val="A6A6A6">
+                <a:alpha val="50196"/>
+              </a:srgbClr>
+            </a:solidFill>
+            <a:ln>
+              <a:noFill/>
+            </a:ln>
+          </p:spPr>
+          <p:style>
+            <a:lnRef idx="2">
+              <a:schemeClr val="accent1">
+                <a:shade val="50000"/>
+              </a:schemeClr>
+            </a:lnRef>
+            <a:fillRef idx="1">
+              <a:schemeClr val="accent1"/>
+            </a:fillRef>
+            <a:effectRef idx="0">
+              <a:schemeClr val="accent1"/>
+            </a:effectRef>
+            <a:fontRef idx="minor">
+              <a:schemeClr val="lt1"/>
+            </a:fontRef>
+          </p:style>
+          <p:txBody>
+            <a:bodyPr rtlCol="0" anchor="ctr"/>
+            <a:lstStyle/>
+            <a:p>
+              <a:pPr algn="ctr"/>
+              <a:endParaRPr kumimoji="1" lang="ja-JP" altLang="en-US">
+                <a:solidFill>
+                  <a:schemeClr val="bg2"/>
+                </a:solidFill>
+              </a:endParaRPr>
+            </a:p>
+          </p:txBody>
+        </p:sp>
+        <p:sp>
+          <p:nvSpPr>
+            <p:cNvPr id="80" name="正方形/長方形 79"/>
+            <p:cNvSpPr/>
+            <p:nvPr/>
+          </p:nvSpPr>
+          <p:spPr>
+            <a:xfrm>
+              <a:off x="7675121" y="2481994"/>
+              <a:ext cx="526350" cy="3460443"/>
+            </a:xfrm>
+            <a:prstGeom prst="rect">
+              <a:avLst/>
+            </a:prstGeom>
+            <a:solidFill>
+              <a:srgbClr val="A6A6A6">
+                <a:alpha val="50196"/>
+              </a:srgbClr>
+            </a:solidFill>
+            <a:ln>
+              <a:noFill/>
+            </a:ln>
+          </p:spPr>
+          <p:style>
+            <a:lnRef idx="2">
+              <a:schemeClr val="accent1">
+                <a:shade val="50000"/>
+              </a:schemeClr>
+            </a:lnRef>
+            <a:fillRef idx="1">
+              <a:schemeClr val="accent1"/>
+            </a:fillRef>
+            <a:effectRef idx="0">
+              <a:schemeClr val="accent1"/>
+            </a:effectRef>
+            <a:fontRef idx="minor">
+              <a:schemeClr val="lt1"/>
+            </a:fontRef>
+          </p:style>
+          <p:txBody>
+            <a:bodyPr rtlCol="0" anchor="ctr"/>
+            <a:lstStyle/>
+            <a:p>
+              <a:pPr algn="ctr"/>
+              <a:endParaRPr kumimoji="1" lang="ja-JP" altLang="en-US">
+                <a:solidFill>
+                  <a:schemeClr val="bg2"/>
+                </a:solidFill>
+              </a:endParaRPr>
+            </a:p>
+          </p:txBody>
+        </p:sp>
+        <p:sp>
+          <p:nvSpPr>
+            <p:cNvPr id="81" name="正方形/長方形 80"/>
+            <p:cNvSpPr/>
+            <p:nvPr/>
+          </p:nvSpPr>
+          <p:spPr>
+            <a:xfrm>
+              <a:off x="5899824" y="2481994"/>
+              <a:ext cx="1011677" cy="3460443"/>
+            </a:xfrm>
+            <a:prstGeom prst="rect">
+              <a:avLst/>
+            </a:prstGeom>
+            <a:solidFill>
+              <a:srgbClr val="A6A6A6">
+                <a:alpha val="50196"/>
+              </a:srgbClr>
+            </a:solidFill>
+            <a:ln>
+              <a:noFill/>
+            </a:ln>
+          </p:spPr>
+          <p:style>
+            <a:lnRef idx="2">
+              <a:schemeClr val="accent1">
+                <a:shade val="50000"/>
+              </a:schemeClr>
+            </a:lnRef>
+            <a:fillRef idx="1">
+              <a:schemeClr val="accent1"/>
+            </a:fillRef>
+            <a:effectRef idx="0">
+              <a:schemeClr val="accent1"/>
+            </a:effectRef>
+            <a:fontRef idx="minor">
+              <a:schemeClr val="lt1"/>
+            </a:fontRef>
+          </p:style>
+          <p:txBody>
+            <a:bodyPr rtlCol="0" anchor="ctr"/>
+            <a:lstStyle/>
+            <a:p>
+              <a:pPr algn="ctr"/>
+              <a:endParaRPr kumimoji="1" lang="ja-JP" altLang="en-US">
+                <a:solidFill>
+                  <a:schemeClr val="bg2"/>
+                </a:solidFill>
+              </a:endParaRPr>
+            </a:p>
+          </p:txBody>
+        </p:sp>
+      </p:grpSp>
+      <p:grpSp>
+        <p:nvGrpSpPr>
+          <p:cNvPr id="82" name="グループ化 81"/>
+          <p:cNvGrpSpPr/>
+          <p:nvPr/>
+        </p:nvGrpSpPr>
+        <p:grpSpPr>
+          <a:xfrm rot="16200000">
+            <a:off x="5490971" y="3197519"/>
+            <a:ext cx="3667059" cy="3638667"/>
+            <a:chOff x="4534412" y="1814530"/>
+            <a:chExt cx="3667059" cy="3460443"/>
+          </a:xfrm>
+        </p:grpSpPr>
+        <p:sp>
+          <p:nvSpPr>
+            <p:cNvPr id="83" name="正方形/長方形 82"/>
+            <p:cNvSpPr/>
+            <p:nvPr/>
+          </p:nvSpPr>
+          <p:spPr>
+            <a:xfrm>
+              <a:off x="4534412" y="1814530"/>
+              <a:ext cx="951988" cy="3460443"/>
             </a:xfrm>
             <a:prstGeom prst="rect">
               <a:avLst/>
@@ -8641,110 +11560,14 @@
         </p:sp>
         <p:sp>
           <p:nvSpPr>
-            <p:cNvPr id="22" name="正方形/長方形 21"/>
+            <p:cNvPr id="84" name="正方形/長方形 83"/>
             <p:cNvSpPr/>
             <p:nvPr/>
           </p:nvSpPr>
           <p:spPr>
             <a:xfrm>
-              <a:off x="3887416" y="4104974"/>
-              <a:ext cx="278280" cy="2691916"/>
-            </a:xfrm>
-            <a:prstGeom prst="rect">
-              <a:avLst/>
-            </a:prstGeom>
-            <a:solidFill>
-              <a:srgbClr val="A6A6A6">
-                <a:alpha val="50196"/>
-              </a:srgbClr>
-            </a:solidFill>
-            <a:ln>
-              <a:noFill/>
-            </a:ln>
-          </p:spPr>
-          <p:style>
-            <a:lnRef idx="2">
-              <a:schemeClr val="accent1">
-                <a:shade val="50000"/>
-              </a:schemeClr>
-            </a:lnRef>
-            <a:fillRef idx="1">
-              <a:schemeClr val="accent1"/>
-            </a:fillRef>
-            <a:effectRef idx="0">
-              <a:schemeClr val="accent1"/>
-            </a:effectRef>
-            <a:fontRef idx="minor">
-              <a:schemeClr val="lt1"/>
-            </a:fontRef>
-          </p:style>
-          <p:txBody>
-            <a:bodyPr rtlCol="0" anchor="ctr"/>
-            <a:lstStyle/>
-            <a:p>
-              <a:pPr algn="ctr"/>
-              <a:endParaRPr kumimoji="1" lang="ja-JP" altLang="en-US"/>
-            </a:p>
-          </p:txBody>
-        </p:sp>
-        <p:sp>
-          <p:nvSpPr>
-            <p:cNvPr id="23" name="正方形/長方形 22"/>
-            <p:cNvSpPr/>
-            <p:nvPr/>
-          </p:nvSpPr>
-          <p:spPr>
-            <a:xfrm>
-              <a:off x="4522637" y="4109035"/>
-              <a:ext cx="278280" cy="2691916"/>
-            </a:xfrm>
-            <a:prstGeom prst="rect">
-              <a:avLst/>
-            </a:prstGeom>
-            <a:solidFill>
-              <a:srgbClr val="A6A6A6">
-                <a:alpha val="50196"/>
-              </a:srgbClr>
-            </a:solidFill>
-            <a:ln>
-              <a:noFill/>
-            </a:ln>
-          </p:spPr>
-          <p:style>
-            <a:lnRef idx="2">
-              <a:schemeClr val="accent1">
-                <a:shade val="50000"/>
-              </a:schemeClr>
-            </a:lnRef>
-            <a:fillRef idx="1">
-              <a:schemeClr val="accent1"/>
-            </a:fillRef>
-            <a:effectRef idx="0">
-              <a:schemeClr val="accent1"/>
-            </a:effectRef>
-            <a:fontRef idx="minor">
-              <a:schemeClr val="lt1"/>
-            </a:fontRef>
-          </p:style>
-          <p:txBody>
-            <a:bodyPr rtlCol="0" anchor="ctr"/>
-            <a:lstStyle/>
-            <a:p>
-              <a:pPr algn="ctr"/>
-              <a:endParaRPr kumimoji="1" lang="ja-JP" altLang="en-US"/>
-            </a:p>
-          </p:txBody>
-        </p:sp>
-        <p:sp>
-          <p:nvSpPr>
-            <p:cNvPr id="24" name="正方形/長方形 23"/>
-            <p:cNvSpPr/>
-            <p:nvPr/>
-          </p:nvSpPr>
-          <p:spPr>
-            <a:xfrm>
-              <a:off x="1929430" y="4104974"/>
-              <a:ext cx="278280" cy="2691916"/>
+              <a:off x="7249483" y="1814530"/>
+              <a:ext cx="951988" cy="3460443"/>
             </a:xfrm>
             <a:prstGeom prst="rect">
               <a:avLst/>
@@ -8786,323 +11609,49 @@
       </p:grpSp>
       <p:sp>
         <p:nvSpPr>
-          <p:cNvPr id="27" name="テキスト ボックス 26"/>
-          <p:cNvSpPr txBox="1"/>
+          <p:cNvPr id="85" name="正方形/長方形 84"/>
+          <p:cNvSpPr/>
           <p:nvPr/>
         </p:nvSpPr>
         <p:spPr>
-          <a:xfrm>
-            <a:off x="6600639" y="3638180"/>
-            <a:ext cx="340963" cy="369332"/>
+          <a:xfrm rot="16200000">
+            <a:off x="6420386" y="4110521"/>
+            <a:ext cx="1789889" cy="3638667"/>
           </a:xfrm>
           <a:prstGeom prst="rect">
             <a:avLst/>
           </a:prstGeom>
-          <a:noFill/>
+          <a:solidFill>
+            <a:srgbClr val="A6A6A6">
+              <a:alpha val="50196"/>
+            </a:srgbClr>
+          </a:solidFill>
+          <a:ln>
+            <a:noFill/>
+          </a:ln>
         </p:spPr>
-        <p:txBody>
-          <a:bodyPr wrap="square" rtlCol="0">
-            <a:spAutoFit/>
-          </a:bodyPr>
+        <p:style>
+          <a:lnRef idx="2">
+            <a:schemeClr val="accent1">
+              <a:shade val="50000"/>
+            </a:schemeClr>
+          </a:lnRef>
+          <a:fillRef idx="1">
+            <a:schemeClr val="accent1"/>
+          </a:fillRef>
+          <a:effectRef idx="0">
+            <a:schemeClr val="accent1"/>
+          </a:effectRef>
+          <a:fontRef idx="minor">
+            <a:schemeClr val="lt1"/>
+          </a:fontRef>
+        </p:style>
+        <p:txBody>
+          <a:bodyPr rtlCol="0" anchor="ctr"/>
           <a:lstStyle/>
           <a:p>
-            <a:r>
-              <a:rPr lang="en-US" altLang="ja-JP" b="1" dirty="0">
-                <a:solidFill>
-                  <a:srgbClr val="FFC000"/>
-                </a:solidFill>
-                <a:latin typeface="メイリオ" panose="020B0604030504040204" pitchFamily="50" charset="-128"/>
-                <a:ea typeface="メイリオ" panose="020B0604030504040204" pitchFamily="50" charset="-128"/>
-                <a:cs typeface="メイリオ" panose="020B0604030504040204" pitchFamily="50" charset="-128"/>
-              </a:rPr>
-              <a:t>A</a:t>
-            </a:r>
-            <a:endParaRPr kumimoji="1" lang="ja-JP" altLang="en-US" b="1" dirty="0">
-              <a:solidFill>
-                <a:srgbClr val="FFC000"/>
-              </a:solidFill>
-              <a:latin typeface="メイリオ" panose="020B0604030504040204" pitchFamily="50" charset="-128"/>
-              <a:ea typeface="メイリオ" panose="020B0604030504040204" pitchFamily="50" charset="-128"/>
-              <a:cs typeface="メイリオ" panose="020B0604030504040204" pitchFamily="50" charset="-128"/>
-            </a:endParaRPr>
-          </a:p>
-        </p:txBody>
-      </p:sp>
-      <p:sp>
-        <p:nvSpPr>
-          <p:cNvPr id="28" name="テキスト ボックス 27"/>
-          <p:cNvSpPr txBox="1"/>
-          <p:nvPr/>
-        </p:nvSpPr>
-        <p:spPr>
-          <a:xfrm>
-            <a:off x="8287982" y="4378315"/>
-            <a:ext cx="340963" cy="369332"/>
-          </a:xfrm>
-          <a:prstGeom prst="rect">
-            <a:avLst/>
-          </a:prstGeom>
-          <a:noFill/>
-        </p:spPr>
-        <p:txBody>
-          <a:bodyPr wrap="square" rtlCol="0">
-            <a:spAutoFit/>
-          </a:bodyPr>
-          <a:lstStyle/>
-          <a:p>
-            <a:r>
-              <a:rPr lang="en-US" altLang="ja-JP" b="1" dirty="0" smtClean="0">
-                <a:solidFill>
-                  <a:srgbClr val="FFC000"/>
-                </a:solidFill>
-                <a:latin typeface="メイリオ" panose="020B0604030504040204" pitchFamily="50" charset="-128"/>
-                <a:ea typeface="メイリオ" panose="020B0604030504040204" pitchFamily="50" charset="-128"/>
-                <a:cs typeface="メイリオ" panose="020B0604030504040204" pitchFamily="50" charset="-128"/>
-              </a:rPr>
-              <a:t>D</a:t>
-            </a:r>
-            <a:endParaRPr kumimoji="1" lang="ja-JP" altLang="en-US" b="1" dirty="0">
-              <a:solidFill>
-                <a:srgbClr val="FFC000"/>
-              </a:solidFill>
-              <a:latin typeface="メイリオ" panose="020B0604030504040204" pitchFamily="50" charset="-128"/>
-              <a:ea typeface="メイリオ" panose="020B0604030504040204" pitchFamily="50" charset="-128"/>
-              <a:cs typeface="メイリオ" panose="020B0604030504040204" pitchFamily="50" charset="-128"/>
-            </a:endParaRPr>
-          </a:p>
-        </p:txBody>
-      </p:sp>
-      <p:sp>
-        <p:nvSpPr>
-          <p:cNvPr id="29" name="テキスト ボックス 28"/>
-          <p:cNvSpPr txBox="1"/>
-          <p:nvPr/>
-        </p:nvSpPr>
-        <p:spPr>
-          <a:xfrm>
-            <a:off x="5682750" y="6078545"/>
-            <a:ext cx="340963" cy="369332"/>
-          </a:xfrm>
-          <a:prstGeom prst="rect">
-            <a:avLst/>
-          </a:prstGeom>
-          <a:noFill/>
-        </p:spPr>
-        <p:txBody>
-          <a:bodyPr wrap="square" rtlCol="0">
-            <a:spAutoFit/>
-          </a:bodyPr>
-          <a:lstStyle/>
-          <a:p>
-            <a:r>
-              <a:rPr lang="en-US" altLang="ja-JP" b="1" dirty="0">
-                <a:solidFill>
-                  <a:srgbClr val="FFC000"/>
-                </a:solidFill>
-                <a:latin typeface="メイリオ" panose="020B0604030504040204" pitchFamily="50" charset="-128"/>
-                <a:ea typeface="メイリオ" panose="020B0604030504040204" pitchFamily="50" charset="-128"/>
-                <a:cs typeface="メイリオ" panose="020B0604030504040204" pitchFamily="50" charset="-128"/>
-              </a:rPr>
-              <a:t>B</a:t>
-            </a:r>
-            <a:endParaRPr kumimoji="1" lang="ja-JP" altLang="en-US" b="1" dirty="0">
-              <a:solidFill>
-                <a:srgbClr val="FFC000"/>
-              </a:solidFill>
-              <a:latin typeface="メイリオ" panose="020B0604030504040204" pitchFamily="50" charset="-128"/>
-              <a:ea typeface="メイリオ" panose="020B0604030504040204" pitchFamily="50" charset="-128"/>
-              <a:cs typeface="メイリオ" panose="020B0604030504040204" pitchFamily="50" charset="-128"/>
-            </a:endParaRPr>
-          </a:p>
-        </p:txBody>
-      </p:sp>
-      <p:sp>
-        <p:nvSpPr>
-          <p:cNvPr id="30" name="テキスト ボックス 29"/>
-          <p:cNvSpPr txBox="1"/>
-          <p:nvPr/>
-        </p:nvSpPr>
-        <p:spPr>
-          <a:xfrm>
-            <a:off x="7555709" y="6601257"/>
-            <a:ext cx="340963" cy="369332"/>
-          </a:xfrm>
-          <a:prstGeom prst="rect">
-            <a:avLst/>
-          </a:prstGeom>
-          <a:noFill/>
-        </p:spPr>
-        <p:txBody>
-          <a:bodyPr wrap="square" rtlCol="0">
-            <a:spAutoFit/>
-          </a:bodyPr>
-          <a:lstStyle/>
-          <a:p>
-            <a:r>
-              <a:rPr lang="en-US" altLang="ja-JP" b="1" dirty="0" smtClean="0">
-                <a:solidFill>
-                  <a:srgbClr val="FFC000"/>
-                </a:solidFill>
-                <a:latin typeface="メイリオ" panose="020B0604030504040204" pitchFamily="50" charset="-128"/>
-                <a:ea typeface="メイリオ" panose="020B0604030504040204" pitchFamily="50" charset="-128"/>
-                <a:cs typeface="メイリオ" panose="020B0604030504040204" pitchFamily="50" charset="-128"/>
-              </a:rPr>
-              <a:t>C</a:t>
-            </a:r>
-            <a:endParaRPr kumimoji="1" lang="ja-JP" altLang="en-US" b="1" dirty="0">
-              <a:solidFill>
-                <a:srgbClr val="FFC000"/>
-              </a:solidFill>
-              <a:latin typeface="メイリオ" panose="020B0604030504040204" pitchFamily="50" charset="-128"/>
-              <a:ea typeface="メイリオ" panose="020B0604030504040204" pitchFamily="50" charset="-128"/>
-              <a:cs typeface="メイリオ" panose="020B0604030504040204" pitchFamily="50" charset="-128"/>
-            </a:endParaRPr>
-          </a:p>
-        </p:txBody>
-      </p:sp>
-      <p:sp>
-        <p:nvSpPr>
-          <p:cNvPr id="32" name="テキスト ボックス 31"/>
-          <p:cNvSpPr txBox="1"/>
-          <p:nvPr/>
-        </p:nvSpPr>
-        <p:spPr>
-          <a:xfrm>
-            <a:off x="1557933" y="4794607"/>
-            <a:ext cx="3642102" cy="1815882"/>
-          </a:xfrm>
-          <a:prstGeom prst="rect">
-            <a:avLst/>
-          </a:prstGeom>
-          <a:noFill/>
-        </p:spPr>
-        <p:txBody>
-          <a:bodyPr wrap="square" rtlCol="0">
-            <a:spAutoFit/>
-          </a:bodyPr>
-          <a:lstStyle/>
-          <a:p>
-            <a:r>
-              <a:rPr lang="en-US" altLang="ja-JP" sz="2800" dirty="0" smtClean="0">
-                <a:latin typeface="メイリオ" panose="020B0604030504040204" pitchFamily="50" charset="-128"/>
-                <a:ea typeface="メイリオ" panose="020B0604030504040204" pitchFamily="50" charset="-128"/>
-                <a:cs typeface="メイリオ" panose="020B0604030504040204" pitchFamily="50" charset="-128"/>
-              </a:rPr>
-              <a:t>1111000011</a:t>
-            </a:r>
-            <a:endParaRPr kumimoji="1" lang="en-US" altLang="ja-JP" sz="2800" dirty="0" smtClean="0">
-              <a:latin typeface="メイリオ" panose="020B0604030504040204" pitchFamily="50" charset="-128"/>
-              <a:ea typeface="メイリオ" panose="020B0604030504040204" pitchFamily="50" charset="-128"/>
-              <a:cs typeface="メイリオ" panose="020B0604030504040204" pitchFamily="50" charset="-128"/>
-            </a:endParaRPr>
-          </a:p>
-          <a:p>
-            <a:r>
-              <a:rPr lang="en-US" altLang="ja-JP" sz="2800" dirty="0" smtClean="0">
-                <a:latin typeface="メイリオ" panose="020B0604030504040204" pitchFamily="50" charset="-128"/>
-                <a:ea typeface="メイリオ" panose="020B0604030504040204" pitchFamily="50" charset="-128"/>
-                <a:cs typeface="メイリオ" panose="020B0604030504040204" pitchFamily="50" charset="-128"/>
-              </a:rPr>
-              <a:t>1111111100</a:t>
-            </a:r>
-          </a:p>
-          <a:p>
-            <a:r>
-              <a:rPr lang="en-US" altLang="ja-JP" sz="2800" dirty="0" smtClean="0">
-                <a:latin typeface="メイリオ" panose="020B0604030504040204" pitchFamily="50" charset="-128"/>
-                <a:ea typeface="メイリオ" panose="020B0604030504040204" pitchFamily="50" charset="-128"/>
-                <a:cs typeface="メイリオ" panose="020B0604030504040204" pitchFamily="50" charset="-128"/>
-              </a:rPr>
-              <a:t>1111110001</a:t>
-            </a:r>
-            <a:endParaRPr kumimoji="1" lang="en-US" altLang="ja-JP" sz="2800" dirty="0" smtClean="0">
-              <a:latin typeface="メイリオ" panose="020B0604030504040204" pitchFamily="50" charset="-128"/>
-              <a:ea typeface="メイリオ" panose="020B0604030504040204" pitchFamily="50" charset="-128"/>
-              <a:cs typeface="メイリオ" panose="020B0604030504040204" pitchFamily="50" charset="-128"/>
-            </a:endParaRPr>
-          </a:p>
-          <a:p>
-            <a:r>
-              <a:rPr lang="en-US" altLang="ja-JP" sz="2800" dirty="0" smtClean="0">
-                <a:latin typeface="メイリオ" panose="020B0604030504040204" pitchFamily="50" charset="-128"/>
-                <a:ea typeface="メイリオ" panose="020B0604030504040204" pitchFamily="50" charset="-128"/>
-                <a:cs typeface="メイリオ" panose="020B0604030504040204" pitchFamily="50" charset="-128"/>
-              </a:rPr>
-              <a:t>0000111111</a:t>
-            </a:r>
-            <a:endParaRPr kumimoji="1" lang="ja-JP" altLang="en-US" sz="2800" dirty="0">
-              <a:latin typeface="メイリオ" panose="020B0604030504040204" pitchFamily="50" charset="-128"/>
-              <a:ea typeface="メイリオ" panose="020B0604030504040204" pitchFamily="50" charset="-128"/>
-              <a:cs typeface="メイリオ" panose="020B0604030504040204" pitchFamily="50" charset="-128"/>
-            </a:endParaRPr>
-          </a:p>
-        </p:txBody>
-      </p:sp>
-      <p:sp>
-        <p:nvSpPr>
-          <p:cNvPr id="34" name="テキスト ボックス 33"/>
-          <p:cNvSpPr txBox="1"/>
-          <p:nvPr/>
-        </p:nvSpPr>
-        <p:spPr>
-          <a:xfrm>
-            <a:off x="772107" y="4785375"/>
-            <a:ext cx="607859" cy="1815882"/>
-          </a:xfrm>
-          <a:prstGeom prst="rect">
-            <a:avLst/>
-          </a:prstGeom>
-          <a:noFill/>
-        </p:spPr>
-        <p:txBody>
-          <a:bodyPr wrap="none" rtlCol="0">
-            <a:spAutoFit/>
-          </a:bodyPr>
-          <a:lstStyle/>
-          <a:p>
-            <a:r>
-              <a:rPr kumimoji="1" lang="en-US" altLang="ja-JP" sz="2800" dirty="0" smtClean="0">
-                <a:latin typeface="メイリオ" panose="020B0604030504040204" pitchFamily="50" charset="-128"/>
-                <a:ea typeface="メイリオ" panose="020B0604030504040204" pitchFamily="50" charset="-128"/>
-                <a:cs typeface="メイリオ" panose="020B0604030504040204" pitchFamily="50" charset="-128"/>
-              </a:rPr>
-              <a:t>A:</a:t>
-            </a:r>
-          </a:p>
-          <a:p>
-            <a:r>
-              <a:rPr lang="en-US" altLang="ja-JP" sz="2800" dirty="0" smtClean="0">
-                <a:latin typeface="メイリオ" panose="020B0604030504040204" pitchFamily="50" charset="-128"/>
-                <a:ea typeface="メイリオ" panose="020B0604030504040204" pitchFamily="50" charset="-128"/>
-                <a:cs typeface="メイリオ" panose="020B0604030504040204" pitchFamily="50" charset="-128"/>
-              </a:rPr>
-              <a:t>B:</a:t>
-            </a:r>
-          </a:p>
-          <a:p>
-            <a:r>
-              <a:rPr kumimoji="1" lang="en-US" altLang="ja-JP" sz="2800" dirty="0" smtClean="0">
-                <a:latin typeface="メイリオ" panose="020B0604030504040204" pitchFamily="50" charset="-128"/>
-                <a:ea typeface="メイリオ" panose="020B0604030504040204" pitchFamily="50" charset="-128"/>
-                <a:cs typeface="メイリオ" panose="020B0604030504040204" pitchFamily="50" charset="-128"/>
-              </a:rPr>
-              <a:t>C:</a:t>
-            </a:r>
-          </a:p>
-          <a:p>
-            <a:r>
-              <a:rPr lang="en-US" altLang="ja-JP" sz="2800" dirty="0" smtClean="0">
-                <a:latin typeface="メイリオ" panose="020B0604030504040204" pitchFamily="50" charset="-128"/>
-                <a:ea typeface="メイリオ" panose="020B0604030504040204" pitchFamily="50" charset="-128"/>
-                <a:cs typeface="メイリオ" panose="020B0604030504040204" pitchFamily="50" charset="-128"/>
-              </a:rPr>
-              <a:t>D:</a:t>
-            </a:r>
-            <a:endParaRPr kumimoji="1" lang="ja-JP" altLang="en-US" sz="2800" dirty="0">
-              <a:latin typeface="メイリオ" panose="020B0604030504040204" pitchFamily="50" charset="-128"/>
-              <a:ea typeface="メイリオ" panose="020B0604030504040204" pitchFamily="50" charset="-128"/>
-              <a:cs typeface="メイリオ" panose="020B0604030504040204" pitchFamily="50" charset="-128"/>
-            </a:endParaRPr>
+            <a:pPr algn="ctr"/>
+            <a:endParaRPr kumimoji="1" lang="ja-JP" altLang="en-US"/>
           </a:p>
         </p:txBody>
       </p:sp>
@@ -9137,20 +11686,27 @@
                             </p:stCondLst>
                             <p:childTnLst>
                               <p:par>
-                                <p:cTn id="5" presetID="10" presetClass="entr" presetSubtype="0" fill="hold" nodeType="clickEffect">
+                                <p:cTn id="5" presetID="1" presetClass="entr" presetSubtype="0" fill="hold" nodeType="clickEffect">
                                   <p:stCondLst>
                                     <p:cond delay="0"/>
                                   </p:stCondLst>
+                                  <p:iterate type="lt">
+                                    <p:tmAbs val="500"/>
+                                  </p:iterate>
                                   <p:childTnLst>
                                     <p:set>
                                       <p:cBhvr>
                                         <p:cTn id="6" dur="1" fill="hold">
                                           <p:stCondLst>
-                                            <p:cond delay="0"/>
+                                            <p:cond delay="9"/>
                                           </p:stCondLst>
                                         </p:cTn>
                                         <p:tgtEl>
-                                          <p:spTgt spid="26"/>
+                                          <p:spTgt spid="32">
+                                            <p:txEl>
+                                              <p:pRg st="2" end="2"/>
+                                            </p:txEl>
+                                          </p:spTgt>
                                         </p:tgtEl>
                                         <p:attrNameLst>
                                           <p:attrName>style.visibility</p:attrName>
@@ -9160,59 +11716,11 @@
                                         <p:strVal val="visible"/>
                                       </p:to>
                                     </p:set>
-                                    <p:animEffect transition="in" filter="fade">
-                                      <p:cBhvr>
-                                        <p:cTn id="7" dur="500"/>
-                                        <p:tgtEl>
-                                          <p:spTgt spid="26"/>
-                                        </p:tgtEl>
-                                      </p:cBhvr>
-                                    </p:animEffect>
-                                  </p:childTnLst>
-                                </p:cTn>
-                              </p:par>
-                            </p:childTnLst>
-                          </p:cTn>
-                        </p:par>
-                      </p:childTnLst>
-                    </p:cTn>
-                  </p:par>
-                  <p:par>
-                    <p:cTn id="8" fill="hold">
-                      <p:stCondLst>
-                        <p:cond delay="indefinite"/>
-                      </p:stCondLst>
-                      <p:childTnLst>
-                        <p:par>
-                          <p:cTn id="9" fill="hold">
-                            <p:stCondLst>
-                              <p:cond delay="0"/>
-                            </p:stCondLst>
-                            <p:childTnLst>
-                              <p:par>
-                                <p:cTn id="10" presetID="63" presetClass="path" presetSubtype="0" fill="hold" nodeType="clickEffect">
-                                  <p:stCondLst>
-                                    <p:cond delay="0"/>
-                                  </p:stCondLst>
-                                  <p:childTnLst>
-                                    <p:animMotion origin="layout" path="M 4.72222E-6 -4.81481E-6 L 0.06631 -0.00023 " pathEditMode="relative" rAng="0" ptsTypes="AA">
-                                      <p:cBhvr>
-                                        <p:cTn id="11" dur="5000" fill="hold"/>
-                                        <p:tgtEl>
-                                          <p:spTgt spid="26"/>
-                                        </p:tgtEl>
-                                        <p:attrNameLst>
-                                          <p:attrName>ppt_x</p:attrName>
-                                          <p:attrName>ppt_y</p:attrName>
-                                        </p:attrNameLst>
-                                      </p:cBhvr>
-                                      <p:rCtr x="3316" y="-23"/>
-                                    </p:animMotion>
                                   </p:childTnLst>
                                 </p:cTn>
                               </p:par>
                               <p:par>
-                                <p:cTn id="12" presetID="1" presetClass="entr" presetSubtype="0" fill="hold" nodeType="withEffect">
+                                <p:cTn id="7" presetID="1" presetClass="entr" presetSubtype="0" fill="hold" nodeType="withEffect">
                                   <p:stCondLst>
                                     <p:cond delay="0"/>
                                   </p:stCondLst>
@@ -9222,7 +11730,7 @@
                                   <p:childTnLst>
                                     <p:set>
                                       <p:cBhvr>
-                                        <p:cTn id="13" dur="1" fill="hold">
+                                        <p:cTn id="8" dur="1" fill="hold">
                                           <p:stCondLst>
                                             <p:cond delay="9"/>
                                           </p:stCondLst>
@@ -9246,7 +11754,7 @@
                                 </p:cTn>
                               </p:par>
                               <p:par>
-                                <p:cTn id="14" presetID="1" presetClass="entr" presetSubtype="0" fill="hold" nodeType="withEffect">
+                                <p:cTn id="9" presetID="1" presetClass="entr" presetSubtype="0" fill="hold" nodeType="withEffect">
                                   <p:stCondLst>
                                     <p:cond delay="0"/>
                                   </p:stCondLst>
@@ -9256,7 +11764,7 @@
                                   <p:childTnLst>
                                     <p:set>
                                       <p:cBhvr>
-                                        <p:cTn id="15" dur="1" fill="hold">
+                                        <p:cTn id="10" dur="1" fill="hold">
                                           <p:stCondLst>
                                             <p:cond delay="9"/>
                                           </p:stCondLst>
@@ -9280,7 +11788,7 @@
                                 </p:cTn>
                               </p:par>
                               <p:par>
-                                <p:cTn id="16" presetID="1" presetClass="entr" presetSubtype="0" fill="hold" nodeType="withEffect">
+                                <p:cTn id="11" presetID="1" presetClass="entr" presetSubtype="0" fill="hold" nodeType="withEffect">
                                   <p:stCondLst>
                                     <p:cond delay="0"/>
                                   </p:stCondLst>
@@ -9290,41 +11798,7 @@
                                   <p:childTnLst>
                                     <p:set>
                                       <p:cBhvr>
-                                        <p:cTn id="17" dur="1" fill="hold">
-                                          <p:stCondLst>
-                                            <p:cond delay="9"/>
-                                          </p:stCondLst>
-                                        </p:cTn>
-                                        <p:tgtEl>
-                                          <p:spTgt spid="32">
-                                            <p:txEl>
-                                              <p:pRg st="2" end="2"/>
-                                            </p:txEl>
-                                          </p:spTgt>
-                                        </p:tgtEl>
-                                        <p:attrNameLst>
-                                          <p:attrName>style.visibility</p:attrName>
-                                        </p:attrNameLst>
-                                      </p:cBhvr>
-                                      <p:to>
-                                        <p:strVal val="visible"/>
-                                      </p:to>
-                                    </p:set>
-                                  </p:childTnLst>
-                                </p:cTn>
-                              </p:par>
-                              <p:par>
-                                <p:cTn id="18" presetID="1" presetClass="entr" presetSubtype="0" fill="hold" nodeType="withEffect">
-                                  <p:stCondLst>
-                                    <p:cond delay="0"/>
-                                  </p:stCondLst>
-                                  <p:iterate type="lt">
-                                    <p:tmAbs val="500"/>
-                                  </p:iterate>
-                                  <p:childTnLst>
-                                    <p:set>
-                                      <p:cBhvr>
-                                        <p:cTn id="19" dur="1" fill="hold">
+                                        <p:cTn id="12" dur="1" fill="hold">
                                           <p:stCondLst>
                                             <p:cond delay="9"/>
                                           </p:stCondLst>
@@ -9342,6 +11816,706 @@
                                       </p:cBhvr>
                                       <p:to>
                                         <p:strVal val="visible"/>
+                                      </p:to>
+                                    </p:set>
+                                  </p:childTnLst>
+                                </p:cTn>
+                              </p:par>
+                              <p:par>
+                                <p:cTn id="13" presetID="10" presetClass="entr" presetSubtype="0" fill="hold" grpId="0" nodeType="withEffect">
+                                  <p:stCondLst>
+                                    <p:cond delay="0"/>
+                                  </p:stCondLst>
+                                  <p:childTnLst>
+                                    <p:set>
+                                      <p:cBhvr>
+                                        <p:cTn id="14" dur="1" fill="hold">
+                                          <p:stCondLst>
+                                            <p:cond delay="0"/>
+                                          </p:stCondLst>
+                                        </p:cTn>
+                                        <p:tgtEl>
+                                          <p:spTgt spid="59"/>
+                                        </p:tgtEl>
+                                        <p:attrNameLst>
+                                          <p:attrName>style.visibility</p:attrName>
+                                        </p:attrNameLst>
+                                      </p:cBhvr>
+                                      <p:to>
+                                        <p:strVal val="visible"/>
+                                      </p:to>
+                                    </p:set>
+                                    <p:animEffect transition="in" filter="fade">
+                                      <p:cBhvr>
+                                        <p:cTn id="15" dur="250"/>
+                                        <p:tgtEl>
+                                          <p:spTgt spid="59"/>
+                                        </p:tgtEl>
+                                      </p:cBhvr>
+                                    </p:animEffect>
+                                  </p:childTnLst>
+                                </p:cTn>
+                              </p:par>
+                              <p:par>
+                                <p:cTn id="16" presetID="10" presetClass="exit" presetSubtype="0" fill="hold" grpId="1" nodeType="withEffect">
+                                  <p:stCondLst>
+                                    <p:cond delay="500"/>
+                                  </p:stCondLst>
+                                  <p:childTnLst>
+                                    <p:animEffect transition="out" filter="fade">
+                                      <p:cBhvr>
+                                        <p:cTn id="17" dur="250"/>
+                                        <p:tgtEl>
+                                          <p:spTgt spid="59"/>
+                                        </p:tgtEl>
+                                      </p:cBhvr>
+                                    </p:animEffect>
+                                    <p:set>
+                                      <p:cBhvr>
+                                        <p:cTn id="18" dur="1" fill="hold">
+                                          <p:stCondLst>
+                                            <p:cond delay="249"/>
+                                          </p:stCondLst>
+                                        </p:cTn>
+                                        <p:tgtEl>
+                                          <p:spTgt spid="59"/>
+                                        </p:tgtEl>
+                                        <p:attrNameLst>
+                                          <p:attrName>style.visibility</p:attrName>
+                                        </p:attrNameLst>
+                                      </p:cBhvr>
+                                      <p:to>
+                                        <p:strVal val="hidden"/>
+                                      </p:to>
+                                    </p:set>
+                                  </p:childTnLst>
+                                </p:cTn>
+                              </p:par>
+                              <p:par>
+                                <p:cTn id="19" presetID="10" presetClass="entr" presetSubtype="0" fill="hold" nodeType="withEffect">
+                                  <p:stCondLst>
+                                    <p:cond delay="500"/>
+                                  </p:stCondLst>
+                                  <p:childTnLst>
+                                    <p:set>
+                                      <p:cBhvr>
+                                        <p:cTn id="20" dur="1" fill="hold">
+                                          <p:stCondLst>
+                                            <p:cond delay="0"/>
+                                          </p:stCondLst>
+                                        </p:cTn>
+                                        <p:tgtEl>
+                                          <p:spTgt spid="56"/>
+                                        </p:tgtEl>
+                                        <p:attrNameLst>
+                                          <p:attrName>style.visibility</p:attrName>
+                                        </p:attrNameLst>
+                                      </p:cBhvr>
+                                      <p:to>
+                                        <p:strVal val="visible"/>
+                                      </p:to>
+                                    </p:set>
+                                    <p:animEffect transition="in" filter="fade">
+                                      <p:cBhvr>
+                                        <p:cTn id="21" dur="250"/>
+                                        <p:tgtEl>
+                                          <p:spTgt spid="56"/>
+                                        </p:tgtEl>
+                                      </p:cBhvr>
+                                    </p:animEffect>
+                                  </p:childTnLst>
+                                </p:cTn>
+                              </p:par>
+                              <p:par>
+                                <p:cTn id="22" presetID="10" presetClass="exit" presetSubtype="0" fill="hold" nodeType="withEffect">
+                                  <p:stCondLst>
+                                    <p:cond delay="1000"/>
+                                  </p:stCondLst>
+                                  <p:childTnLst>
+                                    <p:animEffect transition="out" filter="fade">
+                                      <p:cBhvr>
+                                        <p:cTn id="23" dur="250"/>
+                                        <p:tgtEl>
+                                          <p:spTgt spid="56"/>
+                                        </p:tgtEl>
+                                      </p:cBhvr>
+                                    </p:animEffect>
+                                    <p:set>
+                                      <p:cBhvr>
+                                        <p:cTn id="24" dur="1" fill="hold">
+                                          <p:stCondLst>
+                                            <p:cond delay="249"/>
+                                          </p:stCondLst>
+                                        </p:cTn>
+                                        <p:tgtEl>
+                                          <p:spTgt spid="56"/>
+                                        </p:tgtEl>
+                                        <p:attrNameLst>
+                                          <p:attrName>style.visibility</p:attrName>
+                                        </p:attrNameLst>
+                                      </p:cBhvr>
+                                      <p:to>
+                                        <p:strVal val="hidden"/>
+                                      </p:to>
+                                    </p:set>
+                                  </p:childTnLst>
+                                </p:cTn>
+                              </p:par>
+                              <p:par>
+                                <p:cTn id="25" presetID="10" presetClass="entr" presetSubtype="0" fill="hold" nodeType="withEffect">
+                                  <p:stCondLst>
+                                    <p:cond delay="1000"/>
+                                  </p:stCondLst>
+                                  <p:childTnLst>
+                                    <p:set>
+                                      <p:cBhvr>
+                                        <p:cTn id="26" dur="1" fill="hold">
+                                          <p:stCondLst>
+                                            <p:cond delay="0"/>
+                                          </p:stCondLst>
+                                        </p:cTn>
+                                        <p:tgtEl>
+                                          <p:spTgt spid="52"/>
+                                        </p:tgtEl>
+                                        <p:attrNameLst>
+                                          <p:attrName>style.visibility</p:attrName>
+                                        </p:attrNameLst>
+                                      </p:cBhvr>
+                                      <p:to>
+                                        <p:strVal val="visible"/>
+                                      </p:to>
+                                    </p:set>
+                                    <p:animEffect transition="in" filter="fade">
+                                      <p:cBhvr>
+                                        <p:cTn id="27" dur="250"/>
+                                        <p:tgtEl>
+                                          <p:spTgt spid="52"/>
+                                        </p:tgtEl>
+                                      </p:cBhvr>
+                                    </p:animEffect>
+                                  </p:childTnLst>
+                                </p:cTn>
+                              </p:par>
+                              <p:par>
+                                <p:cTn id="28" presetID="10" presetClass="exit" presetSubtype="0" fill="hold" nodeType="withEffect">
+                                  <p:stCondLst>
+                                    <p:cond delay="1500"/>
+                                  </p:stCondLst>
+                                  <p:childTnLst>
+                                    <p:animEffect transition="out" filter="fade">
+                                      <p:cBhvr>
+                                        <p:cTn id="29" dur="250"/>
+                                        <p:tgtEl>
+                                          <p:spTgt spid="52"/>
+                                        </p:tgtEl>
+                                      </p:cBhvr>
+                                    </p:animEffect>
+                                    <p:set>
+                                      <p:cBhvr>
+                                        <p:cTn id="30" dur="1" fill="hold">
+                                          <p:stCondLst>
+                                            <p:cond delay="249"/>
+                                          </p:stCondLst>
+                                        </p:cTn>
+                                        <p:tgtEl>
+                                          <p:spTgt spid="52"/>
+                                        </p:tgtEl>
+                                        <p:attrNameLst>
+                                          <p:attrName>style.visibility</p:attrName>
+                                        </p:attrNameLst>
+                                      </p:cBhvr>
+                                      <p:to>
+                                        <p:strVal val="hidden"/>
+                                      </p:to>
+                                    </p:set>
+                                  </p:childTnLst>
+                                </p:cTn>
+                              </p:par>
+                              <p:par>
+                                <p:cTn id="31" presetID="10" presetClass="entr" presetSubtype="0" fill="hold" nodeType="withEffect">
+                                  <p:stCondLst>
+                                    <p:cond delay="1500"/>
+                                  </p:stCondLst>
+                                  <p:childTnLst>
+                                    <p:set>
+                                      <p:cBhvr>
+                                        <p:cTn id="32" dur="1" fill="hold">
+                                          <p:stCondLst>
+                                            <p:cond delay="0"/>
+                                          </p:stCondLst>
+                                        </p:cTn>
+                                        <p:tgtEl>
+                                          <p:spTgt spid="46"/>
+                                        </p:tgtEl>
+                                        <p:attrNameLst>
+                                          <p:attrName>style.visibility</p:attrName>
+                                        </p:attrNameLst>
+                                      </p:cBhvr>
+                                      <p:to>
+                                        <p:strVal val="visible"/>
+                                      </p:to>
+                                    </p:set>
+                                    <p:animEffect transition="in" filter="fade">
+                                      <p:cBhvr>
+                                        <p:cTn id="33" dur="250"/>
+                                        <p:tgtEl>
+                                          <p:spTgt spid="46"/>
+                                        </p:tgtEl>
+                                      </p:cBhvr>
+                                    </p:animEffect>
+                                  </p:childTnLst>
+                                </p:cTn>
+                              </p:par>
+                              <p:par>
+                                <p:cTn id="34" presetID="10" presetClass="exit" presetSubtype="0" fill="hold" nodeType="withEffect">
+                                  <p:stCondLst>
+                                    <p:cond delay="2000"/>
+                                  </p:stCondLst>
+                                  <p:childTnLst>
+                                    <p:animEffect transition="out" filter="fade">
+                                      <p:cBhvr>
+                                        <p:cTn id="35" dur="250"/>
+                                        <p:tgtEl>
+                                          <p:spTgt spid="46"/>
+                                        </p:tgtEl>
+                                      </p:cBhvr>
+                                    </p:animEffect>
+                                    <p:set>
+                                      <p:cBhvr>
+                                        <p:cTn id="36" dur="1" fill="hold">
+                                          <p:stCondLst>
+                                            <p:cond delay="249"/>
+                                          </p:stCondLst>
+                                        </p:cTn>
+                                        <p:tgtEl>
+                                          <p:spTgt spid="46"/>
+                                        </p:tgtEl>
+                                        <p:attrNameLst>
+                                          <p:attrName>style.visibility</p:attrName>
+                                        </p:attrNameLst>
+                                      </p:cBhvr>
+                                      <p:to>
+                                        <p:strVal val="hidden"/>
+                                      </p:to>
+                                    </p:set>
+                                  </p:childTnLst>
+                                </p:cTn>
+                              </p:par>
+                              <p:par>
+                                <p:cTn id="37" presetID="10" presetClass="entr" presetSubtype="0" fill="hold" nodeType="withEffect">
+                                  <p:stCondLst>
+                                    <p:cond delay="2000"/>
+                                  </p:stCondLst>
+                                  <p:childTnLst>
+                                    <p:set>
+                                      <p:cBhvr>
+                                        <p:cTn id="38" dur="1" fill="hold">
+                                          <p:stCondLst>
+                                            <p:cond delay="0"/>
+                                          </p:stCondLst>
+                                        </p:cTn>
+                                        <p:tgtEl>
+                                          <p:spTgt spid="35"/>
+                                        </p:tgtEl>
+                                        <p:attrNameLst>
+                                          <p:attrName>style.visibility</p:attrName>
+                                        </p:attrNameLst>
+                                      </p:cBhvr>
+                                      <p:to>
+                                        <p:strVal val="visible"/>
+                                      </p:to>
+                                    </p:set>
+                                    <p:animEffect transition="in" filter="fade">
+                                      <p:cBhvr>
+                                        <p:cTn id="39" dur="250"/>
+                                        <p:tgtEl>
+                                          <p:spTgt spid="35"/>
+                                        </p:tgtEl>
+                                      </p:cBhvr>
+                                    </p:animEffect>
+                                  </p:childTnLst>
+                                </p:cTn>
+                              </p:par>
+                              <p:par>
+                                <p:cTn id="40" presetID="10" presetClass="exit" presetSubtype="0" fill="hold" nodeType="withEffect">
+                                  <p:stCondLst>
+                                    <p:cond delay="2500"/>
+                                  </p:stCondLst>
+                                  <p:childTnLst>
+                                    <p:animEffect transition="out" filter="fade">
+                                      <p:cBhvr>
+                                        <p:cTn id="41" dur="250"/>
+                                        <p:tgtEl>
+                                          <p:spTgt spid="35"/>
+                                        </p:tgtEl>
+                                      </p:cBhvr>
+                                    </p:animEffect>
+                                    <p:set>
+                                      <p:cBhvr>
+                                        <p:cTn id="42" dur="1" fill="hold">
+                                          <p:stCondLst>
+                                            <p:cond delay="249"/>
+                                          </p:stCondLst>
+                                        </p:cTn>
+                                        <p:tgtEl>
+                                          <p:spTgt spid="35"/>
+                                        </p:tgtEl>
+                                        <p:attrNameLst>
+                                          <p:attrName>style.visibility</p:attrName>
+                                        </p:attrNameLst>
+                                      </p:cBhvr>
+                                      <p:to>
+                                        <p:strVal val="hidden"/>
+                                      </p:to>
+                                    </p:set>
+                                  </p:childTnLst>
+                                </p:cTn>
+                              </p:par>
+                              <p:par>
+                                <p:cTn id="43" presetID="10" presetClass="entr" presetSubtype="0" fill="hold" grpId="0" nodeType="withEffect">
+                                  <p:stCondLst>
+                                    <p:cond delay="2500"/>
+                                  </p:stCondLst>
+                                  <p:childTnLst>
+                                    <p:set>
+                                      <p:cBhvr>
+                                        <p:cTn id="44" dur="1" fill="hold">
+                                          <p:stCondLst>
+                                            <p:cond delay="0"/>
+                                          </p:stCondLst>
+                                        </p:cTn>
+                                        <p:tgtEl>
+                                          <p:spTgt spid="85"/>
+                                        </p:tgtEl>
+                                        <p:attrNameLst>
+                                          <p:attrName>style.visibility</p:attrName>
+                                        </p:attrNameLst>
+                                      </p:cBhvr>
+                                      <p:to>
+                                        <p:strVal val="visible"/>
+                                      </p:to>
+                                    </p:set>
+                                    <p:animEffect transition="in" filter="fade">
+                                      <p:cBhvr>
+                                        <p:cTn id="45" dur="250"/>
+                                        <p:tgtEl>
+                                          <p:spTgt spid="85"/>
+                                        </p:tgtEl>
+                                      </p:cBhvr>
+                                    </p:animEffect>
+                                  </p:childTnLst>
+                                </p:cTn>
+                              </p:par>
+                              <p:par>
+                                <p:cTn id="46" presetID="10" presetClass="exit" presetSubtype="0" fill="hold" grpId="1" nodeType="withEffect">
+                                  <p:stCondLst>
+                                    <p:cond delay="3000"/>
+                                  </p:stCondLst>
+                                  <p:childTnLst>
+                                    <p:animEffect transition="out" filter="fade">
+                                      <p:cBhvr>
+                                        <p:cTn id="47" dur="250"/>
+                                        <p:tgtEl>
+                                          <p:spTgt spid="85"/>
+                                        </p:tgtEl>
+                                      </p:cBhvr>
+                                    </p:animEffect>
+                                    <p:set>
+                                      <p:cBhvr>
+                                        <p:cTn id="48" dur="1" fill="hold">
+                                          <p:stCondLst>
+                                            <p:cond delay="249"/>
+                                          </p:stCondLst>
+                                        </p:cTn>
+                                        <p:tgtEl>
+                                          <p:spTgt spid="85"/>
+                                        </p:tgtEl>
+                                        <p:attrNameLst>
+                                          <p:attrName>style.visibility</p:attrName>
+                                        </p:attrNameLst>
+                                      </p:cBhvr>
+                                      <p:to>
+                                        <p:strVal val="hidden"/>
+                                      </p:to>
+                                    </p:set>
+                                  </p:childTnLst>
+                                </p:cTn>
+                              </p:par>
+                              <p:par>
+                                <p:cTn id="49" presetID="10" presetClass="entr" presetSubtype="0" fill="hold" nodeType="withEffect">
+                                  <p:stCondLst>
+                                    <p:cond delay="3000"/>
+                                  </p:stCondLst>
+                                  <p:childTnLst>
+                                    <p:set>
+                                      <p:cBhvr>
+                                        <p:cTn id="50" dur="1" fill="hold">
+                                          <p:stCondLst>
+                                            <p:cond delay="0"/>
+                                          </p:stCondLst>
+                                        </p:cTn>
+                                        <p:tgtEl>
+                                          <p:spTgt spid="82"/>
+                                        </p:tgtEl>
+                                        <p:attrNameLst>
+                                          <p:attrName>style.visibility</p:attrName>
+                                        </p:attrNameLst>
+                                      </p:cBhvr>
+                                      <p:to>
+                                        <p:strVal val="visible"/>
+                                      </p:to>
+                                    </p:set>
+                                    <p:animEffect transition="in" filter="fade">
+                                      <p:cBhvr>
+                                        <p:cTn id="51" dur="250"/>
+                                        <p:tgtEl>
+                                          <p:spTgt spid="82"/>
+                                        </p:tgtEl>
+                                      </p:cBhvr>
+                                    </p:animEffect>
+                                  </p:childTnLst>
+                                </p:cTn>
+                              </p:par>
+                              <p:par>
+                                <p:cTn id="52" presetID="10" presetClass="exit" presetSubtype="0" fill="hold" nodeType="withEffect">
+                                  <p:stCondLst>
+                                    <p:cond delay="3500"/>
+                                  </p:stCondLst>
+                                  <p:childTnLst>
+                                    <p:animEffect transition="out" filter="fade">
+                                      <p:cBhvr>
+                                        <p:cTn id="53" dur="250"/>
+                                        <p:tgtEl>
+                                          <p:spTgt spid="82"/>
+                                        </p:tgtEl>
+                                      </p:cBhvr>
+                                    </p:animEffect>
+                                    <p:set>
+                                      <p:cBhvr>
+                                        <p:cTn id="54" dur="1" fill="hold">
+                                          <p:stCondLst>
+                                            <p:cond delay="249"/>
+                                          </p:stCondLst>
+                                        </p:cTn>
+                                        <p:tgtEl>
+                                          <p:spTgt spid="82"/>
+                                        </p:tgtEl>
+                                        <p:attrNameLst>
+                                          <p:attrName>style.visibility</p:attrName>
+                                        </p:attrNameLst>
+                                      </p:cBhvr>
+                                      <p:to>
+                                        <p:strVal val="hidden"/>
+                                      </p:to>
+                                    </p:set>
+                                  </p:childTnLst>
+                                </p:cTn>
+                              </p:par>
+                              <p:par>
+                                <p:cTn id="55" presetID="10" presetClass="entr" presetSubtype="0" fill="hold" nodeType="withEffect">
+                                  <p:stCondLst>
+                                    <p:cond delay="3500"/>
+                                  </p:stCondLst>
+                                  <p:childTnLst>
+                                    <p:set>
+                                      <p:cBhvr>
+                                        <p:cTn id="56" dur="1" fill="hold">
+                                          <p:stCondLst>
+                                            <p:cond delay="0"/>
+                                          </p:stCondLst>
+                                        </p:cTn>
+                                        <p:tgtEl>
+                                          <p:spTgt spid="78"/>
+                                        </p:tgtEl>
+                                        <p:attrNameLst>
+                                          <p:attrName>style.visibility</p:attrName>
+                                        </p:attrNameLst>
+                                      </p:cBhvr>
+                                      <p:to>
+                                        <p:strVal val="visible"/>
+                                      </p:to>
+                                    </p:set>
+                                    <p:animEffect transition="in" filter="fade">
+                                      <p:cBhvr>
+                                        <p:cTn id="57" dur="250"/>
+                                        <p:tgtEl>
+                                          <p:spTgt spid="78"/>
+                                        </p:tgtEl>
+                                      </p:cBhvr>
+                                    </p:animEffect>
+                                  </p:childTnLst>
+                                </p:cTn>
+                              </p:par>
+                              <p:par>
+                                <p:cTn id="58" presetID="10" presetClass="exit" presetSubtype="0" fill="hold" nodeType="withEffect">
+                                  <p:stCondLst>
+                                    <p:cond delay="4000"/>
+                                  </p:stCondLst>
+                                  <p:childTnLst>
+                                    <p:animEffect transition="out" filter="fade">
+                                      <p:cBhvr>
+                                        <p:cTn id="59" dur="250"/>
+                                        <p:tgtEl>
+                                          <p:spTgt spid="78"/>
+                                        </p:tgtEl>
+                                      </p:cBhvr>
+                                    </p:animEffect>
+                                    <p:set>
+                                      <p:cBhvr>
+                                        <p:cTn id="60" dur="1" fill="hold">
+                                          <p:stCondLst>
+                                            <p:cond delay="249"/>
+                                          </p:stCondLst>
+                                        </p:cTn>
+                                        <p:tgtEl>
+                                          <p:spTgt spid="78"/>
+                                        </p:tgtEl>
+                                        <p:attrNameLst>
+                                          <p:attrName>style.visibility</p:attrName>
+                                        </p:attrNameLst>
+                                      </p:cBhvr>
+                                      <p:to>
+                                        <p:strVal val="hidden"/>
+                                      </p:to>
+                                    </p:set>
+                                  </p:childTnLst>
+                                </p:cTn>
+                              </p:par>
+                              <p:par>
+                                <p:cTn id="61" presetID="10" presetClass="entr" presetSubtype="0" fill="hold" nodeType="withEffect">
+                                  <p:stCondLst>
+                                    <p:cond delay="4000"/>
+                                  </p:stCondLst>
+                                  <p:childTnLst>
+                                    <p:set>
+                                      <p:cBhvr>
+                                        <p:cTn id="62" dur="1" fill="hold">
+                                          <p:stCondLst>
+                                            <p:cond delay="0"/>
+                                          </p:stCondLst>
+                                        </p:cTn>
+                                        <p:tgtEl>
+                                          <p:spTgt spid="72"/>
+                                        </p:tgtEl>
+                                        <p:attrNameLst>
+                                          <p:attrName>style.visibility</p:attrName>
+                                        </p:attrNameLst>
+                                      </p:cBhvr>
+                                      <p:to>
+                                        <p:strVal val="visible"/>
+                                      </p:to>
+                                    </p:set>
+                                    <p:animEffect transition="in" filter="fade">
+                                      <p:cBhvr>
+                                        <p:cTn id="63" dur="250"/>
+                                        <p:tgtEl>
+                                          <p:spTgt spid="72"/>
+                                        </p:tgtEl>
+                                      </p:cBhvr>
+                                    </p:animEffect>
+                                  </p:childTnLst>
+                                </p:cTn>
+                              </p:par>
+                              <p:par>
+                                <p:cTn id="64" presetID="10" presetClass="exit" presetSubtype="0" fill="hold" nodeType="withEffect">
+                                  <p:stCondLst>
+                                    <p:cond delay="4500"/>
+                                  </p:stCondLst>
+                                  <p:childTnLst>
+                                    <p:animEffect transition="out" filter="fade">
+                                      <p:cBhvr>
+                                        <p:cTn id="65" dur="250"/>
+                                        <p:tgtEl>
+                                          <p:spTgt spid="72"/>
+                                        </p:tgtEl>
+                                      </p:cBhvr>
+                                    </p:animEffect>
+                                    <p:set>
+                                      <p:cBhvr>
+                                        <p:cTn id="66" dur="1" fill="hold">
+                                          <p:stCondLst>
+                                            <p:cond delay="249"/>
+                                          </p:stCondLst>
+                                        </p:cTn>
+                                        <p:tgtEl>
+                                          <p:spTgt spid="72"/>
+                                        </p:tgtEl>
+                                        <p:attrNameLst>
+                                          <p:attrName>style.visibility</p:attrName>
+                                        </p:attrNameLst>
+                                      </p:cBhvr>
+                                      <p:to>
+                                        <p:strVal val="hidden"/>
+                                      </p:to>
+                                    </p:set>
+                                  </p:childTnLst>
+                                </p:cTn>
+                              </p:par>
+                              <p:par>
+                                <p:cTn id="67" presetID="10" presetClass="entr" presetSubtype="0" fill="hold" nodeType="withEffect">
+                                  <p:stCondLst>
+                                    <p:cond delay="4500"/>
+                                  </p:stCondLst>
+                                  <p:childTnLst>
+                                    <p:set>
+                                      <p:cBhvr>
+                                        <p:cTn id="68" dur="1" fill="hold">
+                                          <p:stCondLst>
+                                            <p:cond delay="0"/>
+                                          </p:stCondLst>
+                                        </p:cTn>
+                                        <p:tgtEl>
+                                          <p:spTgt spid="61"/>
+                                        </p:tgtEl>
+                                        <p:attrNameLst>
+                                          <p:attrName>style.visibility</p:attrName>
+                                        </p:attrNameLst>
+                                      </p:cBhvr>
+                                      <p:to>
+                                        <p:strVal val="visible"/>
+                                      </p:to>
+                                    </p:set>
+                                    <p:animEffect transition="in" filter="fade">
+                                      <p:cBhvr>
+                                        <p:cTn id="69" dur="250"/>
+                                        <p:tgtEl>
+                                          <p:spTgt spid="61"/>
+                                        </p:tgtEl>
+                                      </p:cBhvr>
+                                    </p:animEffect>
+                                  </p:childTnLst>
+                                </p:cTn>
+                              </p:par>
+                              <p:par>
+                                <p:cTn id="70" presetID="10" presetClass="exit" presetSubtype="0" fill="hold" nodeType="withEffect">
+                                  <p:stCondLst>
+                                    <p:cond delay="5000"/>
+                                  </p:stCondLst>
+                                  <p:childTnLst>
+                                    <p:animEffect transition="out" filter="fade">
+                                      <p:cBhvr>
+                                        <p:cTn id="71" dur="250"/>
+                                        <p:tgtEl>
+                                          <p:spTgt spid="61"/>
+                                        </p:tgtEl>
+                                      </p:cBhvr>
+                                    </p:animEffect>
+                                    <p:set>
+                                      <p:cBhvr>
+                                        <p:cTn id="72" dur="1" fill="hold">
+                                          <p:stCondLst>
+                                            <p:cond delay="249"/>
+                                          </p:stCondLst>
+                                        </p:cTn>
+                                        <p:tgtEl>
+                                          <p:spTgt spid="61"/>
+                                        </p:tgtEl>
+                                        <p:attrNameLst>
+                                          <p:attrName>style.visibility</p:attrName>
+                                        </p:attrNameLst>
+                                      </p:cBhvr>
+                                      <p:to>
+                                        <p:strVal val="hidden"/>
                                       </p:to>
                                     </p:set>
                                   </p:childTnLst>
@@ -9374,6 +12548,12 @@
         </p:cTn>
       </p:par>
     </p:tnLst>
+    <p:bldLst>
+      <p:bldP spid="59" grpId="0" animBg="1"/>
+      <p:bldP spid="59" grpId="1" animBg="1"/>
+      <p:bldP spid="85" grpId="0" animBg="1"/>
+      <p:bldP spid="85" grpId="1" animBg="1"/>
+    </p:bldLst>
   </p:timing>
 </p:sld>
 </file>
@@ -9428,14 +12608,18 @@
               <a:t> </a:t>
             </a:r>
             <a:r>
-              <a:rPr lang="en-US" altLang="ja-JP" smtClean="0">
+              <a:rPr lang="en-US" altLang="ja-JP" dirty="0" smtClean="0">
                 <a:latin typeface="メイリオ" panose="020B0604030504040204" pitchFamily="50" charset="-128"/>
                 <a:ea typeface="メイリオ" panose="020B0604030504040204" pitchFamily="50" charset="-128"/>
                 <a:cs typeface="メイリオ" panose="020B0604030504040204" pitchFamily="50" charset="-128"/>
               </a:rPr>
               <a:t>Patterns(3)</a:t>
             </a:r>
-            <a:endParaRPr kumimoji="1" lang="ja-JP" altLang="en-US" dirty="0"/>
+            <a:endParaRPr kumimoji="1" lang="ja-JP" altLang="en-US" dirty="0">
+              <a:latin typeface="メイリオ" panose="020B0604030504040204" pitchFamily="50" charset="-128"/>
+              <a:ea typeface="メイリオ" panose="020B0604030504040204" pitchFamily="50" charset="-128"/>
+              <a:cs typeface="メイリオ" panose="020B0604030504040204" pitchFamily="50" charset="-128"/>
+            </a:endParaRPr>
           </a:p>
         </p:txBody>
       </p:sp>
@@ -9454,7 +12638,19 @@
           <a:bodyPr/>
           <a:lstStyle/>
           <a:p>
-            <a:endParaRPr kumimoji="1" lang="ja-JP" altLang="en-US"/>
+            <a:r>
+              <a:rPr kumimoji="1" lang="en-US" altLang="ja-JP" dirty="0" smtClean="0">
+                <a:latin typeface="メイリオ" panose="020B0604030504040204" pitchFamily="50" charset="-128"/>
+                <a:ea typeface="メイリオ" panose="020B0604030504040204" pitchFamily="50" charset="-128"/>
+                <a:cs typeface="メイリオ" panose="020B0604030504040204" pitchFamily="50" charset="-128"/>
+              </a:rPr>
+              <a:t>XGA (1024 x 768)</a:t>
+            </a:r>
+            <a:endParaRPr kumimoji="1" lang="ja-JP" altLang="en-US" dirty="0">
+              <a:latin typeface="メイリオ" panose="020B0604030504040204" pitchFamily="50" charset="-128"/>
+              <a:ea typeface="メイリオ" panose="020B0604030504040204" pitchFamily="50" charset="-128"/>
+              <a:cs typeface="メイリオ" panose="020B0604030504040204" pitchFamily="50" charset="-128"/>
+            </a:endParaRPr>
           </a:p>
         </p:txBody>
       </p:sp>
@@ -9474,8 +12670,1213 @@
           <a:lstStyle/>
           <a:p>
             <a:fld id="{D64230CA-0B4E-4B5F-AAC4-223E39B2A9CE}" type="slidenum">
+              <a:rPr kumimoji="1" lang="ja-JP" altLang="en-US" smtClean="0">
+                <a:latin typeface="メイリオ" panose="020B0604030504040204" pitchFamily="50" charset="-128"/>
+                <a:ea typeface="メイリオ" panose="020B0604030504040204" pitchFamily="50" charset="-128"/>
+                <a:cs typeface="メイリオ" panose="020B0604030504040204" pitchFamily="50" charset="-128"/>
+              </a:rPr>
+              <a:t>14</a:t>
+            </a:fld>
+            <a:endParaRPr kumimoji="1" lang="ja-JP" altLang="en-US">
+              <a:latin typeface="メイリオ" panose="020B0604030504040204" pitchFamily="50" charset="-128"/>
+              <a:ea typeface="メイリオ" panose="020B0604030504040204" pitchFamily="50" charset="-128"/>
+              <a:cs typeface="メイリオ" panose="020B0604030504040204" pitchFamily="50" charset="-128"/>
+            </a:endParaRPr>
+          </a:p>
+        </p:txBody>
+      </p:sp>
+      <p:sp>
+        <p:nvSpPr>
+          <p:cNvPr id="8" name="テキスト ボックス 7"/>
+          <p:cNvSpPr txBox="1"/>
+          <p:nvPr/>
+        </p:nvSpPr>
+        <p:spPr>
+          <a:xfrm>
+            <a:off x="1087343" y="2332329"/>
+            <a:ext cx="1066800" cy="461665"/>
+          </a:xfrm>
+          <a:prstGeom prst="rect">
+            <a:avLst/>
+          </a:prstGeom>
+          <a:noFill/>
+        </p:spPr>
+        <p:txBody>
+          <a:bodyPr wrap="square" rtlCol="0">
+            <a:spAutoFit/>
+          </a:bodyPr>
+          <a:lstStyle/>
+          <a:p>
+            <a:r>
+              <a:rPr kumimoji="1" lang="en-US" altLang="ja-JP" sz="2400" dirty="0" smtClean="0">
+                <a:latin typeface="メイリオ" panose="020B0604030504040204" pitchFamily="50" charset="-128"/>
+                <a:ea typeface="メイリオ" panose="020B0604030504040204" pitchFamily="50" charset="-128"/>
+                <a:cs typeface="メイリオ" panose="020B0604030504040204" pitchFamily="50" charset="-128"/>
+              </a:rPr>
+              <a:t>(0, 0)</a:t>
+            </a:r>
+            <a:endParaRPr kumimoji="1" lang="ja-JP" altLang="en-US" sz="2400" dirty="0">
+              <a:latin typeface="メイリオ" panose="020B0604030504040204" pitchFamily="50" charset="-128"/>
+              <a:ea typeface="メイリオ" panose="020B0604030504040204" pitchFamily="50" charset="-128"/>
+              <a:cs typeface="メイリオ" panose="020B0604030504040204" pitchFamily="50" charset="-128"/>
+            </a:endParaRPr>
+          </a:p>
+        </p:txBody>
+      </p:sp>
+      <p:sp>
+        <p:nvSpPr>
+          <p:cNvPr id="9" name="テキスト ボックス 8"/>
+          <p:cNvSpPr txBox="1"/>
+          <p:nvPr/>
+        </p:nvSpPr>
+        <p:spPr>
+          <a:xfrm>
+            <a:off x="688199" y="6054599"/>
+            <a:ext cx="1799771" cy="461665"/>
+          </a:xfrm>
+          <a:prstGeom prst="rect">
+            <a:avLst/>
+          </a:prstGeom>
+          <a:noFill/>
+        </p:spPr>
+        <p:txBody>
+          <a:bodyPr wrap="square" rtlCol="0">
+            <a:spAutoFit/>
+          </a:bodyPr>
+          <a:lstStyle/>
+          <a:p>
+            <a:r>
+              <a:rPr kumimoji="1" lang="en-US" altLang="ja-JP" dirty="0" smtClean="0">
+                <a:latin typeface="メイリオ" panose="020B0604030504040204" pitchFamily="50" charset="-128"/>
+                <a:ea typeface="メイリオ" panose="020B0604030504040204" pitchFamily="50" charset="-128"/>
+                <a:cs typeface="メイリオ" panose="020B0604030504040204" pitchFamily="50" charset="-128"/>
+              </a:rPr>
+              <a:t>(</a:t>
+            </a:r>
+            <a:r>
+              <a:rPr lang="en-US" altLang="ja-JP" sz="2400" dirty="0">
+                <a:latin typeface="メイリオ" panose="020B0604030504040204" pitchFamily="50" charset="-128"/>
+                <a:ea typeface="メイリオ" panose="020B0604030504040204" pitchFamily="50" charset="-128"/>
+                <a:cs typeface="メイリオ" panose="020B0604030504040204" pitchFamily="50" charset="-128"/>
+              </a:rPr>
+              <a:t>0</a:t>
+            </a:r>
+            <a:r>
+              <a:rPr kumimoji="1" lang="en-US" altLang="ja-JP" sz="2400" dirty="0" smtClean="0">
+                <a:latin typeface="メイリオ" panose="020B0604030504040204" pitchFamily="50" charset="-128"/>
+                <a:ea typeface="メイリオ" panose="020B0604030504040204" pitchFamily="50" charset="-128"/>
+                <a:cs typeface="メイリオ" panose="020B0604030504040204" pitchFamily="50" charset="-128"/>
+              </a:rPr>
+              <a:t>, </a:t>
+            </a:r>
+            <a:r>
+              <a:rPr lang="en-US" altLang="ja-JP" sz="2400" dirty="0" smtClean="0">
+                <a:latin typeface="メイリオ" panose="020B0604030504040204" pitchFamily="50" charset="-128"/>
+                <a:ea typeface="メイリオ" panose="020B0604030504040204" pitchFamily="50" charset="-128"/>
+                <a:cs typeface="メイリオ" panose="020B0604030504040204" pitchFamily="50" charset="-128"/>
+              </a:rPr>
+              <a:t>767</a:t>
+            </a:r>
+            <a:r>
+              <a:rPr kumimoji="1" lang="en-US" altLang="ja-JP" sz="2400" dirty="0" smtClean="0">
+                <a:latin typeface="メイリオ" panose="020B0604030504040204" pitchFamily="50" charset="-128"/>
+                <a:ea typeface="メイリオ" panose="020B0604030504040204" pitchFamily="50" charset="-128"/>
+                <a:cs typeface="メイリオ" panose="020B0604030504040204" pitchFamily="50" charset="-128"/>
+              </a:rPr>
+              <a:t>)</a:t>
+            </a:r>
+            <a:endParaRPr kumimoji="1" lang="ja-JP" altLang="en-US" sz="2400" dirty="0">
+              <a:latin typeface="メイリオ" panose="020B0604030504040204" pitchFamily="50" charset="-128"/>
+              <a:ea typeface="メイリオ" panose="020B0604030504040204" pitchFamily="50" charset="-128"/>
+              <a:cs typeface="メイリオ" panose="020B0604030504040204" pitchFamily="50" charset="-128"/>
+            </a:endParaRPr>
+          </a:p>
+        </p:txBody>
+      </p:sp>
+      <p:sp>
+        <p:nvSpPr>
+          <p:cNvPr id="10" name="テキスト ボックス 9"/>
+          <p:cNvSpPr txBox="1"/>
+          <p:nvPr/>
+        </p:nvSpPr>
+        <p:spPr>
+          <a:xfrm>
+            <a:off x="6922700" y="2276625"/>
+            <a:ext cx="1654631" cy="461665"/>
+          </a:xfrm>
+          <a:prstGeom prst="rect">
+            <a:avLst/>
+          </a:prstGeom>
+          <a:noFill/>
+        </p:spPr>
+        <p:txBody>
+          <a:bodyPr wrap="square" rtlCol="0">
+            <a:spAutoFit/>
+          </a:bodyPr>
+          <a:lstStyle/>
+          <a:p>
+            <a:r>
+              <a:rPr kumimoji="1" lang="en-US" altLang="ja-JP" dirty="0" smtClean="0">
+                <a:latin typeface="メイリオ" panose="020B0604030504040204" pitchFamily="50" charset="-128"/>
+                <a:ea typeface="メイリオ" panose="020B0604030504040204" pitchFamily="50" charset="-128"/>
+                <a:cs typeface="メイリオ" panose="020B0604030504040204" pitchFamily="50" charset="-128"/>
+              </a:rPr>
+              <a:t>(</a:t>
+            </a:r>
+            <a:r>
+              <a:rPr lang="en-US" altLang="ja-JP" sz="2400" dirty="0" smtClean="0">
+                <a:latin typeface="メイリオ" panose="020B0604030504040204" pitchFamily="50" charset="-128"/>
+                <a:ea typeface="メイリオ" panose="020B0604030504040204" pitchFamily="50" charset="-128"/>
+                <a:cs typeface="メイリオ" panose="020B0604030504040204" pitchFamily="50" charset="-128"/>
+              </a:rPr>
+              <a:t>1023</a:t>
+            </a:r>
+            <a:r>
+              <a:rPr kumimoji="1" lang="en-US" altLang="ja-JP" sz="2400" dirty="0" smtClean="0">
+                <a:latin typeface="メイリオ" panose="020B0604030504040204" pitchFamily="50" charset="-128"/>
+                <a:ea typeface="メイリオ" panose="020B0604030504040204" pitchFamily="50" charset="-128"/>
+                <a:cs typeface="メイリオ" panose="020B0604030504040204" pitchFamily="50" charset="-128"/>
+              </a:rPr>
+              <a:t>, 0)</a:t>
+            </a:r>
+            <a:endParaRPr kumimoji="1" lang="ja-JP" altLang="en-US" sz="2400" dirty="0">
+              <a:latin typeface="メイリオ" panose="020B0604030504040204" pitchFamily="50" charset="-128"/>
+              <a:ea typeface="メイリオ" panose="020B0604030504040204" pitchFamily="50" charset="-128"/>
+              <a:cs typeface="メイリオ" panose="020B0604030504040204" pitchFamily="50" charset="-128"/>
+            </a:endParaRPr>
+          </a:p>
+        </p:txBody>
+      </p:sp>
+      <p:sp>
+        <p:nvSpPr>
+          <p:cNvPr id="11" name="テキスト ボックス 10"/>
+          <p:cNvSpPr txBox="1"/>
+          <p:nvPr/>
+        </p:nvSpPr>
+        <p:spPr>
+          <a:xfrm>
+            <a:off x="6276198" y="6215207"/>
+            <a:ext cx="2097314" cy="461665"/>
+          </a:xfrm>
+          <a:prstGeom prst="rect">
+            <a:avLst/>
+          </a:prstGeom>
+          <a:noFill/>
+        </p:spPr>
+        <p:txBody>
+          <a:bodyPr wrap="square" rtlCol="0">
+            <a:spAutoFit/>
+          </a:bodyPr>
+          <a:lstStyle/>
+          <a:p>
+            <a:r>
+              <a:rPr lang="en-US" altLang="ja-JP" sz="2400" dirty="0" smtClean="0">
+                <a:latin typeface="メイリオ" panose="020B0604030504040204" pitchFamily="50" charset="-128"/>
+                <a:ea typeface="メイリオ" panose="020B0604030504040204" pitchFamily="50" charset="-128"/>
+                <a:cs typeface="メイリオ" panose="020B0604030504040204" pitchFamily="50" charset="-128"/>
+              </a:rPr>
+              <a:t>(1023</a:t>
+            </a:r>
+            <a:r>
+              <a:rPr kumimoji="1" lang="en-US" altLang="ja-JP" sz="2400" smtClean="0">
+                <a:latin typeface="メイリオ" panose="020B0604030504040204" pitchFamily="50" charset="-128"/>
+                <a:ea typeface="メイリオ" panose="020B0604030504040204" pitchFamily="50" charset="-128"/>
+                <a:cs typeface="メイリオ" panose="020B0604030504040204" pitchFamily="50" charset="-128"/>
+              </a:rPr>
+              <a:t>, </a:t>
+            </a:r>
+            <a:r>
+              <a:rPr lang="en-US" altLang="ja-JP" sz="2400" smtClean="0">
+                <a:latin typeface="メイリオ" panose="020B0604030504040204" pitchFamily="50" charset="-128"/>
+                <a:ea typeface="メイリオ" panose="020B0604030504040204" pitchFamily="50" charset="-128"/>
+                <a:cs typeface="メイリオ" panose="020B0604030504040204" pitchFamily="50" charset="-128"/>
+              </a:rPr>
+              <a:t>768</a:t>
+            </a:r>
+            <a:r>
+              <a:rPr kumimoji="1" lang="en-US" altLang="ja-JP" sz="2400" smtClean="0">
+                <a:latin typeface="メイリオ" panose="020B0604030504040204" pitchFamily="50" charset="-128"/>
+                <a:ea typeface="メイリオ" panose="020B0604030504040204" pitchFamily="50" charset="-128"/>
+                <a:cs typeface="メイリオ" panose="020B0604030504040204" pitchFamily="50" charset="-128"/>
+              </a:rPr>
+              <a:t>)</a:t>
+            </a:r>
+            <a:endParaRPr kumimoji="1" lang="ja-JP" altLang="en-US" sz="2400" dirty="0">
+              <a:latin typeface="メイリオ" panose="020B0604030504040204" pitchFamily="50" charset="-128"/>
+              <a:ea typeface="メイリオ" panose="020B0604030504040204" pitchFamily="50" charset="-128"/>
+              <a:cs typeface="メイリオ" panose="020B0604030504040204" pitchFamily="50" charset="-128"/>
+            </a:endParaRPr>
+          </a:p>
+        </p:txBody>
+      </p:sp>
+      <p:cxnSp>
+        <p:nvCxnSpPr>
+          <p:cNvPr id="13" name="直線矢印コネクタ 12"/>
+          <p:cNvCxnSpPr/>
+          <p:nvPr/>
+        </p:nvCxnSpPr>
+        <p:spPr>
+          <a:xfrm>
+            <a:off x="11684000" y="2481943"/>
+            <a:ext cx="914400" cy="914400"/>
+          </a:xfrm>
+          <a:prstGeom prst="straightConnector1">
+            <a:avLst/>
+          </a:prstGeom>
+          <a:ln>
+            <a:tailEnd type="triangle"/>
+          </a:ln>
+        </p:spPr>
+        <p:style>
+          <a:lnRef idx="1">
+            <a:schemeClr val="accent1"/>
+          </a:lnRef>
+          <a:fillRef idx="0">
+            <a:schemeClr val="accent1"/>
+          </a:fillRef>
+          <a:effectRef idx="0">
+            <a:schemeClr val="accent1"/>
+          </a:effectRef>
+          <a:fontRef idx="minor">
+            <a:schemeClr val="tx1"/>
+          </a:fontRef>
+        </p:style>
+      </p:cxnSp>
+      <p:sp>
+        <p:nvSpPr>
+          <p:cNvPr id="5" name="正方形/長方形 4"/>
+          <p:cNvSpPr/>
+          <p:nvPr/>
+        </p:nvSpPr>
+        <p:spPr>
+          <a:xfrm>
+            <a:off x="2139621" y="2670137"/>
+            <a:ext cx="4630058" cy="3441520"/>
+          </a:xfrm>
+          <a:prstGeom prst="rect">
+            <a:avLst/>
+          </a:prstGeom>
+          <a:solidFill>
+            <a:schemeClr val="accent3">
+              <a:lumMod val="85000"/>
+            </a:schemeClr>
+          </a:solidFill>
+        </p:spPr>
+        <p:style>
+          <a:lnRef idx="2">
+            <a:schemeClr val="accent1">
+              <a:shade val="50000"/>
+            </a:schemeClr>
+          </a:lnRef>
+          <a:fillRef idx="1">
+            <a:schemeClr val="accent1"/>
+          </a:fillRef>
+          <a:effectRef idx="0">
+            <a:schemeClr val="accent1"/>
+          </a:effectRef>
+          <a:fontRef idx="minor">
+            <a:schemeClr val="lt1"/>
+          </a:fontRef>
+        </p:style>
+        <p:txBody>
+          <a:bodyPr rtlCol="0" anchor="ctr"/>
+          <a:lstStyle/>
+          <a:p>
+            <a:pPr algn="ctr"/>
+            <a:r>
+              <a:rPr kumimoji="1" lang="en-US" altLang="ja-JP" sz="4000" dirty="0" smtClean="0">
+                <a:solidFill>
+                  <a:schemeClr val="bg2"/>
+                </a:solidFill>
+                <a:latin typeface="メイリオ" panose="020B0604030504040204" pitchFamily="50" charset="-128"/>
+                <a:ea typeface="メイリオ" panose="020B0604030504040204" pitchFamily="50" charset="-128"/>
+                <a:cs typeface="メイリオ" panose="020B0604030504040204" pitchFamily="50" charset="-128"/>
+              </a:rPr>
+              <a:t>Screen</a:t>
+            </a:r>
+            <a:endParaRPr kumimoji="1" lang="ja-JP" altLang="en-US" sz="4000" dirty="0">
+              <a:solidFill>
+                <a:schemeClr val="bg2"/>
+              </a:solidFill>
+              <a:latin typeface="メイリオ" panose="020B0604030504040204" pitchFamily="50" charset="-128"/>
+              <a:ea typeface="メイリオ" panose="020B0604030504040204" pitchFamily="50" charset="-128"/>
+              <a:cs typeface="メイリオ" panose="020B0604030504040204" pitchFamily="50" charset="-128"/>
+            </a:endParaRPr>
+          </a:p>
+        </p:txBody>
+      </p:sp>
+      <p:pic>
+        <p:nvPicPr>
+          <p:cNvPr id="18" name="図 17"/>
+          <p:cNvPicPr>
+            <a:picLocks noChangeAspect="1"/>
+          </p:cNvPicPr>
+          <p:nvPr/>
+        </p:nvPicPr>
+        <p:blipFill>
+          <a:blip r:embed="rId3">
+            <a:extLst>
+              <a:ext uri="{28A0092B-C50C-407E-A947-70E740481C1C}">
+                <a14:useLocalDpi xmlns:a14="http://schemas.microsoft.com/office/drawing/2010/main" val="0"/>
+              </a:ext>
+            </a:extLst>
+          </a:blip>
+          <a:stretch>
+            <a:fillRect/>
+          </a:stretch>
+        </p:blipFill>
+        <p:spPr>
+          <a:xfrm>
+            <a:off x="2139625" y="2654625"/>
+            <a:ext cx="4630061" cy="3472545"/>
+          </a:xfrm>
+          <a:prstGeom prst="rect">
+            <a:avLst/>
+          </a:prstGeom>
+        </p:spPr>
+      </p:pic>
+      <p:sp>
+        <p:nvSpPr>
+          <p:cNvPr id="16" name="星 5 15"/>
+          <p:cNvSpPr/>
+          <p:nvPr/>
+        </p:nvSpPr>
+        <p:spPr>
+          <a:xfrm>
+            <a:off x="6604584" y="2499708"/>
+            <a:ext cx="389467" cy="346067"/>
+          </a:xfrm>
+          <a:prstGeom prst="star5">
+            <a:avLst/>
+          </a:prstGeom>
+          <a:solidFill>
+            <a:schemeClr val="accent2"/>
+          </a:solidFill>
+          <a:ln>
+            <a:solidFill>
+              <a:schemeClr val="accent2"/>
+            </a:solidFill>
+          </a:ln>
+        </p:spPr>
+        <p:style>
+          <a:lnRef idx="2">
+            <a:schemeClr val="accent1">
+              <a:shade val="50000"/>
+            </a:schemeClr>
+          </a:lnRef>
+          <a:fillRef idx="1">
+            <a:schemeClr val="accent1"/>
+          </a:fillRef>
+          <a:effectRef idx="0">
+            <a:schemeClr val="accent1"/>
+          </a:effectRef>
+          <a:fontRef idx="minor">
+            <a:schemeClr val="lt1"/>
+          </a:fontRef>
+        </p:style>
+        <p:txBody>
+          <a:bodyPr rtlCol="0" anchor="ctr"/>
+          <a:lstStyle/>
+          <a:p>
+            <a:pPr algn="ctr"/>
+            <a:endParaRPr kumimoji="1" lang="ja-JP" altLang="en-US"/>
+          </a:p>
+        </p:txBody>
+      </p:sp>
+      <p:sp>
+        <p:nvSpPr>
+          <p:cNvPr id="17" name="星 5 16"/>
+          <p:cNvSpPr/>
+          <p:nvPr/>
+        </p:nvSpPr>
+        <p:spPr>
+          <a:xfrm>
+            <a:off x="6589465" y="5881565"/>
+            <a:ext cx="389467" cy="346067"/>
+          </a:xfrm>
+          <a:prstGeom prst="star5">
+            <a:avLst/>
+          </a:prstGeom>
+          <a:solidFill>
+            <a:schemeClr val="accent2"/>
+          </a:solidFill>
+          <a:ln>
+            <a:solidFill>
+              <a:schemeClr val="accent2"/>
+            </a:solidFill>
+          </a:ln>
+        </p:spPr>
+        <p:style>
+          <a:lnRef idx="2">
+            <a:schemeClr val="accent1">
+              <a:shade val="50000"/>
+            </a:schemeClr>
+          </a:lnRef>
+          <a:fillRef idx="1">
+            <a:schemeClr val="accent1"/>
+          </a:fillRef>
+          <a:effectRef idx="0">
+            <a:schemeClr val="accent1"/>
+          </a:effectRef>
+          <a:fontRef idx="minor">
+            <a:schemeClr val="lt1"/>
+          </a:fontRef>
+        </p:style>
+        <p:txBody>
+          <a:bodyPr rtlCol="0" anchor="ctr"/>
+          <a:lstStyle/>
+          <a:p>
+            <a:pPr algn="ctr"/>
+            <a:endParaRPr kumimoji="1" lang="ja-JP" altLang="en-US"/>
+          </a:p>
+        </p:txBody>
+      </p:sp>
+      <p:sp>
+        <p:nvSpPr>
+          <p:cNvPr id="14" name="星 5 13"/>
+          <p:cNvSpPr/>
+          <p:nvPr/>
+        </p:nvSpPr>
+        <p:spPr>
+          <a:xfrm>
+            <a:off x="1959407" y="2507458"/>
+            <a:ext cx="389467" cy="346067"/>
+          </a:xfrm>
+          <a:prstGeom prst="star5">
+            <a:avLst/>
+          </a:prstGeom>
+          <a:solidFill>
+            <a:schemeClr val="accent2"/>
+          </a:solidFill>
+          <a:ln>
+            <a:solidFill>
+              <a:schemeClr val="accent2"/>
+            </a:solidFill>
+          </a:ln>
+        </p:spPr>
+        <p:style>
+          <a:lnRef idx="2">
+            <a:schemeClr val="accent1">
+              <a:shade val="50000"/>
+            </a:schemeClr>
+          </a:lnRef>
+          <a:fillRef idx="1">
+            <a:schemeClr val="accent1"/>
+          </a:fillRef>
+          <a:effectRef idx="0">
+            <a:schemeClr val="accent1"/>
+          </a:effectRef>
+          <a:fontRef idx="minor">
+            <a:schemeClr val="lt1"/>
+          </a:fontRef>
+        </p:style>
+        <p:txBody>
+          <a:bodyPr rtlCol="0" anchor="ctr"/>
+          <a:lstStyle/>
+          <a:p>
+            <a:pPr algn="ctr"/>
+            <a:endParaRPr kumimoji="1" lang="ja-JP" altLang="en-US"/>
+          </a:p>
+        </p:txBody>
+      </p:sp>
+      <p:sp>
+        <p:nvSpPr>
+          <p:cNvPr id="15" name="星 5 14"/>
+          <p:cNvSpPr/>
+          <p:nvPr/>
+        </p:nvSpPr>
+        <p:spPr>
+          <a:xfrm>
+            <a:off x="1950940" y="5925107"/>
+            <a:ext cx="389467" cy="346067"/>
+          </a:xfrm>
+          <a:prstGeom prst="star5">
+            <a:avLst/>
+          </a:prstGeom>
+          <a:solidFill>
+            <a:schemeClr val="accent2"/>
+          </a:solidFill>
+          <a:ln>
+            <a:solidFill>
+              <a:schemeClr val="accent2"/>
+            </a:solidFill>
+          </a:ln>
+        </p:spPr>
+        <p:style>
+          <a:lnRef idx="2">
+            <a:schemeClr val="accent1">
+              <a:shade val="50000"/>
+            </a:schemeClr>
+          </a:lnRef>
+          <a:fillRef idx="1">
+            <a:schemeClr val="accent1"/>
+          </a:fillRef>
+          <a:effectRef idx="0">
+            <a:schemeClr val="accent1"/>
+          </a:effectRef>
+          <a:fontRef idx="minor">
+            <a:schemeClr val="lt1"/>
+          </a:fontRef>
+        </p:style>
+        <p:txBody>
+          <a:bodyPr rtlCol="0" anchor="ctr"/>
+          <a:lstStyle/>
+          <a:p>
+            <a:pPr algn="ctr"/>
+            <a:endParaRPr kumimoji="1" lang="ja-JP" altLang="en-US"/>
+          </a:p>
+        </p:txBody>
+      </p:sp>
+      <p:sp>
+        <p:nvSpPr>
+          <p:cNvPr id="23" name="テキスト ボックス 22"/>
+          <p:cNvSpPr txBox="1"/>
+          <p:nvPr/>
+        </p:nvSpPr>
+        <p:spPr>
+          <a:xfrm>
+            <a:off x="3925508" y="2264524"/>
+            <a:ext cx="1420566" cy="369332"/>
+          </a:xfrm>
+          <a:prstGeom prst="rect">
+            <a:avLst/>
+          </a:prstGeom>
+          <a:noFill/>
+        </p:spPr>
+        <p:txBody>
+          <a:bodyPr wrap="square" rtlCol="0">
+            <a:spAutoFit/>
+          </a:bodyPr>
+          <a:lstStyle/>
+          <a:p>
+            <a:r>
+              <a:rPr kumimoji="1" lang="en-US" altLang="ja-JP" dirty="0" smtClean="0">
+                <a:latin typeface="メイリオ" panose="020B0604030504040204" pitchFamily="50" charset="-128"/>
+                <a:ea typeface="メイリオ" panose="020B0604030504040204" pitchFamily="50" charset="-128"/>
+                <a:cs typeface="メイリオ" panose="020B0604030504040204" pitchFamily="50" charset="-128"/>
+              </a:rPr>
+              <a:t>Length = ?</a:t>
+            </a:r>
+            <a:endParaRPr kumimoji="1" lang="ja-JP" altLang="en-US" dirty="0">
+              <a:latin typeface="メイリオ" panose="020B0604030504040204" pitchFamily="50" charset="-128"/>
+              <a:ea typeface="メイリオ" panose="020B0604030504040204" pitchFamily="50" charset="-128"/>
+              <a:cs typeface="メイリオ" panose="020B0604030504040204" pitchFamily="50" charset="-128"/>
+            </a:endParaRPr>
+          </a:p>
+        </p:txBody>
+      </p:sp>
+      <p:sp>
+        <p:nvSpPr>
+          <p:cNvPr id="25" name="テキスト ボックス 24"/>
+          <p:cNvSpPr txBox="1"/>
+          <p:nvPr/>
+        </p:nvSpPr>
+        <p:spPr>
+          <a:xfrm>
+            <a:off x="530374" y="4249380"/>
+            <a:ext cx="1420566" cy="369332"/>
+          </a:xfrm>
+          <a:prstGeom prst="rect">
+            <a:avLst/>
+          </a:prstGeom>
+          <a:noFill/>
+        </p:spPr>
+        <p:txBody>
+          <a:bodyPr wrap="square" rtlCol="0">
+            <a:spAutoFit/>
+          </a:bodyPr>
+          <a:lstStyle/>
+          <a:p>
+            <a:r>
+              <a:rPr kumimoji="1" lang="en-US" altLang="ja-JP" dirty="0" smtClean="0">
+                <a:latin typeface="メイリオ" panose="020B0604030504040204" pitchFamily="50" charset="-128"/>
+                <a:ea typeface="メイリオ" panose="020B0604030504040204" pitchFamily="50" charset="-128"/>
+                <a:cs typeface="メイリオ" panose="020B0604030504040204" pitchFamily="50" charset="-128"/>
+              </a:rPr>
+              <a:t>Length = ?</a:t>
+            </a:r>
+            <a:endParaRPr kumimoji="1" lang="ja-JP" altLang="en-US" dirty="0">
+              <a:latin typeface="メイリオ" panose="020B0604030504040204" pitchFamily="50" charset="-128"/>
+              <a:ea typeface="メイリオ" panose="020B0604030504040204" pitchFamily="50" charset="-128"/>
+              <a:cs typeface="メイリオ" panose="020B0604030504040204" pitchFamily="50" charset="-128"/>
+            </a:endParaRPr>
+          </a:p>
+        </p:txBody>
+      </p:sp>
+    </p:spTree>
+    <p:extLst>
+      <p:ext uri="{BB962C8B-B14F-4D97-AF65-F5344CB8AC3E}">
+        <p14:creationId xmlns:p14="http://schemas.microsoft.com/office/powerpoint/2010/main" val="3849557074"/>
+      </p:ext>
+    </p:extLst>
+  </p:cSld>
+  <p:clrMapOvr>
+    <a:masterClrMapping/>
+  </p:clrMapOvr>
+  <p:timing>
+    <p:tnLst>
+      <p:par>
+        <p:cTn id="1" dur="indefinite" restart="never" nodeType="tmRoot">
+          <p:childTnLst>
+            <p:seq concurrent="1" nextAc="seek">
+              <p:cTn id="2" dur="indefinite" nodeType="mainSeq">
+                <p:childTnLst>
+                  <p:par>
+                    <p:cTn id="3" fill="hold">
+                      <p:stCondLst>
+                        <p:cond delay="indefinite"/>
+                      </p:stCondLst>
+                      <p:childTnLst>
+                        <p:par>
+                          <p:cTn id="4" fill="hold">
+                            <p:stCondLst>
+                              <p:cond delay="0"/>
+                            </p:stCondLst>
+                            <p:childTnLst>
+                              <p:par>
+                                <p:cTn id="5" presetID="10" presetClass="entr" presetSubtype="0" fill="hold" grpId="0" nodeType="clickEffect">
+                                  <p:stCondLst>
+                                    <p:cond delay="0"/>
+                                  </p:stCondLst>
+                                  <p:childTnLst>
+                                    <p:set>
+                                      <p:cBhvr>
+                                        <p:cTn id="6" dur="1" fill="hold">
+                                          <p:stCondLst>
+                                            <p:cond delay="0"/>
+                                          </p:stCondLst>
+                                        </p:cTn>
+                                        <p:tgtEl>
+                                          <p:spTgt spid="8"/>
+                                        </p:tgtEl>
+                                        <p:attrNameLst>
+                                          <p:attrName>style.visibility</p:attrName>
+                                        </p:attrNameLst>
+                                      </p:cBhvr>
+                                      <p:to>
+                                        <p:strVal val="visible"/>
+                                      </p:to>
+                                    </p:set>
+                                    <p:animEffect transition="in" filter="fade">
+                                      <p:cBhvr>
+                                        <p:cTn id="7" dur="500"/>
+                                        <p:tgtEl>
+                                          <p:spTgt spid="8"/>
+                                        </p:tgtEl>
+                                      </p:cBhvr>
+                                    </p:animEffect>
+                                  </p:childTnLst>
+                                </p:cTn>
+                              </p:par>
+                              <p:par>
+                                <p:cTn id="8" presetID="10" presetClass="entr" presetSubtype="0" fill="hold" grpId="0" nodeType="withEffect">
+                                  <p:stCondLst>
+                                    <p:cond delay="0"/>
+                                  </p:stCondLst>
+                                  <p:childTnLst>
+                                    <p:set>
+                                      <p:cBhvr>
+                                        <p:cTn id="9" dur="1" fill="hold">
+                                          <p:stCondLst>
+                                            <p:cond delay="0"/>
+                                          </p:stCondLst>
+                                        </p:cTn>
+                                        <p:tgtEl>
+                                          <p:spTgt spid="9"/>
+                                        </p:tgtEl>
+                                        <p:attrNameLst>
+                                          <p:attrName>style.visibility</p:attrName>
+                                        </p:attrNameLst>
+                                      </p:cBhvr>
+                                      <p:to>
+                                        <p:strVal val="visible"/>
+                                      </p:to>
+                                    </p:set>
+                                    <p:animEffect transition="in" filter="fade">
+                                      <p:cBhvr>
+                                        <p:cTn id="10" dur="500"/>
+                                        <p:tgtEl>
+                                          <p:spTgt spid="9"/>
+                                        </p:tgtEl>
+                                      </p:cBhvr>
+                                    </p:animEffect>
+                                  </p:childTnLst>
+                                </p:cTn>
+                              </p:par>
+                              <p:par>
+                                <p:cTn id="11" presetID="10" presetClass="entr" presetSubtype="0" fill="hold" grpId="0" nodeType="withEffect">
+                                  <p:stCondLst>
+                                    <p:cond delay="0"/>
+                                  </p:stCondLst>
+                                  <p:childTnLst>
+                                    <p:set>
+                                      <p:cBhvr>
+                                        <p:cTn id="12" dur="1" fill="hold">
+                                          <p:stCondLst>
+                                            <p:cond delay="0"/>
+                                          </p:stCondLst>
+                                        </p:cTn>
+                                        <p:tgtEl>
+                                          <p:spTgt spid="10"/>
+                                        </p:tgtEl>
+                                        <p:attrNameLst>
+                                          <p:attrName>style.visibility</p:attrName>
+                                        </p:attrNameLst>
+                                      </p:cBhvr>
+                                      <p:to>
+                                        <p:strVal val="visible"/>
+                                      </p:to>
+                                    </p:set>
+                                    <p:animEffect transition="in" filter="fade">
+                                      <p:cBhvr>
+                                        <p:cTn id="13" dur="500"/>
+                                        <p:tgtEl>
+                                          <p:spTgt spid="10"/>
+                                        </p:tgtEl>
+                                      </p:cBhvr>
+                                    </p:animEffect>
+                                  </p:childTnLst>
+                                </p:cTn>
+                              </p:par>
+                              <p:par>
+                                <p:cTn id="14" presetID="10" presetClass="entr" presetSubtype="0" fill="hold" grpId="0" nodeType="withEffect">
+                                  <p:stCondLst>
+                                    <p:cond delay="0"/>
+                                  </p:stCondLst>
+                                  <p:childTnLst>
+                                    <p:set>
+                                      <p:cBhvr>
+                                        <p:cTn id="15" dur="1" fill="hold">
+                                          <p:stCondLst>
+                                            <p:cond delay="0"/>
+                                          </p:stCondLst>
+                                        </p:cTn>
+                                        <p:tgtEl>
+                                          <p:spTgt spid="11"/>
+                                        </p:tgtEl>
+                                        <p:attrNameLst>
+                                          <p:attrName>style.visibility</p:attrName>
+                                        </p:attrNameLst>
+                                      </p:cBhvr>
+                                      <p:to>
+                                        <p:strVal val="visible"/>
+                                      </p:to>
+                                    </p:set>
+                                    <p:animEffect transition="in" filter="fade">
+                                      <p:cBhvr>
+                                        <p:cTn id="16" dur="500"/>
+                                        <p:tgtEl>
+                                          <p:spTgt spid="11"/>
+                                        </p:tgtEl>
+                                      </p:cBhvr>
+                                    </p:animEffect>
+                                  </p:childTnLst>
+                                </p:cTn>
+                              </p:par>
+                            </p:childTnLst>
+                          </p:cTn>
+                        </p:par>
+                      </p:childTnLst>
+                    </p:cTn>
+                  </p:par>
+                  <p:par>
+                    <p:cTn id="17" fill="hold">
+                      <p:stCondLst>
+                        <p:cond delay="indefinite"/>
+                      </p:stCondLst>
+                      <p:childTnLst>
+                        <p:par>
+                          <p:cTn id="18" fill="hold">
+                            <p:stCondLst>
+                              <p:cond delay="0"/>
+                            </p:stCondLst>
+                            <p:childTnLst>
+                              <p:par>
+                                <p:cTn id="19" presetID="10" presetClass="entr" presetSubtype="0" fill="hold" nodeType="clickEffect">
+                                  <p:stCondLst>
+                                    <p:cond delay="0"/>
+                                  </p:stCondLst>
+                                  <p:childTnLst>
+                                    <p:set>
+                                      <p:cBhvr>
+                                        <p:cTn id="20" dur="1" fill="hold">
+                                          <p:stCondLst>
+                                            <p:cond delay="0"/>
+                                          </p:stCondLst>
+                                        </p:cTn>
+                                        <p:tgtEl>
+                                          <p:spTgt spid="18"/>
+                                        </p:tgtEl>
+                                        <p:attrNameLst>
+                                          <p:attrName>style.visibility</p:attrName>
+                                        </p:attrNameLst>
+                                      </p:cBhvr>
+                                      <p:to>
+                                        <p:strVal val="visible"/>
+                                      </p:to>
+                                    </p:set>
+                                    <p:animEffect transition="in" filter="fade">
+                                      <p:cBhvr>
+                                        <p:cTn id="21" dur="500"/>
+                                        <p:tgtEl>
+                                          <p:spTgt spid="18"/>
+                                        </p:tgtEl>
+                                      </p:cBhvr>
+                                    </p:animEffect>
+                                  </p:childTnLst>
+                                </p:cTn>
+                              </p:par>
+                            </p:childTnLst>
+                          </p:cTn>
+                        </p:par>
+                      </p:childTnLst>
+                    </p:cTn>
+                  </p:par>
+                </p:childTnLst>
+              </p:cTn>
+              <p:prevCondLst>
+                <p:cond evt="onPrev" delay="0">
+                  <p:tgtEl>
+                    <p:sldTgt/>
+                  </p:tgtEl>
+                </p:cond>
+              </p:prevCondLst>
+              <p:nextCondLst>
+                <p:cond evt="onNext" delay="0">
+                  <p:tgtEl>
+                    <p:sldTgt/>
+                  </p:tgtEl>
+                </p:cond>
+              </p:nextCondLst>
+            </p:seq>
+          </p:childTnLst>
+        </p:cTn>
+      </p:par>
+    </p:tnLst>
+    <p:bldLst>
+      <p:bldP spid="8" grpId="0"/>
+      <p:bldP spid="9" grpId="0"/>
+      <p:bldP spid="10" grpId="0"/>
+      <p:bldP spid="11" grpId="0"/>
+    </p:bldLst>
+  </p:timing>
+</p:sld>
+</file>
+
+<file path=ppt/slides/slide15.xml><?xml version="1.0" encoding="utf-8"?>
+<p:sld xmlns:a="http://schemas.openxmlformats.org/drawingml/2006/main" xmlns:r="http://schemas.openxmlformats.org/officeDocument/2006/relationships" xmlns:p="http://schemas.openxmlformats.org/presentationml/2006/main">
+  <p:cSld>
+    <p:spTree>
+      <p:nvGrpSpPr>
+        <p:cNvPr id="1" name=""/>
+        <p:cNvGrpSpPr/>
+        <p:nvPr/>
+      </p:nvGrpSpPr>
+      <p:grpSpPr>
+        <a:xfrm>
+          <a:off x="0" y="0"/>
+          <a:ext cx="0" cy="0"/>
+          <a:chOff x="0" y="0"/>
+          <a:chExt cx="0" cy="0"/>
+        </a:xfrm>
+      </p:grpSpPr>
+      <p:sp>
+        <p:nvSpPr>
+          <p:cNvPr id="2" name="タイトル 1"/>
+          <p:cNvSpPr>
+            <a:spLocks noGrp="1"/>
+          </p:cNvSpPr>
+          <p:nvPr>
+            <p:ph type="title"/>
+          </p:nvPr>
+        </p:nvSpPr>
+        <p:spPr/>
+        <p:txBody>
+          <a:bodyPr/>
+          <a:lstStyle/>
+          <a:p>
+            <a:pPr algn="l"/>
+            <a:r>
+              <a:rPr lang="en-US" altLang="ja-JP" dirty="0">
+                <a:latin typeface="メイリオ" panose="020B0604030504040204" pitchFamily="50" charset="-128"/>
+                <a:ea typeface="メイリオ" panose="020B0604030504040204" pitchFamily="50" charset="-128"/>
+                <a:cs typeface="メイリオ" panose="020B0604030504040204" pitchFamily="50" charset="-128"/>
+              </a:rPr>
+              <a:t>Calibration</a:t>
+            </a:r>
+            <a:r>
+              <a:rPr lang="ja-JP" altLang="en-US" dirty="0">
+                <a:latin typeface="メイリオ" panose="020B0604030504040204" pitchFamily="50" charset="-128"/>
+                <a:ea typeface="メイリオ" panose="020B0604030504040204" pitchFamily="50" charset="-128"/>
+                <a:cs typeface="メイリオ" panose="020B0604030504040204" pitchFamily="50" charset="-128"/>
+              </a:rPr>
+              <a:t> </a:t>
+            </a:r>
+            <a:r>
+              <a:rPr lang="en-US" altLang="ja-JP" dirty="0" smtClean="0">
+                <a:latin typeface="メイリオ" panose="020B0604030504040204" pitchFamily="50" charset="-128"/>
+                <a:ea typeface="メイリオ" panose="020B0604030504040204" pitchFamily="50" charset="-128"/>
+                <a:cs typeface="メイリオ" panose="020B0604030504040204" pitchFamily="50" charset="-128"/>
+              </a:rPr>
+              <a:t>Patterns(</a:t>
+            </a:r>
+            <a:r>
+              <a:rPr lang="ja-JP" altLang="en-US" dirty="0" smtClean="0">
+                <a:latin typeface="メイリオ" panose="020B0604030504040204" pitchFamily="50" charset="-128"/>
+                <a:ea typeface="メイリオ" panose="020B0604030504040204" pitchFamily="50" charset="-128"/>
+                <a:cs typeface="メイリオ" panose="020B0604030504040204" pitchFamily="50" charset="-128"/>
+              </a:rPr>
+              <a:t>４</a:t>
+            </a:r>
+            <a:r>
+              <a:rPr lang="en-US" altLang="ja-JP" dirty="0" smtClean="0">
+                <a:latin typeface="メイリオ" panose="020B0604030504040204" pitchFamily="50" charset="-128"/>
+                <a:ea typeface="メイリオ" panose="020B0604030504040204" pitchFamily="50" charset="-128"/>
+                <a:cs typeface="メイリオ" panose="020B0604030504040204" pitchFamily="50" charset="-128"/>
+              </a:rPr>
+              <a:t>)</a:t>
+            </a:r>
+            <a:endParaRPr kumimoji="1" lang="ja-JP" altLang="en-US" dirty="0"/>
+          </a:p>
+        </p:txBody>
+      </p:sp>
+      <p:sp>
+        <p:nvSpPr>
+          <p:cNvPr id="3" name="コンテンツ プレースホルダー 2"/>
+          <p:cNvSpPr>
+            <a:spLocks noGrp="1"/>
+          </p:cNvSpPr>
+          <p:nvPr>
+            <p:ph idx="1"/>
+          </p:nvPr>
+        </p:nvSpPr>
+        <p:spPr>
+          <a:ln>
+            <a:noFill/>
+          </a:ln>
+        </p:spPr>
+        <p:txBody>
+          <a:bodyPr/>
+          <a:lstStyle/>
+          <a:p>
+            <a:pPr marL="0" indent="0">
+              <a:buNone/>
+            </a:pPr>
+            <a:r>
+              <a:rPr lang="ja-JP" altLang="en-US" dirty="0" smtClean="0">
+                <a:latin typeface="メイリオ" panose="020B0604030504040204" pitchFamily="50" charset="-128"/>
+                <a:ea typeface="メイリオ" panose="020B0604030504040204" pitchFamily="50" charset="-128"/>
+                <a:cs typeface="メイリオ" panose="020B0604030504040204" pitchFamily="50" charset="-128"/>
+              </a:rPr>
+              <a:t>必要なバイナリパターンの数</a:t>
+            </a:r>
+            <a:endParaRPr lang="en-US" altLang="ja-JP" dirty="0" smtClean="0">
+              <a:latin typeface="メイリオ" panose="020B0604030504040204" pitchFamily="50" charset="-128"/>
+              <a:ea typeface="メイリオ" panose="020B0604030504040204" pitchFamily="50" charset="-128"/>
+              <a:cs typeface="メイリオ" panose="020B0604030504040204" pitchFamily="50" charset="-128"/>
+            </a:endParaRPr>
+          </a:p>
+          <a:p>
+            <a:pPr marL="0" indent="0" algn="ctr">
+              <a:buNone/>
+            </a:pPr>
+            <a:r>
+              <a:rPr lang="en-US" altLang="ja-JP" dirty="0" smtClean="0">
+                <a:latin typeface="メイリオ" panose="020B0604030504040204" pitchFamily="50" charset="-128"/>
+                <a:ea typeface="メイリオ" panose="020B0604030504040204" pitchFamily="50" charset="-128"/>
+                <a:cs typeface="メイリオ" panose="020B0604030504040204" pitchFamily="50" charset="-128"/>
+              </a:rPr>
+              <a:t>O(log</a:t>
+            </a:r>
+            <a:r>
+              <a:rPr lang="en-US" altLang="ja-JP" sz="1600" b="1" dirty="0" smtClean="0">
+                <a:latin typeface="メイリオ" panose="020B0604030504040204" pitchFamily="50" charset="-128"/>
+                <a:ea typeface="メイリオ" panose="020B0604030504040204" pitchFamily="50" charset="-128"/>
+                <a:cs typeface="メイリオ" panose="020B0604030504040204" pitchFamily="50" charset="-128"/>
+              </a:rPr>
+              <a:t>2</a:t>
+            </a:r>
+            <a:r>
+              <a:rPr lang="en-US" altLang="ja-JP" sz="3600" dirty="0" smtClean="0">
+                <a:latin typeface="メイリオ" panose="020B0604030504040204" pitchFamily="50" charset="-128"/>
+                <a:ea typeface="メイリオ" panose="020B0604030504040204" pitchFamily="50" charset="-128"/>
+                <a:cs typeface="メイリオ" panose="020B0604030504040204" pitchFamily="50" charset="-128"/>
+              </a:rPr>
+              <a:t>n</a:t>
+            </a:r>
+            <a:r>
+              <a:rPr lang="en-US" altLang="ja-JP" dirty="0" smtClean="0">
+                <a:latin typeface="メイリオ" panose="020B0604030504040204" pitchFamily="50" charset="-128"/>
+                <a:ea typeface="メイリオ" panose="020B0604030504040204" pitchFamily="50" charset="-128"/>
+                <a:cs typeface="メイリオ" panose="020B0604030504040204" pitchFamily="50" charset="-128"/>
+              </a:rPr>
+              <a:t>)</a:t>
+            </a:r>
+            <a:r>
+              <a:rPr kumimoji="1" lang="en-US" altLang="ja-JP" dirty="0" smtClean="0">
+                <a:latin typeface="メイリオ" panose="020B0604030504040204" pitchFamily="50" charset="-128"/>
+                <a:ea typeface="メイリオ" panose="020B0604030504040204" pitchFamily="50" charset="-128"/>
+                <a:cs typeface="メイリオ" panose="020B0604030504040204" pitchFamily="50" charset="-128"/>
+              </a:rPr>
+              <a:t>   n:</a:t>
+            </a:r>
+            <a:r>
+              <a:rPr kumimoji="1" lang="ja-JP" altLang="en-US" dirty="0" smtClean="0">
+                <a:latin typeface="メイリオ" panose="020B0604030504040204" pitchFamily="50" charset="-128"/>
+                <a:ea typeface="メイリオ" panose="020B0604030504040204" pitchFamily="50" charset="-128"/>
+                <a:cs typeface="メイリオ" panose="020B0604030504040204" pitchFamily="50" charset="-128"/>
+              </a:rPr>
+              <a:t>ピクセル数</a:t>
+            </a:r>
+            <a:endParaRPr kumimoji="1" lang="en-US" altLang="ja-JP" dirty="0" smtClean="0">
+              <a:latin typeface="メイリオ" panose="020B0604030504040204" pitchFamily="50" charset="-128"/>
+              <a:ea typeface="メイリオ" panose="020B0604030504040204" pitchFamily="50" charset="-128"/>
+              <a:cs typeface="メイリオ" panose="020B0604030504040204" pitchFamily="50" charset="-128"/>
+            </a:endParaRPr>
+          </a:p>
+          <a:p>
+            <a:pPr marL="0" indent="0">
+              <a:buNone/>
+            </a:pPr>
+            <a:endParaRPr kumimoji="1" lang="en-US" altLang="ja-JP" dirty="0" smtClean="0">
+              <a:latin typeface="メイリオ" panose="020B0604030504040204" pitchFamily="50" charset="-128"/>
+              <a:ea typeface="メイリオ" panose="020B0604030504040204" pitchFamily="50" charset="-128"/>
+              <a:cs typeface="メイリオ" panose="020B0604030504040204" pitchFamily="50" charset="-128"/>
+            </a:endParaRPr>
+          </a:p>
+          <a:p>
+            <a:r>
+              <a:rPr kumimoji="1" lang="en-US" altLang="ja-JP" dirty="0" smtClean="0">
+                <a:latin typeface="メイリオ" panose="020B0604030504040204" pitchFamily="50" charset="-128"/>
+                <a:ea typeface="メイリオ" panose="020B0604030504040204" pitchFamily="50" charset="-128"/>
+                <a:cs typeface="メイリオ" panose="020B0604030504040204" pitchFamily="50" charset="-128"/>
+              </a:rPr>
+              <a:t>XGA </a:t>
+            </a:r>
+            <a:r>
+              <a:rPr lang="en-US" altLang="ja-JP" dirty="0" smtClean="0">
+                <a:latin typeface="メイリオ" panose="020B0604030504040204" pitchFamily="50" charset="-128"/>
+                <a:ea typeface="メイリオ" panose="020B0604030504040204" pitchFamily="50" charset="-128"/>
+                <a:cs typeface="メイリオ" panose="020B0604030504040204" pitchFamily="50" charset="-128"/>
+              </a:rPr>
+              <a:t>(</a:t>
+            </a:r>
+            <a:r>
+              <a:rPr kumimoji="1" lang="en-US" altLang="ja-JP" dirty="0" smtClean="0">
+                <a:latin typeface="メイリオ" panose="020B0604030504040204" pitchFamily="50" charset="-128"/>
+                <a:ea typeface="メイリオ" panose="020B0604030504040204" pitchFamily="50" charset="-128"/>
+                <a:cs typeface="メイリオ" panose="020B0604030504040204" pitchFamily="50" charset="-128"/>
+              </a:rPr>
+              <a:t>1024 x 768)</a:t>
+            </a:r>
+          </a:p>
+          <a:p>
+            <a:pPr lvl="1"/>
+            <a:r>
+              <a:rPr lang="en-US" altLang="ja-JP" dirty="0">
+                <a:latin typeface="メイリオ" panose="020B0604030504040204" pitchFamily="50" charset="-128"/>
+                <a:ea typeface="メイリオ" panose="020B0604030504040204" pitchFamily="50" charset="-128"/>
+                <a:cs typeface="メイリオ" panose="020B0604030504040204" pitchFamily="50" charset="-128"/>
+              </a:rPr>
+              <a:t> </a:t>
+            </a:r>
+            <a:r>
+              <a:rPr lang="en-US" altLang="ja-JP" dirty="0" smtClean="0">
+                <a:latin typeface="メイリオ" panose="020B0604030504040204" pitchFamily="50" charset="-128"/>
+                <a:ea typeface="メイリオ" panose="020B0604030504040204" pitchFamily="50" charset="-128"/>
+                <a:cs typeface="メイリオ" panose="020B0604030504040204" pitchFamily="50" charset="-128"/>
+              </a:rPr>
+              <a:t>20</a:t>
+            </a:r>
+            <a:r>
+              <a:rPr lang="ja-JP" altLang="en-US" dirty="0" smtClean="0">
+                <a:latin typeface="メイリオ" panose="020B0604030504040204" pitchFamily="50" charset="-128"/>
+                <a:ea typeface="メイリオ" panose="020B0604030504040204" pitchFamily="50" charset="-128"/>
+                <a:cs typeface="メイリオ" panose="020B0604030504040204" pitchFamily="50" charset="-128"/>
+              </a:rPr>
+              <a:t>個のバイナリパターンを照射</a:t>
+            </a:r>
+            <a:endParaRPr lang="en-US" altLang="ja-JP" dirty="0">
+              <a:latin typeface="メイリオ" panose="020B0604030504040204" pitchFamily="50" charset="-128"/>
+              <a:ea typeface="メイリオ" panose="020B0604030504040204" pitchFamily="50" charset="-128"/>
+              <a:cs typeface="メイリオ" panose="020B0604030504040204" pitchFamily="50" charset="-128"/>
+            </a:endParaRPr>
+          </a:p>
+          <a:p>
+            <a:r>
+              <a:rPr lang="ja-JP" altLang="en-US" dirty="0" smtClean="0">
+                <a:latin typeface="メイリオ" panose="020B0604030504040204" pitchFamily="50" charset="-128"/>
+                <a:ea typeface="メイリオ" panose="020B0604030504040204" pitchFamily="50" charset="-128"/>
+                <a:cs typeface="メイリオ" panose="020B0604030504040204" pitchFamily="50" charset="-128"/>
+              </a:rPr>
+              <a:t>アメリカ大陸の面積ほどのスクリーン</a:t>
+            </a:r>
+            <a:endParaRPr lang="en-US" altLang="ja-JP" dirty="0" smtClean="0">
+              <a:latin typeface="メイリオ" panose="020B0604030504040204" pitchFamily="50" charset="-128"/>
+              <a:ea typeface="メイリオ" panose="020B0604030504040204" pitchFamily="50" charset="-128"/>
+              <a:cs typeface="メイリオ" panose="020B0604030504040204" pitchFamily="50" charset="-128"/>
+            </a:endParaRPr>
+          </a:p>
+          <a:p>
+            <a:pPr lvl="1"/>
+            <a:r>
+              <a:rPr lang="ja-JP" altLang="en-US" dirty="0" smtClean="0">
+                <a:latin typeface="メイリオ" panose="020B0604030504040204" pitchFamily="50" charset="-128"/>
+                <a:ea typeface="メイリオ" panose="020B0604030504040204" pitchFamily="50" charset="-128"/>
+                <a:cs typeface="メイリオ" panose="020B0604030504040204" pitchFamily="50" charset="-128"/>
+              </a:rPr>
+              <a:t>理論的には</a:t>
+            </a:r>
+            <a:r>
+              <a:rPr lang="en-US" altLang="ja-JP" dirty="0" smtClean="0">
+                <a:latin typeface="メイリオ" panose="020B0604030504040204" pitchFamily="50" charset="-128"/>
+                <a:ea typeface="メイリオ" panose="020B0604030504040204" pitchFamily="50" charset="-128"/>
+                <a:cs typeface="メイリオ" panose="020B0604030504040204" pitchFamily="50" charset="-128"/>
+              </a:rPr>
+              <a:t>60</a:t>
+            </a:r>
+            <a:r>
+              <a:rPr lang="ja-JP" altLang="en-US" dirty="0" smtClean="0">
+                <a:latin typeface="メイリオ" panose="020B0604030504040204" pitchFamily="50" charset="-128"/>
+                <a:ea typeface="メイリオ" panose="020B0604030504040204" pitchFamily="50" charset="-128"/>
+                <a:cs typeface="メイリオ" panose="020B0604030504040204" pitchFamily="50" charset="-128"/>
+              </a:rPr>
+              <a:t>個のバイナリパターンを照射することでミリメートル精度でキャリブレーションが可能</a:t>
+            </a:r>
+            <a:endParaRPr lang="en-US" altLang="ja-JP" dirty="0" smtClean="0">
+              <a:latin typeface="メイリオ" panose="020B0604030504040204" pitchFamily="50" charset="-128"/>
+              <a:ea typeface="メイリオ" panose="020B0604030504040204" pitchFamily="50" charset="-128"/>
+              <a:cs typeface="メイリオ" panose="020B0604030504040204" pitchFamily="50" charset="-128"/>
+            </a:endParaRPr>
+          </a:p>
+          <a:p>
+            <a:pPr lvl="1"/>
+            <a:endParaRPr lang="en-US" altLang="ja-JP" dirty="0" smtClean="0">
+              <a:latin typeface="メイリオ" panose="020B0604030504040204" pitchFamily="50" charset="-128"/>
+              <a:ea typeface="メイリオ" panose="020B0604030504040204" pitchFamily="50" charset="-128"/>
+              <a:cs typeface="メイリオ" panose="020B0604030504040204" pitchFamily="50" charset="-128"/>
+            </a:endParaRPr>
+          </a:p>
+        </p:txBody>
+      </p:sp>
+      <p:sp>
+        <p:nvSpPr>
+          <p:cNvPr id="4" name="スライド番号プレースホルダー 3"/>
+          <p:cNvSpPr>
+            <a:spLocks noGrp="1"/>
+          </p:cNvSpPr>
+          <p:nvPr>
+            <p:ph type="sldNum" sz="quarter" idx="12"/>
+          </p:nvPr>
+        </p:nvSpPr>
+        <p:spPr/>
+        <p:txBody>
+          <a:bodyPr/>
+          <a:lstStyle/>
+          <a:p>
+            <a:fld id="{D64230CA-0B4E-4B5F-AAC4-223E39B2A9CE}" type="slidenum">
               <a:rPr kumimoji="1" lang="ja-JP" altLang="en-US" smtClean="0"/>
-              <a:t>14</a:t>
+              <a:t>15</a:t>
             </a:fld>
             <a:endParaRPr kumimoji="1" lang="ja-JP" altLang="en-US"/>
           </a:p>
@@ -10571,9 +14972,124 @@
   <p:timing>
     <p:tnLst>
       <p:par>
-        <p:cTn id="1" dur="indefinite" restart="never" nodeType="tmRoot"/>
+        <p:cTn id="1" dur="indefinite" restart="never" nodeType="tmRoot">
+          <p:childTnLst>
+            <p:seq concurrent="1" nextAc="seek">
+              <p:cTn id="2" dur="indefinite" nodeType="mainSeq">
+                <p:childTnLst>
+                  <p:par>
+                    <p:cTn id="3" fill="hold">
+                      <p:stCondLst>
+                        <p:cond delay="indefinite"/>
+                      </p:stCondLst>
+                      <p:childTnLst>
+                        <p:par>
+                          <p:cTn id="4" fill="hold">
+                            <p:stCondLst>
+                              <p:cond delay="0"/>
+                            </p:stCondLst>
+                            <p:childTnLst>
+                              <p:par>
+                                <p:cTn id="5" presetID="10" presetClass="entr" presetSubtype="0" fill="hold" grpId="0" nodeType="clickEffect">
+                                  <p:stCondLst>
+                                    <p:cond delay="0"/>
+                                  </p:stCondLst>
+                                  <p:childTnLst>
+                                    <p:set>
+                                      <p:cBhvr>
+                                        <p:cTn id="6" dur="1" fill="hold">
+                                          <p:stCondLst>
+                                            <p:cond delay="0"/>
+                                          </p:stCondLst>
+                                        </p:cTn>
+                                        <p:tgtEl>
+                                          <p:spTgt spid="4"/>
+                                        </p:tgtEl>
+                                        <p:attrNameLst>
+                                          <p:attrName>style.visibility</p:attrName>
+                                        </p:attrNameLst>
+                                      </p:cBhvr>
+                                      <p:to>
+                                        <p:strVal val="visible"/>
+                                      </p:to>
+                                    </p:set>
+                                    <p:animEffect transition="in" filter="fade">
+                                      <p:cBhvr>
+                                        <p:cTn id="7" dur="500"/>
+                                        <p:tgtEl>
+                                          <p:spTgt spid="4"/>
+                                        </p:tgtEl>
+                                      </p:cBhvr>
+                                    </p:animEffect>
+                                  </p:childTnLst>
+                                </p:cTn>
+                              </p:par>
+                              <p:par>
+                                <p:cTn id="8" presetID="10" presetClass="entr" presetSubtype="0" fill="hold" grpId="0" nodeType="withEffect">
+                                  <p:stCondLst>
+                                    <p:cond delay="0"/>
+                                  </p:stCondLst>
+                                  <p:childTnLst>
+                                    <p:set>
+                                      <p:cBhvr>
+                                        <p:cTn id="9" dur="1" fill="hold">
+                                          <p:stCondLst>
+                                            <p:cond delay="0"/>
+                                          </p:stCondLst>
+                                        </p:cTn>
+                                        <p:tgtEl>
+                                          <p:spTgt spid="5"/>
+                                        </p:tgtEl>
+                                        <p:attrNameLst>
+                                          <p:attrName>style.visibility</p:attrName>
+                                        </p:attrNameLst>
+                                      </p:cBhvr>
+                                      <p:to>
+                                        <p:strVal val="visible"/>
+                                      </p:to>
+                                    </p:set>
+                                    <p:animEffect transition="in" filter="fade">
+                                      <p:cBhvr>
+                                        <p:cTn id="10" dur="500"/>
+                                        <p:tgtEl>
+                                          <p:spTgt spid="5"/>
+                                        </p:tgtEl>
+                                      </p:cBhvr>
+                                    </p:animEffect>
+                                  </p:childTnLst>
+                                </p:cTn>
+                              </p:par>
+                            </p:childTnLst>
+                          </p:cTn>
+                        </p:par>
+                      </p:childTnLst>
+                    </p:cTn>
+                  </p:par>
+                </p:childTnLst>
+              </p:cTn>
+              <p:prevCondLst>
+                <p:cond evt="onPrev" delay="0">
+                  <p:tgtEl>
+                    <p:sldTgt/>
+                  </p:tgtEl>
+                </p:cond>
+              </p:prevCondLst>
+              <p:nextCondLst>
+                <p:cond evt="onNext" delay="0">
+                  <p:tgtEl>
+                    <p:sldTgt/>
+                  </p:tgtEl>
+                </p:cond>
+              </p:nextCondLst>
+            </p:seq>
+          </p:childTnLst>
+        </p:cTn>
       </p:par>
     </p:tnLst>
+    <p:bldLst>
+      <p:bldP spid="4" grpId="0" animBg="1"/>
+      <p:bldP spid="5" grpId="0"/>
+    </p:bldLst>
   </p:timing>
 </p:sld>
 </file>
@@ -11106,9 +15622,88 @@
   <p:timing>
     <p:tnLst>
       <p:par>
-        <p:cTn id="1" dur="indefinite" restart="never" nodeType="tmRoot"/>
+        <p:cTn id="1" dur="indefinite" restart="never" nodeType="tmRoot">
+          <p:childTnLst>
+            <p:seq concurrent="1" nextAc="seek">
+              <p:cTn id="2" dur="indefinite" nodeType="mainSeq">
+                <p:childTnLst>
+                  <p:par>
+                    <p:cTn id="3" fill="hold">
+                      <p:stCondLst>
+                        <p:cond delay="indefinite"/>
+                      </p:stCondLst>
+                      <p:childTnLst>
+                        <p:par>
+                          <p:cTn id="4" fill="hold">
+                            <p:stCondLst>
+                              <p:cond delay="0"/>
+                            </p:stCondLst>
+                            <p:childTnLst>
+                              <p:par>
+                                <p:cTn id="5" presetID="10" presetClass="entr" presetSubtype="0" fill="hold" grpId="0" nodeType="clickEffect">
+                                  <p:stCondLst>
+                                    <p:cond delay="0"/>
+                                  </p:stCondLst>
+                                  <p:childTnLst>
+                                    <p:set>
+                                      <p:cBhvr>
+                                        <p:cTn id="6" dur="1" fill="hold">
+                                          <p:stCondLst>
+                                            <p:cond delay="0"/>
+                                          </p:stCondLst>
+                                        </p:cTn>
+                                        <p:tgtEl>
+                                          <p:spTgt spid="7"/>
+                                        </p:tgtEl>
+                                        <p:attrNameLst>
+                                          <p:attrName>style.visibility</p:attrName>
+                                        </p:attrNameLst>
+                                      </p:cBhvr>
+                                      <p:to>
+                                        <p:strVal val="visible"/>
+                                      </p:to>
+                                    </p:set>
+                                    <p:animEffect transition="in" filter="fade">
+                                      <p:cBhvr>
+                                        <p:cTn id="7" dur="500"/>
+                                        <p:tgtEl>
+                                          <p:spTgt spid="7"/>
+                                        </p:tgtEl>
+                                      </p:cBhvr>
+                                    </p:animEffect>
+                                  </p:childTnLst>
+                                </p:cTn>
+                              </p:par>
+                            </p:childTnLst>
+                          </p:cTn>
+                        </p:par>
+                      </p:childTnLst>
+                    </p:cTn>
+                  </p:par>
+                </p:childTnLst>
+              </p:cTn>
+              <p:prevCondLst>
+                <p:cond evt="onPrev" delay="0">
+                  <p:tgtEl>
+                    <p:sldTgt/>
+                  </p:tgtEl>
+                </p:cond>
+              </p:prevCondLst>
+              <p:nextCondLst>
+                <p:cond evt="onNext" delay="0">
+                  <p:tgtEl>
+                    <p:sldTgt/>
+                  </p:tgtEl>
+                </p:cond>
+              </p:nextCondLst>
+            </p:seq>
+          </p:childTnLst>
+        </p:cTn>
       </p:par>
     </p:tnLst>
+    <p:bldLst>
+      <p:bldP spid="7" grpId="0"/>
+    </p:bldLst>
   </p:timing>
 </p:sld>
 </file>
@@ -12063,16 +16658,29 @@
             <p:ph idx="1"/>
           </p:nvPr>
         </p:nvSpPr>
-        <p:spPr/>
+        <p:spPr>
+          <a:xfrm>
+            <a:off x="457200" y="1600200"/>
+            <a:ext cx="8396514" cy="4525963"/>
+          </a:xfrm>
+        </p:spPr>
         <p:txBody>
           <a:bodyPr/>
           <a:lstStyle/>
           <a:p>
             <a:r>
-              <a:rPr lang="ja-JP" altLang="en-US" dirty="0" smtClean="0"/>
+              <a:rPr lang="ja-JP" altLang="en-US" dirty="0" smtClean="0">
+                <a:latin typeface="メイリオ" panose="020B0604030504040204" pitchFamily="50" charset="-128"/>
+                <a:ea typeface="メイリオ" panose="020B0604030504040204" pitchFamily="50" charset="-128"/>
+                <a:cs typeface="メイリオ" panose="020B0604030504040204" pitchFamily="50" charset="-128"/>
+              </a:rPr>
               <a:t>システムの流れ</a:t>
             </a:r>
-            <a:endParaRPr lang="en-US" altLang="ja-JP" dirty="0" smtClean="0"/>
+            <a:endParaRPr lang="en-US" altLang="ja-JP" dirty="0" smtClean="0">
+              <a:latin typeface="メイリオ" panose="020B0604030504040204" pitchFamily="50" charset="-128"/>
+              <a:ea typeface="メイリオ" panose="020B0604030504040204" pitchFamily="50" charset="-128"/>
+              <a:cs typeface="メイリオ" panose="020B0604030504040204" pitchFamily="50" charset="-128"/>
+            </a:endParaRPr>
           </a:p>
           <a:p>
             <a:pPr marL="971550" lvl="1" indent="-514350">
@@ -12080,14 +16688,26 @@
               <a:buAutoNum type="arabicPeriod"/>
             </a:pPr>
             <a:r>
-              <a:rPr lang="ja-JP" altLang="en-US" dirty="0" smtClean="0"/>
+              <a:rPr lang="ja-JP" altLang="en-US" dirty="0" smtClean="0">
+                <a:latin typeface="メイリオ" panose="020B0604030504040204" pitchFamily="50" charset="-128"/>
+                <a:ea typeface="メイリオ" panose="020B0604030504040204" pitchFamily="50" charset="-128"/>
+                <a:cs typeface="メイリオ" panose="020B0604030504040204" pitchFamily="50" charset="-128"/>
+              </a:rPr>
               <a:t>光学センサ</a:t>
             </a:r>
             <a:r>
-              <a:rPr lang="ja-JP" altLang="en-US" dirty="0" smtClean="0"/>
+              <a:rPr lang="ja-JP" altLang="en-US" dirty="0" smtClean="0">
+                <a:latin typeface="メイリオ" panose="020B0604030504040204" pitchFamily="50" charset="-128"/>
+                <a:ea typeface="メイリオ" panose="020B0604030504040204" pitchFamily="50" charset="-128"/>
+                <a:cs typeface="メイリオ" panose="020B0604030504040204" pitchFamily="50" charset="-128"/>
+              </a:rPr>
               <a:t>をターゲットスクリーンに埋める</a:t>
             </a:r>
-            <a:endParaRPr lang="en-US" altLang="ja-JP" dirty="0" smtClean="0"/>
+            <a:endParaRPr lang="en-US" altLang="ja-JP" dirty="0" smtClean="0">
+              <a:latin typeface="メイリオ" panose="020B0604030504040204" pitchFamily="50" charset="-128"/>
+              <a:ea typeface="メイリオ" panose="020B0604030504040204" pitchFamily="50" charset="-128"/>
+              <a:cs typeface="メイリオ" panose="020B0604030504040204" pitchFamily="50" charset="-128"/>
+            </a:endParaRPr>
           </a:p>
           <a:p>
             <a:pPr marL="971550" lvl="1" indent="-514350">
@@ -12095,35 +16715,91 @@
               <a:buAutoNum type="arabicPeriod"/>
             </a:pPr>
             <a:r>
-              <a:rPr lang="ja-JP" altLang="en-US" dirty="0" smtClean="0"/>
+              <a:rPr lang="ja-JP" altLang="en-US" dirty="0" smtClean="0">
+                <a:latin typeface="メイリオ" panose="020B0604030504040204" pitchFamily="50" charset="-128"/>
+                <a:ea typeface="メイリオ" panose="020B0604030504040204" pitchFamily="50" charset="-128"/>
+                <a:cs typeface="メイリオ" panose="020B0604030504040204" pitchFamily="50" charset="-128"/>
+              </a:rPr>
               <a:t>光学センサ</a:t>
             </a:r>
             <a:r>
-              <a:rPr lang="ja-JP" altLang="en-US" dirty="0" smtClean="0"/>
-              <a:t>の位置情報を取得するためバイナリパターンを照射</a:t>
-            </a:r>
-            <a:endParaRPr lang="en-US" altLang="ja-JP" dirty="0" smtClean="0"/>
+              <a:rPr lang="ja-JP" altLang="en-US" dirty="0" smtClean="0">
+                <a:latin typeface="メイリオ" panose="020B0604030504040204" pitchFamily="50" charset="-128"/>
+                <a:ea typeface="メイリオ" panose="020B0604030504040204" pitchFamily="50" charset="-128"/>
+                <a:cs typeface="メイリオ" panose="020B0604030504040204" pitchFamily="50" charset="-128"/>
+              </a:rPr>
+              <a:t>の位置情報</a:t>
+            </a:r>
+            <a:r>
+              <a:rPr lang="ja-JP" altLang="en-US" dirty="0" smtClean="0">
+                <a:latin typeface="メイリオ" panose="020B0604030504040204" pitchFamily="50" charset="-128"/>
+                <a:ea typeface="メイリオ" panose="020B0604030504040204" pitchFamily="50" charset="-128"/>
+                <a:cs typeface="メイリオ" panose="020B0604030504040204" pitchFamily="50" charset="-128"/>
+              </a:rPr>
+              <a:t>を</a:t>
+            </a:r>
+            <a:r>
+              <a:rPr lang="ja-JP" altLang="en-US" dirty="0">
+                <a:latin typeface="メイリオ" panose="020B0604030504040204" pitchFamily="50" charset="-128"/>
+                <a:ea typeface="メイリオ" panose="020B0604030504040204" pitchFamily="50" charset="-128"/>
+                <a:cs typeface="メイリオ" panose="020B0604030504040204" pitchFamily="50" charset="-128"/>
+              </a:rPr>
+              <a:t>推定</a:t>
+            </a:r>
+            <a:r>
+              <a:rPr lang="ja-JP" altLang="en-US" dirty="0" smtClean="0">
+                <a:latin typeface="メイリオ" panose="020B0604030504040204" pitchFamily="50" charset="-128"/>
+                <a:ea typeface="メイリオ" panose="020B0604030504040204" pitchFamily="50" charset="-128"/>
+                <a:cs typeface="メイリオ" panose="020B0604030504040204" pitchFamily="50" charset="-128"/>
+              </a:rPr>
+              <a:t>する</a:t>
+            </a:r>
+            <a:r>
+              <a:rPr lang="ja-JP" altLang="en-US" dirty="0" smtClean="0">
+                <a:latin typeface="メイリオ" panose="020B0604030504040204" pitchFamily="50" charset="-128"/>
+                <a:ea typeface="メイリオ" panose="020B0604030504040204" pitchFamily="50" charset="-128"/>
+                <a:cs typeface="メイリオ" panose="020B0604030504040204" pitchFamily="50" charset="-128"/>
+              </a:rPr>
+              <a:t>ためバイナリパターンを照射</a:t>
+            </a:r>
+            <a:endParaRPr lang="en-US" altLang="ja-JP" dirty="0" smtClean="0">
+              <a:latin typeface="メイリオ" panose="020B0604030504040204" pitchFamily="50" charset="-128"/>
+              <a:ea typeface="メイリオ" panose="020B0604030504040204" pitchFamily="50" charset="-128"/>
+              <a:cs typeface="メイリオ" panose="020B0604030504040204" pitchFamily="50" charset="-128"/>
+            </a:endParaRPr>
           </a:p>
           <a:p>
             <a:pPr marL="971550" lvl="1" indent="-514350">
               <a:buFont typeface="+mj-lt"/>
               <a:buAutoNum type="arabicPeriod"/>
             </a:pPr>
-            <a:endParaRPr lang="en-US" altLang="ja-JP" dirty="0"/>
+            <a:endParaRPr lang="en-US" altLang="ja-JP" dirty="0">
+              <a:latin typeface="メイリオ" panose="020B0604030504040204" pitchFamily="50" charset="-128"/>
+              <a:ea typeface="メイリオ" panose="020B0604030504040204" pitchFamily="50" charset="-128"/>
+              <a:cs typeface="メイリオ" panose="020B0604030504040204" pitchFamily="50" charset="-128"/>
+            </a:endParaRPr>
           </a:p>
           <a:p>
             <a:pPr marL="971550" lvl="1" indent="-514350">
               <a:buFont typeface="+mj-lt"/>
               <a:buAutoNum type="arabicPeriod"/>
             </a:pPr>
-            <a:endParaRPr lang="en-US" altLang="ja-JP" dirty="0" smtClean="0"/>
+            <a:endParaRPr lang="en-US" altLang="ja-JP" dirty="0" smtClean="0">
+              <a:latin typeface="メイリオ" panose="020B0604030504040204" pitchFamily="50" charset="-128"/>
+              <a:ea typeface="メイリオ" panose="020B0604030504040204" pitchFamily="50" charset="-128"/>
+              <a:cs typeface="メイリオ" panose="020B0604030504040204" pitchFamily="50" charset="-128"/>
+            </a:endParaRPr>
           </a:p>
           <a:p>
             <a:pPr marL="971550" lvl="1" indent="-514350">
               <a:buFont typeface="+mj-lt"/>
               <a:buAutoNum type="arabicPeriod"/>
             </a:pPr>
-            <a:endParaRPr lang="en-US" altLang="ja-JP" dirty="0" smtClean="0"/>
+            <a:endParaRPr lang="en-US" altLang="ja-JP" dirty="0" smtClean="0">
+              <a:latin typeface="メイリオ" panose="020B0604030504040204" pitchFamily="50" charset="-128"/>
+              <a:ea typeface="メイリオ" panose="020B0604030504040204" pitchFamily="50" charset="-128"/>
+              <a:cs typeface="メイリオ" panose="020B0604030504040204" pitchFamily="50" charset="-128"/>
+            </a:endParaRPr>
           </a:p>
           <a:p>
             <a:pPr marL="971550" lvl="1" indent="-514350">
@@ -12131,22 +16807,42 @@
               <a:buAutoNum type="arabicPeriod"/>
             </a:pPr>
             <a:r>
-              <a:rPr lang="ja-JP" altLang="en-US" dirty="0" smtClean="0"/>
+              <a:rPr lang="ja-JP" altLang="en-US" dirty="0" smtClean="0">
+                <a:latin typeface="メイリオ" panose="020B0604030504040204" pitchFamily="50" charset="-128"/>
+                <a:ea typeface="メイリオ" panose="020B0604030504040204" pitchFamily="50" charset="-128"/>
+                <a:cs typeface="メイリオ" panose="020B0604030504040204" pitchFamily="50" charset="-128"/>
+              </a:rPr>
               <a:t>光学センサ</a:t>
             </a:r>
             <a:r>
-              <a:rPr lang="ja-JP" altLang="en-US" dirty="0" smtClean="0"/>
+              <a:rPr lang="ja-JP" altLang="en-US" dirty="0" smtClean="0">
+                <a:latin typeface="メイリオ" panose="020B0604030504040204" pitchFamily="50" charset="-128"/>
+                <a:ea typeface="メイリオ" panose="020B0604030504040204" pitchFamily="50" charset="-128"/>
+                <a:cs typeface="メイリオ" panose="020B0604030504040204" pitchFamily="50" charset="-128"/>
+              </a:rPr>
               <a:t>の位置からスクリーンの大きさ</a:t>
             </a:r>
             <a:r>
-              <a:rPr lang="en-US" altLang="ja-JP" dirty="0" smtClean="0"/>
+              <a:rPr lang="en-US" altLang="ja-JP" dirty="0" smtClean="0">
+                <a:latin typeface="メイリオ" panose="020B0604030504040204" pitchFamily="50" charset="-128"/>
+                <a:ea typeface="メイリオ" panose="020B0604030504040204" pitchFamily="50" charset="-128"/>
+                <a:cs typeface="メイリオ" panose="020B0604030504040204" pitchFamily="50" charset="-128"/>
+              </a:rPr>
               <a:t>,</a:t>
             </a:r>
             <a:r>
-              <a:rPr lang="ja-JP" altLang="en-US" dirty="0" smtClean="0"/>
+              <a:rPr lang="ja-JP" altLang="en-US" dirty="0" smtClean="0">
+                <a:latin typeface="メイリオ" panose="020B0604030504040204" pitchFamily="50" charset="-128"/>
+                <a:ea typeface="メイリオ" panose="020B0604030504040204" pitchFamily="50" charset="-128"/>
+                <a:cs typeface="メイリオ" panose="020B0604030504040204" pitchFamily="50" charset="-128"/>
+              </a:rPr>
               <a:t>　位置を推定</a:t>
             </a:r>
-            <a:endParaRPr lang="en-US" altLang="ja-JP" dirty="0" smtClean="0"/>
+            <a:endParaRPr lang="en-US" altLang="ja-JP" dirty="0" smtClean="0">
+              <a:latin typeface="メイリオ" panose="020B0604030504040204" pitchFamily="50" charset="-128"/>
+              <a:ea typeface="メイリオ" panose="020B0604030504040204" pitchFamily="50" charset="-128"/>
+              <a:cs typeface="メイリオ" panose="020B0604030504040204" pitchFamily="50" charset="-128"/>
+            </a:endParaRPr>
           </a:p>
           <a:p>
             <a:pPr marL="971550" lvl="1" indent="-514350">
@@ -12154,10 +16850,18 @@
               <a:buAutoNum type="arabicPeriod"/>
             </a:pPr>
             <a:r>
-              <a:rPr lang="ja-JP" altLang="en-US" dirty="0" smtClean="0"/>
+              <a:rPr lang="ja-JP" altLang="en-US" dirty="0" smtClean="0">
+                <a:latin typeface="メイリオ" panose="020B0604030504040204" pitchFamily="50" charset="-128"/>
+                <a:ea typeface="メイリオ" panose="020B0604030504040204" pitchFamily="50" charset="-128"/>
+                <a:cs typeface="メイリオ" panose="020B0604030504040204" pitchFamily="50" charset="-128"/>
+              </a:rPr>
               <a:t>イメージをスクリーンに合わせて映写</a:t>
             </a:r>
-            <a:endParaRPr lang="en-US" altLang="ja-JP" dirty="0" smtClean="0"/>
+            <a:endParaRPr lang="en-US" altLang="ja-JP" dirty="0" smtClean="0">
+              <a:latin typeface="メイリオ" panose="020B0604030504040204" pitchFamily="50" charset="-128"/>
+              <a:ea typeface="メイリオ" panose="020B0604030504040204" pitchFamily="50" charset="-128"/>
+              <a:cs typeface="メイリオ" panose="020B0604030504040204" pitchFamily="50" charset="-128"/>
+            </a:endParaRPr>
           </a:p>
         </p:txBody>
       </p:sp>

--- a/HI_hamana.pptx
+++ b/HI_hamana.pptx
@@ -5,7 +5,7 @@
     <p:sldMasterId id="2147483672" r:id="rId1"/>
   </p:sldMasterIdLst>
   <p:notesMasterIdLst>
-    <p:notesMasterId r:id="rId17"/>
+    <p:notesMasterId r:id="rId25"/>
   </p:notesMasterIdLst>
   <p:sldIdLst>
     <p:sldId id="256" r:id="rId2"/>
@@ -23,6 +23,14 @@
     <p:sldId id="270" r:id="rId14"/>
     <p:sldId id="272" r:id="rId15"/>
     <p:sldId id="271" r:id="rId16"/>
+    <p:sldId id="273" r:id="rId17"/>
+    <p:sldId id="274" r:id="rId18"/>
+    <p:sldId id="275" r:id="rId19"/>
+    <p:sldId id="276" r:id="rId20"/>
+    <p:sldId id="279" r:id="rId21"/>
+    <p:sldId id="280" r:id="rId22"/>
+    <p:sldId id="278" r:id="rId23"/>
+    <p:sldId id="277" r:id="rId24"/>
   </p:sldIdLst>
   <p:sldSz cx="9144000" cy="6858000" type="screen4x3"/>
   <p:notesSz cx="6858000" cy="9144000"/>
@@ -211,7 +219,7 @@
           <a:p>
             <a:fld id="{DBDDF0A9-CFE2-41FB-808F-FBBECAA7E74C}" type="datetimeFigureOut">
               <a:rPr kumimoji="1" lang="ja-JP" altLang="en-US" smtClean="0"/>
-              <a:t>2018/5/8</a:t>
+              <a:t>2018/5/13</a:t>
             </a:fld>
             <a:endParaRPr kumimoji="1" lang="ja-JP" altLang="en-US"/>
           </a:p>
@@ -1113,6 +1121,28 @@
             </a:r>
             <a:endParaRPr kumimoji="1" lang="en-US" altLang="ja-JP" dirty="0" smtClean="0"/>
           </a:p>
+          <a:p>
+            <a:endParaRPr kumimoji="1" lang="en-US" altLang="ja-JP" dirty="0" smtClean="0"/>
+          </a:p>
+          <a:p>
+            <a:r>
+              <a:rPr kumimoji="1" lang="ja-JP" altLang="en-US" dirty="0" smtClean="0"/>
+              <a:t>憶測：照射したときの実際の</a:t>
+            </a:r>
+            <a:r>
+              <a:rPr kumimoji="1" lang="en-US" altLang="ja-JP" dirty="0" smtClean="0"/>
+              <a:t>1</a:t>
+            </a:r>
+            <a:r>
+              <a:rPr kumimoji="1" lang="ja-JP" altLang="en-US" dirty="0" smtClean="0"/>
+              <a:t>ピクセルの大きさは、プロジェクタから台までの距離に比例すると思われるので一応計算可能。プロジェクタから台までの</a:t>
+            </a:r>
+            <a:r>
+              <a:rPr kumimoji="1" lang="ja-JP" altLang="en-US" baseline="0" dirty="0" smtClean="0"/>
+              <a:t>距離推定は測距センサなり使って測定可能</a:t>
+            </a:r>
+            <a:endParaRPr kumimoji="1" lang="en-US" altLang="ja-JP" dirty="0" smtClean="0"/>
+          </a:p>
         </p:txBody>
       </p:sp>
       <p:sp>
@@ -1356,6 +1386,13 @@
             <a:endParaRPr kumimoji="1" lang="en-US" altLang="ja-JP" dirty="0" smtClean="0"/>
           </a:p>
           <a:p>
+            <a:r>
+              <a:rPr kumimoji="1" lang="ja-JP" altLang="en-US" dirty="0" smtClean="0"/>
+              <a:t>導出は書いてるところ見つからなかったので割愛</a:t>
+            </a:r>
+            <a:endParaRPr kumimoji="1" lang="en-US" altLang="ja-JP" dirty="0" smtClean="0"/>
+          </a:p>
+          <a:p>
             <a:endParaRPr kumimoji="1" lang="en-US" altLang="ja-JP" dirty="0" smtClean="0"/>
           </a:p>
           <a:p>
@@ -1483,6 +1520,216 @@
     <p:extLst>
       <p:ext uri="{BB962C8B-B14F-4D97-AF65-F5344CB8AC3E}">
         <p14:creationId xmlns:p14="http://schemas.microsoft.com/office/powerpoint/2010/main" val="1986142312"/>
+      </p:ext>
+    </p:extLst>
+  </p:cSld>
+  <p:clrMapOvr>
+    <a:masterClrMapping/>
+  </p:clrMapOvr>
+</p:notes>
+</file>
+
+<file path=ppt/notesSlides/notesSlide16.xml><?xml version="1.0" encoding="utf-8"?>
+<p:notes xmlns:a="http://schemas.openxmlformats.org/drawingml/2006/main" xmlns:r="http://schemas.openxmlformats.org/officeDocument/2006/relationships" xmlns:p="http://schemas.openxmlformats.org/presentationml/2006/main">
+  <p:cSld>
+    <p:spTree>
+      <p:nvGrpSpPr>
+        <p:cNvPr id="1" name=""/>
+        <p:cNvGrpSpPr/>
+        <p:nvPr/>
+      </p:nvGrpSpPr>
+      <p:grpSpPr>
+        <a:xfrm>
+          <a:off x="0" y="0"/>
+          <a:ext cx="0" cy="0"/>
+          <a:chOff x="0" y="0"/>
+          <a:chExt cx="0" cy="0"/>
+        </a:xfrm>
+      </p:grpSpPr>
+      <p:sp>
+        <p:nvSpPr>
+          <p:cNvPr id="2" name="スライド イメージ プレースホルダー 1"/>
+          <p:cNvSpPr>
+            <a:spLocks noGrp="1" noRot="1" noChangeAspect="1"/>
+          </p:cNvSpPr>
+          <p:nvPr>
+            <p:ph type="sldImg"/>
+          </p:nvPr>
+        </p:nvSpPr>
+        <p:spPr/>
+      </p:sp>
+      <p:sp>
+        <p:nvSpPr>
+          <p:cNvPr id="3" name="ノート プレースホルダー 2"/>
+          <p:cNvSpPr>
+            <a:spLocks noGrp="1"/>
+          </p:cNvSpPr>
+          <p:nvPr>
+            <p:ph type="body" idx="1"/>
+          </p:nvPr>
+        </p:nvSpPr>
+        <p:spPr/>
+        <p:txBody>
+          <a:bodyPr/>
+          <a:lstStyle/>
+          <a:p>
+            <a:r>
+              <a:rPr kumimoji="1" lang="ja-JP" altLang="en-US" dirty="0" smtClean="0"/>
+              <a:t>ホモグラフィ変換とは画像変形するときに使われる。</a:t>
+            </a:r>
+            <a:endParaRPr kumimoji="1" lang="en-US" altLang="ja-JP" dirty="0" smtClean="0"/>
+          </a:p>
+          <a:p>
+            <a:r>
+              <a:rPr kumimoji="1" lang="ja-JP" altLang="en-US" dirty="0" smtClean="0"/>
+              <a:t>アフィン変換と違い、　画像を台形に変形させることができる。</a:t>
+            </a:r>
+            <a:endParaRPr kumimoji="1" lang="en-US" altLang="ja-JP" dirty="0" smtClean="0"/>
+          </a:p>
+          <a:p>
+            <a:r>
+              <a:rPr kumimoji="1" lang="ja-JP" altLang="en-US" dirty="0" smtClean="0"/>
+              <a:t>アフィン変換は平行四辺形だけ。</a:t>
+            </a:r>
+            <a:endParaRPr kumimoji="1" lang="en-US" altLang="ja-JP" dirty="0" smtClean="0"/>
+          </a:p>
+        </p:txBody>
+      </p:sp>
+      <p:sp>
+        <p:nvSpPr>
+          <p:cNvPr id="4" name="スライド番号プレースホルダー 3"/>
+          <p:cNvSpPr>
+            <a:spLocks noGrp="1"/>
+          </p:cNvSpPr>
+          <p:nvPr>
+            <p:ph type="sldNum" sz="quarter" idx="10"/>
+          </p:nvPr>
+        </p:nvSpPr>
+        <p:spPr/>
+        <p:txBody>
+          <a:bodyPr/>
+          <a:lstStyle/>
+          <a:p>
+            <a:fld id="{B8CD965A-9A59-42B6-ADA1-B01B27F6A563}" type="slidenum">
+              <a:rPr kumimoji="1" lang="ja-JP" altLang="en-US" smtClean="0"/>
+              <a:t>16</a:t>
+            </a:fld>
+            <a:endParaRPr kumimoji="1" lang="ja-JP" altLang="en-US"/>
+          </a:p>
+        </p:txBody>
+      </p:sp>
+    </p:spTree>
+    <p:extLst>
+      <p:ext uri="{BB962C8B-B14F-4D97-AF65-F5344CB8AC3E}">
+        <p14:creationId xmlns:p14="http://schemas.microsoft.com/office/powerpoint/2010/main" val="1016261763"/>
+      </p:ext>
+    </p:extLst>
+  </p:cSld>
+  <p:clrMapOvr>
+    <a:masterClrMapping/>
+  </p:clrMapOvr>
+</p:notes>
+</file>
+
+<file path=ppt/notesSlides/notesSlide17.xml><?xml version="1.0" encoding="utf-8"?>
+<p:notes xmlns:a="http://schemas.openxmlformats.org/drawingml/2006/main" xmlns:r="http://schemas.openxmlformats.org/officeDocument/2006/relationships" xmlns:p="http://schemas.openxmlformats.org/presentationml/2006/main">
+  <p:cSld>
+    <p:spTree>
+      <p:nvGrpSpPr>
+        <p:cNvPr id="1" name=""/>
+        <p:cNvGrpSpPr/>
+        <p:nvPr/>
+      </p:nvGrpSpPr>
+      <p:grpSpPr>
+        <a:xfrm>
+          <a:off x="0" y="0"/>
+          <a:ext cx="0" cy="0"/>
+          <a:chOff x="0" y="0"/>
+          <a:chExt cx="0" cy="0"/>
+        </a:xfrm>
+      </p:grpSpPr>
+      <p:sp>
+        <p:nvSpPr>
+          <p:cNvPr id="2" name="スライド イメージ プレースホルダー 1"/>
+          <p:cNvSpPr>
+            <a:spLocks noGrp="1" noRot="1" noChangeAspect="1"/>
+          </p:cNvSpPr>
+          <p:nvPr>
+            <p:ph type="sldImg"/>
+          </p:nvPr>
+        </p:nvSpPr>
+        <p:spPr/>
+      </p:sp>
+      <p:sp>
+        <p:nvSpPr>
+          <p:cNvPr id="3" name="ノート プレースホルダー 2"/>
+          <p:cNvSpPr>
+            <a:spLocks noGrp="1"/>
+          </p:cNvSpPr>
+          <p:nvPr>
+            <p:ph type="body" idx="1"/>
+          </p:nvPr>
+        </p:nvSpPr>
+        <p:spPr/>
+        <p:txBody>
+          <a:bodyPr/>
+          <a:lstStyle/>
+          <a:p>
+            <a:r>
+              <a:rPr kumimoji="1" lang="ja-JP" altLang="en-US" dirty="0" smtClean="0"/>
+              <a:t>左の図のようにプロジェクタに対してスクリーンが斜め向いている場合</a:t>
+            </a:r>
+            <a:endParaRPr kumimoji="1" lang="en-US" altLang="ja-JP" dirty="0" smtClean="0"/>
+          </a:p>
+          <a:p>
+            <a:r>
+              <a:rPr kumimoji="1" lang="ja-JP" altLang="en-US" dirty="0" smtClean="0"/>
+              <a:t>右の図のようにプロジェクタ視点からはスクリーンが台形の形になっているように見える。</a:t>
+            </a:r>
+            <a:endParaRPr kumimoji="1" lang="en-US" altLang="ja-JP" dirty="0" smtClean="0"/>
+          </a:p>
+          <a:p>
+            <a:endParaRPr kumimoji="1" lang="en-US" altLang="ja-JP" dirty="0" smtClean="0"/>
+          </a:p>
+          <a:p>
+            <a:r>
+              <a:rPr kumimoji="1" lang="ja-JP" altLang="en-US" dirty="0" smtClean="0"/>
+              <a:t>このような場合にホモグラフィ変換を適用してもともと長方形の画像をスクリーンの台形に合わせて変形させる</a:t>
+            </a:r>
+            <a:endParaRPr kumimoji="1" lang="en-US" altLang="ja-JP" dirty="0" smtClean="0"/>
+          </a:p>
+          <a:p>
+            <a:endParaRPr kumimoji="1" lang="ja-JP" altLang="en-US" dirty="0"/>
+          </a:p>
+        </p:txBody>
+      </p:sp>
+      <p:sp>
+        <p:nvSpPr>
+          <p:cNvPr id="4" name="スライド番号プレースホルダー 3"/>
+          <p:cNvSpPr>
+            <a:spLocks noGrp="1"/>
+          </p:cNvSpPr>
+          <p:nvPr>
+            <p:ph type="sldNum" sz="quarter" idx="10"/>
+          </p:nvPr>
+        </p:nvSpPr>
+        <p:spPr/>
+        <p:txBody>
+          <a:bodyPr/>
+          <a:lstStyle/>
+          <a:p>
+            <a:fld id="{B8CD965A-9A59-42B6-ADA1-B01B27F6A563}" type="slidenum">
+              <a:rPr kumimoji="1" lang="ja-JP" altLang="en-US" smtClean="0"/>
+              <a:t>17</a:t>
+            </a:fld>
+            <a:endParaRPr kumimoji="1" lang="ja-JP" altLang="en-US"/>
+          </a:p>
+        </p:txBody>
+      </p:sp>
+    </p:spTree>
+    <p:extLst>
+      <p:ext uri="{BB962C8B-B14F-4D97-AF65-F5344CB8AC3E}">
+        <p14:creationId xmlns:p14="http://schemas.microsoft.com/office/powerpoint/2010/main" val="4197169787"/>
       </p:ext>
     </p:extLst>
   </p:cSld>
@@ -2136,11 +2383,7 @@
           <a:p>
             <a:r>
               <a:rPr kumimoji="1" lang="ja-JP" altLang="en-US" dirty="0" smtClean="0"/>
-              <a:t>光学センサ</a:t>
-            </a:r>
-            <a:r>
-              <a:rPr kumimoji="1" lang="ja-JP" altLang="en-US" dirty="0" smtClean="0"/>
-              <a:t>とバイナリパターンの照射によって、カメラベースのキャリブレーションよりも簡単に、かつ正確にキャリブレーションすることができる。</a:t>
+              <a:t>光学センサとバイナリパターンの照射によって、カメラベースのキャリブレーションよりも簡単に、かつ正確にキャリブレーションすることができる。</a:t>
             </a:r>
             <a:endParaRPr kumimoji="1" lang="en-US" altLang="ja-JP" dirty="0" smtClean="0"/>
           </a:p>
@@ -2337,15 +2580,7 @@
           <a:p>
             <a:r>
               <a:rPr kumimoji="1" lang="ja-JP" altLang="en-US" dirty="0" smtClean="0"/>
-              <a:t>・円卓・・・</a:t>
-            </a:r>
-            <a:r>
-              <a:rPr kumimoji="1" lang="ja-JP" altLang="en-US" dirty="0" smtClean="0"/>
-              <a:t>光学センサつき</a:t>
-            </a:r>
-            <a:r>
-              <a:rPr kumimoji="1" lang="ja-JP" altLang="en-US" dirty="0" smtClean="0"/>
-              <a:t>スクリーンを置くための台。この台とスクリーンとを判別してキャリブレーションする。</a:t>
+              <a:t>・円卓・・・光学センサつきスクリーンを置くための台。この台とスクリーンとを判別してキャリブレーションする。</a:t>
             </a:r>
             <a:endParaRPr kumimoji="1" lang="en-US" altLang="ja-JP" dirty="0" smtClean="0"/>
           </a:p>
@@ -2506,15 +2741,7 @@
             </a:r>
             <a:r>
               <a:rPr kumimoji="1" lang="ja-JP" altLang="en-US" dirty="0" smtClean="0"/>
-              <a:t>　</a:t>
-            </a:r>
-            <a:r>
-              <a:rPr kumimoji="1" lang="ja-JP" altLang="en-US" dirty="0" smtClean="0"/>
-              <a:t>光学センサ</a:t>
-            </a:r>
-            <a:r>
-              <a:rPr kumimoji="1" lang="ja-JP" altLang="en-US" dirty="0" smtClean="0"/>
-              <a:t>を</a:t>
+              <a:t>　光学センサを</a:t>
             </a:r>
             <a:r>
               <a:rPr kumimoji="1" lang="en-US" altLang="ja-JP" dirty="0" smtClean="0"/>
@@ -2533,15 +2760,7 @@
             </a:r>
             <a:r>
               <a:rPr kumimoji="1" lang="ja-JP" altLang="en-US" dirty="0" smtClean="0"/>
-              <a:t>　</a:t>
-            </a:r>
-            <a:r>
-              <a:rPr kumimoji="1" lang="ja-JP" altLang="en-US" dirty="0" smtClean="0"/>
-              <a:t>光学センサ</a:t>
-            </a:r>
-            <a:r>
-              <a:rPr kumimoji="1" lang="ja-JP" altLang="en-US" dirty="0" smtClean="0"/>
-              <a:t>の位置情報を取得するためにバイナリパターンを照射する</a:t>
+              <a:t>　光学センサの位置情報を取得するためにバイナリパターンを照射する</a:t>
             </a:r>
             <a:endParaRPr kumimoji="1" lang="en-US" altLang="ja-JP" dirty="0" smtClean="0"/>
           </a:p>
@@ -2551,11 +2770,7 @@
             </a:pPr>
             <a:r>
               <a:rPr kumimoji="1" lang="ja-JP" altLang="en-US" baseline="0" dirty="0" smtClean="0"/>
-              <a:t>光学センサ</a:t>
-            </a:r>
-            <a:r>
-              <a:rPr kumimoji="1" lang="ja-JP" altLang="en-US" baseline="0" dirty="0" smtClean="0"/>
-              <a:t>の位置からスクリーンの大きさ</a:t>
+              <a:t>光学センサの位置からスクリーンの大きさ</a:t>
             </a:r>
             <a:r>
               <a:rPr kumimoji="1" lang="en-US" altLang="ja-JP" baseline="0" dirty="0" smtClean="0"/>
@@ -2894,7 +3109,7 @@
           <a:p>
             <a:fld id="{DB47AD07-41BD-403D-AE9D-890C2684EFFB}" type="datetime1">
               <a:rPr kumimoji="1" lang="ja-JP" altLang="en-US" smtClean="0"/>
-              <a:t>2018/5/8</a:t>
+              <a:t>2018/5/13</a:t>
             </a:fld>
             <a:endParaRPr kumimoji="1" lang="ja-JP" altLang="en-US"/>
           </a:p>
@@ -3443,7 +3658,7 @@
           <a:p>
             <a:fld id="{4648078C-090B-4454-9A6B-FFE99DF99B82}" type="datetime1">
               <a:rPr kumimoji="1" lang="ja-JP" altLang="en-US" smtClean="0"/>
-              <a:t>2018/5/8</a:t>
+              <a:t>2018/5/13</a:t>
             </a:fld>
             <a:endParaRPr kumimoji="1" lang="ja-JP" altLang="en-US"/>
           </a:p>
@@ -3667,7 +3882,7 @@
           <a:p>
             <a:fld id="{013B6636-6AE9-4D80-A5AD-323D31097F78}" type="datetime1">
               <a:rPr kumimoji="1" lang="ja-JP" altLang="en-US" smtClean="0"/>
-              <a:t>2018/5/8</a:t>
+              <a:t>2018/5/13</a:t>
             </a:fld>
             <a:endParaRPr kumimoji="1" lang="ja-JP" altLang="en-US"/>
           </a:p>
@@ -3881,7 +4096,7 @@
           <a:p>
             <a:fld id="{A3F7C7D0-D552-4CAE-A244-9198AE4B3114}" type="datetime1">
               <a:rPr kumimoji="1" lang="ja-JP" altLang="en-US" smtClean="0"/>
-              <a:t>2018/5/8</a:t>
+              <a:t>2018/5/13</a:t>
             </a:fld>
             <a:endParaRPr kumimoji="1" lang="ja-JP" altLang="en-US"/>
           </a:p>
@@ -4092,7 +4307,7 @@
           <a:p>
             <a:fld id="{6F0F32FC-6B7E-4B5A-B4F0-EDDB8AF26B1B}" type="datetime1">
               <a:rPr kumimoji="1" lang="ja-JP" altLang="en-US" smtClean="0"/>
-              <a:t>2018/5/8</a:t>
+              <a:t>2018/5/13</a:t>
             </a:fld>
             <a:endParaRPr kumimoji="1" lang="ja-JP" altLang="en-US"/>
           </a:p>
@@ -4400,7 +4615,7 @@
           <a:p>
             <a:fld id="{240A861A-AF64-4E6C-B6F9-599C9A4B699F}" type="datetime1">
               <a:rPr kumimoji="1" lang="ja-JP" altLang="en-US" smtClean="0"/>
-              <a:t>2018/5/8</a:t>
+              <a:t>2018/5/13</a:t>
             </a:fld>
             <a:endParaRPr kumimoji="1" lang="ja-JP" altLang="en-US"/>
           </a:p>
@@ -4843,7 +5058,7 @@
           <a:p>
             <a:fld id="{AF65DEC2-11F8-416F-9A88-15AA81D58514}" type="datetime1">
               <a:rPr kumimoji="1" lang="ja-JP" altLang="en-US" smtClean="0"/>
-              <a:t>2018/5/8</a:t>
+              <a:t>2018/5/13</a:t>
             </a:fld>
             <a:endParaRPr kumimoji="1" lang="ja-JP" altLang="en-US"/>
           </a:p>
@@ -4950,11 +5165,7 @@
           <a:p>
             <a:r>
               <a:rPr lang="ja-JP" altLang="en-US" dirty="0" smtClean="0"/>
-              <a:t>マスター </a:t>
-            </a:r>
-            <a:r>
-              <a:rPr lang="ja-JP" altLang="en-US" dirty="0" smtClean="0"/>
-              <a:t>タイトルの書式設定</a:t>
+              <a:t>マスター タイトルの書式設定</a:t>
             </a:r>
             <a:endParaRPr lang="ja-JP" altLang="en-US" dirty="0"/>
           </a:p>
@@ -4981,7 +5192,7 @@
           <a:p>
             <a:fld id="{E155C806-1454-467C-800F-F5A215697AC6}" type="datetime1">
               <a:rPr kumimoji="1" lang="ja-JP" altLang="en-US" smtClean="0"/>
-              <a:t>2018/5/8</a:t>
+              <a:t>2018/5/13</a:t>
             </a:fld>
             <a:endParaRPr kumimoji="1" lang="ja-JP" altLang="en-US"/>
           </a:p>
@@ -5095,7 +5306,7 @@
           <a:p>
             <a:fld id="{18B235D1-5209-4B3C-AE70-D5CEADB519F7}" type="datetime1">
               <a:rPr kumimoji="1" lang="ja-JP" altLang="en-US" smtClean="0"/>
-              <a:t>2018/5/8</a:t>
+              <a:t>2018/5/13</a:t>
             </a:fld>
             <a:endParaRPr kumimoji="1" lang="ja-JP" altLang="en-US"/>
           </a:p>
@@ -5416,7 +5627,7 @@
           <a:p>
             <a:fld id="{1BA9CB85-9221-44DC-BCF4-A9D7E8B9C4BB}" type="datetime1">
               <a:rPr kumimoji="1" lang="ja-JP" altLang="en-US" smtClean="0"/>
-              <a:t>2018/5/8</a:t>
+              <a:t>2018/5/13</a:t>
             </a:fld>
             <a:endParaRPr kumimoji="1" lang="ja-JP" altLang="en-US"/>
           </a:p>
@@ -5685,7 +5896,7 @@
           <a:p>
             <a:fld id="{ED3A3618-AB1D-44A5-9657-9D45D6189F48}" type="datetime1">
               <a:rPr kumimoji="1" lang="ja-JP" altLang="en-US" smtClean="0"/>
-              <a:t>2018/5/8</a:t>
+              <a:t>2018/5/13</a:t>
             </a:fld>
             <a:endParaRPr kumimoji="1" lang="ja-JP" altLang="en-US"/>
           </a:p>
@@ -6200,7 +6411,7 @@
           <a:p>
             <a:fld id="{0DFF7F49-72A7-4FE4-A9FA-4C82A6496A69}" type="datetime1">
               <a:rPr kumimoji="1" lang="ja-JP" altLang="en-US" smtClean="0"/>
-              <a:t>2018/5/8</a:t>
+              <a:t>2018/5/13</a:t>
             </a:fld>
             <a:endParaRPr kumimoji="1" lang="ja-JP" altLang="en-US"/>
           </a:p>
@@ -7739,7 +7950,7 @@
               <a:rPr kumimoji="1" lang="ja-JP" altLang="en-US" smtClean="0"/>
               <a:t>11</a:t>
             </a:fld>
-            <a:endParaRPr kumimoji="1" lang="ja-JP" altLang="en-US"/>
+            <a:endParaRPr kumimoji="1" lang="ja-JP" altLang="en-US" dirty="0"/>
           </a:p>
         </p:txBody>
       </p:sp>
@@ -8038,7 +8249,7 @@
         <p:spPr>
           <a:xfrm>
             <a:off x="6712860" y="4056904"/>
-            <a:ext cx="1654902" cy="400110"/>
+            <a:ext cx="1473197" cy="400110"/>
           </a:xfrm>
           <a:prstGeom prst="rect">
             <a:avLst/>
@@ -13235,8 +13446,8 @@
         </p:nvSpPr>
         <p:spPr>
           <a:xfrm>
-            <a:off x="3925508" y="2264524"/>
-            <a:ext cx="1420566" cy="369332"/>
+            <a:off x="3925507" y="2264524"/>
+            <a:ext cx="1691521" cy="400110"/>
           </a:xfrm>
           <a:prstGeom prst="rect">
             <a:avLst/>
@@ -13250,14 +13461,14 @@
           <a:lstStyle/>
           <a:p>
             <a:r>
-              <a:rPr kumimoji="1" lang="en-US" altLang="ja-JP" dirty="0" smtClean="0">
+              <a:rPr kumimoji="1" lang="en-US" altLang="ja-JP" sz="2000" dirty="0" smtClean="0">
                 <a:latin typeface="メイリオ" panose="020B0604030504040204" pitchFamily="50" charset="-128"/>
                 <a:ea typeface="メイリオ" panose="020B0604030504040204" pitchFamily="50" charset="-128"/>
                 <a:cs typeface="メイリオ" panose="020B0604030504040204" pitchFamily="50" charset="-128"/>
               </a:rPr>
               <a:t>Length = ?</a:t>
             </a:r>
-            <a:endParaRPr kumimoji="1" lang="ja-JP" altLang="en-US" dirty="0">
+            <a:endParaRPr kumimoji="1" lang="ja-JP" altLang="en-US" sz="2000" dirty="0">
               <a:latin typeface="メイリオ" panose="020B0604030504040204" pitchFamily="50" charset="-128"/>
               <a:ea typeface="メイリオ" panose="020B0604030504040204" pitchFamily="50" charset="-128"/>
               <a:cs typeface="メイリオ" panose="020B0604030504040204" pitchFamily="50" charset="-128"/>
@@ -13273,8 +13484,8 @@
         </p:nvSpPr>
         <p:spPr>
           <a:xfrm>
-            <a:off x="530374" y="4249380"/>
-            <a:ext cx="1420566" cy="369332"/>
+            <a:off x="222507" y="4249380"/>
+            <a:ext cx="1728433" cy="400110"/>
           </a:xfrm>
           <a:prstGeom prst="rect">
             <a:avLst/>
@@ -13288,14 +13499,14 @@
           <a:lstStyle/>
           <a:p>
             <a:r>
-              <a:rPr kumimoji="1" lang="en-US" altLang="ja-JP" dirty="0" smtClean="0">
+              <a:rPr kumimoji="1" lang="en-US" altLang="ja-JP" sz="2000" dirty="0" smtClean="0">
                 <a:latin typeface="メイリオ" panose="020B0604030504040204" pitchFamily="50" charset="-128"/>
                 <a:ea typeface="メイリオ" panose="020B0604030504040204" pitchFamily="50" charset="-128"/>
                 <a:cs typeface="メイリオ" panose="020B0604030504040204" pitchFamily="50" charset="-128"/>
               </a:rPr>
               <a:t>Length = ?</a:t>
             </a:r>
-            <a:endParaRPr kumimoji="1" lang="ja-JP" altLang="en-US" dirty="0">
+            <a:endParaRPr kumimoji="1" lang="ja-JP" altLang="en-US" sz="2000" dirty="0">
               <a:latin typeface="メイリオ" panose="020B0604030504040204" pitchFamily="50" charset="-128"/>
               <a:ea typeface="メイリオ" panose="020B0604030504040204" pitchFamily="50" charset="-128"/>
               <a:cs typeface="メイリオ" panose="020B0604030504040204" pitchFamily="50" charset="-128"/>
@@ -13820,12 +14031,12 @@
           <a:p>
             <a:pPr lvl="1"/>
             <a:r>
-              <a:rPr lang="ja-JP" altLang="en-US" dirty="0" smtClean="0">
-                <a:latin typeface="メイリオ" panose="020B0604030504040204" pitchFamily="50" charset="-128"/>
-                <a:ea typeface="メイリオ" panose="020B0604030504040204" pitchFamily="50" charset="-128"/>
-                <a:cs typeface="メイリオ" panose="020B0604030504040204" pitchFamily="50" charset="-128"/>
-              </a:rPr>
-              <a:t>理論的には</a:t>
+              <a:rPr lang="ja-JP" altLang="en-US" dirty="0">
+                <a:latin typeface="メイリオ" panose="020B0604030504040204" pitchFamily="50" charset="-128"/>
+                <a:ea typeface="メイリオ" panose="020B0604030504040204" pitchFamily="50" charset="-128"/>
+                <a:cs typeface="メイリオ" panose="020B0604030504040204" pitchFamily="50" charset="-128"/>
+              </a:rPr>
+              <a:t> </a:t>
             </a:r>
             <a:r>
               <a:rPr lang="en-US" altLang="ja-JP" dirty="0" smtClean="0">
@@ -13899,6 +14110,1575 @@
       </p:par>
     </p:tnLst>
   </p:timing>
+</p:sld>
+</file>
+
+<file path=ppt/slides/slide16.xml><?xml version="1.0" encoding="utf-8"?>
+<p:sld xmlns:a="http://schemas.openxmlformats.org/drawingml/2006/main" xmlns:r="http://schemas.openxmlformats.org/officeDocument/2006/relationships" xmlns:p="http://schemas.openxmlformats.org/presentationml/2006/main">
+  <p:cSld>
+    <p:spTree>
+      <p:nvGrpSpPr>
+        <p:cNvPr id="1" name=""/>
+        <p:cNvGrpSpPr/>
+        <p:nvPr/>
+      </p:nvGrpSpPr>
+      <p:grpSpPr>
+        <a:xfrm>
+          <a:off x="0" y="0"/>
+          <a:ext cx="0" cy="0"/>
+          <a:chOff x="0" y="0"/>
+          <a:chExt cx="0" cy="0"/>
+        </a:xfrm>
+      </p:grpSpPr>
+      <p:sp>
+        <p:nvSpPr>
+          <p:cNvPr id="2" name="タイトル 1"/>
+          <p:cNvSpPr>
+            <a:spLocks noGrp="1"/>
+          </p:cNvSpPr>
+          <p:nvPr>
+            <p:ph type="title"/>
+          </p:nvPr>
+        </p:nvSpPr>
+        <p:spPr/>
+        <p:txBody>
+          <a:bodyPr/>
+          <a:lstStyle/>
+          <a:p>
+            <a:pPr algn="l"/>
+            <a:r>
+              <a:rPr lang="en-US" altLang="ja-JP" dirty="0" smtClean="0">
+                <a:latin typeface="メイリオ" panose="020B0604030504040204" pitchFamily="50" charset="-128"/>
+                <a:ea typeface="メイリオ" panose="020B0604030504040204" pitchFamily="50" charset="-128"/>
+                <a:cs typeface="メイリオ" panose="020B0604030504040204" pitchFamily="50" charset="-128"/>
+              </a:rPr>
+              <a:t>Using the </a:t>
+            </a:r>
+            <a:r>
+              <a:rPr lang="en-US" altLang="ja-JP" dirty="0" err="1" smtClean="0">
+                <a:latin typeface="メイリオ" panose="020B0604030504040204" pitchFamily="50" charset="-128"/>
+                <a:ea typeface="メイリオ" panose="020B0604030504040204" pitchFamily="50" charset="-128"/>
+                <a:cs typeface="メイリオ" panose="020B0604030504040204" pitchFamily="50" charset="-128"/>
+              </a:rPr>
+              <a:t>Homography</a:t>
+            </a:r>
+            <a:r>
+              <a:rPr lang="en-US" altLang="ja-JP" dirty="0" smtClean="0">
+                <a:latin typeface="メイリオ" panose="020B0604030504040204" pitchFamily="50" charset="-128"/>
+                <a:ea typeface="メイリオ" panose="020B0604030504040204" pitchFamily="50" charset="-128"/>
+                <a:cs typeface="メイリオ" panose="020B0604030504040204" pitchFamily="50" charset="-128"/>
+              </a:rPr>
+              <a:t>(1)</a:t>
+            </a:r>
+            <a:endParaRPr kumimoji="1" lang="ja-JP" altLang="en-US" dirty="0">
+              <a:latin typeface="メイリオ" panose="020B0604030504040204" pitchFamily="50" charset="-128"/>
+              <a:ea typeface="メイリオ" panose="020B0604030504040204" pitchFamily="50" charset="-128"/>
+              <a:cs typeface="メイリオ" panose="020B0604030504040204" pitchFamily="50" charset="-128"/>
+            </a:endParaRPr>
+          </a:p>
+        </p:txBody>
+      </p:sp>
+      <p:sp>
+        <p:nvSpPr>
+          <p:cNvPr id="3" name="コンテンツ プレースホルダー 2"/>
+          <p:cNvSpPr>
+            <a:spLocks noGrp="1"/>
+          </p:cNvSpPr>
+          <p:nvPr>
+            <p:ph idx="1"/>
+          </p:nvPr>
+        </p:nvSpPr>
+        <p:spPr/>
+        <p:txBody>
+          <a:bodyPr/>
+          <a:lstStyle/>
+          <a:p>
+            <a:r>
+              <a:rPr lang="ja-JP" altLang="en-US" dirty="0" smtClean="0"/>
+              <a:t>ホモグラフィ変換</a:t>
+            </a:r>
+            <a:endParaRPr lang="en-US" altLang="ja-JP" dirty="0" smtClean="0"/>
+          </a:p>
+          <a:p>
+            <a:pPr lvl="1"/>
+            <a:r>
+              <a:rPr lang="ja-JP" altLang="en-US" dirty="0"/>
+              <a:t> </a:t>
+            </a:r>
+            <a:r>
+              <a:rPr lang="ja-JP" altLang="en-US" dirty="0" smtClean="0"/>
+              <a:t>アフィン変換の拡張</a:t>
+            </a:r>
+            <a:endParaRPr lang="en-US" altLang="ja-JP" dirty="0" smtClean="0"/>
+          </a:p>
+          <a:p>
+            <a:pPr lvl="1"/>
+            <a:r>
+              <a:rPr lang="ja-JP" altLang="en-US" dirty="0" smtClean="0"/>
+              <a:t> 図形を台形に変形させることができる</a:t>
+            </a:r>
+            <a:endParaRPr lang="en-US" altLang="ja-JP" dirty="0" smtClean="0"/>
+          </a:p>
+        </p:txBody>
+      </p:sp>
+      <p:sp>
+        <p:nvSpPr>
+          <p:cNvPr id="4" name="スライド番号プレースホルダー 3"/>
+          <p:cNvSpPr>
+            <a:spLocks noGrp="1"/>
+          </p:cNvSpPr>
+          <p:nvPr>
+            <p:ph type="sldNum" sz="quarter" idx="12"/>
+          </p:nvPr>
+        </p:nvSpPr>
+        <p:spPr/>
+        <p:txBody>
+          <a:bodyPr/>
+          <a:lstStyle/>
+          <a:p>
+            <a:fld id="{D64230CA-0B4E-4B5F-AAC4-223E39B2A9CE}" type="slidenum">
+              <a:rPr kumimoji="1" lang="ja-JP" altLang="en-US" smtClean="0"/>
+              <a:t>16</a:t>
+            </a:fld>
+            <a:endParaRPr kumimoji="1" lang="ja-JP" altLang="en-US"/>
+          </a:p>
+        </p:txBody>
+      </p:sp>
+      <p:pic>
+        <p:nvPicPr>
+          <p:cNvPr id="6" name="図 5"/>
+          <p:cNvPicPr>
+            <a:picLocks noChangeAspect="1"/>
+          </p:cNvPicPr>
+          <p:nvPr/>
+        </p:nvPicPr>
+        <p:blipFill rotWithShape="1">
+          <a:blip r:embed="rId3"/>
+          <a:srcRect l="17700" t="16775" r="43824" b="40917"/>
+          <a:stretch/>
+        </p:blipFill>
+        <p:spPr>
+          <a:xfrm>
+            <a:off x="1494972" y="3223532"/>
+            <a:ext cx="5863771" cy="3497943"/>
+          </a:xfrm>
+          <a:prstGeom prst="rect">
+            <a:avLst/>
+          </a:prstGeom>
+        </p:spPr>
+      </p:pic>
+    </p:spTree>
+    <p:extLst>
+      <p:ext uri="{BB962C8B-B14F-4D97-AF65-F5344CB8AC3E}">
+        <p14:creationId xmlns:p14="http://schemas.microsoft.com/office/powerpoint/2010/main" val="614928445"/>
+      </p:ext>
+    </p:extLst>
+  </p:cSld>
+  <p:clrMapOvr>
+    <a:masterClrMapping/>
+  </p:clrMapOvr>
+  <p:timing>
+    <p:tnLst>
+      <p:par>
+        <p:cTn id="1" dur="indefinite" restart="never" nodeType="tmRoot"/>
+      </p:par>
+    </p:tnLst>
+  </p:timing>
+</p:sld>
+</file>
+
+<file path=ppt/slides/slide17.xml><?xml version="1.0" encoding="utf-8"?>
+<p:sld xmlns:a="http://schemas.openxmlformats.org/drawingml/2006/main" xmlns:r="http://schemas.openxmlformats.org/officeDocument/2006/relationships" xmlns:p="http://schemas.openxmlformats.org/presentationml/2006/main">
+  <p:cSld>
+    <p:spTree>
+      <p:nvGrpSpPr>
+        <p:cNvPr id="1" name=""/>
+        <p:cNvGrpSpPr/>
+        <p:nvPr/>
+      </p:nvGrpSpPr>
+      <p:grpSpPr>
+        <a:xfrm>
+          <a:off x="0" y="0"/>
+          <a:ext cx="0" cy="0"/>
+          <a:chOff x="0" y="0"/>
+          <a:chExt cx="0" cy="0"/>
+        </a:xfrm>
+      </p:grpSpPr>
+      <p:sp>
+        <p:nvSpPr>
+          <p:cNvPr id="2" name="タイトル 1"/>
+          <p:cNvSpPr>
+            <a:spLocks noGrp="1"/>
+          </p:cNvSpPr>
+          <p:nvPr>
+            <p:ph type="title"/>
+          </p:nvPr>
+        </p:nvSpPr>
+        <p:spPr/>
+        <p:txBody>
+          <a:bodyPr/>
+          <a:lstStyle/>
+          <a:p>
+            <a:pPr algn="l"/>
+            <a:r>
+              <a:rPr lang="en-US" altLang="ja-JP" dirty="0">
+                <a:latin typeface="メイリオ" panose="020B0604030504040204" pitchFamily="50" charset="-128"/>
+                <a:ea typeface="メイリオ" panose="020B0604030504040204" pitchFamily="50" charset="-128"/>
+                <a:cs typeface="メイリオ" panose="020B0604030504040204" pitchFamily="50" charset="-128"/>
+              </a:rPr>
+              <a:t>Using the </a:t>
+            </a:r>
+            <a:r>
+              <a:rPr lang="en-US" altLang="ja-JP" dirty="0" err="1">
+                <a:latin typeface="メイリオ" panose="020B0604030504040204" pitchFamily="50" charset="-128"/>
+                <a:ea typeface="メイリオ" panose="020B0604030504040204" pitchFamily="50" charset="-128"/>
+                <a:cs typeface="メイリオ" panose="020B0604030504040204" pitchFamily="50" charset="-128"/>
+              </a:rPr>
+              <a:t>Homography</a:t>
+            </a:r>
+            <a:r>
+              <a:rPr lang="en-US" altLang="ja-JP" dirty="0">
+                <a:latin typeface="メイリオ" panose="020B0604030504040204" pitchFamily="50" charset="-128"/>
+                <a:ea typeface="メイリオ" panose="020B0604030504040204" pitchFamily="50" charset="-128"/>
+                <a:cs typeface="メイリオ" panose="020B0604030504040204" pitchFamily="50" charset="-128"/>
+              </a:rPr>
+              <a:t>(2)</a:t>
+            </a:r>
+            <a:endParaRPr kumimoji="1" lang="ja-JP" altLang="en-US" dirty="0"/>
+          </a:p>
+        </p:txBody>
+      </p:sp>
+      <p:sp>
+        <p:nvSpPr>
+          <p:cNvPr id="4" name="スライド番号プレースホルダー 3"/>
+          <p:cNvSpPr>
+            <a:spLocks noGrp="1"/>
+          </p:cNvSpPr>
+          <p:nvPr>
+            <p:ph type="sldNum" sz="quarter" idx="12"/>
+          </p:nvPr>
+        </p:nvSpPr>
+        <p:spPr/>
+        <p:txBody>
+          <a:bodyPr/>
+          <a:lstStyle/>
+          <a:p>
+            <a:fld id="{D64230CA-0B4E-4B5F-AAC4-223E39B2A9CE}" type="slidenum">
+              <a:rPr kumimoji="1" lang="ja-JP" altLang="en-US" smtClean="0"/>
+              <a:t>17</a:t>
+            </a:fld>
+            <a:endParaRPr kumimoji="1" lang="ja-JP" altLang="en-US"/>
+          </a:p>
+        </p:txBody>
+      </p:sp>
+      <p:sp>
+        <p:nvSpPr>
+          <p:cNvPr id="18" name="右矢印 17"/>
+          <p:cNvSpPr/>
+          <p:nvPr/>
+        </p:nvSpPr>
+        <p:spPr>
+          <a:xfrm rot="16200000">
+            <a:off x="2221521" y="4601597"/>
+            <a:ext cx="450585" cy="639763"/>
+          </a:xfrm>
+          <a:prstGeom prst="rightArrow">
+            <a:avLst/>
+          </a:prstGeom>
+          <a:solidFill>
+            <a:srgbClr val="FFFF00"/>
+          </a:solidFill>
+        </p:spPr>
+        <p:style>
+          <a:lnRef idx="2">
+            <a:schemeClr val="accent1">
+              <a:shade val="50000"/>
+            </a:schemeClr>
+          </a:lnRef>
+          <a:fillRef idx="1">
+            <a:schemeClr val="accent1"/>
+          </a:fillRef>
+          <a:effectRef idx="0">
+            <a:schemeClr val="accent1"/>
+          </a:effectRef>
+          <a:fontRef idx="minor">
+            <a:schemeClr val="lt1"/>
+          </a:fontRef>
+        </p:style>
+        <p:txBody>
+          <a:bodyPr rtlCol="0" anchor="ctr"/>
+          <a:lstStyle/>
+          <a:p>
+            <a:pPr algn="ctr"/>
+            <a:endParaRPr kumimoji="1" lang="ja-JP" altLang="en-US"/>
+          </a:p>
+        </p:txBody>
+      </p:sp>
+      <p:sp>
+        <p:nvSpPr>
+          <p:cNvPr id="19" name="平行四辺形 18"/>
+          <p:cNvSpPr/>
+          <p:nvPr/>
+        </p:nvSpPr>
+        <p:spPr>
+          <a:xfrm rot="5643197">
+            <a:off x="1848672" y="3342732"/>
+            <a:ext cx="1307935" cy="572560"/>
+          </a:xfrm>
+          <a:prstGeom prst="parallelogram">
+            <a:avLst>
+              <a:gd name="adj" fmla="val 112944"/>
+            </a:avLst>
+          </a:prstGeom>
+          <a:solidFill>
+            <a:srgbClr val="FFC000"/>
+          </a:solidFill>
+        </p:spPr>
+        <p:style>
+          <a:lnRef idx="2">
+            <a:schemeClr val="accent1">
+              <a:shade val="50000"/>
+            </a:schemeClr>
+          </a:lnRef>
+          <a:fillRef idx="1">
+            <a:schemeClr val="accent1"/>
+          </a:fillRef>
+          <a:effectRef idx="0">
+            <a:schemeClr val="accent1"/>
+          </a:effectRef>
+          <a:fontRef idx="minor">
+            <a:schemeClr val="lt1"/>
+          </a:fontRef>
+        </p:style>
+        <p:txBody>
+          <a:bodyPr rtlCol="0" anchor="ctr"/>
+          <a:lstStyle/>
+          <a:p>
+            <a:pPr algn="ctr"/>
+            <a:endParaRPr kumimoji="1" lang="ja-JP" altLang="en-US"/>
+          </a:p>
+        </p:txBody>
+      </p:sp>
+      <p:sp>
+        <p:nvSpPr>
+          <p:cNvPr id="20" name="フローチャート: 処理 19"/>
+          <p:cNvSpPr/>
+          <p:nvPr/>
+        </p:nvSpPr>
+        <p:spPr>
+          <a:xfrm>
+            <a:off x="1537439" y="5146771"/>
+            <a:ext cx="1930400" cy="394605"/>
+          </a:xfrm>
+          <a:prstGeom prst="flowChartProcess">
+            <a:avLst/>
+          </a:prstGeom>
+          <a:solidFill>
+            <a:srgbClr val="CCFF99"/>
+          </a:solidFill>
+        </p:spPr>
+        <p:style>
+          <a:lnRef idx="2">
+            <a:schemeClr val="accent1">
+              <a:shade val="50000"/>
+            </a:schemeClr>
+          </a:lnRef>
+          <a:fillRef idx="1">
+            <a:schemeClr val="accent1"/>
+          </a:fillRef>
+          <a:effectRef idx="0">
+            <a:schemeClr val="accent1"/>
+          </a:effectRef>
+          <a:fontRef idx="minor">
+            <a:schemeClr val="lt1"/>
+          </a:fontRef>
+        </p:style>
+        <p:txBody>
+          <a:bodyPr rtlCol="0" anchor="ctr"/>
+          <a:lstStyle/>
+          <a:p>
+            <a:pPr algn="ctr"/>
+            <a:r>
+              <a:rPr kumimoji="1" lang="ja-JP" altLang="en-US" sz="2000" dirty="0" smtClean="0">
+                <a:solidFill>
+                  <a:schemeClr val="tx1"/>
+                </a:solidFill>
+                <a:latin typeface="メイリオ" panose="020B0604030504040204" pitchFamily="50" charset="-128"/>
+                <a:ea typeface="メイリオ" panose="020B0604030504040204" pitchFamily="50" charset="-128"/>
+                <a:cs typeface="メイリオ" panose="020B0604030504040204" pitchFamily="50" charset="-128"/>
+              </a:rPr>
+              <a:t>プロジェクタ</a:t>
+            </a:r>
+            <a:endParaRPr kumimoji="1" lang="ja-JP" altLang="en-US" sz="2000" dirty="0">
+              <a:solidFill>
+                <a:schemeClr val="tx1"/>
+              </a:solidFill>
+              <a:latin typeface="メイリオ" panose="020B0604030504040204" pitchFamily="50" charset="-128"/>
+              <a:ea typeface="メイリオ" panose="020B0604030504040204" pitchFamily="50" charset="-128"/>
+              <a:cs typeface="メイリオ" panose="020B0604030504040204" pitchFamily="50" charset="-128"/>
+            </a:endParaRPr>
+          </a:p>
+        </p:txBody>
+      </p:sp>
+      <p:sp>
+        <p:nvSpPr>
+          <p:cNvPr id="21" name="テキスト ボックス 20"/>
+          <p:cNvSpPr txBox="1"/>
+          <p:nvPr/>
+        </p:nvSpPr>
+        <p:spPr>
+          <a:xfrm>
+            <a:off x="2811240" y="2852220"/>
+            <a:ext cx="1473197" cy="400110"/>
+          </a:xfrm>
+          <a:prstGeom prst="rect">
+            <a:avLst/>
+          </a:prstGeom>
+          <a:noFill/>
+          <a:ln>
+            <a:noFill/>
+          </a:ln>
+        </p:spPr>
+        <p:txBody>
+          <a:bodyPr wrap="square" rtlCol="0">
+            <a:spAutoFit/>
+          </a:bodyPr>
+          <a:lstStyle/>
+          <a:p>
+            <a:r>
+              <a:rPr kumimoji="1" lang="ja-JP" altLang="en-US" sz="2000" dirty="0" smtClean="0">
+                <a:latin typeface="メイリオ" panose="020B0604030504040204" pitchFamily="50" charset="-128"/>
+                <a:ea typeface="メイリオ" panose="020B0604030504040204" pitchFamily="50" charset="-128"/>
+                <a:cs typeface="メイリオ" panose="020B0604030504040204" pitchFamily="50" charset="-128"/>
+              </a:rPr>
+              <a:t>スクリーン</a:t>
+            </a:r>
+            <a:endParaRPr kumimoji="1" lang="ja-JP" altLang="en-US" sz="2000" dirty="0">
+              <a:latin typeface="メイリオ" panose="020B0604030504040204" pitchFamily="50" charset="-128"/>
+              <a:ea typeface="メイリオ" panose="020B0604030504040204" pitchFamily="50" charset="-128"/>
+              <a:cs typeface="メイリオ" panose="020B0604030504040204" pitchFamily="50" charset="-128"/>
+            </a:endParaRPr>
+          </a:p>
+        </p:txBody>
+      </p:sp>
+      <p:cxnSp>
+        <p:nvCxnSpPr>
+          <p:cNvPr id="22" name="直線コネクタ 21"/>
+          <p:cNvCxnSpPr>
+            <a:stCxn id="18" idx="3"/>
+          </p:cNvCxnSpPr>
+          <p:nvPr/>
+        </p:nvCxnSpPr>
+        <p:spPr>
+          <a:xfrm flipH="1" flipV="1">
+            <a:off x="2446813" y="3980667"/>
+            <a:ext cx="1" cy="715519"/>
+          </a:xfrm>
+          <a:prstGeom prst="line">
+            <a:avLst/>
+          </a:prstGeom>
+          <a:ln w="28575">
+            <a:solidFill>
+              <a:schemeClr val="tx1"/>
+            </a:solidFill>
+            <a:prstDash val="sysDash"/>
+          </a:ln>
+        </p:spPr>
+        <p:style>
+          <a:lnRef idx="1">
+            <a:schemeClr val="accent1"/>
+          </a:lnRef>
+          <a:fillRef idx="0">
+            <a:schemeClr val="accent1"/>
+          </a:fillRef>
+          <a:effectRef idx="0">
+            <a:schemeClr val="accent1"/>
+          </a:effectRef>
+          <a:fontRef idx="minor">
+            <a:schemeClr val="tx1"/>
+          </a:fontRef>
+        </p:style>
+      </p:cxnSp>
+      <p:cxnSp>
+        <p:nvCxnSpPr>
+          <p:cNvPr id="23" name="直線コネクタ 22"/>
+          <p:cNvCxnSpPr/>
+          <p:nvPr/>
+        </p:nvCxnSpPr>
+        <p:spPr>
+          <a:xfrm>
+            <a:off x="1735613" y="3052275"/>
+            <a:ext cx="1422400" cy="1790964"/>
+          </a:xfrm>
+          <a:prstGeom prst="line">
+            <a:avLst/>
+          </a:prstGeom>
+          <a:ln w="28575">
+            <a:solidFill>
+              <a:schemeClr val="tx1"/>
+            </a:solidFill>
+            <a:prstDash val="sysDash"/>
+          </a:ln>
+        </p:spPr>
+        <p:style>
+          <a:lnRef idx="1">
+            <a:schemeClr val="accent1"/>
+          </a:lnRef>
+          <a:fillRef idx="0">
+            <a:schemeClr val="accent1"/>
+          </a:fillRef>
+          <a:effectRef idx="0">
+            <a:schemeClr val="accent1"/>
+          </a:effectRef>
+          <a:fontRef idx="minor">
+            <a:schemeClr val="tx1"/>
+          </a:fontRef>
+        </p:style>
+      </p:cxnSp>
+      <p:sp>
+        <p:nvSpPr>
+          <p:cNvPr id="24" name="フリーフォーム 23"/>
+          <p:cNvSpPr/>
+          <p:nvPr/>
+        </p:nvSpPr>
+        <p:spPr>
+          <a:xfrm>
+            <a:off x="2448380" y="4264783"/>
+            <a:ext cx="239447" cy="122699"/>
+          </a:xfrm>
+          <a:custGeom>
+            <a:avLst/>
+            <a:gdLst>
+              <a:gd name="connsiteX0" fmla="*/ 0 w 239447"/>
+              <a:gd name="connsiteY0" fmla="*/ 67733 h 122699"/>
+              <a:gd name="connsiteX1" fmla="*/ 84667 w 239447"/>
+              <a:gd name="connsiteY1" fmla="*/ 118533 h 122699"/>
+              <a:gd name="connsiteX2" fmla="*/ 237067 w 239447"/>
+              <a:gd name="connsiteY2" fmla="*/ 50800 h 122699"/>
+              <a:gd name="connsiteX3" fmla="*/ 237067 w 239447"/>
+              <a:gd name="connsiteY3" fmla="*/ 0 h 122699"/>
+            </a:gdLst>
+            <a:ahLst/>
+            <a:cxnLst>
+              <a:cxn ang="0">
+                <a:pos x="connsiteX0" y="connsiteY0"/>
+              </a:cxn>
+              <a:cxn ang="0">
+                <a:pos x="connsiteX1" y="connsiteY1"/>
+              </a:cxn>
+              <a:cxn ang="0">
+                <a:pos x="connsiteX2" y="connsiteY2"/>
+              </a:cxn>
+              <a:cxn ang="0">
+                <a:pos x="connsiteX3" y="connsiteY3"/>
+              </a:cxn>
+            </a:cxnLst>
+            <a:rect l="l" t="t" r="r" b="b"/>
+            <a:pathLst>
+              <a:path w="239447" h="122699">
+                <a:moveTo>
+                  <a:pt x="0" y="67733"/>
+                </a:moveTo>
+                <a:cubicBezTo>
+                  <a:pt x="28222" y="84666"/>
+                  <a:pt x="52202" y="113122"/>
+                  <a:pt x="84667" y="118533"/>
+                </a:cubicBezTo>
+                <a:cubicBezTo>
+                  <a:pt x="157764" y="130716"/>
+                  <a:pt x="214502" y="118495"/>
+                  <a:pt x="237067" y="50800"/>
+                </a:cubicBezTo>
+                <a:cubicBezTo>
+                  <a:pt x="242422" y="34736"/>
+                  <a:pt x="237067" y="16933"/>
+                  <a:pt x="237067" y="0"/>
+                </a:cubicBezTo>
+              </a:path>
+            </a:pathLst>
+          </a:custGeom>
+          <a:noFill/>
+          <a:ln>
+            <a:solidFill>
+              <a:schemeClr val="tx1"/>
+            </a:solidFill>
+          </a:ln>
+        </p:spPr>
+        <p:style>
+          <a:lnRef idx="2">
+            <a:schemeClr val="accent1">
+              <a:shade val="50000"/>
+            </a:schemeClr>
+          </a:lnRef>
+          <a:fillRef idx="1">
+            <a:schemeClr val="accent1"/>
+          </a:fillRef>
+          <a:effectRef idx="0">
+            <a:schemeClr val="accent1"/>
+          </a:effectRef>
+          <a:fontRef idx="minor">
+            <a:schemeClr val="lt1"/>
+          </a:fontRef>
+        </p:style>
+        <p:txBody>
+          <a:bodyPr rtlCol="0" anchor="ctr"/>
+          <a:lstStyle/>
+          <a:p>
+            <a:pPr algn="ctr"/>
+            <a:endParaRPr kumimoji="1" lang="ja-JP" altLang="en-US"/>
+          </a:p>
+        </p:txBody>
+      </p:sp>
+      <p:sp>
+        <p:nvSpPr>
+          <p:cNvPr id="26" name="台形 25"/>
+          <p:cNvSpPr/>
+          <p:nvPr/>
+        </p:nvSpPr>
+        <p:spPr>
+          <a:xfrm rot="16200000">
+            <a:off x="5375069" y="2966029"/>
+            <a:ext cx="2796053" cy="2476917"/>
+          </a:xfrm>
+          <a:prstGeom prst="trapezoid">
+            <a:avLst>
+              <a:gd name="adj" fmla="val 27327"/>
+            </a:avLst>
+          </a:prstGeom>
+          <a:solidFill>
+            <a:srgbClr val="FFC000"/>
+          </a:solidFill>
+          <a:ln>
+            <a:solidFill>
+              <a:schemeClr val="tx1"/>
+            </a:solidFill>
+          </a:ln>
+        </p:spPr>
+        <p:style>
+          <a:lnRef idx="2">
+            <a:schemeClr val="accent1">
+              <a:shade val="50000"/>
+            </a:schemeClr>
+          </a:lnRef>
+          <a:fillRef idx="1">
+            <a:schemeClr val="accent1"/>
+          </a:fillRef>
+          <a:effectRef idx="0">
+            <a:schemeClr val="accent1"/>
+          </a:effectRef>
+          <a:fontRef idx="minor">
+            <a:schemeClr val="lt1"/>
+          </a:fontRef>
+        </p:style>
+        <p:txBody>
+          <a:bodyPr rtlCol="0" anchor="ctr"/>
+          <a:lstStyle/>
+          <a:p>
+            <a:pPr algn="ctr"/>
+            <a:endParaRPr kumimoji="1" lang="ja-JP" altLang="en-US"/>
+          </a:p>
+        </p:txBody>
+      </p:sp>
+      <p:sp>
+        <p:nvSpPr>
+          <p:cNvPr id="27" name="テキスト ボックス 26"/>
+          <p:cNvSpPr txBox="1"/>
+          <p:nvPr/>
+        </p:nvSpPr>
+        <p:spPr>
+          <a:xfrm>
+            <a:off x="5545446" y="2060349"/>
+            <a:ext cx="2646878" cy="461665"/>
+          </a:xfrm>
+          <a:prstGeom prst="rect">
+            <a:avLst/>
+          </a:prstGeom>
+          <a:noFill/>
+        </p:spPr>
+        <p:txBody>
+          <a:bodyPr wrap="none" rtlCol="0">
+            <a:spAutoFit/>
+          </a:bodyPr>
+          <a:lstStyle/>
+          <a:p>
+            <a:r>
+              <a:rPr lang="ja-JP" altLang="en-US" sz="2400" dirty="0" smtClean="0">
+                <a:solidFill>
+                  <a:schemeClr val="accent2">
+                    <a:lumMod val="60000"/>
+                    <a:lumOff val="40000"/>
+                  </a:schemeClr>
+                </a:solidFill>
+                <a:latin typeface="メイリオ" panose="020B0604030504040204" pitchFamily="50" charset="-128"/>
+                <a:ea typeface="メイリオ" panose="020B0604030504040204" pitchFamily="50" charset="-128"/>
+                <a:cs typeface="メイリオ" panose="020B0604030504040204" pitchFamily="50" charset="-128"/>
+              </a:rPr>
+              <a:t>プロジェクタ視点</a:t>
+            </a:r>
+            <a:endParaRPr kumimoji="1" lang="ja-JP" altLang="en-US" sz="2400" dirty="0">
+              <a:solidFill>
+                <a:schemeClr val="accent2">
+                  <a:lumMod val="60000"/>
+                  <a:lumOff val="40000"/>
+                </a:schemeClr>
+              </a:solidFill>
+              <a:latin typeface="メイリオ" panose="020B0604030504040204" pitchFamily="50" charset="-128"/>
+              <a:ea typeface="メイリオ" panose="020B0604030504040204" pitchFamily="50" charset="-128"/>
+              <a:cs typeface="メイリオ" panose="020B0604030504040204" pitchFamily="50" charset="-128"/>
+            </a:endParaRPr>
+          </a:p>
+        </p:txBody>
+      </p:sp>
+      <p:sp>
+        <p:nvSpPr>
+          <p:cNvPr id="28" name="テキスト ボックス 27"/>
+          <p:cNvSpPr txBox="1"/>
+          <p:nvPr/>
+        </p:nvSpPr>
+        <p:spPr>
+          <a:xfrm>
+            <a:off x="1892815" y="2059695"/>
+            <a:ext cx="1107996" cy="461665"/>
+          </a:xfrm>
+          <a:prstGeom prst="rect">
+            <a:avLst/>
+          </a:prstGeom>
+          <a:noFill/>
+        </p:spPr>
+        <p:txBody>
+          <a:bodyPr wrap="none" rtlCol="0">
+            <a:spAutoFit/>
+          </a:bodyPr>
+          <a:lstStyle/>
+          <a:p>
+            <a:r>
+              <a:rPr kumimoji="1" lang="ja-JP" altLang="en-US" sz="2400" dirty="0" smtClean="0">
+                <a:solidFill>
+                  <a:schemeClr val="accent2">
+                    <a:lumMod val="60000"/>
+                    <a:lumOff val="40000"/>
+                  </a:schemeClr>
+                </a:solidFill>
+                <a:latin typeface="メイリオ" panose="020B0604030504040204" pitchFamily="50" charset="-128"/>
+                <a:ea typeface="メイリオ" panose="020B0604030504040204" pitchFamily="50" charset="-128"/>
+                <a:cs typeface="メイリオ" panose="020B0604030504040204" pitchFamily="50" charset="-128"/>
+              </a:rPr>
+              <a:t>上から</a:t>
+            </a:r>
+            <a:endParaRPr kumimoji="1" lang="ja-JP" altLang="en-US" sz="2400" dirty="0">
+              <a:solidFill>
+                <a:schemeClr val="accent2">
+                  <a:lumMod val="60000"/>
+                  <a:lumOff val="40000"/>
+                </a:schemeClr>
+              </a:solidFill>
+              <a:latin typeface="メイリオ" panose="020B0604030504040204" pitchFamily="50" charset="-128"/>
+              <a:ea typeface="メイリオ" panose="020B0604030504040204" pitchFamily="50" charset="-128"/>
+              <a:cs typeface="メイリオ" panose="020B0604030504040204" pitchFamily="50" charset="-128"/>
+            </a:endParaRPr>
+          </a:p>
+        </p:txBody>
+      </p:sp>
+      <p:grpSp>
+        <p:nvGrpSpPr>
+          <p:cNvPr id="34" name="グループ化 33"/>
+          <p:cNvGrpSpPr/>
+          <p:nvPr/>
+        </p:nvGrpSpPr>
+        <p:grpSpPr>
+          <a:xfrm>
+            <a:off x="5041867" y="2784487"/>
+            <a:ext cx="3644933" cy="2818027"/>
+            <a:chOff x="5041867" y="2784487"/>
+            <a:chExt cx="3644933" cy="2818027"/>
+          </a:xfrm>
+        </p:grpSpPr>
+        <p:sp>
+          <p:nvSpPr>
+            <p:cNvPr id="29" name="フローチャート: 処理 28"/>
+            <p:cNvSpPr/>
+            <p:nvPr/>
+          </p:nvSpPr>
+          <p:spPr>
+            <a:xfrm>
+              <a:off x="5041867" y="2784487"/>
+              <a:ext cx="3628571" cy="2818027"/>
+            </a:xfrm>
+            <a:prstGeom prst="flowChartProcess">
+              <a:avLst/>
+            </a:prstGeom>
+            <a:noFill/>
+            <a:ln>
+              <a:solidFill>
+                <a:schemeClr val="tx1"/>
+              </a:solidFill>
+            </a:ln>
+          </p:spPr>
+          <p:style>
+            <a:lnRef idx="2">
+              <a:schemeClr val="accent1">
+                <a:shade val="50000"/>
+              </a:schemeClr>
+            </a:lnRef>
+            <a:fillRef idx="1">
+              <a:schemeClr val="accent1"/>
+            </a:fillRef>
+            <a:effectRef idx="0">
+              <a:schemeClr val="accent1"/>
+            </a:effectRef>
+            <a:fontRef idx="minor">
+              <a:schemeClr val="lt1"/>
+            </a:fontRef>
+          </p:style>
+          <p:txBody>
+            <a:bodyPr rtlCol="0" anchor="ctr"/>
+            <a:lstStyle/>
+            <a:p>
+              <a:pPr algn="ctr"/>
+              <a:endParaRPr kumimoji="1" lang="ja-JP" altLang="en-US"/>
+            </a:p>
+          </p:txBody>
+        </p:sp>
+        <p:cxnSp>
+          <p:nvCxnSpPr>
+            <p:cNvPr id="31" name="直線コネクタ 30"/>
+            <p:cNvCxnSpPr/>
+            <p:nvPr/>
+          </p:nvCxnSpPr>
+          <p:spPr>
+            <a:xfrm flipV="1">
+              <a:off x="5050971" y="2784487"/>
+              <a:ext cx="3635829" cy="2796055"/>
+            </a:xfrm>
+            <a:prstGeom prst="line">
+              <a:avLst/>
+            </a:prstGeom>
+            <a:ln>
+              <a:solidFill>
+                <a:schemeClr val="tx1"/>
+              </a:solidFill>
+            </a:ln>
+          </p:spPr>
+          <p:style>
+            <a:lnRef idx="1">
+              <a:schemeClr val="accent1"/>
+            </a:lnRef>
+            <a:fillRef idx="0">
+              <a:schemeClr val="accent1"/>
+            </a:fillRef>
+            <a:effectRef idx="0">
+              <a:schemeClr val="accent1"/>
+            </a:effectRef>
+            <a:fontRef idx="minor">
+              <a:schemeClr val="tx1"/>
+            </a:fontRef>
+          </p:style>
+        </p:cxnSp>
+        <p:cxnSp>
+          <p:nvCxnSpPr>
+            <p:cNvPr id="33" name="直線コネクタ 32"/>
+            <p:cNvCxnSpPr/>
+            <p:nvPr/>
+          </p:nvCxnSpPr>
+          <p:spPr>
+            <a:xfrm>
+              <a:off x="5050971" y="2784487"/>
+              <a:ext cx="3635829" cy="2818027"/>
+            </a:xfrm>
+            <a:prstGeom prst="line">
+              <a:avLst/>
+            </a:prstGeom>
+            <a:ln>
+              <a:solidFill>
+                <a:schemeClr val="tx1"/>
+              </a:solidFill>
+            </a:ln>
+          </p:spPr>
+          <p:style>
+            <a:lnRef idx="1">
+              <a:schemeClr val="accent1"/>
+            </a:lnRef>
+            <a:fillRef idx="0">
+              <a:schemeClr val="accent1"/>
+            </a:fillRef>
+            <a:effectRef idx="0">
+              <a:schemeClr val="accent1"/>
+            </a:effectRef>
+            <a:fontRef idx="minor">
+              <a:schemeClr val="tx1"/>
+            </a:fontRef>
+          </p:style>
+        </p:cxnSp>
+      </p:grpSp>
+      <p:cxnSp>
+        <p:nvCxnSpPr>
+          <p:cNvPr id="37" name="直線コネクタ 36"/>
+          <p:cNvCxnSpPr/>
+          <p:nvPr/>
+        </p:nvCxnSpPr>
+        <p:spPr>
+          <a:xfrm flipV="1">
+            <a:off x="5534637" y="2784487"/>
+            <a:ext cx="2476917" cy="2136991"/>
+          </a:xfrm>
+          <a:prstGeom prst="line">
+            <a:avLst/>
+          </a:prstGeom>
+          <a:ln>
+            <a:solidFill>
+              <a:schemeClr val="tx1"/>
+            </a:solidFill>
+          </a:ln>
+        </p:spPr>
+        <p:style>
+          <a:lnRef idx="1">
+            <a:schemeClr val="accent1"/>
+          </a:lnRef>
+          <a:fillRef idx="0">
+            <a:schemeClr val="accent1"/>
+          </a:fillRef>
+          <a:effectRef idx="0">
+            <a:schemeClr val="accent1"/>
+          </a:effectRef>
+          <a:fontRef idx="minor">
+            <a:schemeClr val="tx1"/>
+          </a:fontRef>
+        </p:style>
+      </p:cxnSp>
+      <p:cxnSp>
+        <p:nvCxnSpPr>
+          <p:cNvPr id="39" name="直線コネクタ 38"/>
+          <p:cNvCxnSpPr/>
+          <p:nvPr/>
+        </p:nvCxnSpPr>
+        <p:spPr>
+          <a:xfrm>
+            <a:off x="5534637" y="3456228"/>
+            <a:ext cx="2476917" cy="2124314"/>
+          </a:xfrm>
+          <a:prstGeom prst="line">
+            <a:avLst/>
+          </a:prstGeom>
+          <a:ln>
+            <a:solidFill>
+              <a:schemeClr val="tx1"/>
+            </a:solidFill>
+          </a:ln>
+        </p:spPr>
+        <p:style>
+          <a:lnRef idx="1">
+            <a:schemeClr val="accent1"/>
+          </a:lnRef>
+          <a:fillRef idx="0">
+            <a:schemeClr val="accent1"/>
+          </a:fillRef>
+          <a:effectRef idx="0">
+            <a:schemeClr val="accent1"/>
+          </a:effectRef>
+          <a:fontRef idx="minor">
+            <a:schemeClr val="tx1"/>
+          </a:fontRef>
+        </p:style>
+      </p:cxnSp>
+    </p:spTree>
+    <p:extLst>
+      <p:ext uri="{BB962C8B-B14F-4D97-AF65-F5344CB8AC3E}">
+        <p14:creationId xmlns:p14="http://schemas.microsoft.com/office/powerpoint/2010/main" val="1092395338"/>
+      </p:ext>
+    </p:extLst>
+  </p:cSld>
+  <p:clrMapOvr>
+    <a:masterClrMapping/>
+  </p:clrMapOvr>
+  <p:timing>
+    <p:tnLst>
+      <p:par>
+        <p:cTn id="1" dur="indefinite" restart="never" nodeType="tmRoot">
+          <p:childTnLst>
+            <p:seq concurrent="1" nextAc="seek">
+              <p:cTn id="2" dur="indefinite" nodeType="mainSeq">
+                <p:childTnLst>
+                  <p:par>
+                    <p:cTn id="3" fill="hold">
+                      <p:stCondLst>
+                        <p:cond delay="indefinite"/>
+                      </p:stCondLst>
+                      <p:childTnLst>
+                        <p:par>
+                          <p:cTn id="4" fill="hold">
+                            <p:stCondLst>
+                              <p:cond delay="0"/>
+                            </p:stCondLst>
+                            <p:childTnLst>
+                              <p:par>
+                                <p:cTn id="5" presetID="10" presetClass="entr" presetSubtype="0" fill="hold" nodeType="clickEffect">
+                                  <p:stCondLst>
+                                    <p:cond delay="0"/>
+                                  </p:stCondLst>
+                                  <p:childTnLst>
+                                    <p:set>
+                                      <p:cBhvr>
+                                        <p:cTn id="6" dur="1" fill="hold">
+                                          <p:stCondLst>
+                                            <p:cond delay="0"/>
+                                          </p:stCondLst>
+                                        </p:cTn>
+                                        <p:tgtEl>
+                                          <p:spTgt spid="34"/>
+                                        </p:tgtEl>
+                                        <p:attrNameLst>
+                                          <p:attrName>style.visibility</p:attrName>
+                                        </p:attrNameLst>
+                                      </p:cBhvr>
+                                      <p:to>
+                                        <p:strVal val="visible"/>
+                                      </p:to>
+                                    </p:set>
+                                    <p:animEffect transition="in" filter="fade">
+                                      <p:cBhvr>
+                                        <p:cTn id="7" dur="500"/>
+                                        <p:tgtEl>
+                                          <p:spTgt spid="34"/>
+                                        </p:tgtEl>
+                                      </p:cBhvr>
+                                    </p:animEffect>
+                                  </p:childTnLst>
+                                </p:cTn>
+                              </p:par>
+                            </p:childTnLst>
+                          </p:cTn>
+                        </p:par>
+                      </p:childTnLst>
+                    </p:cTn>
+                  </p:par>
+                  <p:par>
+                    <p:cTn id="8" fill="hold">
+                      <p:stCondLst>
+                        <p:cond delay="indefinite"/>
+                      </p:stCondLst>
+                      <p:childTnLst>
+                        <p:par>
+                          <p:cTn id="9" fill="hold">
+                            <p:stCondLst>
+                              <p:cond delay="0"/>
+                            </p:stCondLst>
+                            <p:childTnLst>
+                              <p:par>
+                                <p:cTn id="10" presetID="10" presetClass="exit" presetSubtype="0" fill="hold" nodeType="clickEffect">
+                                  <p:stCondLst>
+                                    <p:cond delay="0"/>
+                                  </p:stCondLst>
+                                  <p:childTnLst>
+                                    <p:animEffect transition="out" filter="fade">
+                                      <p:cBhvr>
+                                        <p:cTn id="11" dur="500"/>
+                                        <p:tgtEl>
+                                          <p:spTgt spid="34"/>
+                                        </p:tgtEl>
+                                      </p:cBhvr>
+                                    </p:animEffect>
+                                    <p:set>
+                                      <p:cBhvr>
+                                        <p:cTn id="12" dur="1" fill="hold">
+                                          <p:stCondLst>
+                                            <p:cond delay="499"/>
+                                          </p:stCondLst>
+                                        </p:cTn>
+                                        <p:tgtEl>
+                                          <p:spTgt spid="34"/>
+                                        </p:tgtEl>
+                                        <p:attrNameLst>
+                                          <p:attrName>style.visibility</p:attrName>
+                                        </p:attrNameLst>
+                                      </p:cBhvr>
+                                      <p:to>
+                                        <p:strVal val="hidden"/>
+                                      </p:to>
+                                    </p:set>
+                                  </p:childTnLst>
+                                </p:cTn>
+                              </p:par>
+                              <p:par>
+                                <p:cTn id="13" presetID="10" presetClass="entr" presetSubtype="0" fill="hold" nodeType="withEffect">
+                                  <p:stCondLst>
+                                    <p:cond delay="0"/>
+                                  </p:stCondLst>
+                                  <p:childTnLst>
+                                    <p:set>
+                                      <p:cBhvr>
+                                        <p:cTn id="14" dur="1" fill="hold">
+                                          <p:stCondLst>
+                                            <p:cond delay="0"/>
+                                          </p:stCondLst>
+                                        </p:cTn>
+                                        <p:tgtEl>
+                                          <p:spTgt spid="39"/>
+                                        </p:tgtEl>
+                                        <p:attrNameLst>
+                                          <p:attrName>style.visibility</p:attrName>
+                                        </p:attrNameLst>
+                                      </p:cBhvr>
+                                      <p:to>
+                                        <p:strVal val="visible"/>
+                                      </p:to>
+                                    </p:set>
+                                    <p:animEffect transition="in" filter="fade">
+                                      <p:cBhvr>
+                                        <p:cTn id="15" dur="500"/>
+                                        <p:tgtEl>
+                                          <p:spTgt spid="39"/>
+                                        </p:tgtEl>
+                                      </p:cBhvr>
+                                    </p:animEffect>
+                                  </p:childTnLst>
+                                </p:cTn>
+                              </p:par>
+                              <p:par>
+                                <p:cTn id="16" presetID="10" presetClass="entr" presetSubtype="0" fill="hold" nodeType="withEffect">
+                                  <p:stCondLst>
+                                    <p:cond delay="0"/>
+                                  </p:stCondLst>
+                                  <p:childTnLst>
+                                    <p:set>
+                                      <p:cBhvr>
+                                        <p:cTn id="17" dur="1" fill="hold">
+                                          <p:stCondLst>
+                                            <p:cond delay="0"/>
+                                          </p:stCondLst>
+                                        </p:cTn>
+                                        <p:tgtEl>
+                                          <p:spTgt spid="37"/>
+                                        </p:tgtEl>
+                                        <p:attrNameLst>
+                                          <p:attrName>style.visibility</p:attrName>
+                                        </p:attrNameLst>
+                                      </p:cBhvr>
+                                      <p:to>
+                                        <p:strVal val="visible"/>
+                                      </p:to>
+                                    </p:set>
+                                    <p:animEffect transition="in" filter="fade">
+                                      <p:cBhvr>
+                                        <p:cTn id="18" dur="500"/>
+                                        <p:tgtEl>
+                                          <p:spTgt spid="37"/>
+                                        </p:tgtEl>
+                                      </p:cBhvr>
+                                    </p:animEffect>
+                                  </p:childTnLst>
+                                </p:cTn>
+                              </p:par>
+                            </p:childTnLst>
+                          </p:cTn>
+                        </p:par>
+                      </p:childTnLst>
+                    </p:cTn>
+                  </p:par>
+                </p:childTnLst>
+              </p:cTn>
+              <p:prevCondLst>
+                <p:cond evt="onPrev" delay="0">
+                  <p:tgtEl>
+                    <p:sldTgt/>
+                  </p:tgtEl>
+                </p:cond>
+              </p:prevCondLst>
+              <p:nextCondLst>
+                <p:cond evt="onNext" delay="0">
+                  <p:tgtEl>
+                    <p:sldTgt/>
+                  </p:tgtEl>
+                </p:cond>
+              </p:nextCondLst>
+            </p:seq>
+          </p:childTnLst>
+        </p:cTn>
+      </p:par>
+    </p:tnLst>
+  </p:timing>
+</p:sld>
+</file>
+
+<file path=ppt/slides/slide18.xml><?xml version="1.0" encoding="utf-8"?>
+<p:sld xmlns:a="http://schemas.openxmlformats.org/drawingml/2006/main" xmlns:r="http://schemas.openxmlformats.org/officeDocument/2006/relationships" xmlns:p="http://schemas.openxmlformats.org/presentationml/2006/main">
+  <p:cSld>
+    <p:spTree>
+      <p:nvGrpSpPr>
+        <p:cNvPr id="1" name=""/>
+        <p:cNvGrpSpPr/>
+        <p:nvPr/>
+      </p:nvGrpSpPr>
+      <p:grpSpPr>
+        <a:xfrm>
+          <a:off x="0" y="0"/>
+          <a:ext cx="0" cy="0"/>
+          <a:chOff x="0" y="0"/>
+          <a:chExt cx="0" cy="0"/>
+        </a:xfrm>
+      </p:grpSpPr>
+      <p:sp>
+        <p:nvSpPr>
+          <p:cNvPr id="2" name="タイトル 1"/>
+          <p:cNvSpPr>
+            <a:spLocks noGrp="1"/>
+          </p:cNvSpPr>
+          <p:nvPr>
+            <p:ph type="title"/>
+          </p:nvPr>
+        </p:nvSpPr>
+        <p:spPr/>
+        <p:txBody>
+          <a:bodyPr/>
+          <a:lstStyle/>
+          <a:p>
+            <a:pPr algn="l"/>
+            <a:r>
+              <a:rPr kumimoji="1" lang="en-US" altLang="ja-JP" dirty="0" smtClean="0">
+                <a:latin typeface="メイリオ" panose="020B0604030504040204" pitchFamily="50" charset="-128"/>
+                <a:ea typeface="メイリオ" panose="020B0604030504040204" pitchFamily="50" charset="-128"/>
+                <a:cs typeface="メイリオ" panose="020B0604030504040204" pitchFamily="50" charset="-128"/>
+              </a:rPr>
+              <a:t>Application(1)</a:t>
+            </a:r>
+            <a:endParaRPr kumimoji="1" lang="ja-JP" altLang="en-US" dirty="0">
+              <a:latin typeface="メイリオ" panose="020B0604030504040204" pitchFamily="50" charset="-128"/>
+              <a:ea typeface="メイリオ" panose="020B0604030504040204" pitchFamily="50" charset="-128"/>
+              <a:cs typeface="メイリオ" panose="020B0604030504040204" pitchFamily="50" charset="-128"/>
+            </a:endParaRPr>
+          </a:p>
+        </p:txBody>
+      </p:sp>
+      <p:sp>
+        <p:nvSpPr>
+          <p:cNvPr id="3" name="コンテンツ プレースホルダー 2"/>
+          <p:cNvSpPr>
+            <a:spLocks noGrp="1"/>
+          </p:cNvSpPr>
+          <p:nvPr>
+            <p:ph idx="1"/>
+          </p:nvPr>
+        </p:nvSpPr>
+        <p:spPr/>
+        <p:txBody>
+          <a:bodyPr/>
+          <a:lstStyle/>
+          <a:p>
+            <a:r>
+              <a:rPr lang="en-US" altLang="ja-JP" dirty="0" smtClean="0">
+                <a:latin typeface="メイリオ" panose="020B0604030504040204" pitchFamily="50" charset="-128"/>
+                <a:ea typeface="メイリオ" panose="020B0604030504040204" pitchFamily="50" charset="-128"/>
+                <a:cs typeface="メイリオ" panose="020B0604030504040204" pitchFamily="50" charset="-128"/>
+              </a:rPr>
+              <a:t>Wireless Sensor</a:t>
+            </a:r>
+          </a:p>
+          <a:p>
+            <a:pPr lvl="1"/>
+            <a:r>
+              <a:rPr lang="ja-JP" altLang="en-US" dirty="0" smtClean="0">
+                <a:latin typeface="メイリオ" panose="020B0604030504040204" pitchFamily="50" charset="-128"/>
+                <a:ea typeface="メイリオ" panose="020B0604030504040204" pitchFamily="50" charset="-128"/>
+                <a:cs typeface="メイリオ" panose="020B0604030504040204" pitchFamily="50" charset="-128"/>
+              </a:rPr>
+              <a:t> 光学センサからホスト</a:t>
+            </a:r>
+            <a:r>
+              <a:rPr lang="en-US" altLang="ja-JP" dirty="0" smtClean="0">
+                <a:latin typeface="メイリオ" panose="020B0604030504040204" pitchFamily="50" charset="-128"/>
+                <a:ea typeface="メイリオ" panose="020B0604030504040204" pitchFamily="50" charset="-128"/>
+                <a:cs typeface="メイリオ" panose="020B0604030504040204" pitchFamily="50" charset="-128"/>
+              </a:rPr>
+              <a:t>PC</a:t>
+            </a:r>
+            <a:r>
+              <a:rPr lang="ja-JP" altLang="en-US" dirty="0" smtClean="0">
+                <a:latin typeface="メイリオ" panose="020B0604030504040204" pitchFamily="50" charset="-128"/>
+                <a:ea typeface="メイリオ" panose="020B0604030504040204" pitchFamily="50" charset="-128"/>
+                <a:cs typeface="メイリオ" panose="020B0604030504040204" pitchFamily="50" charset="-128"/>
+              </a:rPr>
+              <a:t>へ無線で接続</a:t>
+            </a:r>
+            <a:endParaRPr kumimoji="1" lang="en-US" altLang="ja-JP" dirty="0" smtClean="0">
+              <a:latin typeface="メイリオ" panose="020B0604030504040204" pitchFamily="50" charset="-128"/>
+              <a:ea typeface="メイリオ" panose="020B0604030504040204" pitchFamily="50" charset="-128"/>
+              <a:cs typeface="メイリオ" panose="020B0604030504040204" pitchFamily="50" charset="-128"/>
+            </a:endParaRPr>
+          </a:p>
+          <a:p>
+            <a:pPr lvl="1"/>
+            <a:r>
+              <a:rPr lang="ja-JP" altLang="en-US" dirty="0" smtClean="0">
+                <a:latin typeface="メイリオ" panose="020B0604030504040204" pitchFamily="50" charset="-128"/>
+                <a:ea typeface="メイリオ" panose="020B0604030504040204" pitchFamily="50" charset="-128"/>
+                <a:cs typeface="メイリオ" panose="020B0604030504040204" pitchFamily="50" charset="-128"/>
+              </a:rPr>
+              <a:t> （</a:t>
+            </a:r>
+            <a:r>
+              <a:rPr lang="en-US" altLang="ja-JP" dirty="0" smtClean="0">
+                <a:latin typeface="メイリオ" panose="020B0604030504040204" pitchFamily="50" charset="-128"/>
+                <a:ea typeface="メイリオ" panose="020B0604030504040204" pitchFamily="50" charset="-128"/>
+                <a:cs typeface="メイリオ" panose="020B0604030504040204" pitchFamily="50" charset="-128"/>
+              </a:rPr>
+              <a:t>ACM</a:t>
+            </a:r>
+            <a:r>
+              <a:rPr lang="ja-JP" altLang="en-US" dirty="0" smtClean="0">
+                <a:latin typeface="メイリオ" panose="020B0604030504040204" pitchFamily="50" charset="-128"/>
+                <a:ea typeface="メイリオ" panose="020B0604030504040204" pitchFamily="50" charset="-128"/>
+                <a:cs typeface="メイリオ" panose="020B0604030504040204" pitchFamily="50" charset="-128"/>
+              </a:rPr>
+              <a:t>から画像とってくる）</a:t>
+            </a:r>
+            <a:endParaRPr lang="en-US" altLang="ja-JP" dirty="0" smtClean="0">
+              <a:latin typeface="メイリオ" panose="020B0604030504040204" pitchFamily="50" charset="-128"/>
+              <a:ea typeface="メイリオ" panose="020B0604030504040204" pitchFamily="50" charset="-128"/>
+              <a:cs typeface="メイリオ" panose="020B0604030504040204" pitchFamily="50" charset="-128"/>
+            </a:endParaRPr>
+          </a:p>
+        </p:txBody>
+      </p:sp>
+      <p:sp>
+        <p:nvSpPr>
+          <p:cNvPr id="4" name="スライド番号プレースホルダー 3"/>
+          <p:cNvSpPr>
+            <a:spLocks noGrp="1"/>
+          </p:cNvSpPr>
+          <p:nvPr>
+            <p:ph type="sldNum" sz="quarter" idx="12"/>
+          </p:nvPr>
+        </p:nvSpPr>
+        <p:spPr/>
+        <p:txBody>
+          <a:bodyPr/>
+          <a:lstStyle/>
+          <a:p>
+            <a:fld id="{D64230CA-0B4E-4B5F-AAC4-223E39B2A9CE}" type="slidenum">
+              <a:rPr kumimoji="1" lang="ja-JP" altLang="en-US" smtClean="0"/>
+              <a:t>18</a:t>
+            </a:fld>
+            <a:endParaRPr kumimoji="1" lang="ja-JP" altLang="en-US"/>
+          </a:p>
+        </p:txBody>
+      </p:sp>
+    </p:spTree>
+    <p:extLst>
+      <p:ext uri="{BB962C8B-B14F-4D97-AF65-F5344CB8AC3E}">
+        <p14:creationId xmlns:p14="http://schemas.microsoft.com/office/powerpoint/2010/main" val="1373040959"/>
+      </p:ext>
+    </p:extLst>
+  </p:cSld>
+  <p:clrMapOvr>
+    <a:masterClrMapping/>
+  </p:clrMapOvr>
+  <p:timing>
+    <p:tnLst>
+      <p:par>
+        <p:cTn id="1" dur="indefinite" restart="never" nodeType="tmRoot"/>
+      </p:par>
+    </p:tnLst>
+  </p:timing>
+</p:sld>
+</file>
+
+<file path=ppt/slides/slide19.xml><?xml version="1.0" encoding="utf-8"?>
+<p:sld xmlns:a="http://schemas.openxmlformats.org/drawingml/2006/main" xmlns:r="http://schemas.openxmlformats.org/officeDocument/2006/relationships" xmlns:p="http://schemas.openxmlformats.org/presentationml/2006/main">
+  <p:cSld>
+    <p:spTree>
+      <p:nvGrpSpPr>
+        <p:cNvPr id="1" name=""/>
+        <p:cNvGrpSpPr/>
+        <p:nvPr/>
+      </p:nvGrpSpPr>
+      <p:grpSpPr>
+        <a:xfrm>
+          <a:off x="0" y="0"/>
+          <a:ext cx="0" cy="0"/>
+          <a:chOff x="0" y="0"/>
+          <a:chExt cx="0" cy="0"/>
+        </a:xfrm>
+      </p:grpSpPr>
+      <p:sp>
+        <p:nvSpPr>
+          <p:cNvPr id="2" name="タイトル 1"/>
+          <p:cNvSpPr>
+            <a:spLocks noGrp="1"/>
+          </p:cNvSpPr>
+          <p:nvPr>
+            <p:ph type="title"/>
+          </p:nvPr>
+        </p:nvSpPr>
+        <p:spPr/>
+        <p:txBody>
+          <a:bodyPr/>
+          <a:lstStyle/>
+          <a:p>
+            <a:pPr algn="l"/>
+            <a:r>
+              <a:rPr kumimoji="1" lang="en-US" altLang="ja-JP" dirty="0" smtClean="0">
+                <a:latin typeface="メイリオ" panose="020B0604030504040204" pitchFamily="50" charset="-128"/>
+                <a:ea typeface="メイリオ" panose="020B0604030504040204" pitchFamily="50" charset="-128"/>
+                <a:cs typeface="メイリオ" panose="020B0604030504040204" pitchFamily="50" charset="-128"/>
+              </a:rPr>
+              <a:t>Application (2)</a:t>
+            </a:r>
+            <a:endParaRPr kumimoji="1" lang="ja-JP" altLang="en-US" dirty="0">
+              <a:latin typeface="メイリオ" panose="020B0604030504040204" pitchFamily="50" charset="-128"/>
+              <a:ea typeface="メイリオ" panose="020B0604030504040204" pitchFamily="50" charset="-128"/>
+              <a:cs typeface="メイリオ" panose="020B0604030504040204" pitchFamily="50" charset="-128"/>
+            </a:endParaRPr>
+          </a:p>
+        </p:txBody>
+      </p:sp>
+      <p:sp>
+        <p:nvSpPr>
+          <p:cNvPr id="3" name="コンテンツ プレースホルダー 2"/>
+          <p:cNvSpPr>
+            <a:spLocks noGrp="1"/>
+          </p:cNvSpPr>
+          <p:nvPr>
+            <p:ph idx="1"/>
+          </p:nvPr>
+        </p:nvSpPr>
+        <p:spPr/>
+        <p:txBody>
+          <a:bodyPr/>
+          <a:lstStyle/>
+          <a:p>
+            <a:r>
+              <a:rPr lang="en-US" altLang="ja-JP" dirty="0" err="1" smtClean="0">
+                <a:latin typeface="メイリオ" panose="020B0604030504040204" pitchFamily="50" charset="-128"/>
+                <a:ea typeface="メイリオ" panose="020B0604030504040204" pitchFamily="50" charset="-128"/>
+                <a:cs typeface="メイリオ" panose="020B0604030504040204" pitchFamily="50" charset="-128"/>
+              </a:rPr>
+              <a:t>Shader</a:t>
+            </a:r>
+            <a:r>
+              <a:rPr lang="en-US" altLang="ja-JP" dirty="0" smtClean="0">
+                <a:latin typeface="メイリオ" panose="020B0604030504040204" pitchFamily="50" charset="-128"/>
+                <a:ea typeface="メイリオ" panose="020B0604030504040204" pitchFamily="50" charset="-128"/>
+                <a:cs typeface="メイリオ" panose="020B0604030504040204" pitchFamily="50" charset="-128"/>
+              </a:rPr>
+              <a:t> Lamps</a:t>
+            </a:r>
+          </a:p>
+          <a:p>
+            <a:pPr lvl="1"/>
+            <a:r>
+              <a:rPr kumimoji="1" lang="en-US" altLang="ja-JP" dirty="0">
+                <a:latin typeface="メイリオ" panose="020B0604030504040204" pitchFamily="50" charset="-128"/>
+                <a:ea typeface="メイリオ" panose="020B0604030504040204" pitchFamily="50" charset="-128"/>
+                <a:cs typeface="メイリオ" panose="020B0604030504040204" pitchFamily="50" charset="-128"/>
+              </a:rPr>
+              <a:t> </a:t>
+            </a:r>
+            <a:r>
+              <a:rPr lang="en-US" altLang="ja-JP" dirty="0" smtClean="0">
+                <a:latin typeface="メイリオ" panose="020B0604030504040204" pitchFamily="50" charset="-128"/>
+                <a:ea typeface="メイリオ" panose="020B0604030504040204" pitchFamily="50" charset="-128"/>
+                <a:cs typeface="メイリオ" panose="020B0604030504040204" pitchFamily="50" charset="-128"/>
+              </a:rPr>
+              <a:t>3</a:t>
+            </a:r>
+            <a:r>
+              <a:rPr lang="ja-JP" altLang="en-US" dirty="0" smtClean="0">
+                <a:latin typeface="メイリオ" panose="020B0604030504040204" pitchFamily="50" charset="-128"/>
+                <a:ea typeface="メイリオ" panose="020B0604030504040204" pitchFamily="50" charset="-128"/>
+                <a:cs typeface="メイリオ" panose="020B0604030504040204" pitchFamily="50" charset="-128"/>
+              </a:rPr>
+              <a:t>次元物体への投影</a:t>
+            </a:r>
+            <a:endParaRPr lang="en-US" altLang="ja-JP" dirty="0" smtClean="0">
+              <a:latin typeface="メイリオ" panose="020B0604030504040204" pitchFamily="50" charset="-128"/>
+              <a:ea typeface="メイリオ" panose="020B0604030504040204" pitchFamily="50" charset="-128"/>
+              <a:cs typeface="メイリオ" panose="020B0604030504040204" pitchFamily="50" charset="-128"/>
+            </a:endParaRPr>
+          </a:p>
+          <a:p>
+            <a:pPr lvl="1"/>
+            <a:r>
+              <a:rPr lang="ja-JP" altLang="en-US" dirty="0">
+                <a:latin typeface="メイリオ" panose="020B0604030504040204" pitchFamily="50" charset="-128"/>
+                <a:ea typeface="メイリオ" panose="020B0604030504040204" pitchFamily="50" charset="-128"/>
+                <a:cs typeface="メイリオ" panose="020B0604030504040204" pitchFamily="50" charset="-128"/>
+              </a:rPr>
+              <a:t>（</a:t>
+            </a:r>
+            <a:r>
+              <a:rPr lang="en-US" altLang="ja-JP" dirty="0">
+                <a:latin typeface="メイリオ" panose="020B0604030504040204" pitchFamily="50" charset="-128"/>
+                <a:ea typeface="メイリオ" panose="020B0604030504040204" pitchFamily="50" charset="-128"/>
+                <a:cs typeface="メイリオ" panose="020B0604030504040204" pitchFamily="50" charset="-128"/>
+              </a:rPr>
+              <a:t>ACM</a:t>
+            </a:r>
+            <a:r>
+              <a:rPr lang="ja-JP" altLang="en-US" dirty="0">
+                <a:latin typeface="メイリオ" panose="020B0604030504040204" pitchFamily="50" charset="-128"/>
+                <a:ea typeface="メイリオ" panose="020B0604030504040204" pitchFamily="50" charset="-128"/>
+                <a:cs typeface="メイリオ" panose="020B0604030504040204" pitchFamily="50" charset="-128"/>
+              </a:rPr>
+              <a:t>から画像とって</a:t>
+            </a:r>
+            <a:r>
+              <a:rPr lang="ja-JP" altLang="en-US" dirty="0" smtClean="0">
+                <a:latin typeface="メイリオ" panose="020B0604030504040204" pitchFamily="50" charset="-128"/>
+                <a:ea typeface="メイリオ" panose="020B0604030504040204" pitchFamily="50" charset="-128"/>
+                <a:cs typeface="メイリオ" panose="020B0604030504040204" pitchFamily="50" charset="-128"/>
+              </a:rPr>
+              <a:t>くる）</a:t>
+            </a:r>
+            <a:endParaRPr lang="en-US" altLang="ja-JP" dirty="0" smtClean="0">
+              <a:latin typeface="メイリオ" panose="020B0604030504040204" pitchFamily="50" charset="-128"/>
+              <a:ea typeface="メイリオ" panose="020B0604030504040204" pitchFamily="50" charset="-128"/>
+              <a:cs typeface="メイリオ" panose="020B0604030504040204" pitchFamily="50" charset="-128"/>
+            </a:endParaRPr>
+          </a:p>
+          <a:p>
+            <a:pPr marL="457200" lvl="1" indent="0">
+              <a:buNone/>
+            </a:pPr>
+            <a:endParaRPr kumimoji="1" lang="en-US" altLang="ja-JP" dirty="0" smtClean="0">
+              <a:latin typeface="メイリオ" panose="020B0604030504040204" pitchFamily="50" charset="-128"/>
+              <a:ea typeface="メイリオ" panose="020B0604030504040204" pitchFamily="50" charset="-128"/>
+              <a:cs typeface="メイリオ" panose="020B0604030504040204" pitchFamily="50" charset="-128"/>
+            </a:endParaRPr>
+          </a:p>
+        </p:txBody>
+      </p:sp>
+      <p:sp>
+        <p:nvSpPr>
+          <p:cNvPr id="4" name="スライド番号プレースホルダー 3"/>
+          <p:cNvSpPr>
+            <a:spLocks noGrp="1"/>
+          </p:cNvSpPr>
+          <p:nvPr>
+            <p:ph type="sldNum" sz="quarter" idx="12"/>
+          </p:nvPr>
+        </p:nvSpPr>
+        <p:spPr/>
+        <p:txBody>
+          <a:bodyPr/>
+          <a:lstStyle/>
+          <a:p>
+            <a:fld id="{D64230CA-0B4E-4B5F-AAC4-223E39B2A9CE}" type="slidenum">
+              <a:rPr kumimoji="1" lang="ja-JP" altLang="en-US" smtClean="0"/>
+              <a:t>19</a:t>
+            </a:fld>
+            <a:endParaRPr kumimoji="1" lang="ja-JP" altLang="en-US"/>
+          </a:p>
+        </p:txBody>
+      </p:sp>
+    </p:spTree>
+    <p:extLst>
+      <p:ext uri="{BB962C8B-B14F-4D97-AF65-F5344CB8AC3E}">
+        <p14:creationId xmlns:p14="http://schemas.microsoft.com/office/powerpoint/2010/main" val="3945018780"/>
+      </p:ext>
+    </p:extLst>
+  </p:cSld>
+  <p:clrMapOvr>
+    <a:masterClrMapping/>
+  </p:clrMapOvr>
 </p:sld>
 </file>
 
@@ -14205,6 +15985,706 @@
       </p:par>
     </p:tnLst>
   </p:timing>
+</p:sld>
+</file>
+
+<file path=ppt/slides/slide20.xml><?xml version="1.0" encoding="utf-8"?>
+<p:sld xmlns:a="http://schemas.openxmlformats.org/drawingml/2006/main" xmlns:r="http://schemas.openxmlformats.org/officeDocument/2006/relationships" xmlns:p="http://schemas.openxmlformats.org/presentationml/2006/main">
+  <p:cSld>
+    <p:spTree>
+      <p:nvGrpSpPr>
+        <p:cNvPr id="1" name=""/>
+        <p:cNvGrpSpPr/>
+        <p:nvPr/>
+      </p:nvGrpSpPr>
+      <p:grpSpPr>
+        <a:xfrm>
+          <a:off x="0" y="0"/>
+          <a:ext cx="0" cy="0"/>
+          <a:chOff x="0" y="0"/>
+          <a:chExt cx="0" cy="0"/>
+        </a:xfrm>
+      </p:grpSpPr>
+      <p:sp>
+        <p:nvSpPr>
+          <p:cNvPr id="2" name="タイトル 1"/>
+          <p:cNvSpPr>
+            <a:spLocks noGrp="1"/>
+          </p:cNvSpPr>
+          <p:nvPr>
+            <p:ph type="title"/>
+          </p:nvPr>
+        </p:nvSpPr>
+        <p:spPr/>
+        <p:txBody>
+          <a:bodyPr/>
+          <a:lstStyle/>
+          <a:p>
+            <a:pPr algn="l"/>
+            <a:r>
+              <a:rPr kumimoji="1" lang="en-US" altLang="ja-JP" dirty="0" smtClean="0">
+                <a:latin typeface="メイリオ" panose="020B0604030504040204" pitchFamily="50" charset="-128"/>
+                <a:ea typeface="メイリオ" panose="020B0604030504040204" pitchFamily="50" charset="-128"/>
+                <a:cs typeface="メイリオ" panose="020B0604030504040204" pitchFamily="50" charset="-128"/>
+              </a:rPr>
+              <a:t>Application (</a:t>
+            </a:r>
+            <a:r>
+              <a:rPr lang="en-US" altLang="ja-JP" dirty="0">
+                <a:latin typeface="メイリオ" panose="020B0604030504040204" pitchFamily="50" charset="-128"/>
+                <a:ea typeface="メイリオ" panose="020B0604030504040204" pitchFamily="50" charset="-128"/>
+                <a:cs typeface="メイリオ" panose="020B0604030504040204" pitchFamily="50" charset="-128"/>
+              </a:rPr>
+              <a:t>3</a:t>
+            </a:r>
+            <a:r>
+              <a:rPr kumimoji="1" lang="en-US" altLang="ja-JP" dirty="0" smtClean="0">
+                <a:latin typeface="メイリオ" panose="020B0604030504040204" pitchFamily="50" charset="-128"/>
+                <a:ea typeface="メイリオ" panose="020B0604030504040204" pitchFamily="50" charset="-128"/>
+                <a:cs typeface="メイリオ" panose="020B0604030504040204" pitchFamily="50" charset="-128"/>
+              </a:rPr>
+              <a:t>)</a:t>
+            </a:r>
+            <a:endParaRPr kumimoji="1" lang="ja-JP" altLang="en-US" dirty="0">
+              <a:latin typeface="メイリオ" panose="020B0604030504040204" pitchFamily="50" charset="-128"/>
+              <a:ea typeface="メイリオ" panose="020B0604030504040204" pitchFamily="50" charset="-128"/>
+              <a:cs typeface="メイリオ" panose="020B0604030504040204" pitchFamily="50" charset="-128"/>
+            </a:endParaRPr>
+          </a:p>
+        </p:txBody>
+      </p:sp>
+      <p:sp>
+        <p:nvSpPr>
+          <p:cNvPr id="3" name="コンテンツ プレースホルダー 2"/>
+          <p:cNvSpPr>
+            <a:spLocks noGrp="1"/>
+          </p:cNvSpPr>
+          <p:nvPr>
+            <p:ph idx="1"/>
+          </p:nvPr>
+        </p:nvSpPr>
+        <p:spPr/>
+        <p:txBody>
+          <a:bodyPr/>
+          <a:lstStyle/>
+          <a:p>
+            <a:r>
+              <a:rPr lang="en-US" altLang="ja-JP" dirty="0" smtClean="0">
+                <a:latin typeface="メイリオ" panose="020B0604030504040204" pitchFamily="50" charset="-128"/>
+                <a:ea typeface="メイリオ" panose="020B0604030504040204" pitchFamily="50" charset="-128"/>
+                <a:cs typeface="メイリオ" panose="020B0604030504040204" pitchFamily="50" charset="-128"/>
+              </a:rPr>
+              <a:t>Multi-projector Stitching</a:t>
+            </a:r>
+          </a:p>
+          <a:p>
+            <a:pPr lvl="1"/>
+            <a:r>
+              <a:rPr kumimoji="1" lang="en-US" altLang="ja-JP" dirty="0">
+                <a:latin typeface="メイリオ" panose="020B0604030504040204" pitchFamily="50" charset="-128"/>
+                <a:ea typeface="メイリオ" panose="020B0604030504040204" pitchFamily="50" charset="-128"/>
+                <a:cs typeface="メイリオ" panose="020B0604030504040204" pitchFamily="50" charset="-128"/>
+              </a:rPr>
+              <a:t> </a:t>
+            </a:r>
+            <a:r>
+              <a:rPr lang="ja-JP" altLang="en-US" dirty="0" smtClean="0">
+                <a:latin typeface="メイリオ" panose="020B0604030504040204" pitchFamily="50" charset="-128"/>
+                <a:ea typeface="メイリオ" panose="020B0604030504040204" pitchFamily="50" charset="-128"/>
+                <a:cs typeface="メイリオ" panose="020B0604030504040204" pitchFamily="50" charset="-128"/>
+              </a:rPr>
+              <a:t>複数</a:t>
+            </a:r>
+            <a:r>
+              <a:rPr lang="ja-JP" altLang="en-US" dirty="0">
+                <a:latin typeface="メイリオ" panose="020B0604030504040204" pitchFamily="50" charset="-128"/>
+                <a:ea typeface="メイリオ" panose="020B0604030504040204" pitchFamily="50" charset="-128"/>
+                <a:cs typeface="メイリオ" panose="020B0604030504040204" pitchFamily="50" charset="-128"/>
+              </a:rPr>
+              <a:t>プロジェクタ</a:t>
+            </a:r>
+            <a:r>
+              <a:rPr lang="ja-JP" altLang="en-US" dirty="0" smtClean="0">
+                <a:latin typeface="メイリオ" panose="020B0604030504040204" pitchFamily="50" charset="-128"/>
+                <a:ea typeface="メイリオ" panose="020B0604030504040204" pitchFamily="50" charset="-128"/>
+                <a:cs typeface="メイリオ" panose="020B0604030504040204" pitchFamily="50" charset="-128"/>
+              </a:rPr>
+              <a:t>で</a:t>
+            </a:r>
+            <a:r>
+              <a:rPr lang="en-US" altLang="ja-JP" dirty="0" smtClean="0">
+                <a:latin typeface="メイリオ" panose="020B0604030504040204" pitchFamily="50" charset="-128"/>
+                <a:ea typeface="メイリオ" panose="020B0604030504040204" pitchFamily="50" charset="-128"/>
+                <a:cs typeface="メイリオ" panose="020B0604030504040204" pitchFamily="50" charset="-128"/>
+              </a:rPr>
+              <a:t>1</a:t>
+            </a:r>
+            <a:r>
+              <a:rPr lang="ja-JP" altLang="en-US" dirty="0" smtClean="0">
+                <a:latin typeface="メイリオ" panose="020B0604030504040204" pitchFamily="50" charset="-128"/>
+                <a:ea typeface="メイリオ" panose="020B0604030504040204" pitchFamily="50" charset="-128"/>
+                <a:cs typeface="メイリオ" panose="020B0604030504040204" pitchFamily="50" charset="-128"/>
+              </a:rPr>
+              <a:t>枚の画像を投影</a:t>
+            </a:r>
+            <a:endParaRPr lang="en-US" altLang="ja-JP" dirty="0" smtClean="0">
+              <a:latin typeface="メイリオ" panose="020B0604030504040204" pitchFamily="50" charset="-128"/>
+              <a:ea typeface="メイリオ" panose="020B0604030504040204" pitchFamily="50" charset="-128"/>
+              <a:cs typeface="メイリオ" panose="020B0604030504040204" pitchFamily="50" charset="-128"/>
+            </a:endParaRPr>
+          </a:p>
+          <a:p>
+            <a:pPr lvl="1"/>
+            <a:r>
+              <a:rPr lang="ja-JP" altLang="en-US" dirty="0">
+                <a:latin typeface="メイリオ" panose="020B0604030504040204" pitchFamily="50" charset="-128"/>
+                <a:ea typeface="メイリオ" panose="020B0604030504040204" pitchFamily="50" charset="-128"/>
+                <a:cs typeface="メイリオ" panose="020B0604030504040204" pitchFamily="50" charset="-128"/>
+              </a:rPr>
+              <a:t>（</a:t>
+            </a:r>
+            <a:r>
+              <a:rPr lang="en-US" altLang="ja-JP" dirty="0">
+                <a:latin typeface="メイリオ" panose="020B0604030504040204" pitchFamily="50" charset="-128"/>
+                <a:ea typeface="メイリオ" panose="020B0604030504040204" pitchFamily="50" charset="-128"/>
+                <a:cs typeface="メイリオ" panose="020B0604030504040204" pitchFamily="50" charset="-128"/>
+              </a:rPr>
+              <a:t>ACM</a:t>
+            </a:r>
+            <a:r>
+              <a:rPr lang="ja-JP" altLang="en-US" dirty="0">
+                <a:latin typeface="メイリオ" panose="020B0604030504040204" pitchFamily="50" charset="-128"/>
+                <a:ea typeface="メイリオ" panose="020B0604030504040204" pitchFamily="50" charset="-128"/>
+                <a:cs typeface="メイリオ" panose="020B0604030504040204" pitchFamily="50" charset="-128"/>
+              </a:rPr>
+              <a:t>から画像とって</a:t>
+            </a:r>
+            <a:r>
+              <a:rPr lang="ja-JP" altLang="en-US" dirty="0" smtClean="0">
+                <a:latin typeface="メイリオ" panose="020B0604030504040204" pitchFamily="50" charset="-128"/>
+                <a:ea typeface="メイリオ" panose="020B0604030504040204" pitchFamily="50" charset="-128"/>
+                <a:cs typeface="メイリオ" panose="020B0604030504040204" pitchFamily="50" charset="-128"/>
+              </a:rPr>
+              <a:t>くる）</a:t>
+            </a:r>
+            <a:endParaRPr lang="en-US" altLang="ja-JP" dirty="0" smtClean="0">
+              <a:latin typeface="メイリオ" panose="020B0604030504040204" pitchFamily="50" charset="-128"/>
+              <a:ea typeface="メイリオ" panose="020B0604030504040204" pitchFamily="50" charset="-128"/>
+              <a:cs typeface="メイリオ" panose="020B0604030504040204" pitchFamily="50" charset="-128"/>
+            </a:endParaRPr>
+          </a:p>
+          <a:p>
+            <a:pPr marL="457200" lvl="1" indent="0">
+              <a:buNone/>
+            </a:pPr>
+            <a:endParaRPr kumimoji="1" lang="en-US" altLang="ja-JP" dirty="0" smtClean="0">
+              <a:latin typeface="メイリオ" panose="020B0604030504040204" pitchFamily="50" charset="-128"/>
+              <a:ea typeface="メイリオ" panose="020B0604030504040204" pitchFamily="50" charset="-128"/>
+              <a:cs typeface="メイリオ" panose="020B0604030504040204" pitchFamily="50" charset="-128"/>
+            </a:endParaRPr>
+          </a:p>
+        </p:txBody>
+      </p:sp>
+      <p:sp>
+        <p:nvSpPr>
+          <p:cNvPr id="4" name="スライド番号プレースホルダー 3"/>
+          <p:cNvSpPr>
+            <a:spLocks noGrp="1"/>
+          </p:cNvSpPr>
+          <p:nvPr>
+            <p:ph type="sldNum" sz="quarter" idx="12"/>
+          </p:nvPr>
+        </p:nvSpPr>
+        <p:spPr/>
+        <p:txBody>
+          <a:bodyPr/>
+          <a:lstStyle/>
+          <a:p>
+            <a:fld id="{D64230CA-0B4E-4B5F-AAC4-223E39B2A9CE}" type="slidenum">
+              <a:rPr kumimoji="1" lang="ja-JP" altLang="en-US" smtClean="0"/>
+              <a:t>20</a:t>
+            </a:fld>
+            <a:endParaRPr kumimoji="1" lang="ja-JP" altLang="en-US"/>
+          </a:p>
+        </p:txBody>
+      </p:sp>
+    </p:spTree>
+    <p:extLst>
+      <p:ext uri="{BB962C8B-B14F-4D97-AF65-F5344CB8AC3E}">
+        <p14:creationId xmlns:p14="http://schemas.microsoft.com/office/powerpoint/2010/main" val="3418339161"/>
+      </p:ext>
+    </p:extLst>
+  </p:cSld>
+  <p:clrMapOvr>
+    <a:masterClrMapping/>
+  </p:clrMapOvr>
+</p:sld>
+</file>
+
+<file path=ppt/slides/slide21.xml><?xml version="1.0" encoding="utf-8"?>
+<p:sld xmlns:a="http://schemas.openxmlformats.org/drawingml/2006/main" xmlns:r="http://schemas.openxmlformats.org/officeDocument/2006/relationships" xmlns:p="http://schemas.openxmlformats.org/presentationml/2006/main">
+  <p:cSld>
+    <p:spTree>
+      <p:nvGrpSpPr>
+        <p:cNvPr id="1" name=""/>
+        <p:cNvGrpSpPr/>
+        <p:nvPr/>
+      </p:nvGrpSpPr>
+      <p:grpSpPr>
+        <a:xfrm>
+          <a:off x="0" y="0"/>
+          <a:ext cx="0" cy="0"/>
+          <a:chOff x="0" y="0"/>
+          <a:chExt cx="0" cy="0"/>
+        </a:xfrm>
+      </p:grpSpPr>
+      <p:sp>
+        <p:nvSpPr>
+          <p:cNvPr id="2" name="タイトル 1"/>
+          <p:cNvSpPr>
+            <a:spLocks noGrp="1"/>
+          </p:cNvSpPr>
+          <p:nvPr>
+            <p:ph type="title"/>
+          </p:nvPr>
+        </p:nvSpPr>
+        <p:spPr/>
+        <p:txBody>
+          <a:bodyPr/>
+          <a:lstStyle/>
+          <a:p>
+            <a:pPr algn="l"/>
+            <a:r>
+              <a:rPr kumimoji="1" lang="en-US" altLang="ja-JP" dirty="0" smtClean="0">
+                <a:latin typeface="メイリオ" panose="020B0604030504040204" pitchFamily="50" charset="-128"/>
+                <a:ea typeface="メイリオ" panose="020B0604030504040204" pitchFamily="50" charset="-128"/>
+                <a:cs typeface="メイリオ" panose="020B0604030504040204" pitchFamily="50" charset="-128"/>
+              </a:rPr>
+              <a:t>Discussion and Future Work</a:t>
+            </a:r>
+            <a:endParaRPr kumimoji="1" lang="ja-JP" altLang="en-US" dirty="0">
+              <a:latin typeface="メイリオ" panose="020B0604030504040204" pitchFamily="50" charset="-128"/>
+              <a:ea typeface="メイリオ" panose="020B0604030504040204" pitchFamily="50" charset="-128"/>
+              <a:cs typeface="メイリオ" panose="020B0604030504040204" pitchFamily="50" charset="-128"/>
+            </a:endParaRPr>
+          </a:p>
+        </p:txBody>
+      </p:sp>
+      <p:sp>
+        <p:nvSpPr>
+          <p:cNvPr id="3" name="コンテンツ プレースホルダー 2"/>
+          <p:cNvSpPr>
+            <a:spLocks noGrp="1"/>
+          </p:cNvSpPr>
+          <p:nvPr>
+            <p:ph idx="1"/>
+          </p:nvPr>
+        </p:nvSpPr>
+        <p:spPr/>
+        <p:txBody>
+          <a:bodyPr/>
+          <a:lstStyle/>
+          <a:p>
+            <a:r>
+              <a:rPr kumimoji="1" lang="ja-JP" altLang="en-US" dirty="0" smtClean="0"/>
+              <a:t>良かったところ悪かったところ</a:t>
+            </a:r>
+            <a:endParaRPr kumimoji="1" lang="en-US" altLang="ja-JP" dirty="0" smtClean="0"/>
+          </a:p>
+          <a:p>
+            <a:r>
+              <a:rPr lang="ja-JP" altLang="en-US" dirty="0"/>
+              <a:t>将来的</a:t>
+            </a:r>
+            <a:r>
+              <a:rPr lang="ja-JP" altLang="en-US" dirty="0" smtClean="0"/>
+              <a:t>な取り組み事項</a:t>
+            </a:r>
+            <a:endParaRPr lang="en-US" altLang="ja-JP" dirty="0" smtClean="0"/>
+          </a:p>
+          <a:p>
+            <a:pPr lvl="1"/>
+            <a:r>
+              <a:rPr kumimoji="1" lang="ja-JP" altLang="en-US"/>
+              <a:t>　</a:t>
+            </a:r>
+            <a:r>
+              <a:rPr kumimoji="1" lang="ja-JP" altLang="en-US" smtClean="0"/>
+              <a:t>動く物体への投影</a:t>
+            </a:r>
+            <a:endParaRPr kumimoji="1" lang="ja-JP" altLang="en-US" dirty="0"/>
+          </a:p>
+        </p:txBody>
+      </p:sp>
+      <p:sp>
+        <p:nvSpPr>
+          <p:cNvPr id="4" name="スライド番号プレースホルダー 3"/>
+          <p:cNvSpPr>
+            <a:spLocks noGrp="1"/>
+          </p:cNvSpPr>
+          <p:nvPr>
+            <p:ph type="sldNum" sz="quarter" idx="12"/>
+          </p:nvPr>
+        </p:nvSpPr>
+        <p:spPr/>
+        <p:txBody>
+          <a:bodyPr/>
+          <a:lstStyle/>
+          <a:p>
+            <a:fld id="{D64230CA-0B4E-4B5F-AAC4-223E39B2A9CE}" type="slidenum">
+              <a:rPr kumimoji="1" lang="ja-JP" altLang="en-US" smtClean="0"/>
+              <a:t>21</a:t>
+            </a:fld>
+            <a:endParaRPr kumimoji="1" lang="ja-JP" altLang="en-US"/>
+          </a:p>
+        </p:txBody>
+      </p:sp>
+    </p:spTree>
+    <p:extLst>
+      <p:ext uri="{BB962C8B-B14F-4D97-AF65-F5344CB8AC3E}">
+        <p14:creationId xmlns:p14="http://schemas.microsoft.com/office/powerpoint/2010/main" val="3954058855"/>
+      </p:ext>
+    </p:extLst>
+  </p:cSld>
+  <p:clrMapOvr>
+    <a:masterClrMapping/>
+  </p:clrMapOvr>
+</p:sld>
+</file>
+
+<file path=ppt/slides/slide22.xml><?xml version="1.0" encoding="utf-8"?>
+<p:sld xmlns:a="http://schemas.openxmlformats.org/drawingml/2006/main" xmlns:r="http://schemas.openxmlformats.org/officeDocument/2006/relationships" xmlns:p="http://schemas.openxmlformats.org/presentationml/2006/main">
+  <p:cSld>
+    <p:spTree>
+      <p:nvGrpSpPr>
+        <p:cNvPr id="1" name=""/>
+        <p:cNvGrpSpPr/>
+        <p:nvPr/>
+      </p:nvGrpSpPr>
+      <p:grpSpPr>
+        <a:xfrm>
+          <a:off x="0" y="0"/>
+          <a:ext cx="0" cy="0"/>
+          <a:chOff x="0" y="0"/>
+          <a:chExt cx="0" cy="0"/>
+        </a:xfrm>
+      </p:grpSpPr>
+      <p:sp>
+        <p:nvSpPr>
+          <p:cNvPr id="2" name="タイトル 1"/>
+          <p:cNvSpPr>
+            <a:spLocks noGrp="1"/>
+          </p:cNvSpPr>
+          <p:nvPr>
+            <p:ph type="title"/>
+          </p:nvPr>
+        </p:nvSpPr>
+        <p:spPr/>
+        <p:txBody>
+          <a:bodyPr/>
+          <a:lstStyle/>
+          <a:p>
+            <a:pPr algn="l"/>
+            <a:r>
+              <a:rPr lang="en-US" altLang="ja-JP" dirty="0" smtClean="0">
+                <a:latin typeface="メイリオ" panose="020B0604030504040204" pitchFamily="50" charset="-128"/>
+                <a:ea typeface="メイリオ" panose="020B0604030504040204" pitchFamily="50" charset="-128"/>
+                <a:cs typeface="メイリオ" panose="020B0604030504040204" pitchFamily="50" charset="-128"/>
+              </a:rPr>
+              <a:t>Summery</a:t>
+            </a:r>
+            <a:endParaRPr kumimoji="1" lang="ja-JP" altLang="en-US" dirty="0">
+              <a:latin typeface="メイリオ" panose="020B0604030504040204" pitchFamily="50" charset="-128"/>
+              <a:ea typeface="メイリオ" panose="020B0604030504040204" pitchFamily="50" charset="-128"/>
+              <a:cs typeface="メイリオ" panose="020B0604030504040204" pitchFamily="50" charset="-128"/>
+            </a:endParaRPr>
+          </a:p>
+        </p:txBody>
+      </p:sp>
+      <p:sp>
+        <p:nvSpPr>
+          <p:cNvPr id="3" name="コンテンツ プレースホルダー 2"/>
+          <p:cNvSpPr>
+            <a:spLocks noGrp="1"/>
+          </p:cNvSpPr>
+          <p:nvPr>
+            <p:ph idx="1"/>
+          </p:nvPr>
+        </p:nvSpPr>
+        <p:spPr/>
+        <p:txBody>
+          <a:bodyPr/>
+          <a:lstStyle/>
+          <a:p>
+            <a:r>
+              <a:rPr lang="ja-JP" altLang="en-US" dirty="0" smtClean="0">
+                <a:latin typeface="メイリオ" panose="020B0604030504040204" pitchFamily="50" charset="-128"/>
+                <a:ea typeface="メイリオ" panose="020B0604030504040204" pitchFamily="50" charset="-128"/>
+                <a:cs typeface="メイリオ" panose="020B0604030504040204" pitchFamily="50" charset="-128"/>
+              </a:rPr>
+              <a:t>まとめ</a:t>
+            </a:r>
+            <a:endParaRPr lang="en-US" altLang="ja-JP" dirty="0" smtClean="0">
+              <a:latin typeface="メイリオ" panose="020B0604030504040204" pitchFamily="50" charset="-128"/>
+              <a:ea typeface="メイリオ" panose="020B0604030504040204" pitchFamily="50" charset="-128"/>
+              <a:cs typeface="メイリオ" panose="020B0604030504040204" pitchFamily="50" charset="-128"/>
+            </a:endParaRPr>
+          </a:p>
+          <a:p>
+            <a:pPr lvl="1"/>
+            <a:r>
+              <a:rPr lang="ja-JP" altLang="en-US" dirty="0">
+                <a:latin typeface="メイリオ" panose="020B0604030504040204" pitchFamily="50" charset="-128"/>
+                <a:ea typeface="メイリオ" panose="020B0604030504040204" pitchFamily="50" charset="-128"/>
+                <a:cs typeface="メイリオ" panose="020B0604030504040204" pitchFamily="50" charset="-128"/>
+              </a:rPr>
+              <a:t> </a:t>
+            </a:r>
+            <a:r>
+              <a:rPr kumimoji="1" lang="ja-JP" altLang="en-US" dirty="0" smtClean="0">
+                <a:latin typeface="メイリオ" panose="020B0604030504040204" pitchFamily="50" charset="-128"/>
+                <a:ea typeface="メイリオ" panose="020B0604030504040204" pitchFamily="50" charset="-128"/>
+                <a:cs typeface="メイリオ" panose="020B0604030504040204" pitchFamily="50" charset="-128"/>
+              </a:rPr>
+              <a:t>キャリブレーション手法の提案および実装</a:t>
+            </a:r>
+            <a:endParaRPr kumimoji="1" lang="en-US" altLang="ja-JP" dirty="0" smtClean="0">
+              <a:latin typeface="メイリオ" panose="020B0604030504040204" pitchFamily="50" charset="-128"/>
+              <a:ea typeface="メイリオ" panose="020B0604030504040204" pitchFamily="50" charset="-128"/>
+              <a:cs typeface="メイリオ" panose="020B0604030504040204" pitchFamily="50" charset="-128"/>
+            </a:endParaRPr>
+          </a:p>
+          <a:p>
+            <a:pPr lvl="2"/>
+            <a:r>
+              <a:rPr lang="ja-JP" altLang="en-US" dirty="0" smtClean="0">
+                <a:latin typeface="メイリオ" panose="020B0604030504040204" pitchFamily="50" charset="-128"/>
+                <a:ea typeface="メイリオ" panose="020B0604030504040204" pitchFamily="50" charset="-128"/>
+                <a:cs typeface="メイリオ" panose="020B0604030504040204" pitchFamily="50" charset="-128"/>
+              </a:rPr>
+              <a:t> 軽量</a:t>
+            </a:r>
+            <a:r>
+              <a:rPr lang="en-US" altLang="ja-JP" dirty="0" smtClean="0">
+                <a:latin typeface="メイリオ" panose="020B0604030504040204" pitchFamily="50" charset="-128"/>
+                <a:ea typeface="メイリオ" panose="020B0604030504040204" pitchFamily="50" charset="-128"/>
+                <a:cs typeface="メイリオ" panose="020B0604030504040204" pitchFamily="50" charset="-128"/>
+              </a:rPr>
+              <a:t>, </a:t>
+            </a:r>
+            <a:r>
+              <a:rPr lang="ja-JP" altLang="en-US" dirty="0" smtClean="0">
+                <a:latin typeface="メイリオ" panose="020B0604030504040204" pitchFamily="50" charset="-128"/>
+                <a:ea typeface="メイリオ" panose="020B0604030504040204" pitchFamily="50" charset="-128"/>
+                <a:cs typeface="メイリオ" panose="020B0604030504040204" pitchFamily="50" charset="-128"/>
+              </a:rPr>
+              <a:t>正確性を重視</a:t>
+            </a:r>
+            <a:endParaRPr lang="en-US" altLang="ja-JP" dirty="0" smtClean="0">
+              <a:latin typeface="メイリオ" panose="020B0604030504040204" pitchFamily="50" charset="-128"/>
+              <a:ea typeface="メイリオ" panose="020B0604030504040204" pitchFamily="50" charset="-128"/>
+              <a:cs typeface="メイリオ" panose="020B0604030504040204" pitchFamily="50" charset="-128"/>
+            </a:endParaRPr>
+          </a:p>
+          <a:p>
+            <a:pPr lvl="1"/>
+            <a:r>
+              <a:rPr lang="ja-JP" altLang="en-US" dirty="0" smtClean="0">
+                <a:latin typeface="メイリオ" panose="020B0604030504040204" pitchFamily="50" charset="-128"/>
+                <a:ea typeface="メイリオ" panose="020B0604030504040204" pitchFamily="50" charset="-128"/>
+                <a:cs typeface="メイリオ" panose="020B0604030504040204" pitchFamily="50" charset="-128"/>
+              </a:rPr>
+              <a:t> </a:t>
+            </a:r>
+            <a:r>
+              <a:rPr kumimoji="1" lang="ja-JP" altLang="en-US" dirty="0" smtClean="0">
+                <a:latin typeface="メイリオ" panose="020B0604030504040204" pitchFamily="50" charset="-128"/>
+                <a:ea typeface="メイリオ" panose="020B0604030504040204" pitchFamily="50" charset="-128"/>
+                <a:cs typeface="メイリオ" panose="020B0604030504040204" pitchFamily="50" charset="-128"/>
+              </a:rPr>
+              <a:t>提案手法に基づくアプリケーションの開発</a:t>
+            </a:r>
+            <a:endParaRPr kumimoji="1" lang="en-US" altLang="ja-JP" dirty="0" smtClean="0">
+              <a:latin typeface="メイリオ" panose="020B0604030504040204" pitchFamily="50" charset="-128"/>
+              <a:ea typeface="メイリオ" panose="020B0604030504040204" pitchFamily="50" charset="-128"/>
+              <a:cs typeface="メイリオ" panose="020B0604030504040204" pitchFamily="50" charset="-128"/>
+            </a:endParaRPr>
+          </a:p>
+          <a:p>
+            <a:r>
+              <a:rPr lang="ja-JP" altLang="en-US" dirty="0">
+                <a:latin typeface="メイリオ" panose="020B0604030504040204" pitchFamily="50" charset="-128"/>
+                <a:ea typeface="メイリオ" panose="020B0604030504040204" pitchFamily="50" charset="-128"/>
+                <a:cs typeface="メイリオ" panose="020B0604030504040204" pitchFamily="50" charset="-128"/>
+              </a:rPr>
+              <a:t>今後の課題</a:t>
+            </a:r>
+            <a:endParaRPr lang="en-US" altLang="ja-JP" dirty="0">
+              <a:latin typeface="メイリオ" panose="020B0604030504040204" pitchFamily="50" charset="-128"/>
+              <a:ea typeface="メイリオ" panose="020B0604030504040204" pitchFamily="50" charset="-128"/>
+              <a:cs typeface="メイリオ" panose="020B0604030504040204" pitchFamily="50" charset="-128"/>
+            </a:endParaRPr>
+          </a:p>
+          <a:p>
+            <a:pPr lvl="1"/>
+            <a:r>
+              <a:rPr lang="ja-JP" altLang="en-US" dirty="0" smtClean="0">
+                <a:latin typeface="メイリオ" panose="020B0604030504040204" pitchFamily="50" charset="-128"/>
+                <a:ea typeface="メイリオ" panose="020B0604030504040204" pitchFamily="50" charset="-128"/>
+                <a:cs typeface="メイリオ" panose="020B0604030504040204" pitchFamily="50" charset="-128"/>
+              </a:rPr>
+              <a:t> 動く</a:t>
+            </a:r>
+            <a:r>
+              <a:rPr lang="ja-JP" altLang="en-US" dirty="0">
+                <a:latin typeface="メイリオ" panose="020B0604030504040204" pitchFamily="50" charset="-128"/>
+                <a:ea typeface="メイリオ" panose="020B0604030504040204" pitchFamily="50" charset="-128"/>
+                <a:cs typeface="メイリオ" panose="020B0604030504040204" pitchFamily="50" charset="-128"/>
+              </a:rPr>
+              <a:t>物体への投影</a:t>
+            </a:r>
+            <a:endParaRPr lang="en-US" altLang="ja-JP" dirty="0">
+              <a:latin typeface="メイリオ" panose="020B0604030504040204" pitchFamily="50" charset="-128"/>
+              <a:ea typeface="メイリオ" panose="020B0604030504040204" pitchFamily="50" charset="-128"/>
+              <a:cs typeface="メイリオ" panose="020B0604030504040204" pitchFamily="50" charset="-128"/>
+            </a:endParaRPr>
+          </a:p>
+          <a:p>
+            <a:pPr marL="457200" lvl="1" indent="0">
+              <a:buNone/>
+            </a:pPr>
+            <a:endParaRPr lang="en-US" altLang="ja-JP" dirty="0"/>
+          </a:p>
+          <a:p>
+            <a:pPr lvl="1"/>
+            <a:endParaRPr kumimoji="1" lang="en-US" altLang="ja-JP" dirty="0" smtClean="0"/>
+          </a:p>
+        </p:txBody>
+      </p:sp>
+      <p:sp>
+        <p:nvSpPr>
+          <p:cNvPr id="4" name="スライド番号プレースホルダー 3"/>
+          <p:cNvSpPr>
+            <a:spLocks noGrp="1"/>
+          </p:cNvSpPr>
+          <p:nvPr>
+            <p:ph type="sldNum" sz="quarter" idx="12"/>
+          </p:nvPr>
+        </p:nvSpPr>
+        <p:spPr/>
+        <p:txBody>
+          <a:bodyPr/>
+          <a:lstStyle/>
+          <a:p>
+            <a:fld id="{D64230CA-0B4E-4B5F-AAC4-223E39B2A9CE}" type="slidenum">
+              <a:rPr kumimoji="1" lang="ja-JP" altLang="en-US" smtClean="0"/>
+              <a:t>22</a:t>
+            </a:fld>
+            <a:endParaRPr kumimoji="1" lang="ja-JP" altLang="en-US"/>
+          </a:p>
+        </p:txBody>
+      </p:sp>
+    </p:spTree>
+    <p:extLst>
+      <p:ext uri="{BB962C8B-B14F-4D97-AF65-F5344CB8AC3E}">
+        <p14:creationId xmlns:p14="http://schemas.microsoft.com/office/powerpoint/2010/main" val="4151146297"/>
+      </p:ext>
+    </p:extLst>
+  </p:cSld>
+  <p:clrMapOvr>
+    <a:masterClrMapping/>
+  </p:clrMapOvr>
+</p:sld>
+</file>
+
+<file path=ppt/slides/slide23.xml><?xml version="1.0" encoding="utf-8"?>
+<p:sld xmlns:a="http://schemas.openxmlformats.org/drawingml/2006/main" xmlns:r="http://schemas.openxmlformats.org/officeDocument/2006/relationships" xmlns:p="http://schemas.openxmlformats.org/presentationml/2006/main">
+  <p:cSld>
+    <p:spTree>
+      <p:nvGrpSpPr>
+        <p:cNvPr id="1" name=""/>
+        <p:cNvGrpSpPr/>
+        <p:nvPr/>
+      </p:nvGrpSpPr>
+      <p:grpSpPr>
+        <a:xfrm>
+          <a:off x="0" y="0"/>
+          <a:ext cx="0" cy="0"/>
+          <a:chOff x="0" y="0"/>
+          <a:chExt cx="0" cy="0"/>
+        </a:xfrm>
+      </p:grpSpPr>
+      <p:sp>
+        <p:nvSpPr>
+          <p:cNvPr id="2" name="タイトル 1"/>
+          <p:cNvSpPr>
+            <a:spLocks noGrp="1"/>
+          </p:cNvSpPr>
+          <p:nvPr>
+            <p:ph type="title"/>
+          </p:nvPr>
+        </p:nvSpPr>
+        <p:spPr/>
+        <p:txBody>
+          <a:bodyPr/>
+          <a:lstStyle/>
+          <a:p>
+            <a:endParaRPr kumimoji="1" lang="ja-JP" altLang="en-US" dirty="0"/>
+          </a:p>
+        </p:txBody>
+      </p:sp>
+      <p:sp>
+        <p:nvSpPr>
+          <p:cNvPr id="3" name="コンテンツ プレースホルダー 2"/>
+          <p:cNvSpPr>
+            <a:spLocks noGrp="1"/>
+          </p:cNvSpPr>
+          <p:nvPr>
+            <p:ph idx="1"/>
+          </p:nvPr>
+        </p:nvSpPr>
+        <p:spPr/>
+        <p:txBody>
+          <a:bodyPr/>
+          <a:lstStyle/>
+          <a:p>
+            <a:endParaRPr kumimoji="1" lang="ja-JP" altLang="en-US" dirty="0"/>
+          </a:p>
+        </p:txBody>
+      </p:sp>
+      <p:sp>
+        <p:nvSpPr>
+          <p:cNvPr id="4" name="スライド番号プレースホルダー 3"/>
+          <p:cNvSpPr>
+            <a:spLocks noGrp="1"/>
+          </p:cNvSpPr>
+          <p:nvPr>
+            <p:ph type="sldNum" sz="quarter" idx="12"/>
+          </p:nvPr>
+        </p:nvSpPr>
+        <p:spPr/>
+        <p:txBody>
+          <a:bodyPr/>
+          <a:lstStyle/>
+          <a:p>
+            <a:fld id="{D64230CA-0B4E-4B5F-AAC4-223E39B2A9CE}" type="slidenum">
+              <a:rPr kumimoji="1" lang="ja-JP" altLang="en-US" smtClean="0"/>
+              <a:t>23</a:t>
+            </a:fld>
+            <a:endParaRPr kumimoji="1" lang="ja-JP" altLang="en-US"/>
+          </a:p>
+        </p:txBody>
+      </p:sp>
+    </p:spTree>
+    <p:extLst>
+      <p:ext uri="{BB962C8B-B14F-4D97-AF65-F5344CB8AC3E}">
+        <p14:creationId xmlns:p14="http://schemas.microsoft.com/office/powerpoint/2010/main" val="29162626"/>
+      </p:ext>
+    </p:extLst>
+  </p:cSld>
+  <p:clrMapOvr>
+    <a:masterClrMapping/>
+  </p:clrMapOvr>
 </p:sld>
 </file>
 
@@ -16693,15 +19173,7 @@
                 <a:ea typeface="メイリオ" panose="020B0604030504040204" pitchFamily="50" charset="-128"/>
                 <a:cs typeface="メイリオ" panose="020B0604030504040204" pitchFamily="50" charset="-128"/>
               </a:rPr>
-              <a:t>光学センサ</a:t>
-            </a:r>
-            <a:r>
-              <a:rPr lang="ja-JP" altLang="en-US" dirty="0" smtClean="0">
-                <a:latin typeface="メイリオ" panose="020B0604030504040204" pitchFamily="50" charset="-128"/>
-                <a:ea typeface="メイリオ" panose="020B0604030504040204" pitchFamily="50" charset="-128"/>
-                <a:cs typeface="メイリオ" panose="020B0604030504040204" pitchFamily="50" charset="-128"/>
-              </a:rPr>
-              <a:t>をターゲットスクリーンに埋める</a:t>
+              <a:t>光学センサをターゲットスクリーンに埋める</a:t>
             </a:r>
             <a:endParaRPr lang="en-US" altLang="ja-JP" dirty="0" smtClean="0">
               <a:latin typeface="メイリオ" panose="020B0604030504040204" pitchFamily="50" charset="-128"/>
@@ -16720,7 +19192,15 @@
                 <a:ea typeface="メイリオ" panose="020B0604030504040204" pitchFamily="50" charset="-128"/>
                 <a:cs typeface="メイリオ" panose="020B0604030504040204" pitchFamily="50" charset="-128"/>
               </a:rPr>
-              <a:t>光学センサ</a:t>
+              <a:t>光学センサの位置情報を</a:t>
+            </a:r>
+            <a:r>
+              <a:rPr lang="ja-JP" altLang="en-US" dirty="0">
+                <a:latin typeface="メイリオ" panose="020B0604030504040204" pitchFamily="50" charset="-128"/>
+                <a:ea typeface="メイリオ" panose="020B0604030504040204" pitchFamily="50" charset="-128"/>
+                <a:cs typeface="メイリオ" panose="020B0604030504040204" pitchFamily="50" charset="-128"/>
+              </a:rPr>
+              <a:t>推定</a:t>
             </a:r>
             <a:r>
               <a:rPr lang="ja-JP" altLang="en-US" dirty="0" smtClean="0">
@@ -16728,39 +19208,7 @@
                 <a:ea typeface="メイリオ" panose="020B0604030504040204" pitchFamily="50" charset="-128"/>
                 <a:cs typeface="メイリオ" panose="020B0604030504040204" pitchFamily="50" charset="-128"/>
               </a:rPr>
-              <a:t>の位置情報</a:t>
-            </a:r>
-            <a:r>
-              <a:rPr lang="ja-JP" altLang="en-US" dirty="0" smtClean="0">
-                <a:latin typeface="メイリオ" panose="020B0604030504040204" pitchFamily="50" charset="-128"/>
-                <a:ea typeface="メイリオ" panose="020B0604030504040204" pitchFamily="50" charset="-128"/>
-                <a:cs typeface="メイリオ" panose="020B0604030504040204" pitchFamily="50" charset="-128"/>
-              </a:rPr>
-              <a:t>を</a:t>
-            </a:r>
-            <a:r>
-              <a:rPr lang="ja-JP" altLang="en-US" dirty="0">
-                <a:latin typeface="メイリオ" panose="020B0604030504040204" pitchFamily="50" charset="-128"/>
-                <a:ea typeface="メイリオ" panose="020B0604030504040204" pitchFamily="50" charset="-128"/>
-                <a:cs typeface="メイリオ" panose="020B0604030504040204" pitchFamily="50" charset="-128"/>
-              </a:rPr>
-              <a:t>推定</a:t>
-            </a:r>
-            <a:r>
-              <a:rPr lang="ja-JP" altLang="en-US" dirty="0" smtClean="0">
-                <a:latin typeface="メイリオ" panose="020B0604030504040204" pitchFamily="50" charset="-128"/>
-                <a:ea typeface="メイリオ" panose="020B0604030504040204" pitchFamily="50" charset="-128"/>
-                <a:cs typeface="メイリオ" panose="020B0604030504040204" pitchFamily="50" charset="-128"/>
-              </a:rPr>
-              <a:t>する</a:t>
-            </a:r>
-            <a:r>
-              <a:rPr lang="ja-JP" altLang="en-US" dirty="0" smtClean="0">
-                <a:latin typeface="メイリオ" panose="020B0604030504040204" pitchFamily="50" charset="-128"/>
-                <a:ea typeface="メイリオ" panose="020B0604030504040204" pitchFamily="50" charset="-128"/>
-                <a:cs typeface="メイリオ" panose="020B0604030504040204" pitchFamily="50" charset="-128"/>
-              </a:rPr>
-              <a:t>ためバイナリパターンを照射</a:t>
+              <a:t>するためバイナリパターンを照射</a:t>
             </a:r>
             <a:endParaRPr lang="en-US" altLang="ja-JP" dirty="0" smtClean="0">
               <a:latin typeface="メイリオ" panose="020B0604030504040204" pitchFamily="50" charset="-128"/>
@@ -16812,15 +19260,7 @@
                 <a:ea typeface="メイリオ" panose="020B0604030504040204" pitchFamily="50" charset="-128"/>
                 <a:cs typeface="メイリオ" panose="020B0604030504040204" pitchFamily="50" charset="-128"/>
               </a:rPr>
-              <a:t>光学センサ</a:t>
-            </a:r>
-            <a:r>
-              <a:rPr lang="ja-JP" altLang="en-US" dirty="0" smtClean="0">
-                <a:latin typeface="メイリオ" panose="020B0604030504040204" pitchFamily="50" charset="-128"/>
-                <a:ea typeface="メイリオ" panose="020B0604030504040204" pitchFamily="50" charset="-128"/>
-                <a:cs typeface="メイリオ" panose="020B0604030504040204" pitchFamily="50" charset="-128"/>
-              </a:rPr>
-              <a:t>の位置からスクリーンの大きさ</a:t>
+              <a:t>光学センサの位置からスクリーンの大きさ</a:t>
             </a:r>
             <a:r>
               <a:rPr lang="en-US" altLang="ja-JP" dirty="0" smtClean="0">
